--- a/slides/04- Bayesian models/ML4NuerScience_BayesianModels.pptx
+++ b/slides/04- Bayesian models/ML4NuerScience_BayesianModels.pptx
@@ -363,7 +363,7 @@
               <a:pPr>
                 <a:defRPr/>
               </a:pPr>
-              <a:t>29/12/2023</a:t>
+              <a:t>18/01/2024</a:t>
             </a:fld>
             <a:endParaRPr lang="en-GB" altLang="en-US" dirty="0"/>
           </a:p>
@@ -597,7 +597,7 @@
               <a:pPr>
                 <a:defRPr/>
               </a:pPr>
-              <a:t>29/12/2023</a:t>
+              <a:t>18/01/2024</a:t>
             </a:fld>
             <a:endParaRPr lang="en-GB" altLang="en-US" dirty="0"/>
           </a:p>
@@ -1372,7 +1372,7 @@
               <a:pPr>
                 <a:defRPr/>
               </a:pPr>
-              <a:t>29/12/2023</a:t>
+              <a:t>18/01/2024</a:t>
             </a:fld>
             <a:endParaRPr lang="en-GB" altLang="en-US" dirty="0"/>
           </a:p>
@@ -1635,7 +1635,7 @@
               <a:pPr>
                 <a:defRPr/>
               </a:pPr>
-              <a:t>29/12/2023</a:t>
+              <a:t>18/01/2024</a:t>
             </a:fld>
             <a:endParaRPr lang="en-GB" altLang="en-US" dirty="0"/>
           </a:p>
@@ -1873,7 +1873,7 @@
               <a:pPr>
                 <a:defRPr/>
               </a:pPr>
-              <a:t>29/12/2023</a:t>
+              <a:t>18/01/2024</a:t>
             </a:fld>
             <a:endParaRPr lang="en-GB" altLang="en-US" dirty="0"/>
           </a:p>
@@ -2207,7 +2207,7 @@
               <a:pPr>
                 <a:defRPr/>
               </a:pPr>
-              <a:t>29/12/2023</a:t>
+              <a:t>18/01/2024</a:t>
             </a:fld>
             <a:endParaRPr lang="en-GB" altLang="en-US" dirty="0"/>
           </a:p>
@@ -2680,7 +2680,7 @@
               <a:pPr>
                 <a:defRPr/>
               </a:pPr>
-              <a:t>29/12/2023</a:t>
+              <a:t>18/01/2024</a:t>
             </a:fld>
             <a:endParaRPr lang="en-GB" altLang="en-US" dirty="0"/>
           </a:p>
@@ -2844,7 +2844,7 @@
               <a:pPr>
                 <a:defRPr/>
               </a:pPr>
-              <a:t>29/12/2023</a:t>
+              <a:t>18/01/2024</a:t>
             </a:fld>
             <a:endParaRPr lang="en-GB" altLang="en-US" dirty="0"/>
           </a:p>
@@ -2985,7 +2985,7 @@
               <a:pPr>
                 <a:defRPr/>
               </a:pPr>
-              <a:t>29/12/2023</a:t>
+              <a:t>18/01/2024</a:t>
             </a:fld>
             <a:endParaRPr lang="en-GB" altLang="en-US" dirty="0"/>
           </a:p>
@@ -3285,7 +3285,7 @@
               <a:pPr>
                 <a:defRPr/>
               </a:pPr>
-              <a:t>29/12/2023</a:t>
+              <a:t>18/01/2024</a:t>
             </a:fld>
             <a:endParaRPr lang="en-GB" altLang="en-US" dirty="0"/>
           </a:p>
@@ -3611,7 +3611,7 @@
               <a:pPr>
                 <a:defRPr/>
               </a:pPr>
-              <a:t>29/12/2023</a:t>
+              <a:t>18/01/2024</a:t>
             </a:fld>
             <a:endParaRPr lang="en-GB" altLang="en-US" dirty="0"/>
           </a:p>
@@ -20612,8 +20612,8 @@
           </a:p>
         </p:txBody>
       </p:sp>
-      <mc:AlternateContent xmlns:mc="http://schemas.openxmlformats.org/markup-compatibility/2006" xmlns:a14="http://schemas.microsoft.com/office/drawing/2010/main">
-        <mc:Choice Requires="a14">
+      <mc:AlternateContent xmlns:mc="http://schemas.openxmlformats.org/markup-compatibility/2006">
+        <mc:Choice xmlns:a14="http://schemas.microsoft.com/office/drawing/2010/main" Requires="a14">
           <p:sp>
             <p:nvSpPr>
               <p:cNvPr id="5" name="TextBox 4">
@@ -20629,7 +20629,7 @@
             <p:spPr>
               <a:xfrm>
                 <a:off x="1079873" y="2681131"/>
-                <a:ext cx="4552336" cy="944489"/>
+                <a:ext cx="4790607" cy="944489"/>
               </a:xfrm>
               <a:prstGeom prst="rect">
                 <a:avLst/>
@@ -20653,7 +20653,7 @@
                         <a:rPr lang="en-GB" b="0" i="1" smtClean="0">
                           <a:latin typeface="Cambria Math" panose="02040503050406030204" pitchFamily="18" charset="0"/>
                         </a:rPr>
-                        <m:t>𝑅𝑒𝑐𝑎𝑙𝑙</m:t>
+                        <m:t>𝐴𝑐𝑐𝑢𝑟𝑎𝑐𝑦</m:t>
                       </m:r>
                       <m:r>
                         <a:rPr lang="en-GB" b="0" i="1" smtClean="0">
@@ -20769,7 +20769,7 @@
             </p:txBody>
           </p:sp>
         </mc:Choice>
-        <mc:Fallback xmlns="">
+        <mc:Fallback>
           <p:sp>
             <p:nvSpPr>
               <p:cNvPr id="5" name="TextBox 4">
@@ -20787,7 +20787,7 @@
             <p:spPr>
               <a:xfrm>
                 <a:off x="1079873" y="2681131"/>
-                <a:ext cx="4552336" cy="944489"/>
+                <a:ext cx="4790607" cy="944489"/>
               </a:xfrm>
               <a:prstGeom prst="rect">
                 <a:avLst/>
@@ -20814,8 +20814,8 @@
           </p:sp>
         </mc:Fallback>
       </mc:AlternateContent>
-      <mc:AlternateContent xmlns:mc="http://schemas.openxmlformats.org/markup-compatibility/2006" xmlns:a14="http://schemas.microsoft.com/office/drawing/2010/main">
-        <mc:Choice Requires="a14">
+      <mc:AlternateContent xmlns:mc="http://schemas.openxmlformats.org/markup-compatibility/2006">
+        <mc:Choice xmlns:a14="http://schemas.microsoft.com/office/drawing/2010/main" Requires="a14">
           <p:sp>
             <p:nvSpPr>
               <p:cNvPr id="6" name="TextBox 5">
@@ -20831,7 +20831,7 @@
             <p:spPr>
               <a:xfrm>
                 <a:off x="1108026" y="3752620"/>
-                <a:ext cx="3279488" cy="892488"/>
+                <a:ext cx="3598357" cy="892488"/>
               </a:xfrm>
               <a:prstGeom prst="rect">
                 <a:avLst/>
@@ -20855,7 +20855,7 @@
                         <a:rPr lang="en-GB" b="0" i="1" smtClean="0">
                           <a:latin typeface="Cambria Math" panose="02040503050406030204" pitchFamily="18" charset="0"/>
                         </a:rPr>
-                        <m:t>𝑅𝑒𝑐𝑎𝑙𝑙</m:t>
+                        <m:t>𝐴𝑐𝑐𝑢𝑟𝑎𝑐𝑦</m:t>
                       </m:r>
                       <m:r>
                         <a:rPr lang="en-GB" b="0" i="1" smtClean="0">
@@ -20947,7 +20947,7 @@
             </p:txBody>
           </p:sp>
         </mc:Choice>
-        <mc:Fallback xmlns="">
+        <mc:Fallback>
           <p:sp>
             <p:nvSpPr>
               <p:cNvPr id="6" name="TextBox 5">
@@ -20965,7 +20965,7 @@
             <p:spPr>
               <a:xfrm>
                 <a:off x="1108026" y="3752620"/>
-                <a:ext cx="3279488" cy="892488"/>
+                <a:ext cx="3598357" cy="892488"/>
               </a:xfrm>
               <a:prstGeom prst="rect">
                 <a:avLst/>
@@ -21989,7 +21989,7 @@
                 </a:solidFill>
                 <a:effectLst/>
               </a:rPr>
-              <a:t>False Negative Rate (FNR)</a:t>
+              <a:t>False Positive Rate (FPR)</a:t>
             </a:r>
           </a:p>
           <a:p>
@@ -22197,148 +22197,6 @@
               </a:prstGeom>
               <a:blipFill>
                 <a:blip r:embed="rId2"/>
-                <a:stretch>
-                  <a:fillRect/>
-                </a:stretch>
-              </a:blipFill>
-            </p:spPr>
-            <p:txBody>
-              <a:bodyPr/>
-              <a:lstStyle/>
-              <a:p>
-                <a:r>
-                  <a:rPr lang="en-GB">
-                    <a:noFill/>
-                  </a:rPr>
-                  <a:t> </a:t>
-                </a:r>
-              </a:p>
-            </p:txBody>
-          </p:sp>
-        </mc:Fallback>
-      </mc:AlternateContent>
-      <mc:AlternateContent xmlns:mc="http://schemas.openxmlformats.org/markup-compatibility/2006" xmlns:a14="http://schemas.microsoft.com/office/drawing/2010/main">
-        <mc:Choice Requires="a14">
-          <p:sp>
-            <p:nvSpPr>
-              <p:cNvPr id="8" name="TextBox 7">
-                <a:extLst>
-                  <a:ext uri="{FF2B5EF4-FFF2-40B4-BE49-F238E27FC236}">
-                    <a16:creationId xmlns:a16="http://schemas.microsoft.com/office/drawing/2014/main" id="{F6B353A0-C484-9EA7-3634-1C4463DBE4C4}"/>
-                  </a:ext>
-                </a:extLst>
-              </p:cNvPr>
-              <p:cNvSpPr txBox="1"/>
-              <p:nvPr/>
-            </p:nvSpPr>
-            <p:spPr>
-              <a:xfrm>
-                <a:off x="899591" y="4081636"/>
-                <a:ext cx="2022670" cy="892488"/>
-              </a:xfrm>
-              <a:prstGeom prst="rect">
-                <a:avLst/>
-              </a:prstGeom>
-              <a:noFill/>
-            </p:spPr>
-            <p:txBody>
-              <a:bodyPr wrap="none" rtlCol="0">
-                <a:spAutoFit/>
-              </a:bodyPr>
-              <a:lstStyle/>
-              <a:p>
-                <a:pPr/>
-                <a14:m>
-                  <m:oMathPara xmlns:m="http://schemas.openxmlformats.org/officeDocument/2006/math">
-                    <m:oMathParaPr>
-                      <m:jc m:val="centerGroup"/>
-                    </m:oMathParaPr>
-                    <m:oMath xmlns:m="http://schemas.openxmlformats.org/officeDocument/2006/math">
-                      <m:r>
-                        <a:rPr lang="en-GB" b="0" i="1" smtClean="0">
-                          <a:latin typeface="Cambria Math" panose="02040503050406030204" pitchFamily="18" charset="0"/>
-                        </a:rPr>
-                        <m:t>𝐹𝑁𝑅</m:t>
-                      </m:r>
-                      <m:r>
-                        <a:rPr lang="en-GB" b="0" i="1" smtClean="0">
-                          <a:latin typeface="Cambria Math" panose="02040503050406030204" pitchFamily="18" charset="0"/>
-                        </a:rPr>
-                        <m:t>= </m:t>
-                      </m:r>
-                      <m:f>
-                        <m:fPr>
-                          <m:ctrlPr>
-                            <a:rPr lang="en-GB" b="0" i="1" smtClean="0">
-                              <a:latin typeface="Cambria Math" panose="02040503050406030204" pitchFamily="18" charset="0"/>
-                            </a:rPr>
-                          </m:ctrlPr>
-                        </m:fPr>
-                        <m:num>
-                          <m:r>
-                            <a:rPr lang="en-GB" b="0" i="1" smtClean="0">
-                              <a:latin typeface="Cambria Math" panose="02040503050406030204" pitchFamily="18" charset="0"/>
-                            </a:rPr>
-                            <m:t>𝐹𝑁</m:t>
-                          </m:r>
-                        </m:num>
-                        <m:den>
-                          <m:r>
-                            <a:rPr lang="en-GB" b="0" i="1" smtClean="0">
-                              <a:latin typeface="Cambria Math" panose="02040503050406030204" pitchFamily="18" charset="0"/>
-                            </a:rPr>
-                            <m:t>𝐹𝑁</m:t>
-                          </m:r>
-                          <m:r>
-                            <a:rPr lang="en-GB" b="0" i="1" smtClean="0">
-                              <a:latin typeface="Cambria Math" panose="02040503050406030204" pitchFamily="18" charset="0"/>
-                            </a:rPr>
-                            <m:t>+</m:t>
-                          </m:r>
-                          <m:r>
-                            <a:rPr lang="en-GB" b="0" i="1" smtClean="0">
-                              <a:latin typeface="Cambria Math" panose="02040503050406030204" pitchFamily="18" charset="0"/>
-                            </a:rPr>
-                            <m:t>𝑇𝑁</m:t>
-                          </m:r>
-                        </m:den>
-                      </m:f>
-                    </m:oMath>
-                  </m:oMathPara>
-                </a14:m>
-                <a:endParaRPr lang="en-GB" dirty="0"/>
-              </a:p>
-              <a:p>
-                <a:endParaRPr lang="en-GB" dirty="0"/>
-              </a:p>
-            </p:txBody>
-          </p:sp>
-        </mc:Choice>
-        <mc:Fallback xmlns="">
-          <p:sp>
-            <p:nvSpPr>
-              <p:cNvPr id="8" name="TextBox 7">
-                <a:extLst>
-                  <a:ext uri="{FF2B5EF4-FFF2-40B4-BE49-F238E27FC236}">
-                    <a16:creationId xmlns:a16="http://schemas.microsoft.com/office/drawing/2014/main" id="{F6B353A0-C484-9EA7-3634-1C4463DBE4C4}"/>
-                  </a:ext>
-                </a:extLst>
-              </p:cNvPr>
-              <p:cNvSpPr txBox="1">
-                <a:spLocks noRot="1" noChangeAspect="1" noMove="1" noResize="1" noEditPoints="1" noAdjustHandles="1" noChangeArrowheads="1" noChangeShapeType="1" noTextEdit="1"/>
-              </p:cNvSpPr>
-              <p:nvPr/>
-            </p:nvSpPr>
-            <p:spPr>
-              <a:xfrm>
-                <a:off x="899591" y="4081636"/>
-                <a:ext cx="2022670" cy="892488"/>
-              </a:xfrm>
-              <a:prstGeom prst="rect">
-                <a:avLst/>
-              </a:prstGeom>
-              <a:blipFill>
-                <a:blip r:embed="rId3"/>
                 <a:stretch>
                   <a:fillRect/>
                 </a:stretch>
@@ -26704,8 +26562,8 @@
           </p:sp>
         </mc:Fallback>
       </mc:AlternateContent>
-      <mc:AlternateContent xmlns:mc="http://schemas.openxmlformats.org/markup-compatibility/2006" xmlns:a14="http://schemas.microsoft.com/office/drawing/2010/main">
-        <mc:Choice Requires="a14">
+      <mc:AlternateContent xmlns:mc="http://schemas.openxmlformats.org/markup-compatibility/2006">
+        <mc:Choice xmlns:a14="http://schemas.microsoft.com/office/drawing/2010/main" Requires="a14">
           <p:sp>
             <p:nvSpPr>
               <p:cNvPr id="10" name="TextBox 9">
@@ -26721,7 +26579,7 @@
             <p:spPr>
               <a:xfrm>
                 <a:off x="3928158" y="2165812"/>
-                <a:ext cx="3279488" cy="892488"/>
+                <a:ext cx="3598357" cy="892488"/>
               </a:xfrm>
               <a:prstGeom prst="rect">
                 <a:avLst/>
@@ -26745,7 +26603,7 @@
                         <a:rPr lang="en-GB" b="0" i="1" smtClean="0">
                           <a:latin typeface="Cambria Math" panose="02040503050406030204" pitchFamily="18" charset="0"/>
                         </a:rPr>
-                        <m:t>𝑅𝑒𝑐𝑎𝑙𝑙</m:t>
+                        <m:t>𝐴𝑐𝑐𝑢𝑟𝑎𝑐𝑦</m:t>
                       </m:r>
                       <m:r>
                         <a:rPr lang="en-GB" b="0" i="1" smtClean="0">
@@ -26837,7 +26695,7 @@
             </p:txBody>
           </p:sp>
         </mc:Choice>
-        <mc:Fallback xmlns="">
+        <mc:Fallback>
           <p:sp>
             <p:nvSpPr>
               <p:cNvPr id="10" name="TextBox 9">
@@ -26855,7 +26713,7 @@
             <p:spPr>
               <a:xfrm>
                 <a:off x="3928158" y="2165812"/>
-                <a:ext cx="3279488" cy="892488"/>
+                <a:ext cx="3598357" cy="892488"/>
               </a:xfrm>
               <a:prstGeom prst="rect">
                 <a:avLst/>

--- a/slides/04- Bayesian models/ML4NuerScience_BayesianModels.pptx
+++ b/slides/04- Bayesian models/ML4NuerScience_BayesianModels.pptx
@@ -5,10 +5,10 @@
     <p:sldMasterId id="2147483685" r:id="rId1"/>
   </p:sldMasterIdLst>
   <p:notesMasterIdLst>
-    <p:notesMasterId r:id="rId64"/>
+    <p:notesMasterId r:id="rId66"/>
   </p:notesMasterIdLst>
   <p:handoutMasterIdLst>
-    <p:handoutMasterId r:id="rId65"/>
+    <p:handoutMasterId r:id="rId67"/>
   </p:handoutMasterIdLst>
   <p:sldIdLst>
     <p:sldId id="297" r:id="rId2"/>
@@ -22,57 +22,59 @@
     <p:sldId id="1209" r:id="rId10"/>
     <p:sldId id="1210" r:id="rId11"/>
     <p:sldId id="1212" r:id="rId12"/>
-    <p:sldId id="1213" r:id="rId13"/>
-    <p:sldId id="1214" r:id="rId14"/>
-    <p:sldId id="1215" r:id="rId15"/>
-    <p:sldId id="1220" r:id="rId16"/>
-    <p:sldId id="1221" r:id="rId17"/>
-    <p:sldId id="1222" r:id="rId18"/>
-    <p:sldId id="1223" r:id="rId19"/>
-    <p:sldId id="1225" r:id="rId20"/>
-    <p:sldId id="1226" r:id="rId21"/>
-    <p:sldId id="1227" r:id="rId22"/>
-    <p:sldId id="1228" r:id="rId23"/>
-    <p:sldId id="1230" r:id="rId24"/>
-    <p:sldId id="1231" r:id="rId25"/>
-    <p:sldId id="1232" r:id="rId26"/>
-    <p:sldId id="1233" r:id="rId27"/>
-    <p:sldId id="1234" r:id="rId28"/>
-    <p:sldId id="1279" r:id="rId29"/>
-    <p:sldId id="1235" r:id="rId30"/>
-    <p:sldId id="1236" r:id="rId31"/>
-    <p:sldId id="1237" r:id="rId32"/>
-    <p:sldId id="1238" r:id="rId33"/>
-    <p:sldId id="1239" r:id="rId34"/>
-    <p:sldId id="1240" r:id="rId35"/>
-    <p:sldId id="1251" r:id="rId36"/>
-    <p:sldId id="1252" r:id="rId37"/>
-    <p:sldId id="1253" r:id="rId38"/>
-    <p:sldId id="1254" r:id="rId39"/>
-    <p:sldId id="1255" r:id="rId40"/>
-    <p:sldId id="1256" r:id="rId41"/>
-    <p:sldId id="1257" r:id="rId42"/>
-    <p:sldId id="1258" r:id="rId43"/>
-    <p:sldId id="1259" r:id="rId44"/>
-    <p:sldId id="1260" r:id="rId45"/>
-    <p:sldId id="1261" r:id="rId46"/>
-    <p:sldId id="1281" r:id="rId47"/>
-    <p:sldId id="1262" r:id="rId48"/>
-    <p:sldId id="1263" r:id="rId49"/>
-    <p:sldId id="1264" r:id="rId50"/>
-    <p:sldId id="1265" r:id="rId51"/>
-    <p:sldId id="1267" r:id="rId52"/>
-    <p:sldId id="1268" r:id="rId53"/>
-    <p:sldId id="1269" r:id="rId54"/>
-    <p:sldId id="1271" r:id="rId55"/>
-    <p:sldId id="1273" r:id="rId56"/>
-    <p:sldId id="1266" r:id="rId57"/>
-    <p:sldId id="1275" r:id="rId58"/>
-    <p:sldId id="1276" r:id="rId59"/>
-    <p:sldId id="1277" r:id="rId60"/>
-    <p:sldId id="1270" r:id="rId61"/>
-    <p:sldId id="1229" r:id="rId62"/>
-    <p:sldId id="1280" r:id="rId63"/>
+    <p:sldId id="1282" r:id="rId13"/>
+    <p:sldId id="1213" r:id="rId14"/>
+    <p:sldId id="1214" r:id="rId15"/>
+    <p:sldId id="1215" r:id="rId16"/>
+    <p:sldId id="1220" r:id="rId17"/>
+    <p:sldId id="1221" r:id="rId18"/>
+    <p:sldId id="1222" r:id="rId19"/>
+    <p:sldId id="1223" r:id="rId20"/>
+    <p:sldId id="1225" r:id="rId21"/>
+    <p:sldId id="1226" r:id="rId22"/>
+    <p:sldId id="1227" r:id="rId23"/>
+    <p:sldId id="1228" r:id="rId24"/>
+    <p:sldId id="1230" r:id="rId25"/>
+    <p:sldId id="1231" r:id="rId26"/>
+    <p:sldId id="1232" r:id="rId27"/>
+    <p:sldId id="1233" r:id="rId28"/>
+    <p:sldId id="1234" r:id="rId29"/>
+    <p:sldId id="1279" r:id="rId30"/>
+    <p:sldId id="1235" r:id="rId31"/>
+    <p:sldId id="1236" r:id="rId32"/>
+    <p:sldId id="1237" r:id="rId33"/>
+    <p:sldId id="1238" r:id="rId34"/>
+    <p:sldId id="1239" r:id="rId35"/>
+    <p:sldId id="1240" r:id="rId36"/>
+    <p:sldId id="1251" r:id="rId37"/>
+    <p:sldId id="1252" r:id="rId38"/>
+    <p:sldId id="1253" r:id="rId39"/>
+    <p:sldId id="1254" r:id="rId40"/>
+    <p:sldId id="1255" r:id="rId41"/>
+    <p:sldId id="1256" r:id="rId42"/>
+    <p:sldId id="1257" r:id="rId43"/>
+    <p:sldId id="1258" r:id="rId44"/>
+    <p:sldId id="1259" r:id="rId45"/>
+    <p:sldId id="1260" r:id="rId46"/>
+    <p:sldId id="1261" r:id="rId47"/>
+    <p:sldId id="1281" r:id="rId48"/>
+    <p:sldId id="1262" r:id="rId49"/>
+    <p:sldId id="1263" r:id="rId50"/>
+    <p:sldId id="1264" r:id="rId51"/>
+    <p:sldId id="1265" r:id="rId52"/>
+    <p:sldId id="1267" r:id="rId53"/>
+    <p:sldId id="1268" r:id="rId54"/>
+    <p:sldId id="1269" r:id="rId55"/>
+    <p:sldId id="1271" r:id="rId56"/>
+    <p:sldId id="1273" r:id="rId57"/>
+    <p:sldId id="1266" r:id="rId58"/>
+    <p:sldId id="1283" r:id="rId59"/>
+    <p:sldId id="1275" r:id="rId60"/>
+    <p:sldId id="1276" r:id="rId61"/>
+    <p:sldId id="1277" r:id="rId62"/>
+    <p:sldId id="1270" r:id="rId63"/>
+    <p:sldId id="1229" r:id="rId64"/>
+    <p:sldId id="1280" r:id="rId65"/>
   </p:sldIdLst>
   <p:sldSz cx="12192000" cy="6858000"/>
   <p:notesSz cx="7099300" cy="10234613"/>
@@ -360,7 +362,7 @@
               <a:pPr>
                 <a:defRPr/>
               </a:pPr>
-              <a:t>28/12/2024</a:t>
+              <a:t>29/12/2025</a:t>
             </a:fld>
             <a:endParaRPr lang="en-GB" altLang="en-US" dirty="0"/>
           </a:p>
@@ -594,7 +596,7 @@
               <a:pPr>
                 <a:defRPr/>
               </a:pPr>
-              <a:t>28/12/2024</a:t>
+              <a:t>29/12/2025</a:t>
             </a:fld>
             <a:endParaRPr lang="en-GB" altLang="en-US" dirty="0"/>
           </a:p>
@@ -1224,6 +1226,1138 @@
 </p:notes>
 </file>
 
+<file path=ppt/notesSlides/notesSlide2.xml><?xml version="1.0" encoding="utf-8"?>
+<p:notes xmlns:a="http://schemas.openxmlformats.org/drawingml/2006/main" xmlns:r="http://schemas.openxmlformats.org/officeDocument/2006/relationships" xmlns:p="http://schemas.openxmlformats.org/presentationml/2006/main">
+  <p:cSld>
+    <p:spTree>
+      <p:nvGrpSpPr>
+        <p:cNvPr id="1" name=""/>
+        <p:cNvGrpSpPr/>
+        <p:nvPr/>
+      </p:nvGrpSpPr>
+      <p:grpSpPr>
+        <a:xfrm>
+          <a:off x="0" y="0"/>
+          <a:ext cx="0" cy="0"/>
+          <a:chOff x="0" y="0"/>
+          <a:chExt cx="0" cy="0"/>
+        </a:xfrm>
+      </p:grpSpPr>
+      <p:sp>
+        <p:nvSpPr>
+          <p:cNvPr id="2" name="Slide Image Placeholder 1"/>
+          <p:cNvSpPr>
+            <a:spLocks noGrp="1" noRot="1" noChangeAspect="1"/>
+          </p:cNvSpPr>
+          <p:nvPr>
+            <p:ph type="sldImg"/>
+          </p:nvPr>
+        </p:nvSpPr>
+        <p:spPr/>
+      </p:sp>
+      <mc:AlternateContent xmlns:mc="http://schemas.openxmlformats.org/markup-compatibility/2006">
+        <mc:Choice xmlns:a14="http://schemas.microsoft.com/office/drawing/2010/main" Requires="a14">
+          <p:sp>
+            <p:nvSpPr>
+              <p:cNvPr id="3" name="Notes Placeholder 2"/>
+              <p:cNvSpPr>
+                <a:spLocks noGrp="1"/>
+              </p:cNvSpPr>
+              <p:nvPr>
+                <p:ph type="body" idx="1"/>
+              </p:nvPr>
+            </p:nvSpPr>
+            <p:spPr/>
+            <p:txBody>
+              <a:bodyPr/>
+              <a:lstStyle/>
+              <a:p>
+                <a:pPr marL="0" marR="0" lvl="0" indent="0" algn="l" defTabSz="914400" rtl="0" eaLnBrk="0" fontAlgn="base" latinLnBrk="0" hangingPunct="0">
+                  <a:lnSpc>
+                    <a:spcPct val="100000"/>
+                  </a:lnSpc>
+                  <a:spcBef>
+                    <a:spcPct val="30000"/>
+                  </a:spcBef>
+                  <a:spcAft>
+                    <a:spcPct val="0"/>
+                  </a:spcAft>
+                  <a:buClrTx/>
+                  <a:buSzTx/>
+                  <a:buFontTx/>
+                  <a:buNone/>
+                  <a:tabLst/>
+                  <a:defRPr/>
+                </a:pPr>
+                <a:r>
+                  <a:rPr lang="en-GB" sz="1538" b="0" i="0" kern="1200" dirty="0">
+                    <a:solidFill>
+                      <a:schemeClr val="tx1"/>
+                    </a:solidFill>
+                    <a:effectLst/>
+                    <a:latin typeface="+mn-lt"/>
+                    <a:ea typeface="ＭＳ Ｐゴシック" charset="0"/>
+                    <a:cs typeface="+mn-cs"/>
+                  </a:rPr>
+                  <a:t>p(</a:t>
+                </a:r>
+                <a:r>
+                  <a:rPr lang="en-GB" sz="1538" b="0" i="0" kern="1200" dirty="0" err="1">
+                    <a:solidFill>
+                      <a:schemeClr val="tx1"/>
+                    </a:solidFill>
+                    <a:effectLst/>
+                    <a:latin typeface="+mn-lt"/>
+                    <a:ea typeface="ＭＳ Ｐゴシック" charset="0"/>
+                    <a:cs typeface="+mn-cs"/>
+                  </a:rPr>
+                  <a:t>y,x</a:t>
+                </a:r>
+                <a:r>
+                  <a:rPr lang="en-GB" sz="1538" b="0" i="0" kern="1200" dirty="0">
+                    <a:solidFill>
+                      <a:schemeClr val="tx1"/>
+                    </a:solidFill>
+                    <a:effectLst/>
+                    <a:latin typeface="+mn-lt"/>
+                    <a:ea typeface="ＭＳ Ｐゴシック" charset="0"/>
+                    <a:cs typeface="+mn-cs"/>
+                  </a:rPr>
+                  <a:t>): Joint probability of the label </a:t>
+                </a:r>
+                <a14:m>
+                  <m:oMath xmlns:m="http://schemas.openxmlformats.org/officeDocument/2006/math">
+                    <m:r>
+                      <a:rPr lang="en-GB" sz="1538" i="1" kern="1200">
+                        <a:solidFill>
+                          <a:schemeClr val="tx1"/>
+                        </a:solidFill>
+                        <a:latin typeface="+mn-lt"/>
+                        <a:ea typeface="ＭＳ Ｐゴシック" charset="0"/>
+                        <a:cs typeface="+mn-cs"/>
+                      </a:rPr>
+                      <m:t>𝑦</m:t>
+                    </m:r>
+                  </m:oMath>
+                </a14:m>
+                <a:r>
+                  <a:rPr lang="en-GB" sz="1538" b="0" i="0" kern="1200" dirty="0">
+                    <a:solidFill>
+                      <a:schemeClr val="tx1"/>
+                    </a:solidFill>
+                    <a:effectLst/>
+                    <a:latin typeface="+mn-lt"/>
+                    <a:ea typeface="ＭＳ Ｐゴシック" charset="0"/>
+                    <a:cs typeface="+mn-cs"/>
+                  </a:rPr>
+                  <a:t> and all features </a:t>
+                </a:r>
+                <a14:m>
+                  <m:oMath xmlns:m="http://schemas.openxmlformats.org/officeDocument/2006/math">
+                    <m:r>
+                      <a:rPr lang="en-GB" sz="1538" b="1" kern="1200">
+                        <a:solidFill>
+                          <a:schemeClr val="tx1"/>
+                        </a:solidFill>
+                        <a:latin typeface="+mn-lt"/>
+                        <a:ea typeface="ＭＳ Ｐゴシック" charset="0"/>
+                        <a:cs typeface="+mn-cs"/>
+                      </a:rPr>
+                      <m:t>𝐱</m:t>
+                    </m:r>
+                  </m:oMath>
+                </a14:m>
+                <a:r>
+                  <a:rPr lang="en-GB" sz="1538" b="0" i="0" kern="1200" dirty="0">
+                    <a:solidFill>
+                      <a:schemeClr val="tx1"/>
+                    </a:solidFill>
+                    <a:effectLst/>
+                    <a:latin typeface="+mn-lt"/>
+                    <a:ea typeface="ＭＳ Ｐゴシック" charset="0"/>
+                    <a:cs typeface="+mn-cs"/>
+                  </a:rPr>
+                  <a:t>.</a:t>
+                </a:r>
+                <a14:m>
+                  <m:oMath xmlns:m="http://schemas.openxmlformats.org/officeDocument/2006/math">
+                    <m:r>
+                      <a:rPr lang="en-GB" sz="1538" i="1" kern="1200">
+                        <a:solidFill>
+                          <a:schemeClr val="tx1"/>
+                        </a:solidFill>
+                        <a:latin typeface="+mn-lt"/>
+                        <a:ea typeface="ＭＳ Ｐゴシック" charset="0"/>
+                        <a:cs typeface="+mn-cs"/>
+                      </a:rPr>
+                      <m:t>𝑝</m:t>
+                    </m:r>
+                    <m:d>
+                      <m:dPr>
+                        <m:ctrlPr>
+                          <a:rPr lang="ar-AE" sz="1538" i="1" kern="1200">
+                            <a:solidFill>
+                              <a:schemeClr val="tx1"/>
+                            </a:solidFill>
+                            <a:latin typeface="+mn-lt"/>
+                            <a:ea typeface="ＭＳ Ｐゴシック" charset="0"/>
+                            <a:cs typeface="+mn-cs"/>
+                          </a:rPr>
+                        </m:ctrlPr>
+                      </m:dPr>
+                      <m:e>
+                        <m:r>
+                          <a:rPr lang="ar-AE" sz="1538" i="1" kern="1200">
+                            <a:solidFill>
+                              <a:schemeClr val="tx1"/>
+                            </a:solidFill>
+                            <a:latin typeface="+mn-lt"/>
+                            <a:ea typeface="ＭＳ Ｐゴシック" charset="0"/>
+                            <a:cs typeface="+mn-cs"/>
+                          </a:rPr>
+                          <m:t>𝑦</m:t>
+                        </m:r>
+                      </m:e>
+                    </m:d>
+                  </m:oMath>
+                </a14:m>
+                <a:r>
+                  <a:rPr lang="ar-AE" sz="1538" b="0" i="0" kern="1200" dirty="0">
+                    <a:solidFill>
+                      <a:schemeClr val="tx1"/>
+                    </a:solidFill>
+                    <a:effectLst/>
+                    <a:latin typeface="+mn-lt"/>
+                    <a:ea typeface="ＭＳ Ｐゴシック" charset="0"/>
+                    <a:cs typeface="+mn-cs"/>
+                  </a:rPr>
+                  <a:t>: </a:t>
+                </a:r>
+                <a:r>
+                  <a:rPr lang="en-GB" sz="1538" b="0" i="0" kern="1200" dirty="0">
+                    <a:solidFill>
+                      <a:schemeClr val="tx1"/>
+                    </a:solidFill>
+                    <a:effectLst/>
+                    <a:latin typeface="+mn-lt"/>
+                    <a:ea typeface="ＭＳ Ｐゴシック" charset="0"/>
+                    <a:cs typeface="+mn-cs"/>
+                  </a:rPr>
+                  <a:t>Prior probability of the class </a:t>
+                </a:r>
+                <a14:m>
+                  <m:oMath xmlns:m="http://schemas.openxmlformats.org/officeDocument/2006/math">
+                    <m:r>
+                      <a:rPr lang="en-GB" sz="1538" i="1" kern="1200">
+                        <a:solidFill>
+                          <a:schemeClr val="tx1"/>
+                        </a:solidFill>
+                        <a:latin typeface="+mn-lt"/>
+                        <a:ea typeface="ＭＳ Ｐゴシック" charset="0"/>
+                        <a:cs typeface="+mn-cs"/>
+                      </a:rPr>
+                      <m:t>𝑦</m:t>
+                    </m:r>
+                  </m:oMath>
+                </a14:m>
+                <a:r>
+                  <a:rPr lang="en-GB" sz="1538" b="0" i="0" kern="1200" dirty="0">
+                    <a:solidFill>
+                      <a:schemeClr val="tx1"/>
+                    </a:solidFill>
+                    <a:effectLst/>
+                    <a:latin typeface="+mn-lt"/>
+                    <a:ea typeface="ＭＳ Ｐゴシック" charset="0"/>
+                    <a:cs typeface="+mn-cs"/>
+                  </a:rPr>
+                  <a:t>.</a:t>
+                </a:r>
+                <a14:m>
+                  <m:oMath xmlns:m="http://schemas.openxmlformats.org/officeDocument/2006/math">
+                    <m:nary>
+                      <m:naryPr>
+                        <m:chr m:val="∏"/>
+                        <m:limLoc m:val="subSup"/>
+                        <m:grow m:val="on"/>
+                        <m:ctrlPr>
+                          <a:rPr lang="ar-AE" sz="1538" kern="1200">
+                            <a:solidFill>
+                              <a:schemeClr val="tx1"/>
+                            </a:solidFill>
+                            <a:latin typeface="+mn-lt"/>
+                            <a:ea typeface="ＭＳ Ｐゴシック" charset="0"/>
+                            <a:cs typeface="+mn-cs"/>
+                          </a:rPr>
+                        </m:ctrlPr>
+                      </m:naryPr>
+                      <m:sub>
+                        <m:r>
+                          <a:rPr lang="ar-AE" sz="1538" i="1" kern="1200">
+                            <a:solidFill>
+                              <a:schemeClr val="tx1"/>
+                            </a:solidFill>
+                            <a:latin typeface="+mn-lt"/>
+                            <a:ea typeface="ＭＳ Ｐゴシック" charset="0"/>
+                            <a:cs typeface="+mn-cs"/>
+                          </a:rPr>
+                          <m:t>𝑗</m:t>
+                        </m:r>
+                        <m:r>
+                          <a:rPr lang="ar-AE" sz="1538" i="0" kern="1200">
+                            <a:solidFill>
+                              <a:schemeClr val="tx1"/>
+                            </a:solidFill>
+                            <a:latin typeface="+mn-lt"/>
+                            <a:ea typeface="ＭＳ Ｐゴシック" charset="0"/>
+                            <a:cs typeface="+mn-cs"/>
+                          </a:rPr>
+                          <m:t>=1</m:t>
+                        </m:r>
+                      </m:sub>
+                      <m:sup>
+                        <m:r>
+                          <a:rPr lang="ar-AE" sz="1538" i="1" kern="1200">
+                            <a:solidFill>
+                              <a:schemeClr val="tx1"/>
+                            </a:solidFill>
+                            <a:latin typeface="+mn-lt"/>
+                            <a:ea typeface="ＭＳ Ｐゴシック" charset="0"/>
+                            <a:cs typeface="+mn-cs"/>
+                          </a:rPr>
+                          <m:t>𝐷</m:t>
+                        </m:r>
+                      </m:sup>
+                      <m:e>
+                        <m:r>
+                          <a:rPr lang="ar-AE" sz="1538" i="1" kern="1200">
+                            <a:solidFill>
+                              <a:schemeClr val="tx1"/>
+                            </a:solidFill>
+                            <a:latin typeface="+mn-lt"/>
+                            <a:ea typeface="ＭＳ Ｐゴシック" charset="0"/>
+                            <a:cs typeface="+mn-cs"/>
+                          </a:rPr>
+                          <m:t>𝑝</m:t>
+                        </m:r>
+                      </m:e>
+                    </m:nary>
+                    <m:d>
+                      <m:dPr>
+                        <m:ctrlPr>
+                          <a:rPr lang="ar-AE" sz="1538" i="1" kern="1200">
+                            <a:solidFill>
+                              <a:schemeClr val="tx1"/>
+                            </a:solidFill>
+                            <a:latin typeface="+mn-lt"/>
+                            <a:ea typeface="ＭＳ Ｐゴシック" charset="0"/>
+                            <a:cs typeface="+mn-cs"/>
+                          </a:rPr>
+                        </m:ctrlPr>
+                      </m:dPr>
+                      <m:e>
+                        <m:sSub>
+                          <m:sSubPr>
+                            <m:ctrlPr>
+                              <a:rPr lang="ar-AE" sz="1538" i="1" kern="1200">
+                                <a:solidFill>
+                                  <a:schemeClr val="tx1"/>
+                                </a:solidFill>
+                                <a:latin typeface="+mn-lt"/>
+                                <a:ea typeface="ＭＳ Ｐゴシック" charset="0"/>
+                                <a:cs typeface="+mn-cs"/>
+                              </a:rPr>
+                            </m:ctrlPr>
+                          </m:sSubPr>
+                          <m:e>
+                            <m:r>
+                              <a:rPr lang="ar-AE" sz="1538" i="1" kern="1200">
+                                <a:solidFill>
+                                  <a:schemeClr val="tx1"/>
+                                </a:solidFill>
+                                <a:latin typeface="+mn-lt"/>
+                                <a:ea typeface="ＭＳ Ｐゴシック" charset="0"/>
+                                <a:cs typeface="+mn-cs"/>
+                              </a:rPr>
+                              <m:t>𝑥</m:t>
+                            </m:r>
+                          </m:e>
+                          <m:sub>
+                            <m:r>
+                              <a:rPr lang="ar-AE" sz="1538" i="1" kern="1200">
+                                <a:solidFill>
+                                  <a:schemeClr val="tx1"/>
+                                </a:solidFill>
+                                <a:latin typeface="+mn-lt"/>
+                                <a:ea typeface="ＭＳ Ｐゴシック" charset="0"/>
+                                <a:cs typeface="+mn-cs"/>
+                              </a:rPr>
+                              <m:t>𝑗</m:t>
+                            </m:r>
+                          </m:sub>
+                        </m:sSub>
+                        <m:r>
+                          <a:rPr lang="ar-AE" sz="1538" i="0" kern="1200">
+                            <a:solidFill>
+                              <a:schemeClr val="tx1"/>
+                            </a:solidFill>
+                            <a:latin typeface="+mn-lt"/>
+                            <a:ea typeface="ＭＳ Ｐゴシック" charset="0"/>
+                            <a:cs typeface="+mn-cs"/>
+                          </a:rPr>
+                          <m:t>∣</m:t>
+                        </m:r>
+                        <m:r>
+                          <a:rPr lang="ar-AE" sz="1538" i="1" kern="1200">
+                            <a:solidFill>
+                              <a:schemeClr val="tx1"/>
+                            </a:solidFill>
+                            <a:latin typeface="+mn-lt"/>
+                            <a:ea typeface="ＭＳ Ｐゴシック" charset="0"/>
+                            <a:cs typeface="+mn-cs"/>
+                          </a:rPr>
+                          <m:t>𝑦</m:t>
+                        </m:r>
+                      </m:e>
+                    </m:d>
+                  </m:oMath>
+                </a14:m>
+                <a:r>
+                  <a:rPr lang="ar-AE" sz="1538" b="0" i="0" kern="1200" dirty="0">
+                    <a:solidFill>
+                      <a:schemeClr val="tx1"/>
+                    </a:solidFill>
+                    <a:effectLst/>
+                    <a:latin typeface="+mn-lt"/>
+                    <a:ea typeface="ＭＳ Ｐゴシック" charset="0"/>
+                    <a:cs typeface="+mn-cs"/>
+                  </a:rPr>
+                  <a:t>: </a:t>
+                </a:r>
+                <a:r>
+                  <a:rPr lang="en-GB" sz="1538" b="0" i="0" kern="1200" dirty="0">
+                    <a:solidFill>
+                      <a:schemeClr val="tx1"/>
+                    </a:solidFill>
+                    <a:effectLst/>
+                    <a:latin typeface="+mn-lt"/>
+                    <a:ea typeface="ＭＳ Ｐゴシック" charset="0"/>
+                    <a:cs typeface="+mn-cs"/>
+                  </a:rPr>
+                  <a:t>Product of conditional probabilities of each feature given the class.</a:t>
+                </a:r>
+              </a:p>
+              <a:p>
+                <a:pPr marL="0" marR="0" lvl="0" indent="0" algn="l" defTabSz="914400" rtl="0" eaLnBrk="0" fontAlgn="base" latinLnBrk="0" hangingPunct="0">
+                  <a:lnSpc>
+                    <a:spcPct val="100000"/>
+                  </a:lnSpc>
+                  <a:spcBef>
+                    <a:spcPct val="30000"/>
+                  </a:spcBef>
+                  <a:spcAft>
+                    <a:spcPct val="0"/>
+                  </a:spcAft>
+                  <a:buClrTx/>
+                  <a:buSzTx/>
+                  <a:buFontTx/>
+                  <a:buNone/>
+                  <a:tabLst/>
+                  <a:defRPr/>
+                </a:pPr>
+                <a:endParaRPr lang="en-GB" sz="1538" b="0" i="0" kern="1200" dirty="0">
+                  <a:solidFill>
+                    <a:schemeClr val="tx1"/>
+                  </a:solidFill>
+                  <a:effectLst/>
+                  <a:latin typeface="+mn-lt"/>
+                  <a:ea typeface="ＭＳ Ｐゴシック" charset="0"/>
+                  <a:cs typeface="+mn-cs"/>
+                </a:endParaRPr>
+              </a:p>
+            </p:txBody>
+          </p:sp>
+        </mc:Choice>
+        <mc:Fallback>
+          <p:sp>
+            <p:nvSpPr>
+              <p:cNvPr id="3" name="Notes Placeholder 2"/>
+              <p:cNvSpPr>
+                <a:spLocks noGrp="1"/>
+              </p:cNvSpPr>
+              <p:nvPr>
+                <p:ph type="body" idx="1"/>
+              </p:nvPr>
+            </p:nvSpPr>
+            <p:spPr/>
+            <p:txBody>
+              <a:bodyPr/>
+              <a:lstStyle/>
+              <a:p>
+                <a:pPr marL="0" marR="0" lvl="0" indent="0" algn="l" defTabSz="914400" rtl="0" eaLnBrk="0" fontAlgn="base" latinLnBrk="0" hangingPunct="0">
+                  <a:lnSpc>
+                    <a:spcPct val="100000"/>
+                  </a:lnSpc>
+                  <a:spcBef>
+                    <a:spcPct val="30000"/>
+                  </a:spcBef>
+                  <a:spcAft>
+                    <a:spcPct val="0"/>
+                  </a:spcAft>
+                  <a:buClrTx/>
+                  <a:buSzTx/>
+                  <a:buFontTx/>
+                  <a:buNone/>
+                  <a:tabLst/>
+                  <a:defRPr/>
+                </a:pPr>
+                <a:r>
+                  <a:rPr lang="en-GB" sz="1538" b="0" i="0" kern="1200" dirty="0">
+                    <a:solidFill>
+                      <a:schemeClr val="tx1"/>
+                    </a:solidFill>
+                    <a:effectLst/>
+                    <a:latin typeface="+mn-lt"/>
+                    <a:ea typeface="ＭＳ Ｐゴシック" charset="0"/>
+                    <a:cs typeface="+mn-cs"/>
+                  </a:rPr>
+                  <a:t>p(</a:t>
+                </a:r>
+                <a:r>
+                  <a:rPr lang="en-GB" sz="1538" b="0" i="0" kern="1200" dirty="0" err="1">
+                    <a:solidFill>
+                      <a:schemeClr val="tx1"/>
+                    </a:solidFill>
+                    <a:effectLst/>
+                    <a:latin typeface="+mn-lt"/>
+                    <a:ea typeface="ＭＳ Ｐゴシック" charset="0"/>
+                    <a:cs typeface="+mn-cs"/>
+                  </a:rPr>
+                  <a:t>y,x</a:t>
+                </a:r>
+                <a:r>
+                  <a:rPr lang="en-GB" sz="1538" b="0" i="0" kern="1200" dirty="0">
+                    <a:solidFill>
+                      <a:schemeClr val="tx1"/>
+                    </a:solidFill>
+                    <a:effectLst/>
+                    <a:latin typeface="+mn-lt"/>
+                    <a:ea typeface="ＭＳ Ｐゴシック" charset="0"/>
+                    <a:cs typeface="+mn-cs"/>
+                  </a:rPr>
+                  <a:t>): Joint probability of the label </a:t>
+                </a:r>
+                <a:r>
+                  <a:rPr lang="en-GB" sz="1538" i="0" kern="1200">
+                    <a:solidFill>
+                      <a:schemeClr val="tx1"/>
+                    </a:solidFill>
+                    <a:latin typeface="+mn-lt"/>
+                    <a:ea typeface="ＭＳ Ｐゴシック" charset="0"/>
+                    <a:cs typeface="+mn-cs"/>
+                  </a:rPr>
+                  <a:t>𝑦</a:t>
+                </a:r>
+                <a:r>
+                  <a:rPr lang="en-GB" sz="1538" b="0" i="0" kern="1200" dirty="0">
+                    <a:solidFill>
+                      <a:schemeClr val="tx1"/>
+                    </a:solidFill>
+                    <a:effectLst/>
+                    <a:latin typeface="+mn-lt"/>
+                    <a:ea typeface="ＭＳ Ｐゴシック" charset="0"/>
+                    <a:cs typeface="+mn-cs"/>
+                  </a:rPr>
+                  <a:t> and all features </a:t>
+                </a:r>
+                <a:r>
+                  <a:rPr lang="en-GB" sz="1538" b="1" i="0" kern="1200">
+                    <a:solidFill>
+                      <a:schemeClr val="tx1"/>
+                    </a:solidFill>
+                    <a:latin typeface="+mn-lt"/>
+                    <a:ea typeface="ＭＳ Ｐゴシック" charset="0"/>
+                    <a:cs typeface="+mn-cs"/>
+                  </a:rPr>
+                  <a:t>𝐱</a:t>
+                </a:r>
+                <a:r>
+                  <a:rPr lang="en-GB" sz="1538" b="0" i="0" kern="1200" dirty="0">
+                    <a:solidFill>
+                      <a:schemeClr val="tx1"/>
+                    </a:solidFill>
+                    <a:effectLst/>
+                    <a:latin typeface="+mn-lt"/>
+                    <a:ea typeface="ＭＳ Ｐゴシック" charset="0"/>
+                    <a:cs typeface="+mn-cs"/>
+                  </a:rPr>
+                  <a:t>.</a:t>
+                </a:r>
+                <a:r>
+                  <a:rPr lang="en-GB" sz="1538" i="0" kern="1200">
+                    <a:solidFill>
+                      <a:schemeClr val="tx1"/>
+                    </a:solidFill>
+                    <a:latin typeface="+mn-lt"/>
+                    <a:ea typeface="ＭＳ Ｐゴシック" charset="0"/>
+                    <a:cs typeface="+mn-cs"/>
+                  </a:rPr>
+                  <a:t>𝑝</a:t>
+                </a:r>
+                <a:r>
+                  <a:rPr lang="ar-AE" sz="1538" i="0" kern="1200">
+                    <a:solidFill>
+                      <a:schemeClr val="tx1"/>
+                    </a:solidFill>
+                    <a:latin typeface="+mn-lt"/>
+                    <a:ea typeface="ＭＳ Ｐゴシック" charset="0"/>
+                    <a:cs typeface="+mn-cs"/>
+                  </a:rPr>
+                  <a:t>(𝑦)</a:t>
+                </a:r>
+                <a:r>
+                  <a:rPr lang="ar-AE" sz="1538" b="0" i="0" kern="1200" dirty="0">
+                    <a:solidFill>
+                      <a:schemeClr val="tx1"/>
+                    </a:solidFill>
+                    <a:effectLst/>
+                    <a:latin typeface="+mn-lt"/>
+                    <a:ea typeface="ＭＳ Ｐゴシック" charset="0"/>
+                    <a:cs typeface="+mn-cs"/>
+                  </a:rPr>
+                  <a:t>: </a:t>
+                </a:r>
+                <a:r>
+                  <a:rPr lang="en-GB" sz="1538" b="0" i="0" kern="1200" dirty="0">
+                    <a:solidFill>
+                      <a:schemeClr val="tx1"/>
+                    </a:solidFill>
+                    <a:effectLst/>
+                    <a:latin typeface="+mn-lt"/>
+                    <a:ea typeface="ＭＳ Ｐゴシック" charset="0"/>
+                    <a:cs typeface="+mn-cs"/>
+                  </a:rPr>
+                  <a:t>Prior probability of the class </a:t>
+                </a:r>
+                <a:r>
+                  <a:rPr lang="en-GB" sz="1538" i="0" kern="1200">
+                    <a:solidFill>
+                      <a:schemeClr val="tx1"/>
+                    </a:solidFill>
+                    <a:latin typeface="+mn-lt"/>
+                    <a:ea typeface="ＭＳ Ｐゴシック" charset="0"/>
+                    <a:cs typeface="+mn-cs"/>
+                  </a:rPr>
+                  <a:t>𝑦</a:t>
+                </a:r>
+                <a:r>
+                  <a:rPr lang="en-GB" sz="1538" b="0" i="0" kern="1200" dirty="0">
+                    <a:solidFill>
+                      <a:schemeClr val="tx1"/>
+                    </a:solidFill>
+                    <a:effectLst/>
+                    <a:latin typeface="+mn-lt"/>
+                    <a:ea typeface="ＭＳ Ｐゴシック" charset="0"/>
+                    <a:cs typeface="+mn-cs"/>
+                  </a:rPr>
+                  <a:t>.</a:t>
+                </a:r>
+                <a:r>
+                  <a:rPr lang="ar-AE" sz="1538" i="0" kern="1200">
+                    <a:solidFill>
+                      <a:schemeClr val="tx1"/>
+                    </a:solidFill>
+                    <a:latin typeface="+mn-lt"/>
+                    <a:ea typeface="ＭＳ Ｐゴシック" charset="0"/>
+                    <a:cs typeface="+mn-cs"/>
+                  </a:rPr>
+                  <a:t>∏130_(𝑗=1)^𝐷▒𝑝 (𝑥_𝑗∣𝑦)</a:t>
+                </a:r>
+                <a:r>
+                  <a:rPr lang="ar-AE" sz="1538" b="0" i="0" kern="1200" dirty="0">
+                    <a:solidFill>
+                      <a:schemeClr val="tx1"/>
+                    </a:solidFill>
+                    <a:effectLst/>
+                    <a:latin typeface="+mn-lt"/>
+                    <a:ea typeface="ＭＳ Ｐゴシック" charset="0"/>
+                    <a:cs typeface="+mn-cs"/>
+                  </a:rPr>
+                  <a:t>: </a:t>
+                </a:r>
+                <a:r>
+                  <a:rPr lang="en-GB" sz="1538" b="0" i="0" kern="1200" dirty="0">
+                    <a:solidFill>
+                      <a:schemeClr val="tx1"/>
+                    </a:solidFill>
+                    <a:effectLst/>
+                    <a:latin typeface="+mn-lt"/>
+                    <a:ea typeface="ＭＳ Ｐゴシック" charset="0"/>
+                    <a:cs typeface="+mn-cs"/>
+                  </a:rPr>
+                  <a:t>Product of conditional probabilities of each feature given the class.</a:t>
+                </a:r>
+              </a:p>
+              <a:p>
+                <a:pPr marL="0" marR="0" lvl="0" indent="0" algn="l" defTabSz="914400" rtl="0" eaLnBrk="0" fontAlgn="base" latinLnBrk="0" hangingPunct="0">
+                  <a:lnSpc>
+                    <a:spcPct val="100000"/>
+                  </a:lnSpc>
+                  <a:spcBef>
+                    <a:spcPct val="30000"/>
+                  </a:spcBef>
+                  <a:spcAft>
+                    <a:spcPct val="0"/>
+                  </a:spcAft>
+                  <a:buClrTx/>
+                  <a:buSzTx/>
+                  <a:buFontTx/>
+                  <a:buNone/>
+                  <a:tabLst/>
+                  <a:defRPr/>
+                </a:pPr>
+                <a:endParaRPr lang="en-GB" sz="1538" b="0" i="0" kern="1200" dirty="0">
+                  <a:solidFill>
+                    <a:schemeClr val="tx1"/>
+                  </a:solidFill>
+                  <a:effectLst/>
+                  <a:latin typeface="+mn-lt"/>
+                  <a:ea typeface="ＭＳ Ｐゴシック" charset="0"/>
+                  <a:cs typeface="+mn-cs"/>
+                </a:endParaRPr>
+              </a:p>
+            </p:txBody>
+          </p:sp>
+        </mc:Fallback>
+      </mc:AlternateContent>
+      <p:sp>
+        <p:nvSpPr>
+          <p:cNvPr id="4" name="Slide Number Placeholder 3"/>
+          <p:cNvSpPr>
+            <a:spLocks noGrp="1"/>
+          </p:cNvSpPr>
+          <p:nvPr>
+            <p:ph type="sldNum" sz="quarter" idx="5"/>
+          </p:nvPr>
+        </p:nvSpPr>
+        <p:spPr/>
+        <p:txBody>
+          <a:bodyPr/>
+          <a:lstStyle/>
+          <a:p>
+            <a:fld id="{59214167-E1A5-3945-8E06-82ED2D3A03C3}" type="slidenum">
+              <a:rPr lang="en-GB" altLang="en-US" smtClean="0"/>
+              <a:pPr/>
+              <a:t>11</a:t>
+            </a:fld>
+            <a:endParaRPr lang="en-GB" altLang="en-US" dirty="0"/>
+          </a:p>
+        </p:txBody>
+      </p:sp>
+    </p:spTree>
+    <p:extLst>
+      <p:ext uri="{BB962C8B-B14F-4D97-AF65-F5344CB8AC3E}">
+        <p14:creationId xmlns:p14="http://schemas.microsoft.com/office/powerpoint/2010/main" val="3912018095"/>
+      </p:ext>
+    </p:extLst>
+  </p:cSld>
+  <p:clrMapOvr>
+    <a:masterClrMapping/>
+  </p:clrMapOvr>
+</p:notes>
+</file>
+
+<file path=ppt/notesSlides/notesSlide3.xml><?xml version="1.0" encoding="utf-8"?>
+<p:notes xmlns:a="http://schemas.openxmlformats.org/drawingml/2006/main" xmlns:r="http://schemas.openxmlformats.org/officeDocument/2006/relationships" xmlns:p="http://schemas.openxmlformats.org/presentationml/2006/main">
+  <p:cSld>
+    <p:spTree>
+      <p:nvGrpSpPr>
+        <p:cNvPr id="1" name=""/>
+        <p:cNvGrpSpPr/>
+        <p:nvPr/>
+      </p:nvGrpSpPr>
+      <p:grpSpPr>
+        <a:xfrm>
+          <a:off x="0" y="0"/>
+          <a:ext cx="0" cy="0"/>
+          <a:chOff x="0" y="0"/>
+          <a:chExt cx="0" cy="0"/>
+        </a:xfrm>
+      </p:grpSpPr>
+      <p:sp>
+        <p:nvSpPr>
+          <p:cNvPr id="2" name="Slide Image Placeholder 1"/>
+          <p:cNvSpPr>
+            <a:spLocks noGrp="1" noRot="1" noChangeAspect="1"/>
+          </p:cNvSpPr>
+          <p:nvPr>
+            <p:ph type="sldImg"/>
+          </p:nvPr>
+        </p:nvSpPr>
+        <p:spPr/>
+      </p:sp>
+      <mc:AlternateContent xmlns:mc="http://schemas.openxmlformats.org/markup-compatibility/2006">
+        <mc:Choice xmlns:a14="http://schemas.microsoft.com/office/drawing/2010/main" Requires="a14">
+          <p:sp>
+            <p:nvSpPr>
+              <p:cNvPr id="3" name="Notes Placeholder 2"/>
+              <p:cNvSpPr>
+                <a:spLocks noGrp="1"/>
+              </p:cNvSpPr>
+              <p:nvPr>
+                <p:ph type="body" idx="1"/>
+              </p:nvPr>
+            </p:nvSpPr>
+            <p:spPr/>
+            <p:txBody>
+              <a:bodyPr/>
+              <a:lstStyle/>
+              <a:p>
+                <a:pPr marL="0" marR="0" lvl="0" indent="0" algn="l" defTabSz="914400" rtl="0" eaLnBrk="0" fontAlgn="base" latinLnBrk="0" hangingPunct="0">
+                  <a:lnSpc>
+                    <a:spcPct val="100000"/>
+                  </a:lnSpc>
+                  <a:spcBef>
+                    <a:spcPct val="30000"/>
+                  </a:spcBef>
+                  <a:spcAft>
+                    <a:spcPct val="0"/>
+                  </a:spcAft>
+                  <a:buClrTx/>
+                  <a:buSzTx/>
+                  <a:buFontTx/>
+                  <a:buNone/>
+                  <a:tabLst/>
+                  <a:defRPr/>
+                </a:pPr>
+                <a:r>
+                  <a:rPr lang="en-GB" sz="1538" b="0" i="0" kern="1200" dirty="0">
+                    <a:solidFill>
+                      <a:schemeClr val="tx1"/>
+                    </a:solidFill>
+                    <a:effectLst/>
+                    <a:latin typeface="+mn-lt"/>
+                    <a:ea typeface="ＭＳ Ｐゴシック" charset="0"/>
+                    <a:cs typeface="+mn-cs"/>
+                  </a:rPr>
+                  <a:t>p(y): Prior probability of the class </a:t>
+                </a:r>
+                <a14:m>
+                  <m:oMath xmlns:m="http://schemas.openxmlformats.org/officeDocument/2006/math">
+                    <m:r>
+                      <a:rPr lang="en-GB" sz="1538" i="1" kern="1200">
+                        <a:solidFill>
+                          <a:schemeClr val="tx1"/>
+                        </a:solidFill>
+                        <a:latin typeface="+mn-lt"/>
+                        <a:ea typeface="ＭＳ Ｐゴシック" charset="0"/>
+                        <a:cs typeface="+mn-cs"/>
+                      </a:rPr>
+                      <m:t>𝑦</m:t>
+                    </m:r>
+                  </m:oMath>
+                </a14:m>
+                <a:r>
+                  <a:rPr lang="en-GB" sz="1538" b="0" i="0" kern="1200" dirty="0">
+                    <a:solidFill>
+                      <a:schemeClr val="tx1"/>
+                    </a:solidFill>
+                    <a:effectLst/>
+                    <a:latin typeface="+mn-lt"/>
+                    <a:ea typeface="ＭＳ Ｐゴシック" charset="0"/>
+                    <a:cs typeface="+mn-cs"/>
+                  </a:rPr>
+                  <a:t>.</a:t>
+                </a:r>
+              </a:p>
+              <a:p>
+                <a:endParaRPr lang="en-GB" dirty="0"/>
+              </a:p>
+            </p:txBody>
+          </p:sp>
+        </mc:Choice>
+        <mc:Fallback>
+          <p:sp>
+            <p:nvSpPr>
+              <p:cNvPr id="3" name="Notes Placeholder 2"/>
+              <p:cNvSpPr>
+                <a:spLocks noGrp="1"/>
+              </p:cNvSpPr>
+              <p:nvPr>
+                <p:ph type="body" idx="1"/>
+              </p:nvPr>
+            </p:nvSpPr>
+            <p:spPr/>
+            <p:txBody>
+              <a:bodyPr/>
+              <a:lstStyle/>
+              <a:p>
+                <a:pPr marL="0" marR="0" lvl="0" indent="0" algn="l" defTabSz="914400" rtl="0" eaLnBrk="0" fontAlgn="base" latinLnBrk="0" hangingPunct="0">
+                  <a:lnSpc>
+                    <a:spcPct val="100000"/>
+                  </a:lnSpc>
+                  <a:spcBef>
+                    <a:spcPct val="30000"/>
+                  </a:spcBef>
+                  <a:spcAft>
+                    <a:spcPct val="0"/>
+                  </a:spcAft>
+                  <a:buClrTx/>
+                  <a:buSzTx/>
+                  <a:buFontTx/>
+                  <a:buNone/>
+                  <a:tabLst/>
+                  <a:defRPr/>
+                </a:pPr>
+                <a:r>
+                  <a:rPr lang="en-GB" sz="1538" b="0" i="0" kern="1200" dirty="0">
+                    <a:solidFill>
+                      <a:schemeClr val="tx1"/>
+                    </a:solidFill>
+                    <a:effectLst/>
+                    <a:latin typeface="+mn-lt"/>
+                    <a:ea typeface="ＭＳ Ｐゴシック" charset="0"/>
+                    <a:cs typeface="+mn-cs"/>
+                  </a:rPr>
+                  <a:t>p(y): Prior probability of the class </a:t>
+                </a:r>
+                <a:r>
+                  <a:rPr lang="en-GB" sz="1538" i="0" kern="1200">
+                    <a:solidFill>
+                      <a:schemeClr val="tx1"/>
+                    </a:solidFill>
+                    <a:latin typeface="+mn-lt"/>
+                    <a:ea typeface="ＭＳ Ｐゴシック" charset="0"/>
+                    <a:cs typeface="+mn-cs"/>
+                  </a:rPr>
+                  <a:t>𝑦</a:t>
+                </a:r>
+                <a:r>
+                  <a:rPr lang="en-GB" sz="1538" b="0" i="0" kern="1200" dirty="0">
+                    <a:solidFill>
+                      <a:schemeClr val="tx1"/>
+                    </a:solidFill>
+                    <a:effectLst/>
+                    <a:latin typeface="+mn-lt"/>
+                    <a:ea typeface="ＭＳ Ｐゴシック" charset="0"/>
+                    <a:cs typeface="+mn-cs"/>
+                  </a:rPr>
+                  <a:t>.</a:t>
+                </a:r>
+              </a:p>
+              <a:p>
+                <a:endParaRPr lang="en-GB" dirty="0"/>
+              </a:p>
+            </p:txBody>
+          </p:sp>
+        </mc:Fallback>
+      </mc:AlternateContent>
+      <p:sp>
+        <p:nvSpPr>
+          <p:cNvPr id="4" name="Slide Number Placeholder 3"/>
+          <p:cNvSpPr>
+            <a:spLocks noGrp="1"/>
+          </p:cNvSpPr>
+          <p:nvPr>
+            <p:ph type="sldNum" sz="quarter" idx="5"/>
+          </p:nvPr>
+        </p:nvSpPr>
+        <p:spPr/>
+        <p:txBody>
+          <a:bodyPr/>
+          <a:lstStyle/>
+          <a:p>
+            <a:fld id="{59214167-E1A5-3945-8E06-82ED2D3A03C3}" type="slidenum">
+              <a:rPr lang="en-GB" altLang="en-US" smtClean="0"/>
+              <a:pPr/>
+              <a:t>12</a:t>
+            </a:fld>
+            <a:endParaRPr lang="en-GB" altLang="en-US" dirty="0"/>
+          </a:p>
+        </p:txBody>
+      </p:sp>
+    </p:spTree>
+    <p:extLst>
+      <p:ext uri="{BB962C8B-B14F-4D97-AF65-F5344CB8AC3E}">
+        <p14:creationId xmlns:p14="http://schemas.microsoft.com/office/powerpoint/2010/main" val="2071956500"/>
+      </p:ext>
+    </p:extLst>
+  </p:cSld>
+  <p:clrMapOvr>
+    <a:masterClrMapping/>
+  </p:clrMapOvr>
+</p:notes>
+</file>
+
+<file path=ppt/notesSlides/notesSlide4.xml><?xml version="1.0" encoding="utf-8"?>
+<p:notes xmlns:a="http://schemas.openxmlformats.org/drawingml/2006/main" xmlns:r="http://schemas.openxmlformats.org/officeDocument/2006/relationships" xmlns:p="http://schemas.openxmlformats.org/presentationml/2006/main">
+  <p:cSld>
+    <p:spTree>
+      <p:nvGrpSpPr>
+        <p:cNvPr id="1" name=""/>
+        <p:cNvGrpSpPr/>
+        <p:nvPr/>
+      </p:nvGrpSpPr>
+      <p:grpSpPr>
+        <a:xfrm>
+          <a:off x="0" y="0"/>
+          <a:ext cx="0" cy="0"/>
+          <a:chOff x="0" y="0"/>
+          <a:chExt cx="0" cy="0"/>
+        </a:xfrm>
+      </p:grpSpPr>
+      <p:sp>
+        <p:nvSpPr>
+          <p:cNvPr id="2" name="Slide Image Placeholder 1"/>
+          <p:cNvSpPr>
+            <a:spLocks noGrp="1" noRot="1" noChangeAspect="1"/>
+          </p:cNvSpPr>
+          <p:nvPr>
+            <p:ph type="sldImg"/>
+          </p:nvPr>
+        </p:nvSpPr>
+        <p:spPr/>
+      </p:sp>
+      <p:sp>
+        <p:nvSpPr>
+          <p:cNvPr id="3" name="Notes Placeholder 2"/>
+          <p:cNvSpPr>
+            <a:spLocks noGrp="1"/>
+          </p:cNvSpPr>
+          <p:nvPr>
+            <p:ph type="body" idx="1"/>
+          </p:nvPr>
+        </p:nvSpPr>
+        <p:spPr/>
+        <p:txBody>
+          <a:bodyPr/>
+          <a:lstStyle/>
+          <a:p>
+            <a:endParaRPr lang="en-GB" dirty="0"/>
+          </a:p>
+        </p:txBody>
+      </p:sp>
+      <p:sp>
+        <p:nvSpPr>
+          <p:cNvPr id="4" name="Slide Number Placeholder 3"/>
+          <p:cNvSpPr>
+            <a:spLocks noGrp="1"/>
+          </p:cNvSpPr>
+          <p:nvPr>
+            <p:ph type="sldNum" sz="quarter" idx="5"/>
+          </p:nvPr>
+        </p:nvSpPr>
+        <p:spPr/>
+        <p:txBody>
+          <a:bodyPr/>
+          <a:lstStyle/>
+          <a:p>
+            <a:fld id="{59214167-E1A5-3945-8E06-82ED2D3A03C3}" type="slidenum">
+              <a:rPr lang="en-GB" altLang="en-US" smtClean="0"/>
+              <a:pPr/>
+              <a:t>29</a:t>
+            </a:fld>
+            <a:endParaRPr lang="en-GB" altLang="en-US" dirty="0"/>
+          </a:p>
+        </p:txBody>
+      </p:sp>
+    </p:spTree>
+    <p:extLst>
+      <p:ext uri="{BB962C8B-B14F-4D97-AF65-F5344CB8AC3E}">
+        <p14:creationId xmlns:p14="http://schemas.microsoft.com/office/powerpoint/2010/main" val="3512254678"/>
+      </p:ext>
+    </p:extLst>
+  </p:cSld>
+  <p:clrMapOvr>
+    <a:masterClrMapping/>
+  </p:clrMapOvr>
+</p:notes>
+</file>
+
+<file path=ppt/notesSlides/notesSlide5.xml><?xml version="1.0" encoding="utf-8"?>
+<p:notes xmlns:a="http://schemas.openxmlformats.org/drawingml/2006/main" xmlns:r="http://schemas.openxmlformats.org/officeDocument/2006/relationships" xmlns:p="http://schemas.openxmlformats.org/presentationml/2006/main">
+  <p:cSld>
+    <p:spTree>
+      <p:nvGrpSpPr>
+        <p:cNvPr id="1" name=""/>
+        <p:cNvGrpSpPr/>
+        <p:nvPr/>
+      </p:nvGrpSpPr>
+      <p:grpSpPr>
+        <a:xfrm>
+          <a:off x="0" y="0"/>
+          <a:ext cx="0" cy="0"/>
+          <a:chOff x="0" y="0"/>
+          <a:chExt cx="0" cy="0"/>
+        </a:xfrm>
+      </p:grpSpPr>
+      <p:sp>
+        <p:nvSpPr>
+          <p:cNvPr id="2" name="Slide Image Placeholder 1"/>
+          <p:cNvSpPr>
+            <a:spLocks noGrp="1" noRot="1" noChangeAspect="1"/>
+          </p:cNvSpPr>
+          <p:nvPr>
+            <p:ph type="sldImg"/>
+          </p:nvPr>
+        </p:nvSpPr>
+        <p:spPr/>
+      </p:sp>
+      <p:sp>
+        <p:nvSpPr>
+          <p:cNvPr id="3" name="Notes Placeholder 2"/>
+          <p:cNvSpPr>
+            <a:spLocks noGrp="1"/>
+          </p:cNvSpPr>
+          <p:nvPr>
+            <p:ph type="body" idx="1"/>
+          </p:nvPr>
+        </p:nvSpPr>
+        <p:spPr/>
+        <p:txBody>
+          <a:bodyPr/>
+          <a:lstStyle/>
+          <a:p>
+            <a:endParaRPr lang="en-GB" dirty="0"/>
+          </a:p>
+        </p:txBody>
+      </p:sp>
+      <p:sp>
+        <p:nvSpPr>
+          <p:cNvPr id="4" name="Slide Number Placeholder 3"/>
+          <p:cNvSpPr>
+            <a:spLocks noGrp="1"/>
+          </p:cNvSpPr>
+          <p:nvPr>
+            <p:ph type="sldNum" sz="quarter" idx="5"/>
+          </p:nvPr>
+        </p:nvSpPr>
+        <p:spPr/>
+        <p:txBody>
+          <a:bodyPr/>
+          <a:lstStyle/>
+          <a:p>
+            <a:fld id="{59214167-E1A5-3945-8E06-82ED2D3A03C3}" type="slidenum">
+              <a:rPr lang="en-GB" altLang="en-US" smtClean="0"/>
+              <a:pPr/>
+              <a:t>58</a:t>
+            </a:fld>
+            <a:endParaRPr lang="en-GB" altLang="en-US" dirty="0"/>
+          </a:p>
+        </p:txBody>
+      </p:sp>
+    </p:spTree>
+    <p:extLst>
+      <p:ext uri="{BB962C8B-B14F-4D97-AF65-F5344CB8AC3E}">
+        <p14:creationId xmlns:p14="http://schemas.microsoft.com/office/powerpoint/2010/main" val="2970864027"/>
+      </p:ext>
+    </p:extLst>
+  </p:cSld>
+  <p:clrMapOvr>
+    <a:masterClrMapping/>
+  </p:clrMapOvr>
+</p:notes>
+</file>
+
 <file path=ppt/slideLayouts/slideLayout1.xml><?xml version="1.0" encoding="utf-8"?>
 <p:sldLayout xmlns:a="http://schemas.openxmlformats.org/drawingml/2006/main" xmlns:r="http://schemas.openxmlformats.org/officeDocument/2006/relationships" xmlns:p="http://schemas.openxmlformats.org/presentationml/2006/main" type="title" preserve="1">
   <p:cSld name="Title Slide">
@@ -1369,7 +2503,7 @@
               <a:pPr>
                 <a:defRPr/>
               </a:pPr>
-              <a:t>28/12/2024</a:t>
+              <a:t>29/12/2025</a:t>
             </a:fld>
             <a:endParaRPr lang="en-GB" altLang="en-US" dirty="0"/>
           </a:p>
@@ -1632,7 +2766,7 @@
               <a:pPr>
                 <a:defRPr/>
               </a:pPr>
-              <a:t>28/12/2024</a:t>
+              <a:t>29/12/2025</a:t>
             </a:fld>
             <a:endParaRPr lang="en-GB" altLang="en-US" dirty="0"/>
           </a:p>
@@ -1870,7 +3004,7 @@
               <a:pPr>
                 <a:defRPr/>
               </a:pPr>
-              <a:t>28/12/2024</a:t>
+              <a:t>29/12/2025</a:t>
             </a:fld>
             <a:endParaRPr lang="en-GB" altLang="en-US" dirty="0"/>
           </a:p>
@@ -2204,7 +3338,7 @@
               <a:pPr>
                 <a:defRPr/>
               </a:pPr>
-              <a:t>28/12/2024</a:t>
+              <a:t>29/12/2025</a:t>
             </a:fld>
             <a:endParaRPr lang="en-GB" altLang="en-US" dirty="0"/>
           </a:p>
@@ -2677,7 +3811,7 @@
               <a:pPr>
                 <a:defRPr/>
               </a:pPr>
-              <a:t>28/12/2024</a:t>
+              <a:t>29/12/2025</a:t>
             </a:fld>
             <a:endParaRPr lang="en-GB" altLang="en-US" dirty="0"/>
           </a:p>
@@ -2841,7 +3975,7 @@
               <a:pPr>
                 <a:defRPr/>
               </a:pPr>
-              <a:t>28/12/2024</a:t>
+              <a:t>29/12/2025</a:t>
             </a:fld>
             <a:endParaRPr lang="en-GB" altLang="en-US" dirty="0"/>
           </a:p>
@@ -2982,7 +4116,7 @@
               <a:pPr>
                 <a:defRPr/>
               </a:pPr>
-              <a:t>28/12/2024</a:t>
+              <a:t>29/12/2025</a:t>
             </a:fld>
             <a:endParaRPr lang="en-GB" altLang="en-US" dirty="0"/>
           </a:p>
@@ -3282,7 +4416,7 @@
               <a:pPr>
                 <a:defRPr/>
               </a:pPr>
-              <a:t>28/12/2024</a:t>
+              <a:t>29/12/2025</a:t>
             </a:fld>
             <a:endParaRPr lang="en-GB" altLang="en-US" dirty="0"/>
           </a:p>
@@ -3608,7 +4742,7 @@
               <a:pPr>
                 <a:defRPr/>
               </a:pPr>
-              <a:t>28/12/2024</a:t>
+              <a:t>29/12/2025</a:t>
             </a:fld>
             <a:endParaRPr lang="en-GB" altLang="en-US" dirty="0"/>
           </a:p>
@@ -4207,219 +5341,6 @@
       </p:grpSpPr>
       <p:sp>
         <p:nvSpPr>
-          <p:cNvPr id="16385" name="Slide Number Placeholder 3">
-            <a:extLst>
-              <a:ext uri="{FF2B5EF4-FFF2-40B4-BE49-F238E27FC236}">
-                <a16:creationId xmlns:a16="http://schemas.microsoft.com/office/drawing/2014/main" id="{AF6BA273-C058-A046-BA6B-4B58FA82B6B5}"/>
-              </a:ext>
-            </a:extLst>
-          </p:cNvPr>
-          <p:cNvSpPr>
-            <a:spLocks noGrp="1"/>
-          </p:cNvSpPr>
-          <p:nvPr>
-            <p:ph type="sldNum" sz="quarter" idx="12"/>
-          </p:nvPr>
-        </p:nvSpPr>
-        <p:spPr>
-          <a:noFill/>
-          <a:ln/>
-          <a:extLst>
-            <a:ext uri="{909E8E84-426E-40DD-AFC4-6F175D3DCCD1}">
-              <a14:hiddenFill xmlns:a14="http://schemas.microsoft.com/office/drawing/2010/main">
-                <a:solidFill>
-                  <a:srgbClr val="FFFFFF"/>
-                </a:solidFill>
-              </a14:hiddenFill>
-            </a:ext>
-            <a:ext uri="{91240B29-F687-4F45-9708-019B960494DF}">
-              <a14:hiddenLine xmlns:a14="http://schemas.microsoft.com/office/drawing/2010/main" w="9525">
-                <a:solidFill>
-                  <a:srgbClr val="000000"/>
-                </a:solidFill>
-                <a:miter lim="800000"/>
-                <a:headEnd/>
-                <a:tailEnd/>
-              </a14:hiddenLine>
-            </a:ext>
-          </a:extLst>
-        </p:spPr>
-        <p:txBody>
-          <a:bodyPr/>
-          <a:lstStyle>
-            <a:lvl1pPr>
-              <a:spcBef>
-                <a:spcPct val="20000"/>
-              </a:spcBef>
-              <a:buFont typeface="Verdana" panose="020B0604030504040204" pitchFamily="34" charset="0"/>
-              <a:buChar char="−"/>
-              <a:defRPr sz="2400">
-                <a:solidFill>
-                  <a:schemeClr val="tx1"/>
-                </a:solidFill>
-                <a:latin typeface="Gill Sans MT" panose="020B0502020104020203" pitchFamily="34" charset="77"/>
-                <a:ea typeface="ＭＳ Ｐゴシック" panose="020B0600070205080204" pitchFamily="34" charset="-128"/>
-                <a:cs typeface="Arial" panose="020B0604020202020204" pitchFamily="34" charset="0"/>
-              </a:defRPr>
-            </a:lvl1pPr>
-            <a:lvl2pPr marL="742920" indent="-285738">
-              <a:spcBef>
-                <a:spcPct val="20000"/>
-              </a:spcBef>
-              <a:buFont typeface="Verdana" panose="020B0604030504040204" pitchFamily="34" charset="0"/>
-              <a:buChar char="−"/>
-              <a:defRPr sz="2000">
-                <a:solidFill>
-                  <a:schemeClr val="tx1"/>
-                </a:solidFill>
-                <a:latin typeface="Gill Sans MT" panose="020B0502020104020203" pitchFamily="34" charset="77"/>
-                <a:ea typeface="Arial" panose="020B0604020202020204" pitchFamily="34" charset="0"/>
-                <a:cs typeface="Arial" panose="020B0604020202020204" pitchFamily="34" charset="0"/>
-              </a:defRPr>
-            </a:lvl2pPr>
-            <a:lvl3pPr marL="1142954" indent="-228590">
-              <a:spcBef>
-                <a:spcPct val="20000"/>
-              </a:spcBef>
-              <a:buFont typeface="Verdana" panose="020B0604030504040204" pitchFamily="34" charset="0"/>
-              <a:buChar char="−"/>
-              <a:defRPr>
-                <a:solidFill>
-                  <a:schemeClr val="tx1"/>
-                </a:solidFill>
-                <a:latin typeface="Gill Sans MT" panose="020B0502020104020203" pitchFamily="34" charset="77"/>
-                <a:ea typeface="Arial" panose="020B0604020202020204" pitchFamily="34" charset="0"/>
-                <a:cs typeface="Arial" panose="020B0604020202020204" pitchFamily="34" charset="0"/>
-              </a:defRPr>
-            </a:lvl3pPr>
-            <a:lvl4pPr marL="1600136" indent="-228590">
-              <a:spcBef>
-                <a:spcPct val="20000"/>
-              </a:spcBef>
-              <a:buFont typeface="Verdana" panose="020B0604030504040204" pitchFamily="34" charset="0"/>
-              <a:buChar char="−"/>
-              <a:defRPr sz="1600">
-                <a:solidFill>
-                  <a:schemeClr val="tx1"/>
-                </a:solidFill>
-                <a:latin typeface="Gill Sans MT" panose="020B0502020104020203" pitchFamily="34" charset="77"/>
-                <a:ea typeface="Arial" panose="020B0604020202020204" pitchFamily="34" charset="0"/>
-                <a:cs typeface="Arial" panose="020B0604020202020204" pitchFamily="34" charset="0"/>
-              </a:defRPr>
-            </a:lvl4pPr>
-            <a:lvl5pPr marL="2057317" indent="-228590">
-              <a:spcBef>
-                <a:spcPct val="20000"/>
-              </a:spcBef>
-              <a:buFont typeface="Verdana" panose="020B0604030504040204" pitchFamily="34" charset="0"/>
-              <a:buChar char="−"/>
-              <a:defRPr sz="1600">
-                <a:solidFill>
-                  <a:schemeClr val="tx1"/>
-                </a:solidFill>
-                <a:latin typeface="Gill Sans MT" panose="020B0502020104020203" pitchFamily="34" charset="77"/>
-                <a:ea typeface="Arial" panose="020B0604020202020204" pitchFamily="34" charset="0"/>
-                <a:cs typeface="Arial" panose="020B0604020202020204" pitchFamily="34" charset="0"/>
-              </a:defRPr>
-            </a:lvl5pPr>
-            <a:lvl6pPr marL="2514499" indent="-228590" eaLnBrk="0" fontAlgn="base" hangingPunct="0">
-              <a:spcBef>
-                <a:spcPct val="20000"/>
-              </a:spcBef>
-              <a:spcAft>
-                <a:spcPct val="0"/>
-              </a:spcAft>
-              <a:buFont typeface="Verdana" panose="020B0604030504040204" pitchFamily="34" charset="0"/>
-              <a:buChar char="−"/>
-              <a:defRPr sz="1600">
-                <a:solidFill>
-                  <a:schemeClr val="tx1"/>
-                </a:solidFill>
-                <a:latin typeface="Gill Sans MT" panose="020B0502020104020203" pitchFamily="34" charset="77"/>
-                <a:ea typeface="Arial" panose="020B0604020202020204" pitchFamily="34" charset="0"/>
-                <a:cs typeface="Arial" panose="020B0604020202020204" pitchFamily="34" charset="0"/>
-              </a:defRPr>
-            </a:lvl6pPr>
-            <a:lvl7pPr marL="2971681" indent="-228590" eaLnBrk="0" fontAlgn="base" hangingPunct="0">
-              <a:spcBef>
-                <a:spcPct val="20000"/>
-              </a:spcBef>
-              <a:spcAft>
-                <a:spcPct val="0"/>
-              </a:spcAft>
-              <a:buFont typeface="Verdana" panose="020B0604030504040204" pitchFamily="34" charset="0"/>
-              <a:buChar char="−"/>
-              <a:defRPr sz="1600">
-                <a:solidFill>
-                  <a:schemeClr val="tx1"/>
-                </a:solidFill>
-                <a:latin typeface="Gill Sans MT" panose="020B0502020104020203" pitchFamily="34" charset="77"/>
-                <a:ea typeface="Arial" panose="020B0604020202020204" pitchFamily="34" charset="0"/>
-                <a:cs typeface="Arial" panose="020B0604020202020204" pitchFamily="34" charset="0"/>
-              </a:defRPr>
-            </a:lvl7pPr>
-            <a:lvl8pPr marL="3428863" indent="-228590" eaLnBrk="0" fontAlgn="base" hangingPunct="0">
-              <a:spcBef>
-                <a:spcPct val="20000"/>
-              </a:spcBef>
-              <a:spcAft>
-                <a:spcPct val="0"/>
-              </a:spcAft>
-              <a:buFont typeface="Verdana" panose="020B0604030504040204" pitchFamily="34" charset="0"/>
-              <a:buChar char="−"/>
-              <a:defRPr sz="1600">
-                <a:solidFill>
-                  <a:schemeClr val="tx1"/>
-                </a:solidFill>
-                <a:latin typeface="Gill Sans MT" panose="020B0502020104020203" pitchFamily="34" charset="77"/>
-                <a:ea typeface="Arial" panose="020B0604020202020204" pitchFamily="34" charset="0"/>
-                <a:cs typeface="Arial" panose="020B0604020202020204" pitchFamily="34" charset="0"/>
-              </a:defRPr>
-            </a:lvl8pPr>
-            <a:lvl9pPr marL="3886044" indent="-228590" eaLnBrk="0" fontAlgn="base" hangingPunct="0">
-              <a:spcBef>
-                <a:spcPct val="20000"/>
-              </a:spcBef>
-              <a:spcAft>
-                <a:spcPct val="0"/>
-              </a:spcAft>
-              <a:buFont typeface="Verdana" panose="020B0604030504040204" pitchFamily="34" charset="0"/>
-              <a:buChar char="−"/>
-              <a:defRPr sz="1600">
-                <a:solidFill>
-                  <a:schemeClr val="tx1"/>
-                </a:solidFill>
-                <a:latin typeface="Gill Sans MT" panose="020B0502020104020203" pitchFamily="34" charset="77"/>
-                <a:ea typeface="Arial" panose="020B0604020202020204" pitchFamily="34" charset="0"/>
-                <a:cs typeface="Arial" panose="020B0604020202020204" pitchFamily="34" charset="0"/>
-              </a:defRPr>
-            </a:lvl9pPr>
-          </a:lstStyle>
-          <a:p>
-            <a:pPr>
-              <a:spcBef>
-                <a:spcPct val="0"/>
-              </a:spcBef>
-              <a:buFontTx/>
-              <a:buNone/>
-            </a:pPr>
-            <a:fld id="{0F366BD3-0E5B-9C42-A03F-75400BAFC63E}" type="slidenum">
-              <a:rPr lang="en-GB" altLang="en-US" sz="1400"/>
-              <a:pPr>
-                <a:spcBef>
-                  <a:spcPct val="0"/>
-                </a:spcBef>
-                <a:buFontTx/>
-                <a:buNone/>
-              </a:pPr>
-              <a:t>1</a:t>
-            </a:fld>
-            <a:endParaRPr lang="en-GB" altLang="en-US" sz="1400" dirty="0"/>
-          </a:p>
-        </p:txBody>
-      </p:sp>
-      <p:sp>
-        <p:nvSpPr>
           <p:cNvPr id="16388" name="Rectangle 8">
             <a:extLst>
               <a:ext uri="{FF2B5EF4-FFF2-40B4-BE49-F238E27FC236}">
@@ -4907,10 +5828,10 @@
       </p:sp>
       <p:sp>
         <p:nvSpPr>
-          <p:cNvPr id="3" name="Text Box 4">
+          <p:cNvPr id="6" name="Text Box 4">
             <a:extLst>
               <a:ext uri="{FF2B5EF4-FFF2-40B4-BE49-F238E27FC236}">
-                <a16:creationId xmlns:a16="http://schemas.microsoft.com/office/drawing/2014/main" id="{82C1E2C9-7FAC-E0DC-84B0-B9747FE67F36}"/>
+                <a16:creationId xmlns:a16="http://schemas.microsoft.com/office/drawing/2014/main" id="{F0025882-42B7-AD2A-F237-63D25BDEFD62}"/>
               </a:ext>
             </a:extLst>
           </p:cNvPr>
@@ -5158,7 +6079,7 @@
                 <a:ea typeface="Helvetica Neue" panose="02000503000000020004" pitchFamily="2" charset="0"/>
                 <a:cs typeface="Helvetica Neue" panose="02000503000000020004" pitchFamily="2" charset="0"/>
               </a:rPr>
-              <a:t>School of Convergence Science in Human and Artificial Intelligence</a:t>
+              <a:t>School of Convergence Science (Human and Artificial Intelligence)</a:t>
             </a:r>
           </a:p>
           <a:p>
@@ -5194,17 +6115,17 @@
                   <a:srgbClr val="003D7D"/>
                 </a:solidFill>
               </a:rPr>
-              <a:t>January 2025</a:t>
+              <a:t>January 2026</a:t>
             </a:r>
           </a:p>
         </p:txBody>
       </p:sp>
       <p:pic>
         <p:nvPicPr>
-          <p:cNvPr id="5" name="Picture 4" descr="A colorful letters and numbers&#10;&#10;Description automatically generated">
+          <p:cNvPr id="7" name="Picture 6" descr="A blue and black logo&#10;&#10;AI-generated content may be incorrect.">
             <a:extLst>
               <a:ext uri="{FF2B5EF4-FFF2-40B4-BE49-F238E27FC236}">
-                <a16:creationId xmlns:a16="http://schemas.microsoft.com/office/drawing/2014/main" id="{99AC9702-1AE1-146C-6DC3-302C5C320A14}"/>
+                <a16:creationId xmlns:a16="http://schemas.microsoft.com/office/drawing/2014/main" id="{1DE2FA66-D59A-5595-ADEF-1B4318119906}"/>
               </a:ext>
             </a:extLst>
           </p:cNvPr>
@@ -5221,14 +6142,15 @@
               </a:ext>
             </a:extLst>
           </a:blip>
+          <a:srcRect t="24768" b="26367"/>
           <a:stretch>
             <a:fillRect/>
           </a:stretch>
         </p:blipFill>
         <p:spPr>
           <a:xfrm>
-            <a:off x="9696400" y="836712"/>
-            <a:ext cx="2253532" cy="1147068"/>
+            <a:off x="9961196" y="5767618"/>
+            <a:ext cx="1922326" cy="939339"/>
           </a:xfrm>
           <a:prstGeom prst="rect">
             <a:avLst/>
@@ -6727,7 +7649,7 @@
           </p:nvPr>
         </p:nvPicPr>
         <p:blipFill>
-          <a:blip r:embed="rId2">
+          <a:blip r:embed="rId3">
             <a:extLst>
               <a:ext uri="{28A0092B-C50C-407E-A947-70E740481C1C}">
                 <a14:useLocalDpi xmlns:a14="http://schemas.microsoft.com/office/drawing/2010/main" val="0"/>
@@ -6740,7 +7662,7 @@
         </p:blipFill>
         <p:spPr>
           <a:xfrm>
-            <a:off x="1343471" y="1441579"/>
+            <a:off x="767408" y="1116014"/>
             <a:ext cx="4095815" cy="1296144"/>
           </a:xfrm>
         </p:spPr>
@@ -6775,6 +7697,706 @@
           </a:p>
         </p:txBody>
       </p:sp>
+      <mc:AlternateContent xmlns:mc="http://schemas.openxmlformats.org/markup-compatibility/2006">
+        <mc:Choice xmlns:a14="http://schemas.microsoft.com/office/drawing/2010/main" Requires="a14">
+          <p:sp>
+            <p:nvSpPr>
+              <p:cNvPr id="8" name="TextBox 7">
+                <a:extLst>
+                  <a:ext uri="{FF2B5EF4-FFF2-40B4-BE49-F238E27FC236}">
+                    <a16:creationId xmlns:a16="http://schemas.microsoft.com/office/drawing/2014/main" id="{C95BB4DC-63CC-3BBA-5A9D-B46B28D2322C}"/>
+                  </a:ext>
+                </a:extLst>
+              </p:cNvPr>
+              <p:cNvSpPr txBox="1"/>
+              <p:nvPr/>
+            </p:nvSpPr>
+            <p:spPr>
+              <a:xfrm>
+                <a:off x="1055440" y="2259015"/>
+                <a:ext cx="10526960" cy="2244653"/>
+              </a:xfrm>
+              <a:prstGeom prst="rect">
+                <a:avLst/>
+              </a:prstGeom>
+              <a:noFill/>
+            </p:spPr>
+            <p:txBody>
+              <a:bodyPr wrap="square">
+                <a:spAutoFit/>
+              </a:bodyPr>
+              <a:lstStyle/>
+              <a:p>
+                <a:pPr marL="0" marR="0" lvl="0" indent="0" algn="l" defTabSz="914400" rtl="0" eaLnBrk="0" fontAlgn="base" latinLnBrk="0" hangingPunct="0">
+                  <a:lnSpc>
+                    <a:spcPct val="100000"/>
+                  </a:lnSpc>
+                  <a:spcBef>
+                    <a:spcPct val="30000"/>
+                  </a:spcBef>
+                  <a:spcAft>
+                    <a:spcPct val="0"/>
+                  </a:spcAft>
+                  <a:buClrTx/>
+                  <a:buSzTx/>
+                  <a:buFontTx/>
+                  <a:buNone/>
+                  <a:tabLst/>
+                  <a:defRPr/>
+                </a:pPr>
+                <a:r>
+                  <a:rPr lang="en-GB" sz="1600" b="0" i="0" kern="1200" dirty="0">
+                    <a:solidFill>
+                      <a:schemeClr val="tx1"/>
+                    </a:solidFill>
+                    <a:effectLst/>
+                    <a:latin typeface="Gill Sans MT" panose="020B0502020104020203" pitchFamily="34" charset="77"/>
+                    <a:ea typeface="ＭＳ Ｐゴシック" charset="0"/>
+                  </a:rPr>
+                  <a:t>This represents the </a:t>
+                </a:r>
+                <a:r>
+                  <a:rPr lang="en-GB" sz="1600" b="1" i="0" kern="1200" dirty="0">
+                    <a:solidFill>
+                      <a:schemeClr val="tx1"/>
+                    </a:solidFill>
+                    <a:effectLst/>
+                    <a:latin typeface="Gill Sans MT" panose="020B0502020104020203" pitchFamily="34" charset="77"/>
+                    <a:ea typeface="ＭＳ Ｐゴシック" charset="0"/>
+                  </a:rPr>
+                  <a:t>joint probability</a:t>
+                </a:r>
+                <a:r>
+                  <a:rPr lang="en-GB" sz="1600" b="0" i="0" kern="1200" dirty="0">
+                    <a:solidFill>
+                      <a:schemeClr val="tx1"/>
+                    </a:solidFill>
+                    <a:effectLst/>
+                    <a:latin typeface="Gill Sans MT" panose="020B0502020104020203" pitchFamily="34" charset="77"/>
+                    <a:ea typeface="ＭＳ Ｐゴシック" charset="0"/>
+                  </a:rPr>
+                  <a:t> of a class label </a:t>
+                </a:r>
+                <a14:m>
+                  <m:oMath xmlns:m="http://schemas.openxmlformats.org/officeDocument/2006/math">
+                    <m:r>
+                      <a:rPr lang="en-GB" sz="1600" i="1" kern="1200">
+                        <a:solidFill>
+                          <a:schemeClr val="tx1"/>
+                        </a:solidFill>
+                        <a:latin typeface="Cambria Math" panose="02040503050406030204" pitchFamily="18" charset="0"/>
+                        <a:ea typeface="ＭＳ Ｐゴシック" charset="0"/>
+                      </a:rPr>
+                      <m:t>𝑦</m:t>
+                    </m:r>
+                  </m:oMath>
+                </a14:m>
+                <a:r>
+                  <a:rPr lang="en-GB" sz="1600" b="0" i="0" kern="1200" dirty="0">
+                    <a:solidFill>
+                      <a:schemeClr val="tx1"/>
+                    </a:solidFill>
+                    <a:effectLst/>
+                    <a:latin typeface="Gill Sans MT" panose="020B0502020104020203" pitchFamily="34" charset="77"/>
+                    <a:ea typeface="ＭＳ Ｐゴシック" charset="0"/>
+                  </a:rPr>
+                  <a:t> and a feature vector </a:t>
+                </a:r>
+                <a14:m>
+                  <m:oMath xmlns:m="http://schemas.openxmlformats.org/officeDocument/2006/math">
+                    <m:r>
+                      <a:rPr lang="en-GB" sz="1600" b="1" kern="1200">
+                        <a:solidFill>
+                          <a:schemeClr val="tx1"/>
+                        </a:solidFill>
+                        <a:latin typeface="Cambria Math" panose="02040503050406030204" pitchFamily="18" charset="0"/>
+                        <a:ea typeface="ＭＳ Ｐゴシック" charset="0"/>
+                      </a:rPr>
+                      <m:t>𝐱</m:t>
+                    </m:r>
+                    <m:r>
+                      <a:rPr lang="en-GB" sz="1600" b="0" i="0" kern="1200">
+                        <a:solidFill>
+                          <a:schemeClr val="tx1"/>
+                        </a:solidFill>
+                        <a:latin typeface="Cambria Math" panose="02040503050406030204" pitchFamily="18" charset="0"/>
+                        <a:ea typeface="ＭＳ Ｐゴシック" charset="0"/>
+                      </a:rPr>
+                      <m:t>=</m:t>
+                    </m:r>
+                    <m:d>
+                      <m:dPr>
+                        <m:sepChr m:val=","/>
+                        <m:ctrlPr>
+                          <a:rPr lang="ar-AE" sz="1600" b="0" i="1" kern="1200">
+                            <a:solidFill>
+                              <a:schemeClr val="tx1"/>
+                            </a:solidFill>
+                            <a:latin typeface="Cambria Math" panose="02040503050406030204" pitchFamily="18" charset="0"/>
+                            <a:ea typeface="ＭＳ Ｐゴシック" charset="0"/>
+                          </a:rPr>
+                        </m:ctrlPr>
+                      </m:dPr>
+                      <m:e>
+                        <m:sSub>
+                          <m:sSubPr>
+                            <m:ctrlPr>
+                              <a:rPr lang="ar-AE" sz="1600" b="0" i="1" kern="1200">
+                                <a:solidFill>
+                                  <a:schemeClr val="tx1"/>
+                                </a:solidFill>
+                                <a:latin typeface="Cambria Math" panose="02040503050406030204" pitchFamily="18" charset="0"/>
+                                <a:ea typeface="ＭＳ Ｐゴシック" charset="0"/>
+                              </a:rPr>
+                            </m:ctrlPr>
+                          </m:sSubPr>
+                          <m:e>
+                            <m:r>
+                              <a:rPr lang="ar-AE" sz="1600" b="0" i="1" kern="1200">
+                                <a:solidFill>
+                                  <a:schemeClr val="tx1"/>
+                                </a:solidFill>
+                                <a:latin typeface="Cambria Math" panose="02040503050406030204" pitchFamily="18" charset="0"/>
+                                <a:ea typeface="ＭＳ Ｐゴシック" charset="0"/>
+                              </a:rPr>
+                              <m:t>𝑥</m:t>
+                            </m:r>
+                          </m:e>
+                          <m:sub>
+                            <m:r>
+                              <a:rPr lang="ar-AE" sz="1600" b="0" i="0" kern="1200">
+                                <a:solidFill>
+                                  <a:schemeClr val="tx1"/>
+                                </a:solidFill>
+                                <a:latin typeface="Cambria Math" panose="02040503050406030204" pitchFamily="18" charset="0"/>
+                                <a:ea typeface="ＭＳ Ｐゴシック" charset="0"/>
+                              </a:rPr>
+                              <m:t>1</m:t>
+                            </m:r>
+                          </m:sub>
+                        </m:sSub>
+                      </m:e>
+                      <m:e>
+                        <m:sSub>
+                          <m:sSubPr>
+                            <m:ctrlPr>
+                              <a:rPr lang="ar-AE" sz="1600" b="0" i="1" kern="1200">
+                                <a:solidFill>
+                                  <a:schemeClr val="tx1"/>
+                                </a:solidFill>
+                                <a:latin typeface="Cambria Math" panose="02040503050406030204" pitchFamily="18" charset="0"/>
+                                <a:ea typeface="ＭＳ Ｐゴシック" charset="0"/>
+                              </a:rPr>
+                            </m:ctrlPr>
+                          </m:sSubPr>
+                          <m:e>
+                            <m:r>
+                              <a:rPr lang="ar-AE" sz="1600" b="0" i="1" kern="1200">
+                                <a:solidFill>
+                                  <a:schemeClr val="tx1"/>
+                                </a:solidFill>
+                                <a:latin typeface="Cambria Math" panose="02040503050406030204" pitchFamily="18" charset="0"/>
+                                <a:ea typeface="ＭＳ Ｐゴシック" charset="0"/>
+                              </a:rPr>
+                              <m:t>𝑥</m:t>
+                            </m:r>
+                          </m:e>
+                          <m:sub>
+                            <m:r>
+                              <a:rPr lang="ar-AE" sz="1600" b="0" i="0" kern="1200">
+                                <a:solidFill>
+                                  <a:schemeClr val="tx1"/>
+                                </a:solidFill>
+                                <a:latin typeface="Cambria Math" panose="02040503050406030204" pitchFamily="18" charset="0"/>
+                                <a:ea typeface="ＭＳ Ｐゴシック" charset="0"/>
+                              </a:rPr>
+                              <m:t>2</m:t>
+                            </m:r>
+                          </m:sub>
+                        </m:sSub>
+                      </m:e>
+                      <m:e>
+                        <m:r>
+                          <a:rPr lang="ar-AE" sz="1600" b="0" i="0" kern="1200">
+                            <a:solidFill>
+                              <a:schemeClr val="tx1"/>
+                            </a:solidFill>
+                            <a:latin typeface="Cambria Math" panose="02040503050406030204" pitchFamily="18" charset="0"/>
+                            <a:ea typeface="ＭＳ Ｐゴシック" charset="0"/>
+                          </a:rPr>
+                          <m:t>…</m:t>
+                        </m:r>
+                      </m:e>
+                      <m:e>
+                        <m:sSub>
+                          <m:sSubPr>
+                            <m:ctrlPr>
+                              <a:rPr lang="ar-AE" sz="1600" b="0" i="1" kern="1200">
+                                <a:solidFill>
+                                  <a:schemeClr val="tx1"/>
+                                </a:solidFill>
+                                <a:latin typeface="Cambria Math" panose="02040503050406030204" pitchFamily="18" charset="0"/>
+                                <a:ea typeface="ＭＳ Ｐゴシック" charset="0"/>
+                              </a:rPr>
+                            </m:ctrlPr>
+                          </m:sSubPr>
+                          <m:e>
+                            <m:r>
+                              <a:rPr lang="ar-AE" sz="1600" b="0" i="1" kern="1200">
+                                <a:solidFill>
+                                  <a:schemeClr val="tx1"/>
+                                </a:solidFill>
+                                <a:latin typeface="Cambria Math" panose="02040503050406030204" pitchFamily="18" charset="0"/>
+                                <a:ea typeface="ＭＳ Ｐゴシック" charset="0"/>
+                              </a:rPr>
+                              <m:t>𝑥</m:t>
+                            </m:r>
+                          </m:e>
+                          <m:sub>
+                            <m:r>
+                              <a:rPr lang="ar-AE" sz="1600" b="0" i="1" kern="1200">
+                                <a:solidFill>
+                                  <a:schemeClr val="tx1"/>
+                                </a:solidFill>
+                                <a:latin typeface="Cambria Math" panose="02040503050406030204" pitchFamily="18" charset="0"/>
+                                <a:ea typeface="ＭＳ Ｐゴシック" charset="0"/>
+                              </a:rPr>
+                              <m:t>𝐷</m:t>
+                            </m:r>
+                          </m:sub>
+                        </m:sSub>
+                      </m:e>
+                    </m:d>
+                  </m:oMath>
+                </a14:m>
+                <a:r>
+                  <a:rPr lang="ar-AE" sz="1600" b="0" i="0" kern="1200" dirty="0">
+                    <a:solidFill>
+                      <a:schemeClr val="tx1"/>
+                    </a:solidFill>
+                    <a:effectLst/>
+                    <a:latin typeface="Gill Sans MT" panose="020B0502020104020203" pitchFamily="34" charset="77"/>
+                    <a:ea typeface="ＭＳ Ｐゴシック" charset="0"/>
+                  </a:rPr>
+                  <a:t> </a:t>
+                </a:r>
+                <a:r>
+                  <a:rPr lang="en-GB" sz="1600" b="0" i="0" kern="1200" dirty="0">
+                    <a:solidFill>
+                      <a:schemeClr val="tx1"/>
+                    </a:solidFill>
+                    <a:effectLst/>
+                    <a:latin typeface="Gill Sans MT" panose="020B0502020104020203" pitchFamily="34" charset="77"/>
+                    <a:ea typeface="ＭＳ Ｐゴシック" charset="0"/>
+                  </a:rPr>
+                  <a:t>under the </a:t>
+                </a:r>
+                <a:r>
+                  <a:rPr lang="en-GB" sz="1600" b="1" i="0" kern="1200" dirty="0">
+                    <a:solidFill>
+                      <a:schemeClr val="tx1"/>
+                    </a:solidFill>
+                    <a:effectLst/>
+                    <a:latin typeface="Gill Sans MT" panose="020B0502020104020203" pitchFamily="34" charset="77"/>
+                    <a:ea typeface="ＭＳ Ｐゴシック" charset="0"/>
+                  </a:rPr>
+                  <a:t>Naïve Bayes </a:t>
+                </a:r>
+                <a:r>
+                  <a:rPr lang="en-GB" sz="1600" i="0" kern="1200" dirty="0">
+                    <a:solidFill>
+                      <a:schemeClr val="tx1"/>
+                    </a:solidFill>
+                    <a:effectLst/>
+                    <a:latin typeface="Gill Sans MT" panose="020B0502020104020203" pitchFamily="34" charset="77"/>
+                    <a:ea typeface="ＭＳ Ｐゴシック" charset="0"/>
+                  </a:rPr>
+                  <a:t>assumption</a:t>
+                </a:r>
+                <a:r>
+                  <a:rPr lang="en-GB" sz="1600" b="0" i="0" kern="1200" dirty="0">
+                    <a:solidFill>
+                      <a:schemeClr val="tx1"/>
+                    </a:solidFill>
+                    <a:effectLst/>
+                    <a:latin typeface="Gill Sans MT" panose="020B0502020104020203" pitchFamily="34" charset="77"/>
+                    <a:ea typeface="ＭＳ Ｐゴシック" charset="0"/>
+                  </a:rPr>
+                  <a:t>.</a:t>
+                </a:r>
+              </a:p>
+              <a:p>
+                <a:pPr lvl="0">
+                  <a:spcBef>
+                    <a:spcPct val="30000"/>
+                  </a:spcBef>
+                  <a:defRPr/>
+                </a:pPr>
+                <a:r>
+                  <a:rPr lang="en-GB" sz="1600" dirty="0">
+                    <a:ea typeface="ＭＳ Ｐゴシック" charset="0"/>
+                  </a:rPr>
+                  <a:t>- </a:t>
+                </a:r>
+                <a:r>
+                  <a:rPr lang="en-GB" sz="1600" dirty="0">
+                    <a:latin typeface="Gill Sans MT" panose="020B0502020104020203" pitchFamily="34" charset="77"/>
+                    <a:ea typeface="ＭＳ Ｐゴシック" charset="0"/>
+                  </a:rPr>
+                  <a:t>p(</a:t>
+                </a:r>
+                <a:r>
+                  <a:rPr lang="en-GB" sz="1600" dirty="0" err="1">
+                    <a:latin typeface="Gill Sans MT" panose="020B0502020104020203" pitchFamily="34" charset="77"/>
+                    <a:ea typeface="ＭＳ Ｐゴシック" charset="0"/>
+                  </a:rPr>
+                  <a:t>y,x</a:t>
+                </a:r>
+                <a:r>
+                  <a:rPr lang="en-GB" sz="1600" dirty="0">
+                    <a:latin typeface="Gill Sans MT" panose="020B0502020104020203" pitchFamily="34" charset="77"/>
+                    <a:ea typeface="ＭＳ Ｐゴシック" charset="0"/>
+                  </a:rPr>
+                  <a:t>): Joint probability of the label </a:t>
+                </a:r>
+                <a14:m>
+                  <m:oMath xmlns:m="http://schemas.openxmlformats.org/officeDocument/2006/math">
+                    <m:r>
+                      <a:rPr lang="en-GB" sz="1600" i="1">
+                        <a:latin typeface="Cambria Math" panose="02040503050406030204" pitchFamily="18" charset="0"/>
+                        <a:ea typeface="ＭＳ Ｐゴシック" charset="0"/>
+                      </a:rPr>
+                      <m:t>𝑦</m:t>
+                    </m:r>
+                  </m:oMath>
+                </a14:m>
+                <a:r>
+                  <a:rPr lang="en-GB" sz="1600" dirty="0">
+                    <a:latin typeface="Gill Sans MT" panose="020B0502020104020203" pitchFamily="34" charset="77"/>
+                    <a:ea typeface="ＭＳ Ｐゴシック" charset="0"/>
+                  </a:rPr>
+                  <a:t> and all features </a:t>
+                </a:r>
+                <a14:m>
+                  <m:oMath xmlns:m="http://schemas.openxmlformats.org/officeDocument/2006/math">
+                    <m:r>
+                      <a:rPr lang="en-GB" sz="1600" b="1">
+                        <a:latin typeface="Cambria Math" panose="02040503050406030204" pitchFamily="18" charset="0"/>
+                        <a:ea typeface="ＭＳ Ｐゴシック" charset="0"/>
+                      </a:rPr>
+                      <m:t>𝐱</m:t>
+                    </m:r>
+                  </m:oMath>
+                </a14:m>
+                <a:r>
+                  <a:rPr lang="en-GB" sz="1600" dirty="0">
+                    <a:latin typeface="Gill Sans MT" panose="020B0502020104020203" pitchFamily="34" charset="77"/>
+                    <a:ea typeface="ＭＳ Ｐゴシック" charset="0"/>
+                  </a:rPr>
+                  <a:t>.</a:t>
+                </a:r>
+                <a:endParaRPr lang="en-GB" sz="1600" i="1" dirty="0">
+                  <a:latin typeface="Gill Sans MT" panose="020B0502020104020203" pitchFamily="34" charset="77"/>
+                  <a:ea typeface="ＭＳ Ｐゴシック" charset="0"/>
+                </a:endParaRPr>
+              </a:p>
+              <a:p>
+                <a:pPr lvl="0">
+                  <a:spcBef>
+                    <a:spcPct val="30000"/>
+                  </a:spcBef>
+                  <a:defRPr/>
+                </a:pPr>
+                <a14:m>
+                  <m:oMath xmlns:m="http://schemas.openxmlformats.org/officeDocument/2006/math">
+                    <m:r>
+                      <a:rPr lang="en-GB" sz="1600" b="0" i="1" smtClean="0">
+                        <a:latin typeface="Cambria Math" panose="02040503050406030204" pitchFamily="18" charset="0"/>
+                        <a:ea typeface="ＭＳ Ｐゴシック" charset="0"/>
+                      </a:rPr>
+                      <m:t>− </m:t>
+                    </m:r>
+                    <m:r>
+                      <a:rPr lang="en-GB" sz="1600" i="1">
+                        <a:latin typeface="Cambria Math" panose="02040503050406030204" pitchFamily="18" charset="0"/>
+                        <a:ea typeface="ＭＳ Ｐゴシック" charset="0"/>
+                      </a:rPr>
+                      <m:t>𝑝</m:t>
+                    </m:r>
+                    <m:d>
+                      <m:dPr>
+                        <m:ctrlPr>
+                          <a:rPr lang="ar-AE" sz="1600" i="1">
+                            <a:latin typeface="Cambria Math" panose="02040503050406030204" pitchFamily="18" charset="0"/>
+                            <a:ea typeface="ＭＳ Ｐゴシック" charset="0"/>
+                          </a:rPr>
+                        </m:ctrlPr>
+                      </m:dPr>
+                      <m:e>
+                        <m:r>
+                          <a:rPr lang="ar-AE" sz="1600" i="1">
+                            <a:latin typeface="Cambria Math" panose="02040503050406030204" pitchFamily="18" charset="0"/>
+                            <a:ea typeface="ＭＳ Ｐゴシック" charset="0"/>
+                          </a:rPr>
+                          <m:t>𝑦</m:t>
+                        </m:r>
+                      </m:e>
+                    </m:d>
+                  </m:oMath>
+                </a14:m>
+                <a:r>
+                  <a:rPr lang="ar-AE" sz="1600" dirty="0">
+                    <a:latin typeface="Gill Sans MT" panose="020B0502020104020203" pitchFamily="34" charset="77"/>
+                    <a:ea typeface="ＭＳ Ｐゴシック" charset="0"/>
+                  </a:rPr>
+                  <a:t>: </a:t>
+                </a:r>
+                <a:r>
+                  <a:rPr lang="en-GB" sz="1600" dirty="0">
+                    <a:latin typeface="Gill Sans MT" panose="020B0502020104020203" pitchFamily="34" charset="77"/>
+                    <a:ea typeface="ＭＳ Ｐゴシック" charset="0"/>
+                  </a:rPr>
+                  <a:t>Prior probability of the class </a:t>
+                </a:r>
+                <a14:m>
+                  <m:oMath xmlns:m="http://schemas.openxmlformats.org/officeDocument/2006/math">
+                    <m:r>
+                      <a:rPr lang="en-GB" sz="1600" i="1">
+                        <a:latin typeface="Cambria Math" panose="02040503050406030204" pitchFamily="18" charset="0"/>
+                        <a:ea typeface="ＭＳ Ｐゴシック" charset="0"/>
+                      </a:rPr>
+                      <m:t>𝑦</m:t>
+                    </m:r>
+                  </m:oMath>
+                </a14:m>
+                <a:r>
+                  <a:rPr lang="en-GB" sz="1600" dirty="0">
+                    <a:latin typeface="Gill Sans MT" panose="020B0502020104020203" pitchFamily="34" charset="77"/>
+                    <a:ea typeface="ＭＳ Ｐゴシック" charset="0"/>
+                  </a:rPr>
+                  <a:t>.</a:t>
+                </a:r>
+              </a:p>
+              <a:p>
+                <a:pPr lvl="0">
+                  <a:spcBef>
+                    <a:spcPct val="30000"/>
+                  </a:spcBef>
+                  <a:defRPr/>
+                </a:pPr>
+                <a:r>
+                  <a:rPr lang="en-GB" sz="1600" dirty="0">
+                    <a:latin typeface="Gill Sans MT" panose="020B0502020104020203" pitchFamily="34" charset="77"/>
+                    <a:ea typeface="ＭＳ Ｐゴシック" charset="0"/>
+                  </a:rPr>
+                  <a:t>- </a:t>
+                </a:r>
+                <a14:m>
+                  <m:oMath xmlns:m="http://schemas.openxmlformats.org/officeDocument/2006/math">
+                    <m:nary>
+                      <m:naryPr>
+                        <m:chr m:val="∏"/>
+                        <m:limLoc m:val="subSup"/>
+                        <m:grow m:val="on"/>
+                        <m:ctrlPr>
+                          <a:rPr lang="ar-AE" sz="1600" i="1">
+                            <a:latin typeface="Cambria Math" panose="02040503050406030204" pitchFamily="18" charset="0"/>
+                            <a:ea typeface="ＭＳ Ｐゴシック" charset="0"/>
+                          </a:rPr>
+                        </m:ctrlPr>
+                      </m:naryPr>
+                      <m:sub>
+                        <m:r>
+                          <a:rPr lang="ar-AE" sz="1600" i="1">
+                            <a:latin typeface="Cambria Math" panose="02040503050406030204" pitchFamily="18" charset="0"/>
+                            <a:ea typeface="ＭＳ Ｐゴシック" charset="0"/>
+                          </a:rPr>
+                          <m:t>𝑗</m:t>
+                        </m:r>
+                        <m:r>
+                          <a:rPr lang="ar-AE" sz="1600">
+                            <a:latin typeface="Cambria Math" panose="02040503050406030204" pitchFamily="18" charset="0"/>
+                            <a:ea typeface="ＭＳ Ｐゴシック" charset="0"/>
+                          </a:rPr>
+                          <m:t>=1</m:t>
+                        </m:r>
+                      </m:sub>
+                      <m:sup>
+                        <m:r>
+                          <a:rPr lang="ar-AE" sz="1600" i="1">
+                            <a:latin typeface="Cambria Math" panose="02040503050406030204" pitchFamily="18" charset="0"/>
+                            <a:ea typeface="ＭＳ Ｐゴシック" charset="0"/>
+                          </a:rPr>
+                          <m:t>𝐷</m:t>
+                        </m:r>
+                      </m:sup>
+                      <m:e>
+                        <m:r>
+                          <a:rPr lang="ar-AE" sz="1600" i="1">
+                            <a:latin typeface="Cambria Math" panose="02040503050406030204" pitchFamily="18" charset="0"/>
+                            <a:ea typeface="ＭＳ Ｐゴシック" charset="0"/>
+                          </a:rPr>
+                          <m:t>𝑝</m:t>
+                        </m:r>
+                      </m:e>
+                    </m:nary>
+                    <m:d>
+                      <m:dPr>
+                        <m:ctrlPr>
+                          <a:rPr lang="ar-AE" sz="1600" i="1">
+                            <a:latin typeface="Cambria Math" panose="02040503050406030204" pitchFamily="18" charset="0"/>
+                            <a:ea typeface="ＭＳ Ｐゴシック" charset="0"/>
+                          </a:rPr>
+                        </m:ctrlPr>
+                      </m:dPr>
+                      <m:e>
+                        <m:sSub>
+                          <m:sSubPr>
+                            <m:ctrlPr>
+                              <a:rPr lang="ar-AE" sz="1600" i="1">
+                                <a:latin typeface="Cambria Math" panose="02040503050406030204" pitchFamily="18" charset="0"/>
+                                <a:ea typeface="ＭＳ Ｐゴシック" charset="0"/>
+                              </a:rPr>
+                            </m:ctrlPr>
+                          </m:sSubPr>
+                          <m:e>
+                            <m:r>
+                              <a:rPr lang="ar-AE" sz="1600" i="1">
+                                <a:latin typeface="Cambria Math" panose="02040503050406030204" pitchFamily="18" charset="0"/>
+                                <a:ea typeface="ＭＳ Ｐゴシック" charset="0"/>
+                              </a:rPr>
+                              <m:t>𝑥</m:t>
+                            </m:r>
+                          </m:e>
+                          <m:sub>
+                            <m:r>
+                              <a:rPr lang="ar-AE" sz="1600" i="1">
+                                <a:latin typeface="Cambria Math" panose="02040503050406030204" pitchFamily="18" charset="0"/>
+                                <a:ea typeface="ＭＳ Ｐゴシック" charset="0"/>
+                              </a:rPr>
+                              <m:t>𝑗</m:t>
+                            </m:r>
+                          </m:sub>
+                        </m:sSub>
+                        <m:r>
+                          <a:rPr lang="ar-AE" sz="1600">
+                            <a:latin typeface="Cambria Math" panose="02040503050406030204" pitchFamily="18" charset="0"/>
+                            <a:ea typeface="ＭＳ Ｐゴシック" charset="0"/>
+                          </a:rPr>
+                          <m:t>∣</m:t>
+                        </m:r>
+                        <m:r>
+                          <a:rPr lang="ar-AE" sz="1600" i="1">
+                            <a:latin typeface="Cambria Math" panose="02040503050406030204" pitchFamily="18" charset="0"/>
+                            <a:ea typeface="ＭＳ Ｐゴシック" charset="0"/>
+                          </a:rPr>
+                          <m:t>𝑦</m:t>
+                        </m:r>
+                      </m:e>
+                    </m:d>
+                  </m:oMath>
+                </a14:m>
+                <a:r>
+                  <a:rPr lang="ar-AE" sz="1600" dirty="0">
+                    <a:latin typeface="Gill Sans MT" panose="020B0502020104020203" pitchFamily="34" charset="77"/>
+                    <a:ea typeface="ＭＳ Ｐゴシック" charset="0"/>
+                  </a:rPr>
+                  <a:t>: </a:t>
+                </a:r>
+                <a:r>
+                  <a:rPr lang="en-GB" sz="1600" dirty="0">
+                    <a:latin typeface="Gill Sans MT" panose="020B0502020104020203" pitchFamily="34" charset="77"/>
+                    <a:ea typeface="ＭＳ Ｐゴシック" charset="0"/>
+                  </a:rPr>
+                  <a:t>Product of conditional probabilities of each feature given the class.</a:t>
+                </a:r>
+              </a:p>
+              <a:p>
+                <a:pPr lvl="0">
+                  <a:spcBef>
+                    <a:spcPct val="30000"/>
+                  </a:spcBef>
+                  <a:defRPr/>
+                </a:pPr>
+                <a:endParaRPr lang="en-GB" sz="1600" dirty="0">
+                  <a:ea typeface="ＭＳ Ｐゴシック" charset="0"/>
+                </a:endParaRPr>
+              </a:p>
+              <a:p>
+                <a:pPr marL="0" marR="0" lvl="0" indent="0" algn="l" defTabSz="914400" rtl="0" eaLnBrk="0" fontAlgn="base" latinLnBrk="0" hangingPunct="0">
+                  <a:lnSpc>
+                    <a:spcPct val="100000"/>
+                  </a:lnSpc>
+                  <a:spcBef>
+                    <a:spcPct val="30000"/>
+                  </a:spcBef>
+                  <a:spcAft>
+                    <a:spcPct val="0"/>
+                  </a:spcAft>
+                  <a:buClrTx/>
+                  <a:buSzTx/>
+                  <a:buFontTx/>
+                  <a:buNone/>
+                  <a:tabLst/>
+                  <a:defRPr/>
+                </a:pPr>
+                <a:endParaRPr lang="en-GB" sz="1600" b="0" i="0" kern="1200" dirty="0">
+                  <a:solidFill>
+                    <a:schemeClr val="tx1"/>
+                  </a:solidFill>
+                  <a:effectLst/>
+                  <a:latin typeface="Gill Sans MT" panose="020B0502020104020203" pitchFamily="34" charset="77"/>
+                  <a:ea typeface="ＭＳ Ｐゴシック" charset="0"/>
+                </a:endParaRPr>
+              </a:p>
+            </p:txBody>
+          </p:sp>
+        </mc:Choice>
+        <mc:Fallback>
+          <p:sp>
+            <p:nvSpPr>
+              <p:cNvPr id="8" name="TextBox 7">
+                <a:extLst>
+                  <a:ext uri="{FF2B5EF4-FFF2-40B4-BE49-F238E27FC236}">
+                    <a16:creationId xmlns:a16="http://schemas.microsoft.com/office/drawing/2014/main" id="{C95BB4DC-63CC-3BBA-5A9D-B46B28D2322C}"/>
+                  </a:ext>
+                </a:extLst>
+              </p:cNvPr>
+              <p:cNvSpPr txBox="1">
+                <a:spLocks noRot="1" noChangeAspect="1" noMove="1" noResize="1" noEditPoints="1" noAdjustHandles="1" noChangeArrowheads="1" noChangeShapeType="1" noTextEdit="1"/>
+              </p:cNvSpPr>
+              <p:nvPr/>
+            </p:nvSpPr>
+            <p:spPr>
+              <a:xfrm>
+                <a:off x="1055440" y="2259015"/>
+                <a:ext cx="10526960" cy="2244653"/>
+              </a:xfrm>
+              <a:prstGeom prst="rect">
+                <a:avLst/>
+              </a:prstGeom>
+              <a:blipFill>
+                <a:blip r:embed="rId4"/>
+                <a:stretch>
+                  <a:fillRect l="-1687" t="-1695"/>
+                </a:stretch>
+              </a:blipFill>
+            </p:spPr>
+            <p:txBody>
+              <a:bodyPr/>
+              <a:lstStyle/>
+              <a:p>
+                <a:r>
+                  <a:rPr lang="en-GB">
+                    <a:noFill/>
+                  </a:rPr>
+                  <a:t> </a:t>
+                </a:r>
+              </a:p>
+            </p:txBody>
+          </p:sp>
+        </mc:Fallback>
+      </mc:AlternateContent>
     </p:spTree>
     <p:extLst>
       <p:ext uri="{BB962C8B-B14F-4D97-AF65-F5344CB8AC3E}">
@@ -6789,6 +8411,611 @@
 </file>
 
 <file path=ppt/slides/slide12.xml><?xml version="1.0" encoding="utf-8"?>
+<p:sld xmlns:a="http://schemas.openxmlformats.org/drawingml/2006/main" xmlns:r="http://schemas.openxmlformats.org/officeDocument/2006/relationships" xmlns:p="http://schemas.openxmlformats.org/presentationml/2006/main">
+  <p:cSld>
+    <p:spTree>
+      <p:nvGrpSpPr>
+        <p:cNvPr id="1" name=""/>
+        <p:cNvGrpSpPr/>
+        <p:nvPr/>
+      </p:nvGrpSpPr>
+      <p:grpSpPr>
+        <a:xfrm>
+          <a:off x="0" y="0"/>
+          <a:ext cx="0" cy="0"/>
+          <a:chOff x="0" y="0"/>
+          <a:chExt cx="0" cy="0"/>
+        </a:xfrm>
+      </p:grpSpPr>
+      <p:sp>
+        <p:nvSpPr>
+          <p:cNvPr id="2" name="Title 1">
+            <a:extLst>
+              <a:ext uri="{FF2B5EF4-FFF2-40B4-BE49-F238E27FC236}">
+                <a16:creationId xmlns:a16="http://schemas.microsoft.com/office/drawing/2014/main" id="{A4D4EE34-B0E0-D485-1BFB-9E465D87FA64}"/>
+              </a:ext>
+            </a:extLst>
+          </p:cNvPr>
+          <p:cNvSpPr>
+            <a:spLocks noGrp="1"/>
+          </p:cNvSpPr>
+          <p:nvPr>
+            <p:ph type="title"/>
+          </p:nvPr>
+        </p:nvSpPr>
+        <p:spPr/>
+        <p:txBody>
+          <a:bodyPr/>
+          <a:lstStyle/>
+          <a:p>
+            <a:r>
+              <a:rPr lang="en-GB" dirty="0"/>
+              <a:t>Example</a:t>
+            </a:r>
+          </a:p>
+        </p:txBody>
+      </p:sp>
+      <mc:AlternateContent xmlns:mc="http://schemas.openxmlformats.org/markup-compatibility/2006">
+        <mc:Choice xmlns:a14="http://schemas.microsoft.com/office/drawing/2010/main" Requires="a14">
+          <p:sp>
+            <p:nvSpPr>
+              <p:cNvPr id="3" name="Content Placeholder 2">
+                <a:extLst>
+                  <a:ext uri="{FF2B5EF4-FFF2-40B4-BE49-F238E27FC236}">
+                    <a16:creationId xmlns:a16="http://schemas.microsoft.com/office/drawing/2014/main" id="{C2593AD8-42EF-B8DE-C093-BEB34464A67F}"/>
+                  </a:ext>
+                </a:extLst>
+              </p:cNvPr>
+              <p:cNvSpPr>
+                <a:spLocks noGrp="1"/>
+              </p:cNvSpPr>
+              <p:nvPr>
+                <p:ph idx="1"/>
+              </p:nvPr>
+            </p:nvSpPr>
+            <p:spPr/>
+            <p:txBody>
+              <a:bodyPr/>
+              <a:lstStyle/>
+              <a:p>
+                <a:r>
+                  <a:rPr lang="en-GB" kern="1200" dirty="0"/>
+                  <a:t>Imagine predicting whether a patient has Alzheimer’s (</a:t>
+                </a:r>
+                <a14:m>
+                  <m:oMath xmlns:m="http://schemas.openxmlformats.org/officeDocument/2006/math">
+                    <m:r>
+                      <a:rPr lang="en-GB" i="1" kern="1200">
+                        <a:latin typeface="Cambria Math" panose="02040503050406030204" pitchFamily="18" charset="0"/>
+                      </a:rPr>
+                      <m:t>𝑦</m:t>
+                    </m:r>
+                  </m:oMath>
+                </a14:m>
+                <a:r>
+                  <a:rPr lang="en-GB" kern="1200" dirty="0"/>
+                  <a:t>) based on features below:</a:t>
+                </a:r>
+              </a:p>
+              <a:p>
+                <a:pPr lvl="1"/>
+                <a14:m>
+                  <m:oMath xmlns:m="http://schemas.openxmlformats.org/officeDocument/2006/math">
+                    <m:sSub>
+                      <m:sSubPr>
+                        <m:ctrlPr>
+                          <a:rPr lang="ar-AE" i="1" kern="1200">
+                            <a:latin typeface="Cambria Math" panose="02040503050406030204" pitchFamily="18" charset="0"/>
+                          </a:rPr>
+                        </m:ctrlPr>
+                      </m:sSubPr>
+                      <m:e>
+                        <m:r>
+                          <a:rPr lang="ar-AE" i="1" kern="1200">
+                            <a:latin typeface="Cambria Math" panose="02040503050406030204" pitchFamily="18" charset="0"/>
+                          </a:rPr>
+                          <m:t>𝑥</m:t>
+                        </m:r>
+                      </m:e>
+                      <m:sub>
+                        <m:r>
+                          <a:rPr lang="ar-AE" kern="1200">
+                            <a:latin typeface="Cambria Math" panose="02040503050406030204" pitchFamily="18" charset="0"/>
+                          </a:rPr>
+                          <m:t>1</m:t>
+                        </m:r>
+                      </m:sub>
+                    </m:sSub>
+                  </m:oMath>
+                </a14:m>
+                <a:r>
+                  <a:rPr lang="ar-AE" kern="1200" dirty="0"/>
+                  <a:t>: </a:t>
+                </a:r>
+                <a:r>
+                  <a:rPr lang="en-GB" kern="1200" dirty="0"/>
+                  <a:t>Age</a:t>
+                </a:r>
+              </a:p>
+              <a:p>
+                <a:pPr lvl="1"/>
+                <a14:m>
+                  <m:oMath xmlns:m="http://schemas.openxmlformats.org/officeDocument/2006/math">
+                    <m:sSub>
+                      <m:sSubPr>
+                        <m:ctrlPr>
+                          <a:rPr lang="ar-AE" i="1" kern="1200">
+                            <a:latin typeface="Cambria Math" panose="02040503050406030204" pitchFamily="18" charset="0"/>
+                          </a:rPr>
+                        </m:ctrlPr>
+                      </m:sSubPr>
+                      <m:e>
+                        <m:r>
+                          <a:rPr lang="ar-AE" i="1" kern="1200">
+                            <a:latin typeface="Cambria Math" panose="02040503050406030204" pitchFamily="18" charset="0"/>
+                          </a:rPr>
+                          <m:t>𝑥</m:t>
+                        </m:r>
+                      </m:e>
+                      <m:sub>
+                        <m:r>
+                          <a:rPr lang="ar-AE" kern="1200">
+                            <a:latin typeface="Cambria Math" panose="02040503050406030204" pitchFamily="18" charset="0"/>
+                          </a:rPr>
+                          <m:t>2</m:t>
+                        </m:r>
+                      </m:sub>
+                    </m:sSub>
+                  </m:oMath>
+                </a14:m>
+                <a:r>
+                  <a:rPr lang="ar-AE" kern="1200" dirty="0"/>
+                  <a:t>: </a:t>
+                </a:r>
+                <a:r>
+                  <a:rPr lang="en-GB" kern="1200" dirty="0"/>
+                  <a:t>APOE-4 status</a:t>
+                </a:r>
+              </a:p>
+              <a:p>
+                <a:pPr lvl="1"/>
+                <a14:m>
+                  <m:oMath xmlns:m="http://schemas.openxmlformats.org/officeDocument/2006/math">
+                    <m:sSub>
+                      <m:sSubPr>
+                        <m:ctrlPr>
+                          <a:rPr lang="ar-AE" i="1" kern="1200">
+                            <a:latin typeface="Cambria Math" panose="02040503050406030204" pitchFamily="18" charset="0"/>
+                          </a:rPr>
+                        </m:ctrlPr>
+                      </m:sSubPr>
+                      <m:e>
+                        <m:r>
+                          <a:rPr lang="ar-AE" i="1" kern="1200">
+                            <a:latin typeface="Cambria Math" panose="02040503050406030204" pitchFamily="18" charset="0"/>
+                          </a:rPr>
+                          <m:t>𝑥</m:t>
+                        </m:r>
+                      </m:e>
+                      <m:sub>
+                        <m:r>
+                          <a:rPr lang="ar-AE" kern="1200">
+                            <a:latin typeface="Cambria Math" panose="02040503050406030204" pitchFamily="18" charset="0"/>
+                          </a:rPr>
+                          <m:t>3</m:t>
+                        </m:r>
+                      </m:sub>
+                    </m:sSub>
+                  </m:oMath>
+                </a14:m>
+                <a:r>
+                  <a:rPr lang="ar-AE" kern="1200" dirty="0"/>
+                  <a:t>: </a:t>
+                </a:r>
+                <a:r>
+                  <a:rPr lang="en-GB" kern="1200" dirty="0"/>
+                  <a:t>CSF tau level</a:t>
+                </a:r>
+              </a:p>
+              <a:p>
+                <a:pPr lvl="1"/>
+                <a14:m>
+                  <m:oMath xmlns:m="http://schemas.openxmlformats.org/officeDocument/2006/math">
+                    <m:sSub>
+                      <m:sSubPr>
+                        <m:ctrlPr>
+                          <a:rPr lang="ar-AE" i="1" kern="1200">
+                            <a:latin typeface="Cambria Math" panose="02040503050406030204" pitchFamily="18" charset="0"/>
+                          </a:rPr>
+                        </m:ctrlPr>
+                      </m:sSubPr>
+                      <m:e>
+                        <m:r>
+                          <a:rPr lang="ar-AE" i="1" kern="1200">
+                            <a:latin typeface="Cambria Math" panose="02040503050406030204" pitchFamily="18" charset="0"/>
+                          </a:rPr>
+                          <m:t>𝑥</m:t>
+                        </m:r>
+                      </m:e>
+                      <m:sub>
+                        <m:r>
+                          <a:rPr lang="ar-AE" kern="1200">
+                            <a:latin typeface="Cambria Math" panose="02040503050406030204" pitchFamily="18" charset="0"/>
+                          </a:rPr>
+                          <m:t>4</m:t>
+                        </m:r>
+                      </m:sub>
+                    </m:sSub>
+                  </m:oMath>
+                </a14:m>
+                <a:r>
+                  <a:rPr lang="ar-AE" kern="1200" dirty="0"/>
+                  <a:t>: </a:t>
+                </a:r>
+                <a:r>
+                  <a:rPr lang="en-GB" kern="1200" dirty="0"/>
+                  <a:t>MRI hippocampal volume</a:t>
+                </a:r>
+              </a:p>
+              <a:p>
+                <a:r>
+                  <a:rPr lang="en-GB" kern="1200" dirty="0"/>
+                  <a:t>Under Naïve Bayes:</a:t>
+                </a:r>
+              </a:p>
+              <a:p>
+                <a:pPr lvl="1"/>
+                <a14:m>
+                  <m:oMath xmlns:m="http://schemas.openxmlformats.org/officeDocument/2006/math">
+                    <m:r>
+                      <a:rPr lang="en-GB" i="1" kern="1200">
+                        <a:latin typeface="Cambria Math" panose="02040503050406030204" pitchFamily="18" charset="0"/>
+                      </a:rPr>
+                      <m:t>𝑝</m:t>
+                    </m:r>
+                    <m:d>
+                      <m:dPr>
+                        <m:sepChr m:val=","/>
+                        <m:ctrlPr>
+                          <a:rPr lang="ar-AE" i="1" kern="1200">
+                            <a:latin typeface="Cambria Math" panose="02040503050406030204" pitchFamily="18" charset="0"/>
+                          </a:rPr>
+                        </m:ctrlPr>
+                      </m:dPr>
+                      <m:e>
+                        <m:r>
+                          <a:rPr lang="ar-AE" i="1" kern="1200">
+                            <a:latin typeface="Cambria Math" panose="02040503050406030204" pitchFamily="18" charset="0"/>
+                          </a:rPr>
+                          <m:t>𝑦</m:t>
+                        </m:r>
+                      </m:e>
+                      <m:e>
+                        <m:r>
+                          <a:rPr lang="ar-AE" b="1" kern="1200">
+                            <a:latin typeface="Cambria Math" panose="02040503050406030204" pitchFamily="18" charset="0"/>
+                          </a:rPr>
+                          <m:t>𝐱</m:t>
+                        </m:r>
+                      </m:e>
+                    </m:d>
+                    <m:r>
+                      <a:rPr lang="ar-AE" kern="1200">
+                        <a:latin typeface="Cambria Math" panose="02040503050406030204" pitchFamily="18" charset="0"/>
+                      </a:rPr>
+                      <m:t>=</m:t>
+                    </m:r>
+                    <m:r>
+                      <a:rPr lang="ar-AE" i="1" kern="1200">
+                        <a:latin typeface="Cambria Math" panose="02040503050406030204" pitchFamily="18" charset="0"/>
+                      </a:rPr>
+                      <m:t>𝑝</m:t>
+                    </m:r>
+                    <m:d>
+                      <m:dPr>
+                        <m:ctrlPr>
+                          <a:rPr lang="ar-AE" i="1" kern="1200">
+                            <a:latin typeface="Cambria Math" panose="02040503050406030204" pitchFamily="18" charset="0"/>
+                          </a:rPr>
+                        </m:ctrlPr>
+                      </m:dPr>
+                      <m:e>
+                        <m:r>
+                          <a:rPr lang="ar-AE" i="1" kern="1200">
+                            <a:latin typeface="Cambria Math" panose="02040503050406030204" pitchFamily="18" charset="0"/>
+                          </a:rPr>
+                          <m:t>𝑦</m:t>
+                        </m:r>
+                      </m:e>
+                    </m:d>
+                    <m:r>
+                      <a:rPr lang="ar-AE" kern="1200">
+                        <a:latin typeface="Cambria Math" panose="02040503050406030204" pitchFamily="18" charset="0"/>
+                      </a:rPr>
+                      <m:t>⋅</m:t>
+                    </m:r>
+                    <m:r>
+                      <a:rPr lang="ar-AE" i="1" kern="1200">
+                        <a:latin typeface="Cambria Math" panose="02040503050406030204" pitchFamily="18" charset="0"/>
+                      </a:rPr>
+                      <m:t>𝑝</m:t>
+                    </m:r>
+                    <m:d>
+                      <m:dPr>
+                        <m:ctrlPr>
+                          <a:rPr lang="ar-AE" i="1" kern="1200">
+                            <a:latin typeface="Cambria Math" panose="02040503050406030204" pitchFamily="18" charset="0"/>
+                          </a:rPr>
+                        </m:ctrlPr>
+                      </m:dPr>
+                      <m:e>
+                        <m:r>
+                          <m:rPr>
+                            <m:nor/>
+                          </m:rPr>
+                          <a:rPr lang="en-GB" i="1" kern="1200"/>
+                          <m:t>Age</m:t>
+                        </m:r>
+                        <m:r>
+                          <a:rPr lang="en-GB" kern="1200">
+                            <a:latin typeface="Cambria Math" panose="02040503050406030204" pitchFamily="18" charset="0"/>
+                          </a:rPr>
+                          <m:t>∣</m:t>
+                        </m:r>
+                        <m:r>
+                          <a:rPr lang="en-GB" i="1" kern="1200">
+                            <a:latin typeface="Cambria Math" panose="02040503050406030204" pitchFamily="18" charset="0"/>
+                          </a:rPr>
+                          <m:t>𝑦</m:t>
+                        </m:r>
+                      </m:e>
+                    </m:d>
+                    <m:r>
+                      <a:rPr lang="ar-AE" kern="1200">
+                        <a:latin typeface="Cambria Math" panose="02040503050406030204" pitchFamily="18" charset="0"/>
+                      </a:rPr>
+                      <m:t>⋅</m:t>
+                    </m:r>
+                    <m:r>
+                      <a:rPr lang="ar-AE" i="1" kern="1200">
+                        <a:latin typeface="Cambria Math" panose="02040503050406030204" pitchFamily="18" charset="0"/>
+                      </a:rPr>
+                      <m:t>𝑝</m:t>
+                    </m:r>
+                    <m:d>
+                      <m:dPr>
+                        <m:ctrlPr>
+                          <a:rPr lang="ar-AE" i="1" kern="1200">
+                            <a:latin typeface="Cambria Math" panose="02040503050406030204" pitchFamily="18" charset="0"/>
+                          </a:rPr>
+                        </m:ctrlPr>
+                      </m:dPr>
+                      <m:e>
+                        <m:r>
+                          <m:rPr>
+                            <m:nor/>
+                          </m:rPr>
+                          <a:rPr lang="en-GB" i="1" kern="1200"/>
+                          <m:t>APOE</m:t>
+                        </m:r>
+                        <m:r>
+                          <a:rPr lang="en-GB" kern="1200">
+                            <a:latin typeface="Cambria Math" panose="02040503050406030204" pitchFamily="18" charset="0"/>
+                          </a:rPr>
+                          <m:t>∣</m:t>
+                        </m:r>
+                        <m:r>
+                          <a:rPr lang="en-GB" i="1" kern="1200">
+                            <a:latin typeface="Cambria Math" panose="02040503050406030204" pitchFamily="18" charset="0"/>
+                          </a:rPr>
+                          <m:t>𝑦</m:t>
+                        </m:r>
+                      </m:e>
+                    </m:d>
+                    <m:r>
+                      <a:rPr lang="ar-AE" kern="1200">
+                        <a:latin typeface="Cambria Math" panose="02040503050406030204" pitchFamily="18" charset="0"/>
+                      </a:rPr>
+                      <m:t>⋅</m:t>
+                    </m:r>
+                    <m:r>
+                      <a:rPr lang="ar-AE" i="1" kern="1200">
+                        <a:latin typeface="Cambria Math" panose="02040503050406030204" pitchFamily="18" charset="0"/>
+                      </a:rPr>
+                      <m:t>𝑝</m:t>
+                    </m:r>
+                    <m:d>
+                      <m:dPr>
+                        <m:ctrlPr>
+                          <a:rPr lang="ar-AE" i="1" kern="1200">
+                            <a:latin typeface="Cambria Math" panose="02040503050406030204" pitchFamily="18" charset="0"/>
+                          </a:rPr>
+                        </m:ctrlPr>
+                      </m:dPr>
+                      <m:e>
+                        <m:r>
+                          <m:rPr>
+                            <m:nor/>
+                          </m:rPr>
+                          <a:rPr lang="en-GB" i="1" kern="1200"/>
+                          <m:t>Tau</m:t>
+                        </m:r>
+                        <m:r>
+                          <a:rPr lang="en-GB" kern="1200">
+                            <a:latin typeface="Cambria Math" panose="02040503050406030204" pitchFamily="18" charset="0"/>
+                          </a:rPr>
+                          <m:t>∣</m:t>
+                        </m:r>
+                        <m:r>
+                          <a:rPr lang="en-GB" i="1" kern="1200">
+                            <a:latin typeface="Cambria Math" panose="02040503050406030204" pitchFamily="18" charset="0"/>
+                          </a:rPr>
+                          <m:t>𝑦</m:t>
+                        </m:r>
+                      </m:e>
+                    </m:d>
+                    <m:r>
+                      <a:rPr lang="ar-AE" kern="1200">
+                        <a:latin typeface="Cambria Math" panose="02040503050406030204" pitchFamily="18" charset="0"/>
+                      </a:rPr>
+                      <m:t>⋅</m:t>
+                    </m:r>
+                    <m:r>
+                      <a:rPr lang="ar-AE" i="1" kern="1200">
+                        <a:latin typeface="Cambria Math" panose="02040503050406030204" pitchFamily="18" charset="0"/>
+                      </a:rPr>
+                      <m:t>𝑝</m:t>
+                    </m:r>
+                    <m:d>
+                      <m:dPr>
+                        <m:ctrlPr>
+                          <a:rPr lang="ar-AE" i="1" kern="1200">
+                            <a:latin typeface="Cambria Math" panose="02040503050406030204" pitchFamily="18" charset="0"/>
+                          </a:rPr>
+                        </m:ctrlPr>
+                      </m:dPr>
+                      <m:e>
+                        <m:r>
+                          <m:rPr>
+                            <m:nor/>
+                          </m:rPr>
+                          <a:rPr lang="en-GB" i="1" kern="1200"/>
+                          <m:t>MRI</m:t>
+                        </m:r>
+                        <m:r>
+                          <a:rPr lang="en-GB" kern="1200">
+                            <a:latin typeface="Cambria Math" panose="02040503050406030204" pitchFamily="18" charset="0"/>
+                          </a:rPr>
+                          <m:t>∣</m:t>
+                        </m:r>
+                        <m:r>
+                          <a:rPr lang="en-GB" i="1" kern="1200">
+                            <a:latin typeface="Cambria Math" panose="02040503050406030204" pitchFamily="18" charset="0"/>
+                          </a:rPr>
+                          <m:t>𝑦</m:t>
+                        </m:r>
+                      </m:e>
+                    </m:d>
+                  </m:oMath>
+                </a14:m>
+                <a:endParaRPr lang="en-GB" kern="1200" dirty="0"/>
+              </a:p>
+              <a:p>
+                <a:pPr lvl="1"/>
+                <a:r>
+                  <a:rPr lang="en-GB" kern="1200" dirty="0"/>
+                  <a:t>p(y): Prior probability of the class </a:t>
+                </a:r>
+                <a14:m>
+                  <m:oMath xmlns:m="http://schemas.openxmlformats.org/officeDocument/2006/math">
+                    <m:r>
+                      <a:rPr lang="en-GB" kern="1200"/>
+                      <m:t>𝑦</m:t>
+                    </m:r>
+                  </m:oMath>
+                </a14:m>
+                <a:endParaRPr lang="en-GB" kern="1200" dirty="0"/>
+              </a:p>
+              <a:p>
+                <a:endParaRPr lang="en-GB" dirty="0"/>
+              </a:p>
+              <a:p>
+                <a:pPr lvl="1"/>
+                <a:endParaRPr lang="ar-AE" dirty="0"/>
+              </a:p>
+              <a:p>
+                <a:endParaRPr lang="en-GB" dirty="0"/>
+              </a:p>
+              <a:p>
+                <a:endParaRPr lang="en-GB" dirty="0"/>
+              </a:p>
+            </p:txBody>
+          </p:sp>
+        </mc:Choice>
+        <mc:Fallback>
+          <p:sp>
+            <p:nvSpPr>
+              <p:cNvPr id="3" name="Content Placeholder 2">
+                <a:extLst>
+                  <a:ext uri="{FF2B5EF4-FFF2-40B4-BE49-F238E27FC236}">
+                    <a16:creationId xmlns:a16="http://schemas.microsoft.com/office/drawing/2014/main" id="{C2593AD8-42EF-B8DE-C093-BEB34464A67F}"/>
+                  </a:ext>
+                </a:extLst>
+              </p:cNvPr>
+              <p:cNvSpPr>
+                <a:spLocks noGrp="1" noRot="1" noChangeAspect="1" noMove="1" noResize="1" noEditPoints="1" noAdjustHandles="1" noChangeArrowheads="1" noChangeShapeType="1" noTextEdit="1"/>
+              </p:cNvSpPr>
+              <p:nvPr>
+                <p:ph idx="1"/>
+              </p:nvPr>
+            </p:nvSpPr>
+            <p:spPr>
+              <a:blipFill>
+                <a:blip r:embed="rId3"/>
+                <a:stretch>
+                  <a:fillRect l="-925" t="-1018"/>
+                </a:stretch>
+              </a:blipFill>
+            </p:spPr>
+            <p:txBody>
+              <a:bodyPr/>
+              <a:lstStyle/>
+              <a:p>
+                <a:r>
+                  <a:rPr lang="en-GB">
+                    <a:noFill/>
+                  </a:rPr>
+                  <a:t> </a:t>
+                </a:r>
+              </a:p>
+            </p:txBody>
+          </p:sp>
+        </mc:Fallback>
+      </mc:AlternateContent>
+      <p:sp>
+        <p:nvSpPr>
+          <p:cNvPr id="4" name="Slide Number Placeholder 3">
+            <a:extLst>
+              <a:ext uri="{FF2B5EF4-FFF2-40B4-BE49-F238E27FC236}">
+                <a16:creationId xmlns:a16="http://schemas.microsoft.com/office/drawing/2014/main" id="{C7594E15-9012-526A-98CA-60AB0F140A09}"/>
+              </a:ext>
+            </a:extLst>
+          </p:cNvPr>
+          <p:cNvSpPr>
+            <a:spLocks noGrp="1"/>
+          </p:cNvSpPr>
+          <p:nvPr>
+            <p:ph type="sldNum" sz="quarter" idx="12"/>
+          </p:nvPr>
+        </p:nvSpPr>
+        <p:spPr/>
+        <p:txBody>
+          <a:bodyPr/>
+          <a:lstStyle/>
+          <a:p>
+            <a:fld id="{44E22EE9-B8A0-0641-9265-052CFE9B95A7}" type="slidenum">
+              <a:rPr lang="en-GB" altLang="en-US" smtClean="0"/>
+              <a:pPr/>
+              <a:t>12</a:t>
+            </a:fld>
+            <a:endParaRPr lang="en-GB" altLang="en-US" dirty="0"/>
+          </a:p>
+        </p:txBody>
+      </p:sp>
+    </p:spTree>
+    <p:extLst>
+      <p:ext uri="{BB962C8B-B14F-4D97-AF65-F5344CB8AC3E}">
+        <p14:creationId xmlns:p14="http://schemas.microsoft.com/office/powerpoint/2010/main" val="3938378914"/>
+      </p:ext>
+    </p:extLst>
+  </p:cSld>
+  <p:clrMapOvr>
+    <a:masterClrMapping/>
+  </p:clrMapOvr>
+</p:sld>
+</file>
+
+<file path=ppt/slides/slide13.xml><?xml version="1.0" encoding="utf-8"?>
 <p:sld xmlns:a="http://schemas.openxmlformats.org/drawingml/2006/main" xmlns:r="http://schemas.openxmlformats.org/officeDocument/2006/relationships" xmlns:p="http://schemas.openxmlformats.org/presentationml/2006/main">
   <p:cSld>
     <p:spTree>
@@ -6829,7 +9056,7 @@
             <a:fld id="{44E22EE9-B8A0-0641-9265-052CFE9B95A7}" type="slidenum">
               <a:rPr lang="en-GB" altLang="en-US" smtClean="0"/>
               <a:pPr/>
-              <a:t>12</a:t>
+              <a:t>13</a:t>
             </a:fld>
             <a:endParaRPr lang="en-GB" altLang="en-US" dirty="0"/>
           </a:p>
@@ -9934,7 +12161,7 @@
 </p:sld>
 </file>
 
-<file path=ppt/slides/slide13.xml><?xml version="1.0" encoding="utf-8"?>
+<file path=ppt/slides/slide14.xml><?xml version="1.0" encoding="utf-8"?>
 <p:sld xmlns:a="http://schemas.openxmlformats.org/drawingml/2006/main" xmlns:r="http://schemas.openxmlformats.org/officeDocument/2006/relationships" xmlns:p="http://schemas.openxmlformats.org/presentationml/2006/main">
   <p:cSld>
     <p:spTree>
@@ -10003,7 +12230,7 @@
             <a:fld id="{44E22EE9-B8A0-0641-9265-052CFE9B95A7}" type="slidenum">
               <a:rPr lang="en-GB" altLang="en-US" smtClean="0"/>
               <a:pPr/>
-              <a:t>13</a:t>
+              <a:t>14</a:t>
             </a:fld>
             <a:endParaRPr lang="en-GB" altLang="en-US" dirty="0"/>
           </a:p>
@@ -10058,7 +12285,7 @@
 </p:sld>
 </file>
 
-<file path=ppt/slides/slide14.xml><?xml version="1.0" encoding="utf-8"?>
+<file path=ppt/slides/slide15.xml><?xml version="1.0" encoding="utf-8"?>
 <p:sld xmlns:a="http://schemas.openxmlformats.org/drawingml/2006/main" xmlns:r="http://schemas.openxmlformats.org/officeDocument/2006/relationships" xmlns:p="http://schemas.openxmlformats.org/presentationml/2006/main">
   <p:cSld>
     <p:spTree>
@@ -10128,8 +12355,14 @@
               <a:rPr lang="en-GB" dirty="0">
                 <a:effectLst/>
               </a:rPr>
-              <a:t> In the case of real-valued features, we can use the Gaussian distribution: </a:t>
-            </a:r>
+              <a:t> </a:t>
+            </a:r>
+            <a:r>
+              <a:rPr lang="en-GB" dirty="0"/>
+              <a:t>For real-valued features, we typically model them using a Gaussian (normal) distribution:</a:t>
+            </a:r>
+          </a:p>
+          <a:p>
             <a:endParaRPr lang="en-GB" dirty="0"/>
           </a:p>
           <a:p>
@@ -10166,7 +12399,7 @@
             <a:fld id="{44E22EE9-B8A0-0641-9265-052CFE9B95A7}" type="slidenum">
               <a:rPr lang="en-GB" altLang="en-US" smtClean="0"/>
               <a:pPr/>
-              <a:t>14</a:t>
+              <a:t>15</a:t>
             </a:fld>
             <a:endParaRPr lang="en-GB" altLang="en-US" dirty="0"/>
           </a:p>
@@ -10347,7 +12580,7 @@
 </p:sld>
 </file>
 
-<file path=ppt/slides/slide15.xml><?xml version="1.0" encoding="utf-8"?>
+<file path=ppt/slides/slide16.xml><?xml version="1.0" encoding="utf-8"?>
 <p:sld xmlns:a="http://schemas.openxmlformats.org/drawingml/2006/main" xmlns:r="http://schemas.openxmlformats.org/officeDocument/2006/relationships" xmlns:p="http://schemas.openxmlformats.org/presentationml/2006/main">
   <p:cSld>
     <p:spTree>
@@ -10492,7 +12725,7 @@
             <a:fld id="{44E22EE9-B8A0-0641-9265-052CFE9B95A7}" type="slidenum">
               <a:rPr lang="en-GB" altLang="en-US" smtClean="0"/>
               <a:pPr/>
-              <a:t>15</a:t>
+              <a:t>16</a:t>
             </a:fld>
             <a:endParaRPr lang="en-GB" altLang="en-US" dirty="0"/>
           </a:p>
@@ -10511,7 +12744,7 @@
 </p:sld>
 </file>
 
-<file path=ppt/slides/slide16.xml><?xml version="1.0" encoding="utf-8"?>
+<file path=ppt/slides/slide17.xml><?xml version="1.0" encoding="utf-8"?>
 <p:sld xmlns:a="http://schemas.openxmlformats.org/drawingml/2006/main" xmlns:r="http://schemas.openxmlformats.org/officeDocument/2006/relationships" xmlns:p="http://schemas.openxmlformats.org/presentationml/2006/main">
   <p:cSld>
     <p:spTree>
@@ -10622,7 +12855,7 @@
           <a:p>
             <a:r>
               <a:rPr lang="en-GB" dirty="0"/>
-              <a:t>Consider a medical diagnosis example: We have taken an MRI scan of a patient to determine whether the patient has a particular type of neurological disorder. </a:t>
+              <a:t>Consider a medical diagnosis example: We have performed an MRI scan of a patient to determine whether the patient has a specific neurological disorder. </a:t>
             </a:r>
           </a:p>
         </p:txBody>
@@ -10651,7 +12884,7 @@
             <a:fld id="{44E22EE9-B8A0-0641-9265-052CFE9B95A7}" type="slidenum">
               <a:rPr lang="en-GB" altLang="en-US" smtClean="0"/>
               <a:pPr/>
-              <a:t>16</a:t>
+              <a:t>17</a:t>
             </a:fld>
             <a:endParaRPr lang="en-GB" altLang="en-US" dirty="0"/>
           </a:p>
@@ -10670,7 +12903,7 @@
 </p:sld>
 </file>
 
-<file path=ppt/slides/slide17.xml><?xml version="1.0" encoding="utf-8"?>
+<file path=ppt/slides/slide18.xml><?xml version="1.0" encoding="utf-8"?>
 <p:sld xmlns:a="http://schemas.openxmlformats.org/drawingml/2006/main" xmlns:r="http://schemas.openxmlformats.org/officeDocument/2006/relationships" xmlns:p="http://schemas.openxmlformats.org/presentationml/2006/main">
   <p:cSld>
     <p:spTree>
@@ -10843,7 +13076,7 @@
             <a:fld id="{44E22EE9-B8A0-0641-9265-052CFE9B95A7}" type="slidenum">
               <a:rPr lang="en-GB" altLang="en-US" smtClean="0"/>
               <a:pPr/>
-              <a:t>17</a:t>
+              <a:t>18</a:t>
             </a:fld>
             <a:endParaRPr lang="en-GB" altLang="en-US" dirty="0"/>
           </a:p>
@@ -10862,7 +13095,7 @@
 </p:sld>
 </file>
 
-<file path=ppt/slides/slide18.xml><?xml version="1.0" encoding="utf-8"?>
+<file path=ppt/slides/slide19.xml><?xml version="1.0" encoding="utf-8"?>
 <p:sld xmlns:a="http://schemas.openxmlformats.org/drawingml/2006/main" xmlns:r="http://schemas.openxmlformats.org/officeDocument/2006/relationships" xmlns:p="http://schemas.openxmlformats.org/presentationml/2006/main">
   <p:cSld>
     <p:spTree>
@@ -11441,7 +13674,7 @@
             <a:fld id="{BB98F552-A29D-2D4E-8192-F20670493719}" type="slidenum">
               <a:rPr lang="en-GB" altLang="en-US" smtClean="0"/>
               <a:pPr/>
-              <a:t>18</a:t>
+              <a:t>19</a:t>
             </a:fld>
             <a:endParaRPr lang="en-GB" altLang="en-US" dirty="0"/>
           </a:p>
@@ -11460,7 +13693,383 @@
 </p:sld>
 </file>
 
-<file path=ppt/slides/slide19.xml><?xml version="1.0" encoding="utf-8"?>
+<file path=ppt/slides/slide2.xml><?xml version="1.0" encoding="utf-8"?>
+<p:sld xmlns:a="http://schemas.openxmlformats.org/drawingml/2006/main" xmlns:r="http://schemas.openxmlformats.org/officeDocument/2006/relationships" xmlns:p="http://schemas.openxmlformats.org/presentationml/2006/main">
+  <p:cSld>
+    <p:spTree>
+      <p:nvGrpSpPr>
+        <p:cNvPr id="1" name=""/>
+        <p:cNvGrpSpPr/>
+        <p:nvPr/>
+      </p:nvGrpSpPr>
+      <p:grpSpPr>
+        <a:xfrm>
+          <a:off x="0" y="0"/>
+          <a:ext cx="0" cy="0"/>
+          <a:chOff x="0" y="0"/>
+          <a:chExt cx="0" cy="0"/>
+        </a:xfrm>
+      </p:grpSpPr>
+      <p:sp>
+        <p:nvSpPr>
+          <p:cNvPr id="2" name="Title 1">
+            <a:extLst>
+              <a:ext uri="{FF2B5EF4-FFF2-40B4-BE49-F238E27FC236}">
+                <a16:creationId xmlns:a16="http://schemas.microsoft.com/office/drawing/2014/main" id="{71FF372B-6191-94D8-B14D-AB5551C95328}"/>
+              </a:ext>
+            </a:extLst>
+          </p:cNvPr>
+          <p:cNvSpPr>
+            <a:spLocks noGrp="1"/>
+          </p:cNvSpPr>
+          <p:nvPr>
+            <p:ph type="title"/>
+          </p:nvPr>
+        </p:nvSpPr>
+        <p:spPr/>
+        <p:txBody>
+          <a:bodyPr/>
+          <a:lstStyle/>
+          <a:p>
+            <a:r>
+              <a:rPr lang="en-GB" dirty="0">
+                <a:effectLst/>
+              </a:rPr>
+              <a:t>Probability of a union of two events</a:t>
+            </a:r>
+            <a:endParaRPr lang="en-US" dirty="0"/>
+          </a:p>
+        </p:txBody>
+      </p:sp>
+      <p:sp>
+        <p:nvSpPr>
+          <p:cNvPr id="3" name="Content Placeholder 2">
+            <a:extLst>
+              <a:ext uri="{FF2B5EF4-FFF2-40B4-BE49-F238E27FC236}">
+                <a16:creationId xmlns:a16="http://schemas.microsoft.com/office/drawing/2014/main" id="{A0666C9C-5938-83E9-C57F-0646A9327D63}"/>
+              </a:ext>
+            </a:extLst>
+          </p:cNvPr>
+          <p:cNvSpPr>
+            <a:spLocks noGrp="1"/>
+          </p:cNvSpPr>
+          <p:nvPr>
+            <p:ph idx="1"/>
+          </p:nvPr>
+        </p:nvSpPr>
+        <p:spPr/>
+        <p:txBody>
+          <a:bodyPr/>
+          <a:lstStyle/>
+          <a:p>
+            <a:r>
+              <a:rPr lang="en-GB" dirty="0">
+                <a:effectLst/>
+              </a:rPr>
+              <a:t>Given two events, A and B, we define the probability of A or B as follows:</a:t>
+            </a:r>
+          </a:p>
+          <a:p>
+            <a:endParaRPr lang="en-US" dirty="0"/>
+          </a:p>
+        </p:txBody>
+      </p:sp>
+      <p:sp>
+        <p:nvSpPr>
+          <p:cNvPr id="4" name="Slide Number Placeholder 3">
+            <a:extLst>
+              <a:ext uri="{FF2B5EF4-FFF2-40B4-BE49-F238E27FC236}">
+                <a16:creationId xmlns:a16="http://schemas.microsoft.com/office/drawing/2014/main" id="{ED2F8274-2018-1402-D3D4-6A27A6C89433}"/>
+              </a:ext>
+            </a:extLst>
+          </p:cNvPr>
+          <p:cNvSpPr>
+            <a:spLocks noGrp="1"/>
+          </p:cNvSpPr>
+          <p:nvPr>
+            <p:ph type="sldNum" sz="quarter" idx="12"/>
+          </p:nvPr>
+        </p:nvSpPr>
+        <p:spPr/>
+        <p:txBody>
+          <a:bodyPr/>
+          <a:lstStyle/>
+          <a:p>
+            <a:fld id="{44E22EE9-B8A0-0641-9265-052CFE9B95A7}" type="slidenum">
+              <a:rPr lang="en-GB" altLang="en-US" smtClean="0"/>
+              <a:pPr/>
+              <a:t>2</a:t>
+            </a:fld>
+            <a:endParaRPr lang="en-GB" altLang="en-US" dirty="0"/>
+          </a:p>
+        </p:txBody>
+      </p:sp>
+      <p:pic>
+        <p:nvPicPr>
+          <p:cNvPr id="6" name="Picture 5" descr="Text&#10;&#10;Description automatically generated">
+            <a:extLst>
+              <a:ext uri="{FF2B5EF4-FFF2-40B4-BE49-F238E27FC236}">
+                <a16:creationId xmlns:a16="http://schemas.microsoft.com/office/drawing/2014/main" id="{ED9E1550-AE1C-C7B2-972F-C53BCDDBC7CC}"/>
+              </a:ext>
+            </a:extLst>
+          </p:cNvPr>
+          <p:cNvPicPr>
+            <a:picLocks noChangeAspect="1"/>
+          </p:cNvPicPr>
+          <p:nvPr/>
+        </p:nvPicPr>
+        <p:blipFill>
+          <a:blip r:embed="rId2">
+            <a:extLst>
+              <a:ext uri="{28A0092B-C50C-407E-A947-70E740481C1C}">
+                <a14:useLocalDpi xmlns:a14="http://schemas.microsoft.com/office/drawing/2010/main" val="0"/>
+              </a:ext>
+            </a:extLst>
+          </a:blip>
+          <a:stretch>
+            <a:fillRect/>
+          </a:stretch>
+        </p:blipFill>
+        <p:spPr>
+          <a:xfrm>
+            <a:off x="2186940" y="2849880"/>
+            <a:ext cx="7818120" cy="1158240"/>
+          </a:xfrm>
+          <a:prstGeom prst="rect">
+            <a:avLst/>
+          </a:prstGeom>
+        </p:spPr>
+      </p:pic>
+      <p:sp>
+        <p:nvSpPr>
+          <p:cNvPr id="5" name="Oval 4">
+            <a:extLst>
+              <a:ext uri="{FF2B5EF4-FFF2-40B4-BE49-F238E27FC236}">
+                <a16:creationId xmlns:a16="http://schemas.microsoft.com/office/drawing/2014/main" id="{326049B6-9DC0-1D5E-2A3F-51612736ECC3}"/>
+              </a:ext>
+            </a:extLst>
+          </p:cNvPr>
+          <p:cNvSpPr/>
+          <p:nvPr/>
+        </p:nvSpPr>
+        <p:spPr>
+          <a:xfrm>
+            <a:off x="1775520" y="4725144"/>
+            <a:ext cx="1489591" cy="1425734"/>
+          </a:xfrm>
+          <a:prstGeom prst="ellipse">
+            <a:avLst/>
+          </a:prstGeom>
+          <a:solidFill>
+            <a:srgbClr val="FF0000">
+              <a:alpha val="59908"/>
+            </a:srgbClr>
+          </a:solidFill>
+        </p:spPr>
+        <p:style>
+          <a:lnRef idx="2">
+            <a:schemeClr val="accent1">
+              <a:shade val="50000"/>
+            </a:schemeClr>
+          </a:lnRef>
+          <a:fillRef idx="1">
+            <a:schemeClr val="accent1"/>
+          </a:fillRef>
+          <a:effectRef idx="0">
+            <a:schemeClr val="accent1"/>
+          </a:effectRef>
+          <a:fontRef idx="minor">
+            <a:schemeClr val="lt1"/>
+          </a:fontRef>
+        </p:style>
+        <p:txBody>
+          <a:bodyPr rtlCol="0" anchor="ctr"/>
+          <a:lstStyle/>
+          <a:p>
+            <a:pPr algn="ctr"/>
+            <a:r>
+              <a:rPr lang="en-GB" dirty="0"/>
+              <a:t>A</a:t>
+            </a:r>
+          </a:p>
+        </p:txBody>
+      </p:sp>
+      <p:sp>
+        <p:nvSpPr>
+          <p:cNvPr id="7" name="Oval 6">
+            <a:extLst>
+              <a:ext uri="{FF2B5EF4-FFF2-40B4-BE49-F238E27FC236}">
+                <a16:creationId xmlns:a16="http://schemas.microsoft.com/office/drawing/2014/main" id="{D63A8F0C-2D08-E09D-1DD5-8CCC838B376B}"/>
+              </a:ext>
+            </a:extLst>
+          </p:cNvPr>
+          <p:cNvSpPr/>
+          <p:nvPr/>
+        </p:nvSpPr>
+        <p:spPr>
+          <a:xfrm>
+            <a:off x="3417303" y="4725144"/>
+            <a:ext cx="1489591" cy="1425734"/>
+          </a:xfrm>
+          <a:prstGeom prst="ellipse">
+            <a:avLst/>
+          </a:prstGeom>
+          <a:solidFill>
+            <a:srgbClr val="0070C0">
+              <a:alpha val="59908"/>
+            </a:srgbClr>
+          </a:solidFill>
+        </p:spPr>
+        <p:style>
+          <a:lnRef idx="2">
+            <a:schemeClr val="accent1">
+              <a:shade val="50000"/>
+            </a:schemeClr>
+          </a:lnRef>
+          <a:fillRef idx="1">
+            <a:schemeClr val="accent1"/>
+          </a:fillRef>
+          <a:effectRef idx="0">
+            <a:schemeClr val="accent1"/>
+          </a:effectRef>
+          <a:fontRef idx="minor">
+            <a:schemeClr val="lt1"/>
+          </a:fontRef>
+        </p:style>
+        <p:txBody>
+          <a:bodyPr rtlCol="0" anchor="ctr"/>
+          <a:lstStyle/>
+          <a:p>
+            <a:pPr algn="ctr"/>
+            <a:r>
+              <a:rPr lang="en-GB" dirty="0"/>
+              <a:t>B</a:t>
+            </a:r>
+          </a:p>
+        </p:txBody>
+      </p:sp>
+      <p:sp>
+        <p:nvSpPr>
+          <p:cNvPr id="8" name="Oval 7">
+            <a:extLst>
+              <a:ext uri="{FF2B5EF4-FFF2-40B4-BE49-F238E27FC236}">
+                <a16:creationId xmlns:a16="http://schemas.microsoft.com/office/drawing/2014/main" id="{9AC5CEEF-D910-68CA-710A-53F4BB6F8FEB}"/>
+              </a:ext>
+            </a:extLst>
+          </p:cNvPr>
+          <p:cNvSpPr/>
+          <p:nvPr/>
+        </p:nvSpPr>
+        <p:spPr>
+          <a:xfrm>
+            <a:off x="6528048" y="4725144"/>
+            <a:ext cx="1489591" cy="1425734"/>
+          </a:xfrm>
+          <a:prstGeom prst="ellipse">
+            <a:avLst/>
+          </a:prstGeom>
+          <a:solidFill>
+            <a:srgbClr val="FF0000">
+              <a:alpha val="58710"/>
+            </a:srgbClr>
+          </a:solidFill>
+        </p:spPr>
+        <p:style>
+          <a:lnRef idx="2">
+            <a:schemeClr val="accent1">
+              <a:shade val="50000"/>
+            </a:schemeClr>
+          </a:lnRef>
+          <a:fillRef idx="1">
+            <a:schemeClr val="accent1"/>
+          </a:fillRef>
+          <a:effectRef idx="0">
+            <a:schemeClr val="accent1"/>
+          </a:effectRef>
+          <a:fontRef idx="minor">
+            <a:schemeClr val="lt1"/>
+          </a:fontRef>
+        </p:style>
+        <p:txBody>
+          <a:bodyPr rtlCol="0" anchor="ctr"/>
+          <a:lstStyle/>
+          <a:p>
+            <a:pPr algn="ctr"/>
+            <a:r>
+              <a:rPr lang="en-GB" dirty="0"/>
+              <a:t>A</a:t>
+            </a:r>
+          </a:p>
+        </p:txBody>
+      </p:sp>
+      <p:sp>
+        <p:nvSpPr>
+          <p:cNvPr id="9" name="Oval 8">
+            <a:extLst>
+              <a:ext uri="{FF2B5EF4-FFF2-40B4-BE49-F238E27FC236}">
+                <a16:creationId xmlns:a16="http://schemas.microsoft.com/office/drawing/2014/main" id="{B7C59F63-C4D1-92E6-9B3A-A4FF8DC8E14A}"/>
+              </a:ext>
+            </a:extLst>
+          </p:cNvPr>
+          <p:cNvSpPr/>
+          <p:nvPr/>
+        </p:nvSpPr>
+        <p:spPr>
+          <a:xfrm>
+            <a:off x="7651373" y="4700393"/>
+            <a:ext cx="1489591" cy="1425734"/>
+          </a:xfrm>
+          <a:prstGeom prst="ellipse">
+            <a:avLst/>
+          </a:prstGeom>
+          <a:solidFill>
+            <a:srgbClr val="0070C0">
+              <a:alpha val="58710"/>
+            </a:srgbClr>
+          </a:solidFill>
+        </p:spPr>
+        <p:style>
+          <a:lnRef idx="2">
+            <a:schemeClr val="accent1">
+              <a:shade val="50000"/>
+            </a:schemeClr>
+          </a:lnRef>
+          <a:fillRef idx="1">
+            <a:schemeClr val="accent1"/>
+          </a:fillRef>
+          <a:effectRef idx="0">
+            <a:schemeClr val="accent1"/>
+          </a:effectRef>
+          <a:fontRef idx="minor">
+            <a:schemeClr val="lt1"/>
+          </a:fontRef>
+        </p:style>
+        <p:txBody>
+          <a:bodyPr rtlCol="0" anchor="ctr"/>
+          <a:lstStyle/>
+          <a:p>
+            <a:pPr algn="ctr"/>
+            <a:r>
+              <a:rPr lang="en-GB" dirty="0"/>
+              <a:t>B</a:t>
+            </a:r>
+          </a:p>
+        </p:txBody>
+      </p:sp>
+    </p:spTree>
+    <p:extLst>
+      <p:ext uri="{BB962C8B-B14F-4D97-AF65-F5344CB8AC3E}">
+        <p14:creationId xmlns:p14="http://schemas.microsoft.com/office/powerpoint/2010/main" val="3517504512"/>
+      </p:ext>
+    </p:extLst>
+  </p:cSld>
+  <p:clrMapOvr>
+    <a:masterClrMapping/>
+  </p:clrMapOvr>
+</p:sld>
+</file>
+
+<file path=ppt/slides/slide20.xml><?xml version="1.0" encoding="utf-8"?>
 <p:sld xmlns:a="http://schemas.openxmlformats.org/drawingml/2006/main" xmlns:r="http://schemas.openxmlformats.org/officeDocument/2006/relationships" xmlns:p="http://schemas.openxmlformats.org/presentationml/2006/main">
   <p:cSld>
     <p:spTree>
@@ -11796,7 +14405,7 @@
             <a:fld id="{44E22EE9-B8A0-0641-9265-052CFE9B95A7}" type="slidenum">
               <a:rPr lang="en-GB" altLang="en-US" smtClean="0"/>
               <a:pPr/>
-              <a:t>19</a:t>
+              <a:t>20</a:t>
             </a:fld>
             <a:endParaRPr lang="en-GB" altLang="en-US" dirty="0"/>
           </a:p>
@@ -11815,383 +14424,7 @@
 </p:sld>
 </file>
 
-<file path=ppt/slides/slide2.xml><?xml version="1.0" encoding="utf-8"?>
-<p:sld xmlns:a="http://schemas.openxmlformats.org/drawingml/2006/main" xmlns:r="http://schemas.openxmlformats.org/officeDocument/2006/relationships" xmlns:p="http://schemas.openxmlformats.org/presentationml/2006/main">
-  <p:cSld>
-    <p:spTree>
-      <p:nvGrpSpPr>
-        <p:cNvPr id="1" name=""/>
-        <p:cNvGrpSpPr/>
-        <p:nvPr/>
-      </p:nvGrpSpPr>
-      <p:grpSpPr>
-        <a:xfrm>
-          <a:off x="0" y="0"/>
-          <a:ext cx="0" cy="0"/>
-          <a:chOff x="0" y="0"/>
-          <a:chExt cx="0" cy="0"/>
-        </a:xfrm>
-      </p:grpSpPr>
-      <p:sp>
-        <p:nvSpPr>
-          <p:cNvPr id="2" name="Title 1">
-            <a:extLst>
-              <a:ext uri="{FF2B5EF4-FFF2-40B4-BE49-F238E27FC236}">
-                <a16:creationId xmlns:a16="http://schemas.microsoft.com/office/drawing/2014/main" id="{71FF372B-6191-94D8-B14D-AB5551C95328}"/>
-              </a:ext>
-            </a:extLst>
-          </p:cNvPr>
-          <p:cNvSpPr>
-            <a:spLocks noGrp="1"/>
-          </p:cNvSpPr>
-          <p:nvPr>
-            <p:ph type="title"/>
-          </p:nvPr>
-        </p:nvSpPr>
-        <p:spPr/>
-        <p:txBody>
-          <a:bodyPr/>
-          <a:lstStyle/>
-          <a:p>
-            <a:r>
-              <a:rPr lang="en-GB" dirty="0">
-                <a:effectLst/>
-              </a:rPr>
-              <a:t>Probability of a union of two events</a:t>
-            </a:r>
-            <a:endParaRPr lang="en-US" dirty="0"/>
-          </a:p>
-        </p:txBody>
-      </p:sp>
-      <p:sp>
-        <p:nvSpPr>
-          <p:cNvPr id="3" name="Content Placeholder 2">
-            <a:extLst>
-              <a:ext uri="{FF2B5EF4-FFF2-40B4-BE49-F238E27FC236}">
-                <a16:creationId xmlns:a16="http://schemas.microsoft.com/office/drawing/2014/main" id="{A0666C9C-5938-83E9-C57F-0646A9327D63}"/>
-              </a:ext>
-            </a:extLst>
-          </p:cNvPr>
-          <p:cNvSpPr>
-            <a:spLocks noGrp="1"/>
-          </p:cNvSpPr>
-          <p:nvPr>
-            <p:ph idx="1"/>
-          </p:nvPr>
-        </p:nvSpPr>
-        <p:spPr/>
-        <p:txBody>
-          <a:bodyPr/>
-          <a:lstStyle/>
-          <a:p>
-            <a:r>
-              <a:rPr lang="en-GB" dirty="0">
-                <a:effectLst/>
-              </a:rPr>
-              <a:t>Given two events, A and B, we define the probability of A or B as follows:</a:t>
-            </a:r>
-          </a:p>
-          <a:p>
-            <a:endParaRPr lang="en-US" dirty="0"/>
-          </a:p>
-        </p:txBody>
-      </p:sp>
-      <p:sp>
-        <p:nvSpPr>
-          <p:cNvPr id="4" name="Slide Number Placeholder 3">
-            <a:extLst>
-              <a:ext uri="{FF2B5EF4-FFF2-40B4-BE49-F238E27FC236}">
-                <a16:creationId xmlns:a16="http://schemas.microsoft.com/office/drawing/2014/main" id="{ED2F8274-2018-1402-D3D4-6A27A6C89433}"/>
-              </a:ext>
-            </a:extLst>
-          </p:cNvPr>
-          <p:cNvSpPr>
-            <a:spLocks noGrp="1"/>
-          </p:cNvSpPr>
-          <p:nvPr>
-            <p:ph type="sldNum" sz="quarter" idx="12"/>
-          </p:nvPr>
-        </p:nvSpPr>
-        <p:spPr/>
-        <p:txBody>
-          <a:bodyPr/>
-          <a:lstStyle/>
-          <a:p>
-            <a:fld id="{44E22EE9-B8A0-0641-9265-052CFE9B95A7}" type="slidenum">
-              <a:rPr lang="en-GB" altLang="en-US" smtClean="0"/>
-              <a:pPr/>
-              <a:t>2</a:t>
-            </a:fld>
-            <a:endParaRPr lang="en-GB" altLang="en-US" dirty="0"/>
-          </a:p>
-        </p:txBody>
-      </p:sp>
-      <p:pic>
-        <p:nvPicPr>
-          <p:cNvPr id="6" name="Picture 5" descr="Text&#10;&#10;Description automatically generated">
-            <a:extLst>
-              <a:ext uri="{FF2B5EF4-FFF2-40B4-BE49-F238E27FC236}">
-                <a16:creationId xmlns:a16="http://schemas.microsoft.com/office/drawing/2014/main" id="{ED9E1550-AE1C-C7B2-972F-C53BCDDBC7CC}"/>
-              </a:ext>
-            </a:extLst>
-          </p:cNvPr>
-          <p:cNvPicPr>
-            <a:picLocks noChangeAspect="1"/>
-          </p:cNvPicPr>
-          <p:nvPr/>
-        </p:nvPicPr>
-        <p:blipFill>
-          <a:blip r:embed="rId2">
-            <a:extLst>
-              <a:ext uri="{28A0092B-C50C-407E-A947-70E740481C1C}">
-                <a14:useLocalDpi xmlns:a14="http://schemas.microsoft.com/office/drawing/2010/main" val="0"/>
-              </a:ext>
-            </a:extLst>
-          </a:blip>
-          <a:stretch>
-            <a:fillRect/>
-          </a:stretch>
-        </p:blipFill>
-        <p:spPr>
-          <a:xfrm>
-            <a:off x="2186940" y="2849880"/>
-            <a:ext cx="7818120" cy="1158240"/>
-          </a:xfrm>
-          <a:prstGeom prst="rect">
-            <a:avLst/>
-          </a:prstGeom>
-        </p:spPr>
-      </p:pic>
-      <p:sp>
-        <p:nvSpPr>
-          <p:cNvPr id="5" name="Oval 4">
-            <a:extLst>
-              <a:ext uri="{FF2B5EF4-FFF2-40B4-BE49-F238E27FC236}">
-                <a16:creationId xmlns:a16="http://schemas.microsoft.com/office/drawing/2014/main" id="{326049B6-9DC0-1D5E-2A3F-51612736ECC3}"/>
-              </a:ext>
-            </a:extLst>
-          </p:cNvPr>
-          <p:cNvSpPr/>
-          <p:nvPr/>
-        </p:nvSpPr>
-        <p:spPr>
-          <a:xfrm>
-            <a:off x="1775520" y="4725144"/>
-            <a:ext cx="1489591" cy="1425734"/>
-          </a:xfrm>
-          <a:prstGeom prst="ellipse">
-            <a:avLst/>
-          </a:prstGeom>
-          <a:solidFill>
-            <a:srgbClr val="FF0000">
-              <a:alpha val="59908"/>
-            </a:srgbClr>
-          </a:solidFill>
-        </p:spPr>
-        <p:style>
-          <a:lnRef idx="2">
-            <a:schemeClr val="accent1">
-              <a:shade val="50000"/>
-            </a:schemeClr>
-          </a:lnRef>
-          <a:fillRef idx="1">
-            <a:schemeClr val="accent1"/>
-          </a:fillRef>
-          <a:effectRef idx="0">
-            <a:schemeClr val="accent1"/>
-          </a:effectRef>
-          <a:fontRef idx="minor">
-            <a:schemeClr val="lt1"/>
-          </a:fontRef>
-        </p:style>
-        <p:txBody>
-          <a:bodyPr rtlCol="0" anchor="ctr"/>
-          <a:lstStyle/>
-          <a:p>
-            <a:pPr algn="ctr"/>
-            <a:r>
-              <a:rPr lang="en-GB" dirty="0"/>
-              <a:t>A</a:t>
-            </a:r>
-          </a:p>
-        </p:txBody>
-      </p:sp>
-      <p:sp>
-        <p:nvSpPr>
-          <p:cNvPr id="7" name="Oval 6">
-            <a:extLst>
-              <a:ext uri="{FF2B5EF4-FFF2-40B4-BE49-F238E27FC236}">
-                <a16:creationId xmlns:a16="http://schemas.microsoft.com/office/drawing/2014/main" id="{D63A8F0C-2D08-E09D-1DD5-8CCC838B376B}"/>
-              </a:ext>
-            </a:extLst>
-          </p:cNvPr>
-          <p:cNvSpPr/>
-          <p:nvPr/>
-        </p:nvSpPr>
-        <p:spPr>
-          <a:xfrm>
-            <a:off x="3417303" y="4725144"/>
-            <a:ext cx="1489591" cy="1425734"/>
-          </a:xfrm>
-          <a:prstGeom prst="ellipse">
-            <a:avLst/>
-          </a:prstGeom>
-          <a:solidFill>
-            <a:srgbClr val="0070C0">
-              <a:alpha val="59908"/>
-            </a:srgbClr>
-          </a:solidFill>
-        </p:spPr>
-        <p:style>
-          <a:lnRef idx="2">
-            <a:schemeClr val="accent1">
-              <a:shade val="50000"/>
-            </a:schemeClr>
-          </a:lnRef>
-          <a:fillRef idx="1">
-            <a:schemeClr val="accent1"/>
-          </a:fillRef>
-          <a:effectRef idx="0">
-            <a:schemeClr val="accent1"/>
-          </a:effectRef>
-          <a:fontRef idx="minor">
-            <a:schemeClr val="lt1"/>
-          </a:fontRef>
-        </p:style>
-        <p:txBody>
-          <a:bodyPr rtlCol="0" anchor="ctr"/>
-          <a:lstStyle/>
-          <a:p>
-            <a:pPr algn="ctr"/>
-            <a:r>
-              <a:rPr lang="en-GB" dirty="0"/>
-              <a:t>B</a:t>
-            </a:r>
-          </a:p>
-        </p:txBody>
-      </p:sp>
-      <p:sp>
-        <p:nvSpPr>
-          <p:cNvPr id="8" name="Oval 7">
-            <a:extLst>
-              <a:ext uri="{FF2B5EF4-FFF2-40B4-BE49-F238E27FC236}">
-                <a16:creationId xmlns:a16="http://schemas.microsoft.com/office/drawing/2014/main" id="{9AC5CEEF-D910-68CA-710A-53F4BB6F8FEB}"/>
-              </a:ext>
-            </a:extLst>
-          </p:cNvPr>
-          <p:cNvSpPr/>
-          <p:nvPr/>
-        </p:nvSpPr>
-        <p:spPr>
-          <a:xfrm>
-            <a:off x="6528048" y="4725144"/>
-            <a:ext cx="1489591" cy="1425734"/>
-          </a:xfrm>
-          <a:prstGeom prst="ellipse">
-            <a:avLst/>
-          </a:prstGeom>
-          <a:solidFill>
-            <a:srgbClr val="FF0000">
-              <a:alpha val="58710"/>
-            </a:srgbClr>
-          </a:solidFill>
-        </p:spPr>
-        <p:style>
-          <a:lnRef idx="2">
-            <a:schemeClr val="accent1">
-              <a:shade val="50000"/>
-            </a:schemeClr>
-          </a:lnRef>
-          <a:fillRef idx="1">
-            <a:schemeClr val="accent1"/>
-          </a:fillRef>
-          <a:effectRef idx="0">
-            <a:schemeClr val="accent1"/>
-          </a:effectRef>
-          <a:fontRef idx="minor">
-            <a:schemeClr val="lt1"/>
-          </a:fontRef>
-        </p:style>
-        <p:txBody>
-          <a:bodyPr rtlCol="0" anchor="ctr"/>
-          <a:lstStyle/>
-          <a:p>
-            <a:pPr algn="ctr"/>
-            <a:r>
-              <a:rPr lang="en-GB" dirty="0"/>
-              <a:t>A</a:t>
-            </a:r>
-          </a:p>
-        </p:txBody>
-      </p:sp>
-      <p:sp>
-        <p:nvSpPr>
-          <p:cNvPr id="9" name="Oval 8">
-            <a:extLst>
-              <a:ext uri="{FF2B5EF4-FFF2-40B4-BE49-F238E27FC236}">
-                <a16:creationId xmlns:a16="http://schemas.microsoft.com/office/drawing/2014/main" id="{B7C59F63-C4D1-92E6-9B3A-A4FF8DC8E14A}"/>
-              </a:ext>
-            </a:extLst>
-          </p:cNvPr>
-          <p:cNvSpPr/>
-          <p:nvPr/>
-        </p:nvSpPr>
-        <p:spPr>
-          <a:xfrm>
-            <a:off x="7651373" y="4700393"/>
-            <a:ext cx="1489591" cy="1425734"/>
-          </a:xfrm>
-          <a:prstGeom prst="ellipse">
-            <a:avLst/>
-          </a:prstGeom>
-          <a:solidFill>
-            <a:srgbClr val="0070C0">
-              <a:alpha val="58710"/>
-            </a:srgbClr>
-          </a:solidFill>
-        </p:spPr>
-        <p:style>
-          <a:lnRef idx="2">
-            <a:schemeClr val="accent1">
-              <a:shade val="50000"/>
-            </a:schemeClr>
-          </a:lnRef>
-          <a:fillRef idx="1">
-            <a:schemeClr val="accent1"/>
-          </a:fillRef>
-          <a:effectRef idx="0">
-            <a:schemeClr val="accent1"/>
-          </a:effectRef>
-          <a:fontRef idx="minor">
-            <a:schemeClr val="lt1"/>
-          </a:fontRef>
-        </p:style>
-        <p:txBody>
-          <a:bodyPr rtlCol="0" anchor="ctr"/>
-          <a:lstStyle/>
-          <a:p>
-            <a:pPr algn="ctr"/>
-            <a:r>
-              <a:rPr lang="en-GB" dirty="0"/>
-              <a:t>B</a:t>
-            </a:r>
-          </a:p>
-        </p:txBody>
-      </p:sp>
-    </p:spTree>
-    <p:extLst>
-      <p:ext uri="{BB962C8B-B14F-4D97-AF65-F5344CB8AC3E}">
-        <p14:creationId xmlns:p14="http://schemas.microsoft.com/office/powerpoint/2010/main" val="3517504512"/>
-      </p:ext>
-    </p:extLst>
-  </p:cSld>
-  <p:clrMapOvr>
-    <a:masterClrMapping/>
-  </p:clrMapOvr>
-</p:sld>
-</file>
-
-<file path=ppt/slides/slide20.xml><?xml version="1.0" encoding="utf-8"?>
+<file path=ppt/slides/slide21.xml><?xml version="1.0" encoding="utf-8"?>
 <p:sld xmlns:a="http://schemas.openxmlformats.org/drawingml/2006/main" xmlns:r="http://schemas.openxmlformats.org/officeDocument/2006/relationships" xmlns:p="http://schemas.openxmlformats.org/presentationml/2006/main">
   <p:cSld>
     <p:spTree>
@@ -12236,8 +14469,8 @@
           </a:p>
         </p:txBody>
       </p:sp>
-      <mc:AlternateContent xmlns:mc="http://schemas.openxmlformats.org/markup-compatibility/2006" xmlns:a14="http://schemas.microsoft.com/office/drawing/2010/main">
-        <mc:Choice Requires="a14">
+      <mc:AlternateContent xmlns:mc="http://schemas.openxmlformats.org/markup-compatibility/2006">
+        <mc:Choice xmlns:a14="http://schemas.microsoft.com/office/drawing/2010/main" Requires="a14">
           <p:sp>
             <p:nvSpPr>
               <p:cNvPr id="3" name="Content Placeholder 2">
@@ -12327,19 +14560,20 @@
               <a:p>
                 <a:r>
                   <a:rPr lang="en-GB" dirty="0"/>
-                  <a:t>For example, if our data includes samples from a population with features that indicate if they had high blood pressure and if they had a history of TBI (X) associated with the target variable as having Alzheimer’s disease or not (y); then</a:t>
+                  <a:t>For example, if our data includes samples from a population with features that indicate if they had high blood pressure and if they had a history of TBI (X) associated with the target variable as having Alzheimer’s disease or not (y):</a:t>
                 </a:r>
               </a:p>
               <a:p>
+                <a:pPr lvl="1"/>
                 <a:r>
-                  <a:rPr lang="en-GB" dirty="0"/>
+                  <a:rPr lang="en-GB" sz="2400" dirty="0"/>
                   <a:t>Then the likelihood would present, if someone had Alzheimer’s disease, what is the probability that they had high blood pressure and/or a history of TBI (depending on what likelihood we are interested in).  </a:t>
                 </a:r>
               </a:p>
             </p:txBody>
           </p:sp>
         </mc:Choice>
-        <mc:Fallback xmlns="">
+        <mc:Fallback>
           <p:sp>
             <p:nvSpPr>
               <p:cNvPr id="3" name="Content Placeholder 2">
@@ -12360,7 +14594,7 @@
               <a:blipFill>
                 <a:blip r:embed="rId2"/>
                 <a:stretch>
-                  <a:fillRect l="-925" t="-1018" r="-347"/>
+                  <a:fillRect l="-925" t="-1018" r="-116"/>
                 </a:stretch>
               </a:blipFill>
             </p:spPr>
@@ -12403,7 +14637,7 @@
             <a:fld id="{44E22EE9-B8A0-0641-9265-052CFE9B95A7}" type="slidenum">
               <a:rPr lang="en-GB" altLang="en-US" smtClean="0"/>
               <a:pPr/>
-              <a:t>20</a:t>
+              <a:t>21</a:t>
             </a:fld>
             <a:endParaRPr lang="en-GB" altLang="en-US" dirty="0"/>
           </a:p>
@@ -12422,7 +14656,7 @@
 </p:sld>
 </file>
 
-<file path=ppt/slides/slide21.xml><?xml version="1.0" encoding="utf-8"?>
+<file path=ppt/slides/slide22.xml><?xml version="1.0" encoding="utf-8"?>
 <p:sld xmlns:a="http://schemas.openxmlformats.org/drawingml/2006/main" xmlns:r="http://schemas.openxmlformats.org/officeDocument/2006/relationships" xmlns:p="http://schemas.openxmlformats.org/presentationml/2006/main">
   <p:cSld>
     <p:spTree>
@@ -12490,10 +14724,13 @@
           <a:p>
             <a:r>
               <a:rPr lang="en-GB" dirty="0"/>
-              <a:t>In principle, we define the likelihood function and then try to calculate the parameter values that maximise the likelihood of obtaining our data. </a:t>
-            </a:r>
-          </a:p>
-          <a:p>
+              <a:t>In principle, we define the likelihood function and then calculate the parameter values that maximise the likelihood of observing our data.</a:t>
+            </a:r>
+          </a:p>
+          <a:p>
+            <a:pPr marL="0" indent="0">
+              <a:buNone/>
+            </a:pPr>
             <a:endParaRPr lang="en-GB" dirty="0"/>
           </a:p>
           <a:p>
@@ -12507,7 +14744,7 @@
             </a:r>
             <a:r>
               <a:rPr lang="en-GB" dirty="0"/>
-              <a:t>we assumed that we know the parameter </a:t>
+              <a:t>we assumed we knew the parameter </a:t>
             </a:r>
             <a:r>
               <a:rPr lang="el-GR" dirty="0"/>
@@ -12515,7 +14752,7 @@
             </a:r>
             <a:r>
               <a:rPr lang="en-GB" dirty="0"/>
-              <a:t>but what if we try to use a method to identify what value(s) for </a:t>
+              <a:t>but what if we used a method to identify the value(s) of </a:t>
             </a:r>
             <a:r>
               <a:rPr lang="el-GR" dirty="0"/>
@@ -12523,7 +14760,7 @@
             </a:r>
             <a:r>
               <a:rPr lang="en-GB" dirty="0"/>
-              <a:t>would maximise the likelihood of obtaining the data?</a:t>
+              <a:t>that maximise the likelihood of obtaining the data?</a:t>
             </a:r>
           </a:p>
           <a:p>
@@ -12532,7 +14769,7 @@
           <a:p>
             <a:r>
               <a:rPr lang="en-GB" dirty="0"/>
-              <a:t>For example, in the case of a disease, we may not know the prevalence of the disease in advance in the population. </a:t>
+              <a:t>For example, in the case of a disease, we may not know its prevalence in the population in advance. </a:t>
             </a:r>
           </a:p>
         </p:txBody>
@@ -12561,7 +14798,7 @@
             <a:fld id="{44E22EE9-B8A0-0641-9265-052CFE9B95A7}" type="slidenum">
               <a:rPr lang="en-GB" altLang="en-US" smtClean="0"/>
               <a:pPr/>
-              <a:t>21</a:t>
+              <a:t>22</a:t>
             </a:fld>
             <a:endParaRPr lang="en-GB" altLang="en-US" dirty="0"/>
           </a:p>
@@ -12580,7 +14817,7 @@
 </p:sld>
 </file>
 
-<file path=ppt/slides/slide22.xml><?xml version="1.0" encoding="utf-8"?>
+<file path=ppt/slides/slide23.xml><?xml version="1.0" encoding="utf-8"?>
 <p:sld xmlns:a="http://schemas.openxmlformats.org/drawingml/2006/main" xmlns:r="http://schemas.openxmlformats.org/officeDocument/2006/relationships" xmlns:p="http://schemas.openxmlformats.org/presentationml/2006/main">
   <p:cSld>
     <p:spTree>
@@ -12625,8 +14862,8 @@
           </a:p>
         </p:txBody>
       </p:sp>
-      <mc:AlternateContent xmlns:mc="http://schemas.openxmlformats.org/markup-compatibility/2006" xmlns:a14="http://schemas.microsoft.com/office/drawing/2010/main">
-        <mc:Choice Requires="a14">
+      <mc:AlternateContent xmlns:mc="http://schemas.openxmlformats.org/markup-compatibility/2006">
+        <mc:Choice xmlns:a14="http://schemas.microsoft.com/office/drawing/2010/main" Requires="a14">
           <p:sp>
             <p:nvSpPr>
               <p:cNvPr id="3" name="Content Placeholder 2">
@@ -12650,7 +14887,7 @@
               <a:p>
                 <a:r>
                   <a:rPr lang="en-GB" dirty="0"/>
-                  <a:t>For example, let’s assume in a sample of 100 individuals with a neurological disorder, we have observed that 10 of them have a specific symptom. </a:t>
+                  <a:t>For example, let’s assume in a sample of 100 individuals with a neurological condition, we have observed that 10 of them have a specific symptom. </a:t>
                 </a:r>
               </a:p>
               <a:p>
@@ -12886,17 +15123,24 @@
                       </a:rPr>
                       <m:t>𝜃</m:t>
                     </m:r>
+                    <m:r>
+                      <a:rPr lang="en-GB" b="0" i="0" smtClean="0">
+                        <a:latin typeface="Cambria Math" panose="02040503050406030204" pitchFamily="18" charset="0"/>
+                        <a:ea typeface="Cambria Math" panose="02040503050406030204" pitchFamily="18" charset="0"/>
+                      </a:rPr>
+                      <m:t>; </m:t>
+                    </m:r>
                   </m:oMath>
                 </a14:m>
                 <a:r>
                   <a:rPr lang="en-GB" dirty="0"/>
-                  <a:t> and assuming data is constant, this is a likelihood and not a probability. </a:t>
+                  <a:t>assuming data is constant, this is a likelihood and not a probability. </a:t>
                 </a:r>
               </a:p>
             </p:txBody>
           </p:sp>
         </mc:Choice>
-        <mc:Fallback xmlns="">
+        <mc:Fallback>
           <p:sp>
             <p:nvSpPr>
               <p:cNvPr id="3" name="Content Placeholder 2">
@@ -12960,7 +15204,7 @@
             <a:fld id="{44E22EE9-B8A0-0641-9265-052CFE9B95A7}" type="slidenum">
               <a:rPr lang="en-GB" altLang="en-US" smtClean="0"/>
               <a:pPr/>
-              <a:t>22</a:t>
+              <a:t>23</a:t>
             </a:fld>
             <a:endParaRPr lang="en-GB" altLang="en-US" dirty="0"/>
           </a:p>
@@ -12979,7 +15223,7 @@
 </p:sld>
 </file>
 
-<file path=ppt/slides/slide23.xml><?xml version="1.0" encoding="utf-8"?>
+<file path=ppt/slides/slide24.xml><?xml version="1.0" encoding="utf-8"?>
 <p:sld xmlns:a="http://schemas.openxmlformats.org/drawingml/2006/main" xmlns:r="http://schemas.openxmlformats.org/officeDocument/2006/relationships" xmlns:p="http://schemas.openxmlformats.org/presentationml/2006/main">
   <p:cSld>
     <p:spTree>
@@ -13024,8 +15268,8 @@
           </a:p>
         </p:txBody>
       </p:sp>
-      <mc:AlternateContent xmlns:mc="http://schemas.openxmlformats.org/markup-compatibility/2006" xmlns:a14="http://schemas.microsoft.com/office/drawing/2010/main">
-        <mc:Choice Requires="a14">
+      <mc:AlternateContent xmlns:mc="http://schemas.openxmlformats.org/markup-compatibility/2006">
+        <mc:Choice xmlns:a14="http://schemas.microsoft.com/office/drawing/2010/main" Requires="a14">
           <p:sp>
             <p:nvSpPr>
               <p:cNvPr id="3" name="Content Placeholder 2">
@@ -13084,7 +15328,7 @@
               <a:p>
                 <a:r>
                   <a:rPr lang="en-GB" dirty="0"/>
-                  <a:t>This is often used in probabilistic machine learning models to find the parameters for the model that will maximise the likelihood function and find the optimum parameters that we can use in our model to make predictions in the future.  </a:t>
+                  <a:t>This is often used in probabilistic machine learning models to find the parameters for the model that will maximise the likelihood function and find the optimum parameters for our model to make predictions in the future.  </a:t>
                 </a:r>
               </a:p>
               <a:p>
@@ -13347,7 +15591,7 @@
             </p:txBody>
           </p:sp>
         </mc:Choice>
-        <mc:Fallback xmlns="">
+        <mc:Fallback>
           <p:sp>
             <p:nvSpPr>
               <p:cNvPr id="3" name="Content Placeholder 2">
@@ -13411,7 +15655,7 @@
             <a:fld id="{44E22EE9-B8A0-0641-9265-052CFE9B95A7}" type="slidenum">
               <a:rPr lang="en-GB" altLang="en-US" smtClean="0"/>
               <a:pPr/>
-              <a:t>23</a:t>
+              <a:t>24</a:t>
             </a:fld>
             <a:endParaRPr lang="en-GB" altLang="en-US" dirty="0"/>
           </a:p>
@@ -13430,7 +15674,7 @@
 </p:sld>
 </file>
 
-<file path=ppt/slides/slide24.xml><?xml version="1.0" encoding="utf-8"?>
+<file path=ppt/slides/slide25.xml><?xml version="1.0" encoding="utf-8"?>
 <p:sld xmlns:a="http://schemas.openxmlformats.org/drawingml/2006/main" xmlns:r="http://schemas.openxmlformats.org/officeDocument/2006/relationships" xmlns:p="http://schemas.openxmlformats.org/presentationml/2006/main">
   <p:cSld>
     <p:spTree>
@@ -13475,8 +15719,8 @@
           </a:p>
         </p:txBody>
       </p:sp>
-      <mc:AlternateContent xmlns:mc="http://schemas.openxmlformats.org/markup-compatibility/2006" xmlns:a14="http://schemas.microsoft.com/office/drawing/2010/main">
-        <mc:Choice Requires="a14">
+      <mc:AlternateContent xmlns:mc="http://schemas.openxmlformats.org/markup-compatibility/2006">
+        <mc:Choice xmlns:a14="http://schemas.microsoft.com/office/drawing/2010/main" Requires="a14">
           <p:sp>
             <p:nvSpPr>
               <p:cNvPr id="3" name="Content Placeholder 2">
@@ -13500,7 +15744,7 @@
               <a:p>
                 <a:r>
                   <a:rPr lang="en-GB" dirty="0"/>
-                  <a:t>For example, let’s assume in a sample of 100 individuals with a neurological disorder, we have observed that 10 of them have a specific symptom. </a:t>
+                  <a:t>For example, let’s assume in a sample of 100 individuals with a neurological condition, we have observed that 10 of them have a specific symptom. </a:t>
                 </a:r>
               </a:p>
               <a:p>
@@ -13746,7 +15990,7 @@
             </p:txBody>
           </p:sp>
         </mc:Choice>
-        <mc:Fallback xmlns="">
+        <mc:Fallback>
           <p:sp>
             <p:nvSpPr>
               <p:cNvPr id="3" name="Content Placeholder 2">
@@ -13767,7 +16011,7 @@
               <a:blipFill>
                 <a:blip r:embed="rId2"/>
                 <a:stretch>
-                  <a:fillRect l="-772" t="-1223" r="-1235"/>
+                  <a:fillRect l="-925" t="-1018"/>
                 </a:stretch>
               </a:blipFill>
             </p:spPr>
@@ -13810,7 +16054,7 @@
             <a:fld id="{44E22EE9-B8A0-0641-9265-052CFE9B95A7}" type="slidenum">
               <a:rPr lang="en-GB" altLang="en-US" smtClean="0"/>
               <a:pPr/>
-              <a:t>24</a:t>
+              <a:t>25</a:t>
             </a:fld>
             <a:endParaRPr lang="en-GB" altLang="en-US" dirty="0"/>
           </a:p>
@@ -13829,7 +16073,7 @@
 </p:sld>
 </file>
 
-<file path=ppt/slides/slide25.xml><?xml version="1.0" encoding="utf-8"?>
+<file path=ppt/slides/slide26.xml><?xml version="1.0" encoding="utf-8"?>
 <p:sld xmlns:a="http://schemas.openxmlformats.org/drawingml/2006/main" xmlns:r="http://schemas.openxmlformats.org/officeDocument/2006/relationships" xmlns:p="http://schemas.openxmlformats.org/presentationml/2006/main">
   <p:cSld>
     <p:spTree>
@@ -13909,7 +16153,7 @@
           <a:p>
             <a:r>
               <a:rPr lang="en-GB" dirty="0"/>
-              <a:t>Most modern libraries will train/learn your model and optimise the parameters for you automatically, including the models we will use in our lab experiments. </a:t>
+              <a:t>Most modern libraries will automatically train/learn your model and optimise its parameters, including the models we will use in our lab experiments. </a:t>
             </a:r>
           </a:p>
           <a:p>
@@ -13944,7 +16188,7 @@
             <a:fld id="{44E22EE9-B8A0-0641-9265-052CFE9B95A7}" type="slidenum">
               <a:rPr lang="en-GB" altLang="en-US" smtClean="0"/>
               <a:pPr/>
-              <a:t>25</a:t>
+              <a:t>26</a:t>
             </a:fld>
             <a:endParaRPr lang="en-GB" altLang="en-US" dirty="0"/>
           </a:p>
@@ -13963,7 +16207,7 @@
 </p:sld>
 </file>
 
-<file path=ppt/slides/slide26.xml><?xml version="1.0" encoding="utf-8"?>
+<file path=ppt/slides/slide27.xml><?xml version="1.0" encoding="utf-8"?>
 <p:sld xmlns:a="http://schemas.openxmlformats.org/drawingml/2006/main" xmlns:r="http://schemas.openxmlformats.org/officeDocument/2006/relationships" xmlns:p="http://schemas.openxmlformats.org/presentationml/2006/main">
   <p:cSld>
     <p:spTree>
@@ -14780,7 +17024,7 @@
             <a:fld id="{44E22EE9-B8A0-0641-9265-052CFE9B95A7}" type="slidenum">
               <a:rPr lang="en-GB" altLang="en-US" smtClean="0"/>
               <a:pPr/>
-              <a:t>26</a:t>
+              <a:t>27</a:t>
             </a:fld>
             <a:endParaRPr lang="en-GB" altLang="en-US" dirty="0"/>
           </a:p>
@@ -14799,7 +17043,7 @@
 </p:sld>
 </file>
 
-<file path=ppt/slides/slide27.xml><?xml version="1.0" encoding="utf-8"?>
+<file path=ppt/slides/slide28.xml><?xml version="1.0" encoding="utf-8"?>
 <p:sld xmlns:a="http://schemas.openxmlformats.org/drawingml/2006/main" xmlns:r="http://schemas.openxmlformats.org/officeDocument/2006/relationships" xmlns:p="http://schemas.openxmlformats.org/presentationml/2006/main">
   <p:cSld>
     <p:spTree>
@@ -14867,7 +17111,7 @@
           <a:p>
             <a:r>
               <a:rPr lang="en-GB" dirty="0"/>
-              <a:t>To maximise the likelihood, calculate log-likelihood, take the derivative and then set it equal to zero.</a:t>
+              <a:t>To maximise the likelihood, calculate the log-likelihood, take the derivative and then set it equal to zero.</a:t>
             </a:r>
           </a:p>
           <a:p>
@@ -14914,7 +17158,7 @@
             <a:fld id="{44E22EE9-B8A0-0641-9265-052CFE9B95A7}" type="slidenum">
               <a:rPr lang="en-GB" altLang="en-US" smtClean="0"/>
               <a:pPr/>
-              <a:t>27</a:t>
+              <a:t>28</a:t>
             </a:fld>
             <a:endParaRPr lang="en-GB" altLang="en-US" dirty="0"/>
           </a:p>
@@ -14933,7 +17177,7 @@
 </p:sld>
 </file>
 
-<file path=ppt/slides/slide28.xml><?xml version="1.0" encoding="utf-8"?>
+<file path=ppt/slides/slide29.xml><?xml version="1.0" encoding="utf-8"?>
 <p:sld xmlns:a="http://schemas.openxmlformats.org/drawingml/2006/main" xmlns:r="http://schemas.openxmlformats.org/officeDocument/2006/relationships" xmlns:p="http://schemas.openxmlformats.org/presentationml/2006/main">
   <p:cSld>
     <p:spTree>
@@ -14973,48 +17217,184 @@
           <a:p>
             <a:r>
               <a:rPr lang="en-GB" dirty="0"/>
-              <a:t>Why? </a:t>
+              <a:t>Why do we take the first derivative and set it to zero?</a:t>
             </a:r>
           </a:p>
         </p:txBody>
       </p:sp>
-      <p:sp>
-        <p:nvSpPr>
-          <p:cNvPr id="3" name="Content Placeholder 2">
-            <a:extLst>
-              <a:ext uri="{FF2B5EF4-FFF2-40B4-BE49-F238E27FC236}">
-                <a16:creationId xmlns:a16="http://schemas.microsoft.com/office/drawing/2014/main" id="{685B4035-1B19-0C37-4303-4FEA87F8744F}"/>
-              </a:ext>
-            </a:extLst>
-          </p:cNvPr>
-          <p:cNvSpPr>
-            <a:spLocks noGrp="1"/>
-          </p:cNvSpPr>
-          <p:nvPr>
-            <p:ph idx="1"/>
-          </p:nvPr>
-        </p:nvSpPr>
-        <p:spPr/>
-        <p:txBody>
-          <a:bodyPr/>
-          <a:lstStyle/>
-          <a:p>
-            <a:r>
-              <a:rPr lang="en-GB" dirty="0"/>
-              <a:t>Why do we take the first derivative and set it to zero?</a:t>
-            </a:r>
-          </a:p>
-          <a:p>
-            <a:pPr marL="0" indent="0">
-              <a:buNone/>
-            </a:pPr>
-            <a:r>
-              <a:rPr lang="en-GB" dirty="0"/>
-              <a:t> </a:t>
-            </a:r>
-          </a:p>
-        </p:txBody>
-      </p:sp>
+      <mc:AlternateContent xmlns:mc="http://schemas.openxmlformats.org/markup-compatibility/2006">
+        <mc:Choice xmlns:a14="http://schemas.microsoft.com/office/drawing/2010/main" Requires="a14">
+          <p:sp>
+            <p:nvSpPr>
+              <p:cNvPr id="3" name="Content Placeholder 2">
+                <a:extLst>
+                  <a:ext uri="{FF2B5EF4-FFF2-40B4-BE49-F238E27FC236}">
+                    <a16:creationId xmlns:a16="http://schemas.microsoft.com/office/drawing/2014/main" id="{685B4035-1B19-0C37-4303-4FEA87F8744F}"/>
+                  </a:ext>
+                </a:extLst>
+              </p:cNvPr>
+              <p:cNvSpPr>
+                <a:spLocks noGrp="1"/>
+              </p:cNvSpPr>
+              <p:nvPr>
+                <p:ph idx="1"/>
+              </p:nvPr>
+            </p:nvSpPr>
+            <p:spPr/>
+            <p:txBody>
+              <a:bodyPr/>
+              <a:lstStyle/>
+              <a:p>
+                <a:r>
+                  <a:rPr lang="en-GB" kern="1200" dirty="0"/>
+                  <a:t>Imagine the likelihood function as a hill. The top of the hill is where the likelihood is highest.</a:t>
+                </a:r>
+              </a:p>
+              <a:p>
+                <a:r>
+                  <a:rPr lang="en-GB" kern="1200" dirty="0"/>
+                  <a:t>That’s the parameter value we want. To find the top, we look at the slope of the hill. When you’re climbing up, the slope is positive; when you’re going down, it’s negative. At the very peak, the slope is flat, zero.</a:t>
+                </a:r>
+              </a:p>
+              <a:p>
+                <a:r>
+                  <a:rPr lang="en-GB" kern="1200" dirty="0"/>
+                  <a:t>The first derivative tells us the slope. So, by taking the derivative of the log-likelihood and setting it to zero, we’re finding the point where the slope is flat, the maximum. This is why solving</a:t>
+                </a:r>
+              </a:p>
+              <a:p>
+                <a:pPr lvl="1"/>
+                <a14:m>
+                  <m:oMath xmlns:m="http://schemas.openxmlformats.org/officeDocument/2006/math">
+                    <m:f>
+                      <m:fPr>
+                        <m:ctrlPr>
+                          <a:rPr lang="ar-AE" i="1" kern="1200">
+                            <a:latin typeface="Cambria Math" panose="02040503050406030204" pitchFamily="18" charset="0"/>
+                          </a:rPr>
+                        </m:ctrlPr>
+                      </m:fPr>
+                      <m:num>
+                        <m:r>
+                          <a:rPr lang="ar-AE" i="1" kern="1200">
+                            <a:latin typeface="Cambria Math" panose="02040503050406030204" pitchFamily="18" charset="0"/>
+                          </a:rPr>
+                          <m:t>𝑑</m:t>
+                        </m:r>
+                        <m:r>
+                          <a:rPr lang="ar-AE" kern="1200">
+                            <a:latin typeface="Cambria Math" panose="02040503050406030204" pitchFamily="18" charset="0"/>
+                          </a:rPr>
+                          <m:t>ℓ</m:t>
+                        </m:r>
+                        <m:d>
+                          <m:dPr>
+                            <m:ctrlPr>
+                              <a:rPr lang="ar-AE" i="1" kern="1200">
+                                <a:latin typeface="Cambria Math" panose="02040503050406030204" pitchFamily="18" charset="0"/>
+                              </a:rPr>
+                            </m:ctrlPr>
+                          </m:dPr>
+                          <m:e>
+                            <m:r>
+                              <a:rPr lang="ar-AE" i="1" kern="1200">
+                                <a:latin typeface="Cambria Math" panose="02040503050406030204" pitchFamily="18" charset="0"/>
+                              </a:rPr>
+                              <m:t>𝜃</m:t>
+                            </m:r>
+                          </m:e>
+                        </m:d>
+                      </m:num>
+                      <m:den>
+                        <m:r>
+                          <a:rPr lang="ar-AE" i="1" kern="1200">
+                            <a:latin typeface="Cambria Math" panose="02040503050406030204" pitchFamily="18" charset="0"/>
+                          </a:rPr>
+                          <m:t>𝑑</m:t>
+                        </m:r>
+                        <m:r>
+                          <a:rPr lang="ar-AE" i="1" kern="1200">
+                            <a:latin typeface="Cambria Math" panose="02040503050406030204" pitchFamily="18" charset="0"/>
+                          </a:rPr>
+                          <m:t>𝜃</m:t>
+                        </m:r>
+                      </m:den>
+                    </m:f>
+                    <m:r>
+                      <a:rPr lang="ar-AE" kern="1200">
+                        <a:latin typeface="Cambria Math" panose="02040503050406030204" pitchFamily="18" charset="0"/>
+                      </a:rPr>
+                      <m:t>=0</m:t>
+                    </m:r>
+                  </m:oMath>
+                </a14:m>
+                <a:endParaRPr lang="ar-AE" dirty="0"/>
+              </a:p>
+              <a:p>
+                <a:pPr lvl="1"/>
+                <a:r>
+                  <a:rPr lang="en-GB" kern="1200" dirty="0"/>
+                  <a:t>gives us the Maximum Likelihood Estimate.</a:t>
+                </a:r>
+              </a:p>
+              <a:p>
+                <a:endParaRPr lang="en-GB" dirty="0"/>
+              </a:p>
+              <a:p>
+                <a:endParaRPr lang="en-GB" dirty="0"/>
+              </a:p>
+              <a:p>
+                <a:pPr marL="0" indent="0">
+                  <a:buNone/>
+                </a:pPr>
+                <a:r>
+                  <a:rPr lang="en-GB" dirty="0"/>
+                  <a:t> </a:t>
+                </a:r>
+              </a:p>
+            </p:txBody>
+          </p:sp>
+        </mc:Choice>
+        <mc:Fallback>
+          <p:sp>
+            <p:nvSpPr>
+              <p:cNvPr id="3" name="Content Placeholder 2">
+                <a:extLst>
+                  <a:ext uri="{FF2B5EF4-FFF2-40B4-BE49-F238E27FC236}">
+                    <a16:creationId xmlns:a16="http://schemas.microsoft.com/office/drawing/2014/main" id="{685B4035-1B19-0C37-4303-4FEA87F8744F}"/>
+                  </a:ext>
+                </a:extLst>
+              </p:cNvPr>
+              <p:cNvSpPr>
+                <a:spLocks noGrp="1" noRot="1" noChangeAspect="1" noMove="1" noResize="1" noEditPoints="1" noAdjustHandles="1" noChangeArrowheads="1" noChangeShapeType="1" noTextEdit="1"/>
+              </p:cNvSpPr>
+              <p:nvPr>
+                <p:ph idx="1"/>
+              </p:nvPr>
+            </p:nvSpPr>
+            <p:spPr>
+              <a:blipFill>
+                <a:blip r:embed="rId3"/>
+                <a:stretch>
+                  <a:fillRect l="-925" t="-1018" r="-1503"/>
+                </a:stretch>
+              </a:blipFill>
+            </p:spPr>
+            <p:txBody>
+              <a:bodyPr/>
+              <a:lstStyle/>
+              <a:p>
+                <a:r>
+                  <a:rPr lang="en-GB">
+                    <a:noFill/>
+                  </a:rPr>
+                  <a:t> </a:t>
+                </a:r>
+              </a:p>
+            </p:txBody>
+          </p:sp>
+        </mc:Fallback>
+      </mc:AlternateContent>
       <p:sp>
         <p:nvSpPr>
           <p:cNvPr id="4" name="Slide Number Placeholder 3">
@@ -15039,7 +17419,7 @@
             <a:fld id="{44E22EE9-B8A0-0641-9265-052CFE9B95A7}" type="slidenum">
               <a:rPr lang="en-GB" altLang="en-US" smtClean="0"/>
               <a:pPr/>
-              <a:t>28</a:t>
+              <a:t>29</a:t>
             </a:fld>
             <a:endParaRPr lang="en-GB" altLang="en-US" dirty="0"/>
           </a:p>
@@ -15058,7 +17438,354 @@
 </p:sld>
 </file>
 
-<file path=ppt/slides/slide29.xml><?xml version="1.0" encoding="utf-8"?>
+<file path=ppt/slides/slide3.xml><?xml version="1.0" encoding="utf-8"?>
+<p:sld xmlns:a="http://schemas.openxmlformats.org/drawingml/2006/main" xmlns:r="http://schemas.openxmlformats.org/officeDocument/2006/relationships" xmlns:p="http://schemas.openxmlformats.org/presentationml/2006/main">
+  <p:cSld>
+    <p:spTree>
+      <p:nvGrpSpPr>
+        <p:cNvPr id="1" name=""/>
+        <p:cNvGrpSpPr/>
+        <p:nvPr/>
+      </p:nvGrpSpPr>
+      <p:grpSpPr>
+        <a:xfrm>
+          <a:off x="0" y="0"/>
+          <a:ext cx="0" cy="0"/>
+          <a:chOff x="0" y="0"/>
+          <a:chExt cx="0" cy="0"/>
+        </a:xfrm>
+      </p:grpSpPr>
+      <p:sp>
+        <p:nvSpPr>
+          <p:cNvPr id="2" name="Title 1">
+            <a:extLst>
+              <a:ext uri="{FF2B5EF4-FFF2-40B4-BE49-F238E27FC236}">
+                <a16:creationId xmlns:a16="http://schemas.microsoft.com/office/drawing/2014/main" id="{E203A662-CAAD-AE02-C809-E6C125C0B167}"/>
+              </a:ext>
+            </a:extLst>
+          </p:cNvPr>
+          <p:cNvSpPr>
+            <a:spLocks noGrp="1"/>
+          </p:cNvSpPr>
+          <p:nvPr>
+            <p:ph type="title"/>
+          </p:nvPr>
+        </p:nvSpPr>
+        <p:spPr/>
+        <p:txBody>
+          <a:bodyPr/>
+          <a:lstStyle/>
+          <a:p>
+            <a:r>
+              <a:rPr lang="en-GB" dirty="0">
+                <a:effectLst/>
+              </a:rPr>
+              <a:t>Conditional probability</a:t>
+            </a:r>
+            <a:endParaRPr lang="en-US" dirty="0"/>
+          </a:p>
+        </p:txBody>
+      </p:sp>
+      <p:sp>
+        <p:nvSpPr>
+          <p:cNvPr id="3" name="Content Placeholder 2">
+            <a:extLst>
+              <a:ext uri="{FF2B5EF4-FFF2-40B4-BE49-F238E27FC236}">
+                <a16:creationId xmlns:a16="http://schemas.microsoft.com/office/drawing/2014/main" id="{5B0F77EB-8808-E4AA-5EAD-B71FC9D0677C}"/>
+              </a:ext>
+            </a:extLst>
+          </p:cNvPr>
+          <p:cNvSpPr>
+            <a:spLocks noGrp="1"/>
+          </p:cNvSpPr>
+          <p:nvPr>
+            <p:ph idx="1"/>
+          </p:nvPr>
+        </p:nvSpPr>
+        <p:spPr/>
+        <p:txBody>
+          <a:bodyPr/>
+          <a:lstStyle/>
+          <a:p>
+            <a:r>
+              <a:rPr lang="en-GB" dirty="0">
+                <a:effectLst/>
+              </a:rPr>
+              <a:t>We define the conditional probability of event A, given that event B is true, as follows:</a:t>
+            </a:r>
+          </a:p>
+          <a:p>
+            <a:endParaRPr lang="en-US" dirty="0"/>
+          </a:p>
+        </p:txBody>
+      </p:sp>
+      <p:sp>
+        <p:nvSpPr>
+          <p:cNvPr id="4" name="Slide Number Placeholder 3">
+            <a:extLst>
+              <a:ext uri="{FF2B5EF4-FFF2-40B4-BE49-F238E27FC236}">
+                <a16:creationId xmlns:a16="http://schemas.microsoft.com/office/drawing/2014/main" id="{577785AF-D66D-86B8-B220-3DCC04712599}"/>
+              </a:ext>
+            </a:extLst>
+          </p:cNvPr>
+          <p:cNvSpPr>
+            <a:spLocks noGrp="1"/>
+          </p:cNvSpPr>
+          <p:nvPr>
+            <p:ph type="sldNum" sz="quarter" idx="12"/>
+          </p:nvPr>
+        </p:nvSpPr>
+        <p:spPr/>
+        <p:txBody>
+          <a:bodyPr/>
+          <a:lstStyle/>
+          <a:p>
+            <a:fld id="{44E22EE9-B8A0-0641-9265-052CFE9B95A7}" type="slidenum">
+              <a:rPr lang="en-GB" altLang="en-US" smtClean="0"/>
+              <a:pPr/>
+              <a:t>3</a:t>
+            </a:fld>
+            <a:endParaRPr lang="en-GB" altLang="en-US" dirty="0"/>
+          </a:p>
+        </p:txBody>
+      </p:sp>
+      <p:pic>
+        <p:nvPicPr>
+          <p:cNvPr id="6" name="Picture 5" descr="Text, whiteboard&#10;&#10;Description automatically generated">
+            <a:extLst>
+              <a:ext uri="{FF2B5EF4-FFF2-40B4-BE49-F238E27FC236}">
+                <a16:creationId xmlns:a16="http://schemas.microsoft.com/office/drawing/2014/main" id="{A91DFCFB-4FB2-ED96-78ED-69A631397EEC}"/>
+              </a:ext>
+            </a:extLst>
+          </p:cNvPr>
+          <p:cNvPicPr>
+            <a:picLocks noChangeAspect="1"/>
+          </p:cNvPicPr>
+          <p:nvPr/>
+        </p:nvPicPr>
+        <p:blipFill>
+          <a:blip r:embed="rId2">
+            <a:extLst>
+              <a:ext uri="{28A0092B-C50C-407E-A947-70E740481C1C}">
+                <a14:useLocalDpi xmlns:a14="http://schemas.microsoft.com/office/drawing/2010/main" val="0"/>
+              </a:ext>
+            </a:extLst>
+          </a:blip>
+          <a:stretch>
+            <a:fillRect/>
+          </a:stretch>
+        </p:blipFill>
+        <p:spPr>
+          <a:xfrm>
+            <a:off x="3158074" y="2258040"/>
+            <a:ext cx="5596122" cy="1427976"/>
+          </a:xfrm>
+          <a:prstGeom prst="rect">
+            <a:avLst/>
+          </a:prstGeom>
+        </p:spPr>
+      </p:pic>
+      <p:sp>
+        <p:nvSpPr>
+          <p:cNvPr id="5" name="Oval 4">
+            <a:extLst>
+              <a:ext uri="{FF2B5EF4-FFF2-40B4-BE49-F238E27FC236}">
+                <a16:creationId xmlns:a16="http://schemas.microsoft.com/office/drawing/2014/main" id="{21BDA4E5-1348-9B2D-CE5A-84CA682EDDE1}"/>
+              </a:ext>
+            </a:extLst>
+          </p:cNvPr>
+          <p:cNvSpPr/>
+          <p:nvPr/>
+        </p:nvSpPr>
+        <p:spPr>
+          <a:xfrm>
+            <a:off x="4454218" y="3863167"/>
+            <a:ext cx="1489591" cy="1425734"/>
+          </a:xfrm>
+          <a:prstGeom prst="ellipse">
+            <a:avLst/>
+          </a:prstGeom>
+          <a:solidFill>
+            <a:srgbClr val="FF0000">
+              <a:alpha val="21459"/>
+            </a:srgbClr>
+          </a:solidFill>
+        </p:spPr>
+        <p:style>
+          <a:lnRef idx="2">
+            <a:schemeClr val="accent1">
+              <a:shade val="50000"/>
+            </a:schemeClr>
+          </a:lnRef>
+          <a:fillRef idx="1">
+            <a:schemeClr val="accent1"/>
+          </a:fillRef>
+          <a:effectRef idx="0">
+            <a:schemeClr val="accent1"/>
+          </a:effectRef>
+          <a:fontRef idx="minor">
+            <a:schemeClr val="lt1"/>
+          </a:fontRef>
+        </p:style>
+        <p:txBody>
+          <a:bodyPr rtlCol="0" anchor="ctr"/>
+          <a:lstStyle/>
+          <a:p>
+            <a:pPr algn="ctr"/>
+            <a:r>
+              <a:rPr lang="en-GB" dirty="0"/>
+              <a:t>A</a:t>
+            </a:r>
+          </a:p>
+        </p:txBody>
+      </p:sp>
+      <p:sp>
+        <p:nvSpPr>
+          <p:cNvPr id="7" name="Oval 6">
+            <a:extLst>
+              <a:ext uri="{FF2B5EF4-FFF2-40B4-BE49-F238E27FC236}">
+                <a16:creationId xmlns:a16="http://schemas.microsoft.com/office/drawing/2014/main" id="{97D53D84-EC46-A4CE-2BA9-E3B34F240D35}"/>
+              </a:ext>
+            </a:extLst>
+          </p:cNvPr>
+          <p:cNvSpPr/>
+          <p:nvPr/>
+        </p:nvSpPr>
+        <p:spPr>
+          <a:xfrm>
+            <a:off x="5577543" y="3838416"/>
+            <a:ext cx="1489591" cy="1425734"/>
+          </a:xfrm>
+          <a:prstGeom prst="ellipse">
+            <a:avLst/>
+          </a:prstGeom>
+          <a:solidFill>
+            <a:srgbClr val="0070C0">
+              <a:alpha val="21459"/>
+            </a:srgbClr>
+          </a:solidFill>
+        </p:spPr>
+        <p:style>
+          <a:lnRef idx="2">
+            <a:schemeClr val="accent1">
+              <a:shade val="50000"/>
+            </a:schemeClr>
+          </a:lnRef>
+          <a:fillRef idx="1">
+            <a:schemeClr val="accent1"/>
+          </a:fillRef>
+          <a:effectRef idx="0">
+            <a:schemeClr val="accent1"/>
+          </a:effectRef>
+          <a:fontRef idx="minor">
+            <a:schemeClr val="lt1"/>
+          </a:fontRef>
+        </p:style>
+        <p:txBody>
+          <a:bodyPr rtlCol="0" anchor="ctr"/>
+          <a:lstStyle/>
+          <a:p>
+            <a:pPr algn="ctr"/>
+            <a:r>
+              <a:rPr lang="en-GB" dirty="0"/>
+              <a:t>B</a:t>
+            </a:r>
+          </a:p>
+        </p:txBody>
+      </p:sp>
+      <p:cxnSp>
+        <p:nvCxnSpPr>
+          <p:cNvPr id="9" name="Straight Arrow Connector 8">
+            <a:extLst>
+              <a:ext uri="{FF2B5EF4-FFF2-40B4-BE49-F238E27FC236}">
+                <a16:creationId xmlns:a16="http://schemas.microsoft.com/office/drawing/2014/main" id="{F7920E94-B952-0568-C076-D06278DFB0F4}"/>
+              </a:ext>
+            </a:extLst>
+          </p:cNvPr>
+          <p:cNvCxnSpPr>
+            <a:cxnSpLocks/>
+          </p:cNvCxnSpPr>
+          <p:nvPr/>
+        </p:nvCxnSpPr>
+        <p:spPr>
+          <a:xfrm>
+            <a:off x="5750362" y="4553361"/>
+            <a:ext cx="2160240" cy="863190"/>
+          </a:xfrm>
+          <a:prstGeom prst="straightConnector1">
+            <a:avLst/>
+          </a:prstGeom>
+          <a:ln>
+            <a:solidFill>
+              <a:srgbClr val="FF0000"/>
+            </a:solidFill>
+            <a:tailEnd type="triangle"/>
+          </a:ln>
+        </p:spPr>
+        <p:style>
+          <a:lnRef idx="1">
+            <a:schemeClr val="accent1"/>
+          </a:lnRef>
+          <a:fillRef idx="0">
+            <a:schemeClr val="accent1"/>
+          </a:fillRef>
+          <a:effectRef idx="0">
+            <a:schemeClr val="accent1"/>
+          </a:effectRef>
+          <a:fontRef idx="minor">
+            <a:schemeClr val="tx1"/>
+          </a:fontRef>
+        </p:style>
+      </p:cxnSp>
+      <p:sp>
+        <p:nvSpPr>
+          <p:cNvPr id="11" name="TextBox 10">
+            <a:extLst>
+              <a:ext uri="{FF2B5EF4-FFF2-40B4-BE49-F238E27FC236}">
+                <a16:creationId xmlns:a16="http://schemas.microsoft.com/office/drawing/2014/main" id="{0E1EB6F0-F56B-8142-737F-2213F32DDC23}"/>
+              </a:ext>
+            </a:extLst>
+          </p:cNvPr>
+          <p:cNvSpPr txBox="1"/>
+          <p:nvPr/>
+        </p:nvSpPr>
+        <p:spPr>
+          <a:xfrm>
+            <a:off x="7825542" y="5347351"/>
+            <a:ext cx="902811" cy="369332"/>
+          </a:xfrm>
+          <a:prstGeom prst="rect">
+            <a:avLst/>
+          </a:prstGeom>
+          <a:noFill/>
+        </p:spPr>
+        <p:txBody>
+          <a:bodyPr wrap="none" rtlCol="0">
+            <a:spAutoFit/>
+          </a:bodyPr>
+          <a:lstStyle/>
+          <a:p>
+            <a:r>
+              <a:rPr lang="en-GB" dirty="0"/>
+              <a:t>p(A,B) </a:t>
+            </a:r>
+          </a:p>
+        </p:txBody>
+      </p:sp>
+    </p:spTree>
+    <p:extLst>
+      <p:ext uri="{BB962C8B-B14F-4D97-AF65-F5344CB8AC3E}">
+        <p14:creationId xmlns:p14="http://schemas.microsoft.com/office/powerpoint/2010/main" val="1411734223"/>
+      </p:ext>
+    </p:extLst>
+  </p:cSld>
+  <p:clrMapOvr>
+    <a:masterClrMapping/>
+  </p:clrMapOvr>
+</p:sld>
+</file>
+
+<file path=ppt/slides/slide30.xml><?xml version="1.0" encoding="utf-8"?>
 <p:sld xmlns:a="http://schemas.openxmlformats.org/drawingml/2006/main" xmlns:r="http://schemas.openxmlformats.org/officeDocument/2006/relationships" xmlns:p="http://schemas.openxmlformats.org/presentationml/2006/main">
   <p:cSld>
     <p:spTree>
@@ -16405,7 +19132,7 @@
             <a:fld id="{44E22EE9-B8A0-0641-9265-052CFE9B95A7}" type="slidenum">
               <a:rPr lang="en-GB" altLang="en-US" smtClean="0"/>
               <a:pPr/>
-              <a:t>29</a:t>
+              <a:t>30</a:t>
             </a:fld>
             <a:endParaRPr lang="en-GB" altLang="en-US" dirty="0"/>
           </a:p>
@@ -16424,354 +19151,7 @@
 </p:sld>
 </file>
 
-<file path=ppt/slides/slide3.xml><?xml version="1.0" encoding="utf-8"?>
-<p:sld xmlns:a="http://schemas.openxmlformats.org/drawingml/2006/main" xmlns:r="http://schemas.openxmlformats.org/officeDocument/2006/relationships" xmlns:p="http://schemas.openxmlformats.org/presentationml/2006/main">
-  <p:cSld>
-    <p:spTree>
-      <p:nvGrpSpPr>
-        <p:cNvPr id="1" name=""/>
-        <p:cNvGrpSpPr/>
-        <p:nvPr/>
-      </p:nvGrpSpPr>
-      <p:grpSpPr>
-        <a:xfrm>
-          <a:off x="0" y="0"/>
-          <a:ext cx="0" cy="0"/>
-          <a:chOff x="0" y="0"/>
-          <a:chExt cx="0" cy="0"/>
-        </a:xfrm>
-      </p:grpSpPr>
-      <p:sp>
-        <p:nvSpPr>
-          <p:cNvPr id="2" name="Title 1">
-            <a:extLst>
-              <a:ext uri="{FF2B5EF4-FFF2-40B4-BE49-F238E27FC236}">
-                <a16:creationId xmlns:a16="http://schemas.microsoft.com/office/drawing/2014/main" id="{E203A662-CAAD-AE02-C809-E6C125C0B167}"/>
-              </a:ext>
-            </a:extLst>
-          </p:cNvPr>
-          <p:cNvSpPr>
-            <a:spLocks noGrp="1"/>
-          </p:cNvSpPr>
-          <p:nvPr>
-            <p:ph type="title"/>
-          </p:nvPr>
-        </p:nvSpPr>
-        <p:spPr/>
-        <p:txBody>
-          <a:bodyPr/>
-          <a:lstStyle/>
-          <a:p>
-            <a:r>
-              <a:rPr lang="en-GB" dirty="0">
-                <a:effectLst/>
-              </a:rPr>
-              <a:t>Conditional probability</a:t>
-            </a:r>
-            <a:endParaRPr lang="en-US" dirty="0"/>
-          </a:p>
-        </p:txBody>
-      </p:sp>
-      <p:sp>
-        <p:nvSpPr>
-          <p:cNvPr id="3" name="Content Placeholder 2">
-            <a:extLst>
-              <a:ext uri="{FF2B5EF4-FFF2-40B4-BE49-F238E27FC236}">
-                <a16:creationId xmlns:a16="http://schemas.microsoft.com/office/drawing/2014/main" id="{5B0F77EB-8808-E4AA-5EAD-B71FC9D0677C}"/>
-              </a:ext>
-            </a:extLst>
-          </p:cNvPr>
-          <p:cNvSpPr>
-            <a:spLocks noGrp="1"/>
-          </p:cNvSpPr>
-          <p:nvPr>
-            <p:ph idx="1"/>
-          </p:nvPr>
-        </p:nvSpPr>
-        <p:spPr/>
-        <p:txBody>
-          <a:bodyPr/>
-          <a:lstStyle/>
-          <a:p>
-            <a:r>
-              <a:rPr lang="en-GB" dirty="0">
-                <a:effectLst/>
-              </a:rPr>
-              <a:t>We define the conditional probability of event A, given that event B is true, as follows:</a:t>
-            </a:r>
-          </a:p>
-          <a:p>
-            <a:endParaRPr lang="en-US" dirty="0"/>
-          </a:p>
-        </p:txBody>
-      </p:sp>
-      <p:sp>
-        <p:nvSpPr>
-          <p:cNvPr id="4" name="Slide Number Placeholder 3">
-            <a:extLst>
-              <a:ext uri="{FF2B5EF4-FFF2-40B4-BE49-F238E27FC236}">
-                <a16:creationId xmlns:a16="http://schemas.microsoft.com/office/drawing/2014/main" id="{577785AF-D66D-86B8-B220-3DCC04712599}"/>
-              </a:ext>
-            </a:extLst>
-          </p:cNvPr>
-          <p:cNvSpPr>
-            <a:spLocks noGrp="1"/>
-          </p:cNvSpPr>
-          <p:nvPr>
-            <p:ph type="sldNum" sz="quarter" idx="12"/>
-          </p:nvPr>
-        </p:nvSpPr>
-        <p:spPr/>
-        <p:txBody>
-          <a:bodyPr/>
-          <a:lstStyle/>
-          <a:p>
-            <a:fld id="{44E22EE9-B8A0-0641-9265-052CFE9B95A7}" type="slidenum">
-              <a:rPr lang="en-GB" altLang="en-US" smtClean="0"/>
-              <a:pPr/>
-              <a:t>3</a:t>
-            </a:fld>
-            <a:endParaRPr lang="en-GB" altLang="en-US" dirty="0"/>
-          </a:p>
-        </p:txBody>
-      </p:sp>
-      <p:pic>
-        <p:nvPicPr>
-          <p:cNvPr id="6" name="Picture 5" descr="Text, whiteboard&#10;&#10;Description automatically generated">
-            <a:extLst>
-              <a:ext uri="{FF2B5EF4-FFF2-40B4-BE49-F238E27FC236}">
-                <a16:creationId xmlns:a16="http://schemas.microsoft.com/office/drawing/2014/main" id="{A91DFCFB-4FB2-ED96-78ED-69A631397EEC}"/>
-              </a:ext>
-            </a:extLst>
-          </p:cNvPr>
-          <p:cNvPicPr>
-            <a:picLocks noChangeAspect="1"/>
-          </p:cNvPicPr>
-          <p:nvPr/>
-        </p:nvPicPr>
-        <p:blipFill>
-          <a:blip r:embed="rId2">
-            <a:extLst>
-              <a:ext uri="{28A0092B-C50C-407E-A947-70E740481C1C}">
-                <a14:useLocalDpi xmlns:a14="http://schemas.microsoft.com/office/drawing/2010/main" val="0"/>
-              </a:ext>
-            </a:extLst>
-          </a:blip>
-          <a:stretch>
-            <a:fillRect/>
-          </a:stretch>
-        </p:blipFill>
-        <p:spPr>
-          <a:xfrm>
-            <a:off x="3158074" y="2258040"/>
-            <a:ext cx="5596122" cy="1427976"/>
-          </a:xfrm>
-          <a:prstGeom prst="rect">
-            <a:avLst/>
-          </a:prstGeom>
-        </p:spPr>
-      </p:pic>
-      <p:sp>
-        <p:nvSpPr>
-          <p:cNvPr id="5" name="Oval 4">
-            <a:extLst>
-              <a:ext uri="{FF2B5EF4-FFF2-40B4-BE49-F238E27FC236}">
-                <a16:creationId xmlns:a16="http://schemas.microsoft.com/office/drawing/2014/main" id="{21BDA4E5-1348-9B2D-CE5A-84CA682EDDE1}"/>
-              </a:ext>
-            </a:extLst>
-          </p:cNvPr>
-          <p:cNvSpPr/>
-          <p:nvPr/>
-        </p:nvSpPr>
-        <p:spPr>
-          <a:xfrm>
-            <a:off x="4454218" y="3863167"/>
-            <a:ext cx="1489591" cy="1425734"/>
-          </a:xfrm>
-          <a:prstGeom prst="ellipse">
-            <a:avLst/>
-          </a:prstGeom>
-          <a:solidFill>
-            <a:srgbClr val="FF0000">
-              <a:alpha val="21459"/>
-            </a:srgbClr>
-          </a:solidFill>
-        </p:spPr>
-        <p:style>
-          <a:lnRef idx="2">
-            <a:schemeClr val="accent1">
-              <a:shade val="50000"/>
-            </a:schemeClr>
-          </a:lnRef>
-          <a:fillRef idx="1">
-            <a:schemeClr val="accent1"/>
-          </a:fillRef>
-          <a:effectRef idx="0">
-            <a:schemeClr val="accent1"/>
-          </a:effectRef>
-          <a:fontRef idx="minor">
-            <a:schemeClr val="lt1"/>
-          </a:fontRef>
-        </p:style>
-        <p:txBody>
-          <a:bodyPr rtlCol="0" anchor="ctr"/>
-          <a:lstStyle/>
-          <a:p>
-            <a:pPr algn="ctr"/>
-            <a:r>
-              <a:rPr lang="en-GB" dirty="0"/>
-              <a:t>A</a:t>
-            </a:r>
-          </a:p>
-        </p:txBody>
-      </p:sp>
-      <p:sp>
-        <p:nvSpPr>
-          <p:cNvPr id="7" name="Oval 6">
-            <a:extLst>
-              <a:ext uri="{FF2B5EF4-FFF2-40B4-BE49-F238E27FC236}">
-                <a16:creationId xmlns:a16="http://schemas.microsoft.com/office/drawing/2014/main" id="{97D53D84-EC46-A4CE-2BA9-E3B34F240D35}"/>
-              </a:ext>
-            </a:extLst>
-          </p:cNvPr>
-          <p:cNvSpPr/>
-          <p:nvPr/>
-        </p:nvSpPr>
-        <p:spPr>
-          <a:xfrm>
-            <a:off x="5577543" y="3838416"/>
-            <a:ext cx="1489591" cy="1425734"/>
-          </a:xfrm>
-          <a:prstGeom prst="ellipse">
-            <a:avLst/>
-          </a:prstGeom>
-          <a:solidFill>
-            <a:srgbClr val="0070C0">
-              <a:alpha val="21459"/>
-            </a:srgbClr>
-          </a:solidFill>
-        </p:spPr>
-        <p:style>
-          <a:lnRef idx="2">
-            <a:schemeClr val="accent1">
-              <a:shade val="50000"/>
-            </a:schemeClr>
-          </a:lnRef>
-          <a:fillRef idx="1">
-            <a:schemeClr val="accent1"/>
-          </a:fillRef>
-          <a:effectRef idx="0">
-            <a:schemeClr val="accent1"/>
-          </a:effectRef>
-          <a:fontRef idx="minor">
-            <a:schemeClr val="lt1"/>
-          </a:fontRef>
-        </p:style>
-        <p:txBody>
-          <a:bodyPr rtlCol="0" anchor="ctr"/>
-          <a:lstStyle/>
-          <a:p>
-            <a:pPr algn="ctr"/>
-            <a:r>
-              <a:rPr lang="en-GB" dirty="0"/>
-              <a:t>B</a:t>
-            </a:r>
-          </a:p>
-        </p:txBody>
-      </p:sp>
-      <p:cxnSp>
-        <p:nvCxnSpPr>
-          <p:cNvPr id="9" name="Straight Arrow Connector 8">
-            <a:extLst>
-              <a:ext uri="{FF2B5EF4-FFF2-40B4-BE49-F238E27FC236}">
-                <a16:creationId xmlns:a16="http://schemas.microsoft.com/office/drawing/2014/main" id="{F7920E94-B952-0568-C076-D06278DFB0F4}"/>
-              </a:ext>
-            </a:extLst>
-          </p:cNvPr>
-          <p:cNvCxnSpPr>
-            <a:cxnSpLocks/>
-          </p:cNvCxnSpPr>
-          <p:nvPr/>
-        </p:nvCxnSpPr>
-        <p:spPr>
-          <a:xfrm>
-            <a:off x="5750362" y="4553361"/>
-            <a:ext cx="2160240" cy="863190"/>
-          </a:xfrm>
-          <a:prstGeom prst="straightConnector1">
-            <a:avLst/>
-          </a:prstGeom>
-          <a:ln>
-            <a:solidFill>
-              <a:srgbClr val="FF0000"/>
-            </a:solidFill>
-            <a:tailEnd type="triangle"/>
-          </a:ln>
-        </p:spPr>
-        <p:style>
-          <a:lnRef idx="1">
-            <a:schemeClr val="accent1"/>
-          </a:lnRef>
-          <a:fillRef idx="0">
-            <a:schemeClr val="accent1"/>
-          </a:fillRef>
-          <a:effectRef idx="0">
-            <a:schemeClr val="accent1"/>
-          </a:effectRef>
-          <a:fontRef idx="minor">
-            <a:schemeClr val="tx1"/>
-          </a:fontRef>
-        </p:style>
-      </p:cxnSp>
-      <p:sp>
-        <p:nvSpPr>
-          <p:cNvPr id="11" name="TextBox 10">
-            <a:extLst>
-              <a:ext uri="{FF2B5EF4-FFF2-40B4-BE49-F238E27FC236}">
-                <a16:creationId xmlns:a16="http://schemas.microsoft.com/office/drawing/2014/main" id="{0E1EB6F0-F56B-8142-737F-2213F32DDC23}"/>
-              </a:ext>
-            </a:extLst>
-          </p:cNvPr>
-          <p:cNvSpPr txBox="1"/>
-          <p:nvPr/>
-        </p:nvSpPr>
-        <p:spPr>
-          <a:xfrm>
-            <a:off x="7825542" y="5347351"/>
-            <a:ext cx="902811" cy="369332"/>
-          </a:xfrm>
-          <a:prstGeom prst="rect">
-            <a:avLst/>
-          </a:prstGeom>
-          <a:noFill/>
-        </p:spPr>
-        <p:txBody>
-          <a:bodyPr wrap="none" rtlCol="0">
-            <a:spAutoFit/>
-          </a:bodyPr>
-          <a:lstStyle/>
-          <a:p>
-            <a:r>
-              <a:rPr lang="en-GB" dirty="0"/>
-              <a:t>p(A,B) </a:t>
-            </a:r>
-          </a:p>
-        </p:txBody>
-      </p:sp>
-    </p:spTree>
-    <p:extLst>
-      <p:ext uri="{BB962C8B-B14F-4D97-AF65-F5344CB8AC3E}">
-        <p14:creationId xmlns:p14="http://schemas.microsoft.com/office/powerpoint/2010/main" val="1411734223"/>
-      </p:ext>
-    </p:extLst>
-  </p:cSld>
-  <p:clrMapOvr>
-    <a:masterClrMapping/>
-  </p:clrMapOvr>
-</p:sld>
-</file>
-
-<file path=ppt/slides/slide30.xml><?xml version="1.0" encoding="utf-8"?>
+<file path=ppt/slides/slide31.xml><?xml version="1.0" encoding="utf-8"?>
 <p:sld xmlns:a="http://schemas.openxmlformats.org/drawingml/2006/main" xmlns:r="http://schemas.openxmlformats.org/officeDocument/2006/relationships" xmlns:p="http://schemas.openxmlformats.org/presentationml/2006/main">
   <p:cSld>
     <p:spTree>
@@ -16845,13 +19225,13 @@
           <a:p>
             <a:r>
               <a:rPr lang="en-GB" dirty="0"/>
-              <a:t>Naive Bayes learners and classifiers can be very fast compared to more sophisticated methods.</a:t>
+              <a:t>Naïve Bayes learners and classifiers can be very fast compared to more sophisticated methods.</a:t>
             </a:r>
           </a:p>
           <a:p>
             <a:r>
               <a:rPr lang="en-GB" dirty="0"/>
-              <a:t>On the flip side, although naïve Bayes is known as a decent classifier, it is </a:t>
+              <a:t>On the other hand, although naïve Bayes is known as a useful classifier, it is </a:t>
             </a:r>
             <a:r>
               <a:rPr lang="en-GB" dirty="0">
@@ -16889,7 +19269,7 @@
             </a:r>
             <a:r>
               <a:rPr lang="en-GB" dirty="0"/>
-              <a:t> scikit learn) are not to be taken too seriously.</a:t>
+              <a:t> scikit-learn) are not to be taken too seriously.</a:t>
             </a:r>
           </a:p>
         </p:txBody>
@@ -16918,7 +19298,7 @@
             <a:fld id="{44E22EE9-B8A0-0641-9265-052CFE9B95A7}" type="slidenum">
               <a:rPr lang="en-GB" altLang="en-US" smtClean="0"/>
               <a:pPr/>
-              <a:t>30</a:t>
+              <a:t>31</a:t>
             </a:fld>
             <a:endParaRPr lang="en-GB" altLang="en-US" dirty="0"/>
           </a:p>
@@ -16995,7 +19375,7 @@
 </p:sld>
 </file>
 
-<file path=ppt/slides/slide31.xml><?xml version="1.0" encoding="utf-8"?>
+<file path=ppt/slides/slide32.xml><?xml version="1.0" encoding="utf-8"?>
 <p:sld xmlns:a="http://schemas.openxmlformats.org/drawingml/2006/main" xmlns:r="http://schemas.openxmlformats.org/officeDocument/2006/relationships" xmlns:p="http://schemas.openxmlformats.org/presentationml/2006/main">
   <p:cSld>
     <p:spTree>
@@ -17224,7 +19604,7 @@
             <a:fld id="{44E22EE9-B8A0-0641-9265-052CFE9B95A7}" type="slidenum">
               <a:rPr lang="en-GB" altLang="en-US" smtClean="0"/>
               <a:pPr/>
-              <a:t>31</a:t>
+              <a:t>32</a:t>
             </a:fld>
             <a:endParaRPr lang="en-GB" altLang="en-US" dirty="0"/>
           </a:p>
@@ -17337,7 +19717,7 @@
 </p:sld>
 </file>
 
-<file path=ppt/slides/slide32.xml><?xml version="1.0" encoding="utf-8"?>
+<file path=ppt/slides/slide33.xml><?xml version="1.0" encoding="utf-8"?>
 <p:sld xmlns:a="http://schemas.openxmlformats.org/drawingml/2006/main" xmlns:r="http://schemas.openxmlformats.org/officeDocument/2006/relationships" xmlns:p="http://schemas.openxmlformats.org/presentationml/2006/main">
   <p:cSld>
     <p:spTree>
@@ -17377,7 +19757,7 @@
           <a:p>
             <a:r>
               <a:rPr lang="en-GB" dirty="0"/>
-              <a:t>Gaussian Naive Bayes</a:t>
+              <a:t>Gaussian Naïve Bayes</a:t>
             </a:r>
           </a:p>
         </p:txBody>
@@ -17406,7 +19786,7 @@
             <a:fld id="{44E22EE9-B8A0-0641-9265-052CFE9B95A7}" type="slidenum">
               <a:rPr lang="en-GB" altLang="en-US" smtClean="0"/>
               <a:pPr/>
-              <a:t>32</a:t>
+              <a:t>33</a:t>
             </a:fld>
             <a:endParaRPr lang="en-GB" altLang="en-US" dirty="0"/>
           </a:p>
@@ -17519,7 +19899,7 @@
 </p:sld>
 </file>
 
-<file path=ppt/slides/slide33.xml><?xml version="1.0" encoding="utf-8"?>
+<file path=ppt/slides/slide34.xml><?xml version="1.0" encoding="utf-8"?>
 <p:sld xmlns:a="http://schemas.openxmlformats.org/drawingml/2006/main" xmlns:r="http://schemas.openxmlformats.org/officeDocument/2006/relationships" xmlns:p="http://schemas.openxmlformats.org/presentationml/2006/main">
   <p:cSld>
     <p:spTree>
@@ -17893,7 +20273,24 @@
                 </a:solidFill>
                 <a:effectLst/>
               </a:rPr>
-              <a:t>y is estimated by a smoothed version of maximum likelihood, i.e. relative frequency counting:</a:t>
+              <a:t>y </a:t>
+            </a:r>
+            <a:r>
+              <a:rPr lang="en-GB" dirty="0">
+                <a:solidFill>
+                  <a:srgbClr val="212529"/>
+                </a:solidFill>
+              </a:rPr>
+              <a:t> are </a:t>
+            </a:r>
+            <a:r>
+              <a:rPr lang="en-GB" b="0" i="0" u="none" strike="noStrike" dirty="0">
+                <a:solidFill>
+                  <a:srgbClr val="212529"/>
+                </a:solidFill>
+                <a:effectLst/>
+              </a:rPr>
+              <a:t>estimated by a smoothed version of maximum likelihood, i.e. relative frequency counting.</a:t>
             </a:r>
             <a:endParaRPr lang="en-GB" dirty="0"/>
           </a:p>
@@ -17923,7 +20320,7 @@
             <a:fld id="{44E22EE9-B8A0-0641-9265-052CFE9B95A7}" type="slidenum">
               <a:rPr lang="en-GB" altLang="en-US" smtClean="0"/>
               <a:pPr/>
-              <a:t>33</a:t>
+              <a:t>34</a:t>
             </a:fld>
             <a:endParaRPr lang="en-GB" altLang="en-US" dirty="0"/>
           </a:p>
@@ -18000,7 +20397,7 @@
 </p:sld>
 </file>
 
-<file path=ppt/slides/slide34.xml><?xml version="1.0" encoding="utf-8"?>
+<file path=ppt/slides/slide35.xml><?xml version="1.0" encoding="utf-8"?>
 <p:sld xmlns:a="http://schemas.openxmlformats.org/drawingml/2006/main" xmlns:r="http://schemas.openxmlformats.org/officeDocument/2006/relationships" xmlns:p="http://schemas.openxmlformats.org/presentationml/2006/main">
   <p:cSld>
     <p:spTree>
@@ -18130,7 +20527,7 @@
             <a:fld id="{44E22EE9-B8A0-0641-9265-052CFE9B95A7}" type="slidenum">
               <a:rPr lang="en-GB" altLang="en-US" smtClean="0"/>
               <a:pPr/>
-              <a:t>34</a:t>
+              <a:t>35</a:t>
             </a:fld>
             <a:endParaRPr lang="en-GB" altLang="en-US" dirty="0"/>
           </a:p>
@@ -18243,7 +20640,7 @@
 </p:sld>
 </file>
 
-<file path=ppt/slides/slide35.xml><?xml version="1.0" encoding="utf-8"?>
+<file path=ppt/slides/slide36.xml><?xml version="1.0" encoding="utf-8"?>
 <p:sld xmlns:a="http://schemas.openxmlformats.org/drawingml/2006/main" xmlns:r="http://schemas.openxmlformats.org/officeDocument/2006/relationships" xmlns:p="http://schemas.openxmlformats.org/presentationml/2006/main">
   <p:cSld>
     <p:spTree>
@@ -18301,7 +20698,7 @@
 </p:sld>
 </file>
 
-<file path=ppt/slides/slide36.xml><?xml version="1.0" encoding="utf-8"?>
+<file path=ppt/slides/slide37.xml><?xml version="1.0" encoding="utf-8"?>
 <p:sld xmlns:a="http://schemas.openxmlformats.org/drawingml/2006/main" xmlns:r="http://schemas.openxmlformats.org/officeDocument/2006/relationships" xmlns:p="http://schemas.openxmlformats.org/presentationml/2006/main">
   <p:cSld>
     <p:spTree>
@@ -18369,7 +20766,7 @@
           <a:p>
             <a:r>
               <a:rPr lang="en-GB" dirty="0"/>
-              <a:t>Precision defines what proportion of positive identifications have actually been correct.</a:t>
+              <a:t>Precision defines the proportion of positive identifications that have actually been correct.</a:t>
             </a:r>
           </a:p>
           <a:p>
@@ -18431,7 +20828,7 @@
             <a:fld id="{44E22EE9-B8A0-0641-9265-052CFE9B95A7}" type="slidenum">
               <a:rPr lang="en-GB" altLang="en-US" smtClean="0"/>
               <a:pPr/>
-              <a:t>36</a:t>
+              <a:t>37</a:t>
             </a:fld>
             <a:endParaRPr lang="en-GB" altLang="en-US" dirty="0"/>
           </a:p>
@@ -18785,7 +21182,7 @@
 </p:sld>
 </file>
 
-<file path=ppt/slides/slide37.xml><?xml version="1.0" encoding="utf-8"?>
+<file path=ppt/slides/slide38.xml><?xml version="1.0" encoding="utf-8"?>
 <p:sld xmlns:a="http://schemas.openxmlformats.org/drawingml/2006/main" xmlns:r="http://schemas.openxmlformats.org/officeDocument/2006/relationships" xmlns:p="http://schemas.openxmlformats.org/presentationml/2006/main">
   <p:cSld>
     <p:spTree>
@@ -18935,7 +21332,7 @@
             <a:fld id="{44E22EE9-B8A0-0641-9265-052CFE9B95A7}" type="slidenum">
               <a:rPr lang="en-GB" altLang="en-US" smtClean="0"/>
               <a:pPr/>
-              <a:t>37</a:t>
+              <a:t>38</a:t>
             </a:fld>
             <a:endParaRPr lang="en-GB" altLang="en-US" dirty="0"/>
           </a:p>
@@ -19289,7 +21686,7 @@
 </p:sld>
 </file>
 
-<file path=ppt/slides/slide38.xml><?xml version="1.0" encoding="utf-8"?>
+<file path=ppt/slides/slide39.xml><?xml version="1.0" encoding="utf-8"?>
 <p:sld xmlns:a="http://schemas.openxmlformats.org/drawingml/2006/main" xmlns:r="http://schemas.openxmlformats.org/officeDocument/2006/relationships" xmlns:p="http://schemas.openxmlformats.org/presentationml/2006/main">
   <p:cSld>
     <p:spTree>
@@ -19358,7 +21755,7 @@
             <a:fld id="{44E22EE9-B8A0-0641-9265-052CFE9B95A7}" type="slidenum">
               <a:rPr lang="en-GB" altLang="en-US" smtClean="0"/>
               <a:pPr/>
-              <a:t>38</a:t>
+              <a:t>39</a:t>
             </a:fld>
             <a:endParaRPr lang="en-GB" altLang="en-US" dirty="0"/>
           </a:p>
@@ -19550,7 +21947,7 @@
               <a:rPr lang="en-GB" dirty="0">
                 <a:latin typeface="Gill Sans MT" panose="020B0502020104020203" pitchFamily="34" charset="77"/>
               </a:rPr>
-              <a:t>How decision threshold could affect Precision and Recall.</a:t>
+              <a:t>How the decision threshold could affect Precision and Recall.</a:t>
             </a:r>
           </a:p>
           <a:p>
@@ -19590,7 +21987,762 @@
 </p:sld>
 </file>
 
-<file path=ppt/slides/slide39.xml><?xml version="1.0" encoding="utf-8"?>
+<file path=ppt/slides/slide4.xml><?xml version="1.0" encoding="utf-8"?>
+<p:sld xmlns:a="http://schemas.openxmlformats.org/drawingml/2006/main" xmlns:r="http://schemas.openxmlformats.org/officeDocument/2006/relationships" xmlns:p="http://schemas.openxmlformats.org/presentationml/2006/main">
+  <p:cSld>
+    <p:spTree>
+      <p:nvGrpSpPr>
+        <p:cNvPr id="1" name=""/>
+        <p:cNvGrpSpPr/>
+        <p:nvPr/>
+      </p:nvGrpSpPr>
+      <p:grpSpPr>
+        <a:xfrm>
+          <a:off x="0" y="0"/>
+          <a:ext cx="0" cy="0"/>
+          <a:chOff x="0" y="0"/>
+          <a:chExt cx="0" cy="0"/>
+        </a:xfrm>
+      </p:grpSpPr>
+      <p:sp>
+        <p:nvSpPr>
+          <p:cNvPr id="2" name="Title 1">
+            <a:extLst>
+              <a:ext uri="{FF2B5EF4-FFF2-40B4-BE49-F238E27FC236}">
+                <a16:creationId xmlns:a16="http://schemas.microsoft.com/office/drawing/2014/main" id="{A587A235-2B39-F770-1149-AF82306A9FBA}"/>
+              </a:ext>
+            </a:extLst>
+          </p:cNvPr>
+          <p:cNvSpPr>
+            <a:spLocks noGrp="1"/>
+          </p:cNvSpPr>
+          <p:nvPr>
+            <p:ph type="title"/>
+          </p:nvPr>
+        </p:nvSpPr>
+        <p:spPr/>
+        <p:txBody>
+          <a:bodyPr/>
+          <a:lstStyle/>
+          <a:p>
+            <a:r>
+              <a:rPr lang="en-GB" dirty="0"/>
+              <a:t>The Bayes rule </a:t>
+            </a:r>
+          </a:p>
+        </p:txBody>
+      </p:sp>
+      <p:sp>
+        <p:nvSpPr>
+          <p:cNvPr id="3" name="Slide Number Placeholder 2">
+            <a:extLst>
+              <a:ext uri="{FF2B5EF4-FFF2-40B4-BE49-F238E27FC236}">
+                <a16:creationId xmlns:a16="http://schemas.microsoft.com/office/drawing/2014/main" id="{42E490CA-BFBA-FC2E-491D-2FBAF857B18F}"/>
+              </a:ext>
+            </a:extLst>
+          </p:cNvPr>
+          <p:cNvSpPr>
+            <a:spLocks noGrp="1"/>
+          </p:cNvSpPr>
+          <p:nvPr>
+            <p:ph type="sldNum" sz="quarter" idx="12"/>
+          </p:nvPr>
+        </p:nvSpPr>
+        <p:spPr/>
+        <p:txBody>
+          <a:bodyPr/>
+          <a:lstStyle/>
+          <a:p>
+            <a:fld id="{BB98F552-A29D-2D4E-8192-F20670493719}" type="slidenum">
+              <a:rPr lang="en-GB" altLang="en-US" smtClean="0"/>
+              <a:pPr/>
+              <a:t>4</a:t>
+            </a:fld>
+            <a:endParaRPr lang="en-GB" altLang="en-US" dirty="0"/>
+          </a:p>
+        </p:txBody>
+      </p:sp>
+      <mc:AlternateContent xmlns:mc="http://schemas.openxmlformats.org/markup-compatibility/2006" xmlns:a14="http://schemas.microsoft.com/office/drawing/2010/main">
+        <mc:Choice Requires="a14">
+          <p:sp>
+            <p:nvSpPr>
+              <p:cNvPr id="4" name="TextBox 3">
+                <a:extLst>
+                  <a:ext uri="{FF2B5EF4-FFF2-40B4-BE49-F238E27FC236}">
+                    <a16:creationId xmlns:a16="http://schemas.microsoft.com/office/drawing/2014/main" id="{380C198F-9DC4-239A-2C29-19695128A52B}"/>
+                  </a:ext>
+                </a:extLst>
+              </p:cNvPr>
+              <p:cNvSpPr txBox="1"/>
+              <p:nvPr/>
+            </p:nvSpPr>
+            <p:spPr>
+              <a:xfrm>
+                <a:off x="3257248" y="2478495"/>
+                <a:ext cx="5152500" cy="1344086"/>
+              </a:xfrm>
+              <a:prstGeom prst="rect">
+                <a:avLst/>
+              </a:prstGeom>
+              <a:noFill/>
+            </p:spPr>
+            <p:txBody>
+              <a:bodyPr wrap="none" rtlCol="0">
+                <a:spAutoFit/>
+              </a:bodyPr>
+              <a:lstStyle/>
+              <a:p>
+                <a:pPr/>
+                <a14:m>
+                  <m:oMathPara xmlns:m="http://schemas.openxmlformats.org/officeDocument/2006/math">
+                    <m:oMathParaPr>
+                      <m:jc m:val="centerGroup"/>
+                    </m:oMathParaPr>
+                    <m:oMath xmlns:m="http://schemas.openxmlformats.org/officeDocument/2006/math">
+                      <m:r>
+                        <a:rPr lang="en-GB" sz="3840" i="1">
+                          <a:latin typeface="Cambria Math" panose="02040503050406030204" pitchFamily="18" charset="0"/>
+                        </a:rPr>
+                        <m:t>𝑝</m:t>
+                      </m:r>
+                      <m:d>
+                        <m:dPr>
+                          <m:ctrlPr>
+                            <a:rPr lang="en-GB" sz="3840" i="1">
+                              <a:latin typeface="Cambria Math" panose="02040503050406030204" pitchFamily="18" charset="0"/>
+                            </a:rPr>
+                          </m:ctrlPr>
+                        </m:dPr>
+                        <m:e>
+                          <m:r>
+                            <a:rPr lang="en-GB" sz="3840" i="1">
+                              <a:latin typeface="Cambria Math" panose="02040503050406030204" pitchFamily="18" charset="0"/>
+                            </a:rPr>
+                            <m:t>𝐴</m:t>
+                          </m:r>
+                        </m:e>
+                        <m:e>
+                          <m:r>
+                            <a:rPr lang="en-GB" sz="3840" i="1">
+                              <a:latin typeface="Cambria Math" panose="02040503050406030204" pitchFamily="18" charset="0"/>
+                            </a:rPr>
+                            <m:t>𝐵</m:t>
+                          </m:r>
+                        </m:e>
+                      </m:d>
+                      <m:r>
+                        <a:rPr lang="el-GR" sz="3840" i="1">
+                          <a:latin typeface="Cambria Math" panose="02040503050406030204" pitchFamily="18" charset="0"/>
+                        </a:rPr>
+                        <m:t>=</m:t>
+                      </m:r>
+                      <m:f>
+                        <m:fPr>
+                          <m:ctrlPr>
+                            <a:rPr lang="el-GR" sz="3840" i="1">
+                              <a:latin typeface="Cambria Math" panose="02040503050406030204" pitchFamily="18" charset="0"/>
+                            </a:rPr>
+                          </m:ctrlPr>
+                        </m:fPr>
+                        <m:num>
+                          <m:r>
+                            <a:rPr lang="en-GB" sz="3840" i="1">
+                              <a:latin typeface="Cambria Math" panose="02040503050406030204" pitchFamily="18" charset="0"/>
+                            </a:rPr>
+                            <m:t>𝑝</m:t>
+                          </m:r>
+                          <m:d>
+                            <m:dPr>
+                              <m:ctrlPr>
+                                <a:rPr lang="en-GB" sz="3840" i="1">
+                                  <a:latin typeface="Cambria Math" panose="02040503050406030204" pitchFamily="18" charset="0"/>
+                                </a:rPr>
+                              </m:ctrlPr>
+                            </m:dPr>
+                            <m:e>
+                              <m:r>
+                                <a:rPr lang="en-GB" sz="3840" i="1">
+                                  <a:latin typeface="Cambria Math" panose="02040503050406030204" pitchFamily="18" charset="0"/>
+                                </a:rPr>
+                                <m:t>𝐵</m:t>
+                              </m:r>
+                            </m:e>
+                            <m:e>
+                              <m:r>
+                                <a:rPr lang="en-GB" sz="3840" i="1">
+                                  <a:latin typeface="Cambria Math" panose="02040503050406030204" pitchFamily="18" charset="0"/>
+                                </a:rPr>
+                                <m:t>𝐴</m:t>
+                              </m:r>
+                            </m:e>
+                          </m:d>
+                          <m:r>
+                            <a:rPr lang="en-GB" sz="3840" i="1">
+                              <a:latin typeface="Cambria Math" panose="02040503050406030204" pitchFamily="18" charset="0"/>
+                            </a:rPr>
+                            <m:t>. </m:t>
+                          </m:r>
+                          <m:r>
+                            <a:rPr lang="en-GB" sz="3840" i="1">
+                              <a:latin typeface="Cambria Math" panose="02040503050406030204" pitchFamily="18" charset="0"/>
+                            </a:rPr>
+                            <m:t>𝑝</m:t>
+                          </m:r>
+                          <m:r>
+                            <a:rPr lang="en-GB" sz="3840" i="1">
+                              <a:latin typeface="Cambria Math" panose="02040503050406030204" pitchFamily="18" charset="0"/>
+                            </a:rPr>
+                            <m:t>(</m:t>
+                          </m:r>
+                          <m:r>
+                            <a:rPr lang="en-GB" sz="3840" i="1">
+                              <a:latin typeface="Cambria Math" panose="02040503050406030204" pitchFamily="18" charset="0"/>
+                            </a:rPr>
+                            <m:t>𝐴</m:t>
+                          </m:r>
+                          <m:r>
+                            <a:rPr lang="en-GB" sz="3840" i="1">
+                              <a:latin typeface="Cambria Math" panose="02040503050406030204" pitchFamily="18" charset="0"/>
+                            </a:rPr>
+                            <m:t>)</m:t>
+                          </m:r>
+                        </m:num>
+                        <m:den>
+                          <m:r>
+                            <a:rPr lang="en-GB" sz="3840" i="1">
+                              <a:latin typeface="Cambria Math" panose="02040503050406030204" pitchFamily="18" charset="0"/>
+                            </a:rPr>
+                            <m:t>𝑝</m:t>
+                          </m:r>
+                          <m:r>
+                            <a:rPr lang="en-GB" sz="3840" i="1">
+                              <a:latin typeface="Cambria Math" panose="02040503050406030204" pitchFamily="18" charset="0"/>
+                            </a:rPr>
+                            <m:t>(</m:t>
+                          </m:r>
+                          <m:r>
+                            <a:rPr lang="en-GB" sz="3840" i="1">
+                              <a:latin typeface="Cambria Math" panose="02040503050406030204" pitchFamily="18" charset="0"/>
+                            </a:rPr>
+                            <m:t>𝐵</m:t>
+                          </m:r>
+                          <m:r>
+                            <a:rPr lang="en-GB" sz="3840" i="1">
+                              <a:latin typeface="Cambria Math" panose="02040503050406030204" pitchFamily="18" charset="0"/>
+                            </a:rPr>
+                            <m:t>)</m:t>
+                          </m:r>
+                        </m:den>
+                      </m:f>
+                    </m:oMath>
+                  </m:oMathPara>
+                </a14:m>
+                <a:endParaRPr lang="en-GB" dirty="0"/>
+              </a:p>
+            </p:txBody>
+          </p:sp>
+        </mc:Choice>
+        <mc:Fallback xmlns="">
+          <p:sp>
+            <p:nvSpPr>
+              <p:cNvPr id="4" name="TextBox 3">
+                <a:extLst>
+                  <a:ext uri="{FF2B5EF4-FFF2-40B4-BE49-F238E27FC236}">
+                    <a16:creationId xmlns:a16="http://schemas.microsoft.com/office/drawing/2014/main" id="{380C198F-9DC4-239A-2C29-19695128A52B}"/>
+                  </a:ext>
+                </a:extLst>
+              </p:cNvPr>
+              <p:cNvSpPr txBox="1">
+                <a:spLocks noRot="1" noChangeAspect="1" noMove="1" noResize="1" noEditPoints="1" noAdjustHandles="1" noChangeArrowheads="1" noChangeShapeType="1" noTextEdit="1"/>
+              </p:cNvSpPr>
+              <p:nvPr/>
+            </p:nvSpPr>
+            <p:spPr>
+              <a:xfrm>
+                <a:off x="3257248" y="2478495"/>
+                <a:ext cx="5152500" cy="1344086"/>
+              </a:xfrm>
+              <a:prstGeom prst="rect">
+                <a:avLst/>
+              </a:prstGeom>
+              <a:blipFill>
+                <a:blip r:embed="rId2"/>
+                <a:stretch>
+                  <a:fillRect r="-737" b="-13208"/>
+                </a:stretch>
+              </a:blipFill>
+            </p:spPr>
+            <p:txBody>
+              <a:bodyPr/>
+              <a:lstStyle/>
+              <a:p>
+                <a:r>
+                  <a:rPr lang="en-GB">
+                    <a:noFill/>
+                  </a:rPr>
+                  <a:t> </a:t>
+                </a:r>
+              </a:p>
+            </p:txBody>
+          </p:sp>
+        </mc:Fallback>
+      </mc:AlternateContent>
+      <p:sp>
+        <p:nvSpPr>
+          <p:cNvPr id="5" name="Rounded Rectangular Callout 4">
+            <a:extLst>
+              <a:ext uri="{FF2B5EF4-FFF2-40B4-BE49-F238E27FC236}">
+                <a16:creationId xmlns:a16="http://schemas.microsoft.com/office/drawing/2014/main" id="{12B4F7C0-EB28-D84E-139A-989B8656F1D6}"/>
+              </a:ext>
+            </a:extLst>
+          </p:cNvPr>
+          <p:cNvSpPr/>
+          <p:nvPr/>
+        </p:nvSpPr>
+        <p:spPr>
+          <a:xfrm>
+            <a:off x="1689110" y="1739600"/>
+            <a:ext cx="1568137" cy="735178"/>
+          </a:xfrm>
+          <a:prstGeom prst="wedgeRoundRectCallout">
+            <a:avLst>
+              <a:gd name="adj1" fmla="val 68608"/>
+              <a:gd name="adj2" fmla="val 107623"/>
+              <a:gd name="adj3" fmla="val 16667"/>
+            </a:avLst>
+          </a:prstGeom>
+          <a:solidFill>
+            <a:srgbClr val="FFC000">
+              <a:alpha val="29125"/>
+            </a:srgbClr>
+          </a:solidFill>
+          <a:ln>
+            <a:solidFill>
+              <a:schemeClr val="bg1">
+                <a:lumMod val="75000"/>
+              </a:schemeClr>
+            </a:solidFill>
+          </a:ln>
+        </p:spPr>
+        <p:style>
+          <a:lnRef idx="2">
+            <a:schemeClr val="accent1">
+              <a:shade val="50000"/>
+            </a:schemeClr>
+          </a:lnRef>
+          <a:fillRef idx="1">
+            <a:schemeClr val="accent1"/>
+          </a:fillRef>
+          <a:effectRef idx="0">
+            <a:schemeClr val="accent1"/>
+          </a:effectRef>
+          <a:fontRef idx="minor">
+            <a:schemeClr val="lt1"/>
+          </a:fontRef>
+        </p:style>
+        <p:txBody>
+          <a:bodyPr rtlCol="0" anchor="ctr"/>
+          <a:lstStyle/>
+          <a:p>
+            <a:pPr algn="ctr"/>
+            <a:r>
+              <a:rPr lang="en-GB" dirty="0">
+                <a:solidFill>
+                  <a:schemeClr val="tx1"/>
+                </a:solidFill>
+                <a:latin typeface="Gill Sans MT" panose="020B0502020104020203" pitchFamily="34" charset="77"/>
+              </a:rPr>
+              <a:t>Posterior</a:t>
+            </a:r>
+          </a:p>
+        </p:txBody>
+      </p:sp>
+      <p:sp>
+        <p:nvSpPr>
+          <p:cNvPr id="6" name="Rounded Rectangular Callout 5">
+            <a:extLst>
+              <a:ext uri="{FF2B5EF4-FFF2-40B4-BE49-F238E27FC236}">
+                <a16:creationId xmlns:a16="http://schemas.microsoft.com/office/drawing/2014/main" id="{E1585D8D-AB70-4CBE-8ECE-18D798FA99AB}"/>
+              </a:ext>
+            </a:extLst>
+          </p:cNvPr>
+          <p:cNvSpPr/>
+          <p:nvPr/>
+        </p:nvSpPr>
+        <p:spPr>
+          <a:xfrm>
+            <a:off x="4364971" y="1268760"/>
+            <a:ext cx="1568137" cy="735178"/>
+          </a:xfrm>
+          <a:prstGeom prst="wedgeRoundRectCallout">
+            <a:avLst>
+              <a:gd name="adj1" fmla="val 68608"/>
+              <a:gd name="adj2" fmla="val 107623"/>
+              <a:gd name="adj3" fmla="val 16667"/>
+            </a:avLst>
+          </a:prstGeom>
+          <a:solidFill>
+            <a:srgbClr val="FFC000">
+              <a:alpha val="29125"/>
+            </a:srgbClr>
+          </a:solidFill>
+          <a:ln>
+            <a:solidFill>
+              <a:schemeClr val="bg1">
+                <a:lumMod val="75000"/>
+              </a:schemeClr>
+            </a:solidFill>
+          </a:ln>
+        </p:spPr>
+        <p:style>
+          <a:lnRef idx="2">
+            <a:schemeClr val="accent1">
+              <a:shade val="50000"/>
+            </a:schemeClr>
+          </a:lnRef>
+          <a:fillRef idx="1">
+            <a:schemeClr val="accent1"/>
+          </a:fillRef>
+          <a:effectRef idx="0">
+            <a:schemeClr val="accent1"/>
+          </a:effectRef>
+          <a:fontRef idx="minor">
+            <a:schemeClr val="lt1"/>
+          </a:fontRef>
+        </p:style>
+        <p:txBody>
+          <a:bodyPr rtlCol="0" anchor="ctr"/>
+          <a:lstStyle/>
+          <a:p>
+            <a:pPr algn="ctr"/>
+            <a:r>
+              <a:rPr lang="en-GB" dirty="0">
+                <a:solidFill>
+                  <a:schemeClr val="tx1"/>
+                </a:solidFill>
+                <a:latin typeface="Gill Sans MT" panose="020B0502020104020203" pitchFamily="34" charset="77"/>
+              </a:rPr>
+              <a:t>Likelihood</a:t>
+            </a:r>
+          </a:p>
+        </p:txBody>
+      </p:sp>
+      <p:sp>
+        <p:nvSpPr>
+          <p:cNvPr id="7" name="Rounded Rectangular Callout 6">
+            <a:extLst>
+              <a:ext uri="{FF2B5EF4-FFF2-40B4-BE49-F238E27FC236}">
+                <a16:creationId xmlns:a16="http://schemas.microsoft.com/office/drawing/2014/main" id="{3356BD59-FE16-1E16-0EBC-7A52589BA653}"/>
+              </a:ext>
+            </a:extLst>
+          </p:cNvPr>
+          <p:cNvSpPr/>
+          <p:nvPr/>
+        </p:nvSpPr>
+        <p:spPr>
+          <a:xfrm>
+            <a:off x="7737783" y="1268760"/>
+            <a:ext cx="1085327" cy="735178"/>
+          </a:xfrm>
+          <a:prstGeom prst="wedgeRoundRectCallout">
+            <a:avLst>
+              <a:gd name="adj1" fmla="val -52177"/>
+              <a:gd name="adj2" fmla="val 119772"/>
+              <a:gd name="adj3" fmla="val 16667"/>
+            </a:avLst>
+          </a:prstGeom>
+          <a:solidFill>
+            <a:srgbClr val="FFC000">
+              <a:alpha val="29125"/>
+            </a:srgbClr>
+          </a:solidFill>
+          <a:ln>
+            <a:solidFill>
+              <a:schemeClr val="bg1">
+                <a:lumMod val="75000"/>
+              </a:schemeClr>
+            </a:solidFill>
+          </a:ln>
+        </p:spPr>
+        <p:style>
+          <a:lnRef idx="2">
+            <a:schemeClr val="accent1">
+              <a:shade val="50000"/>
+            </a:schemeClr>
+          </a:lnRef>
+          <a:fillRef idx="1">
+            <a:schemeClr val="accent1"/>
+          </a:fillRef>
+          <a:effectRef idx="0">
+            <a:schemeClr val="accent1"/>
+          </a:effectRef>
+          <a:fontRef idx="minor">
+            <a:schemeClr val="lt1"/>
+          </a:fontRef>
+        </p:style>
+        <p:txBody>
+          <a:bodyPr rtlCol="0" anchor="ctr"/>
+          <a:lstStyle/>
+          <a:p>
+            <a:pPr algn="ctr"/>
+            <a:r>
+              <a:rPr lang="en-GB" dirty="0">
+                <a:solidFill>
+                  <a:schemeClr val="tx1"/>
+                </a:solidFill>
+                <a:latin typeface="Gill Sans MT" panose="020B0502020104020203" pitchFamily="34" charset="77"/>
+              </a:rPr>
+              <a:t>Prior</a:t>
+            </a:r>
+          </a:p>
+        </p:txBody>
+      </p:sp>
+      <p:sp>
+        <p:nvSpPr>
+          <p:cNvPr id="8" name="Rounded Rectangular Callout 7">
+            <a:extLst>
+              <a:ext uri="{FF2B5EF4-FFF2-40B4-BE49-F238E27FC236}">
+                <a16:creationId xmlns:a16="http://schemas.microsoft.com/office/drawing/2014/main" id="{DFDDF7B8-018D-D890-D2BF-F31ABC6B9E9C}"/>
+              </a:ext>
+            </a:extLst>
+          </p:cNvPr>
+          <p:cNvSpPr/>
+          <p:nvPr/>
+        </p:nvSpPr>
+        <p:spPr>
+          <a:xfrm>
+            <a:off x="5022511" y="4811554"/>
+            <a:ext cx="2146978" cy="759461"/>
+          </a:xfrm>
+          <a:prstGeom prst="wedgeRoundRectCallout">
+            <a:avLst>
+              <a:gd name="adj1" fmla="val 38952"/>
+              <a:gd name="adj2" fmla="val -163021"/>
+              <a:gd name="adj3" fmla="val 16667"/>
+            </a:avLst>
+          </a:prstGeom>
+          <a:solidFill>
+            <a:srgbClr val="FFC000">
+              <a:alpha val="29125"/>
+            </a:srgbClr>
+          </a:solidFill>
+          <a:ln>
+            <a:solidFill>
+              <a:schemeClr val="bg1">
+                <a:lumMod val="75000"/>
+              </a:schemeClr>
+            </a:solidFill>
+          </a:ln>
+        </p:spPr>
+        <p:style>
+          <a:lnRef idx="2">
+            <a:schemeClr val="accent1">
+              <a:shade val="50000"/>
+            </a:schemeClr>
+          </a:lnRef>
+          <a:fillRef idx="1">
+            <a:schemeClr val="accent1"/>
+          </a:fillRef>
+          <a:effectRef idx="0">
+            <a:schemeClr val="accent1"/>
+          </a:effectRef>
+          <a:fontRef idx="minor">
+            <a:schemeClr val="lt1"/>
+          </a:fontRef>
+        </p:style>
+        <p:txBody>
+          <a:bodyPr rtlCol="0" anchor="ctr"/>
+          <a:lstStyle/>
+          <a:p>
+            <a:pPr algn="ctr"/>
+            <a:r>
+              <a:rPr lang="en-GB" dirty="0">
+                <a:solidFill>
+                  <a:schemeClr val="tx1"/>
+                </a:solidFill>
+                <a:latin typeface="Gill Sans MT" panose="020B0502020104020203" pitchFamily="34" charset="77"/>
+              </a:rPr>
+              <a:t>Marginalisation</a:t>
+            </a:r>
+          </a:p>
+        </p:txBody>
+      </p:sp>
+    </p:spTree>
+    <p:extLst>
+      <p:ext uri="{BB962C8B-B14F-4D97-AF65-F5344CB8AC3E}">
+        <p14:creationId xmlns:p14="http://schemas.microsoft.com/office/powerpoint/2010/main" val="3962878557"/>
+      </p:ext>
+    </p:extLst>
+  </p:cSld>
+  <p:clrMapOvr>
+    <a:masterClrMapping/>
+  </p:clrMapOvr>
+  <p:timing>
+    <p:tnLst>
+      <p:par>
+        <p:cTn id="1" dur="indefinite" restart="never" nodeType="tmRoot">
+          <p:childTnLst>
+            <p:seq concurrent="1" nextAc="seek">
+              <p:cTn id="2" dur="indefinite" nodeType="mainSeq">
+                <p:childTnLst>
+                  <p:par>
+                    <p:cTn id="3" fill="hold">
+                      <p:stCondLst>
+                        <p:cond delay="indefinite"/>
+                      </p:stCondLst>
+                      <p:childTnLst>
+                        <p:par>
+                          <p:cTn id="4" fill="hold">
+                            <p:stCondLst>
+                              <p:cond delay="0"/>
+                            </p:stCondLst>
+                            <p:childTnLst>
+                              <p:par>
+                                <p:cTn id="5" presetID="1" presetClass="entr" presetSubtype="0" fill="hold" grpId="0" nodeType="clickEffect">
+                                  <p:stCondLst>
+                                    <p:cond delay="0"/>
+                                  </p:stCondLst>
+                                  <p:childTnLst>
+                                    <p:set>
+                                      <p:cBhvr>
+                                        <p:cTn id="6" dur="1" fill="hold">
+                                          <p:stCondLst>
+                                            <p:cond delay="0"/>
+                                          </p:stCondLst>
+                                        </p:cTn>
+                                        <p:tgtEl>
+                                          <p:spTgt spid="5"/>
+                                        </p:tgtEl>
+                                        <p:attrNameLst>
+                                          <p:attrName>style.visibility</p:attrName>
+                                        </p:attrNameLst>
+                                      </p:cBhvr>
+                                      <p:to>
+                                        <p:strVal val="visible"/>
+                                      </p:to>
+                                    </p:set>
+                                  </p:childTnLst>
+                                </p:cTn>
+                              </p:par>
+                              <p:par>
+                                <p:cTn id="7" presetID="1" presetClass="entr" presetSubtype="0" fill="hold" grpId="0" nodeType="withEffect">
+                                  <p:stCondLst>
+                                    <p:cond delay="0"/>
+                                  </p:stCondLst>
+                                  <p:childTnLst>
+                                    <p:set>
+                                      <p:cBhvr>
+                                        <p:cTn id="8" dur="1" fill="hold">
+                                          <p:stCondLst>
+                                            <p:cond delay="0"/>
+                                          </p:stCondLst>
+                                        </p:cTn>
+                                        <p:tgtEl>
+                                          <p:spTgt spid="6"/>
+                                        </p:tgtEl>
+                                        <p:attrNameLst>
+                                          <p:attrName>style.visibility</p:attrName>
+                                        </p:attrNameLst>
+                                      </p:cBhvr>
+                                      <p:to>
+                                        <p:strVal val="visible"/>
+                                      </p:to>
+                                    </p:set>
+                                  </p:childTnLst>
+                                </p:cTn>
+                              </p:par>
+                              <p:par>
+                                <p:cTn id="9" presetID="1" presetClass="entr" presetSubtype="0" fill="hold" grpId="0" nodeType="withEffect">
+                                  <p:stCondLst>
+                                    <p:cond delay="0"/>
+                                  </p:stCondLst>
+                                  <p:childTnLst>
+                                    <p:set>
+                                      <p:cBhvr>
+                                        <p:cTn id="10" dur="1" fill="hold">
+                                          <p:stCondLst>
+                                            <p:cond delay="0"/>
+                                          </p:stCondLst>
+                                        </p:cTn>
+                                        <p:tgtEl>
+                                          <p:spTgt spid="7"/>
+                                        </p:tgtEl>
+                                        <p:attrNameLst>
+                                          <p:attrName>style.visibility</p:attrName>
+                                        </p:attrNameLst>
+                                      </p:cBhvr>
+                                      <p:to>
+                                        <p:strVal val="visible"/>
+                                      </p:to>
+                                    </p:set>
+                                  </p:childTnLst>
+                                </p:cTn>
+                              </p:par>
+                              <p:par>
+                                <p:cTn id="11" presetID="1" presetClass="entr" presetSubtype="0" fill="hold" grpId="0" nodeType="withEffect">
+                                  <p:stCondLst>
+                                    <p:cond delay="0"/>
+                                  </p:stCondLst>
+                                  <p:childTnLst>
+                                    <p:set>
+                                      <p:cBhvr>
+                                        <p:cTn id="12" dur="1" fill="hold">
+                                          <p:stCondLst>
+                                            <p:cond delay="0"/>
+                                          </p:stCondLst>
+                                        </p:cTn>
+                                        <p:tgtEl>
+                                          <p:spTgt spid="8"/>
+                                        </p:tgtEl>
+                                        <p:attrNameLst>
+                                          <p:attrName>style.visibility</p:attrName>
+                                        </p:attrNameLst>
+                                      </p:cBhvr>
+                                      <p:to>
+                                        <p:strVal val="visible"/>
+                                      </p:to>
+                                    </p:set>
+                                  </p:childTnLst>
+                                </p:cTn>
+                              </p:par>
+                            </p:childTnLst>
+                          </p:cTn>
+                        </p:par>
+                      </p:childTnLst>
+                    </p:cTn>
+                  </p:par>
+                </p:childTnLst>
+              </p:cTn>
+              <p:prevCondLst>
+                <p:cond evt="onPrev" delay="0">
+                  <p:tgtEl>
+                    <p:sldTgt/>
+                  </p:tgtEl>
+                </p:cond>
+              </p:prevCondLst>
+              <p:nextCondLst>
+                <p:cond evt="onNext" delay="0">
+                  <p:tgtEl>
+                    <p:sldTgt/>
+                  </p:tgtEl>
+                </p:cond>
+              </p:nextCondLst>
+            </p:seq>
+          </p:childTnLst>
+        </p:cTn>
+      </p:par>
+    </p:tnLst>
+    <p:bldLst>
+      <p:bldP spid="5" grpId="0" animBg="1"/>
+      <p:bldP spid="6" grpId="0" animBg="1"/>
+      <p:bldP spid="7" grpId="0" animBg="1"/>
+      <p:bldP spid="8" grpId="0" animBg="1"/>
+    </p:bldLst>
+  </p:timing>
+</p:sld>
+</file>
+
+<file path=ppt/slides/slide40.xml><?xml version="1.0" encoding="utf-8"?>
 <p:sld xmlns:a="http://schemas.openxmlformats.org/drawingml/2006/main" xmlns:r="http://schemas.openxmlformats.org/officeDocument/2006/relationships" xmlns:p="http://schemas.openxmlformats.org/presentationml/2006/main">
   <p:cSld>
     <p:spTree>
@@ -19682,7 +22834,15 @@
                 </a:solidFill>
                 <a:effectLst/>
               </a:rPr>
-              <a:t>the fraction of predictions that the model has made correct predictions. </a:t>
+              <a:t>the fraction of predictions that the model has made </a:t>
+            </a:r>
+            <a:r>
+              <a:rPr lang="en-GB" dirty="0">
+                <a:solidFill>
+                  <a:srgbClr val="202124"/>
+                </a:solidFill>
+              </a:rPr>
+              <a:t>correctly. </a:t>
             </a:r>
             <a:endParaRPr lang="en-GB" dirty="0"/>
           </a:p>
@@ -19712,7 +22872,7 @@
             <a:fld id="{44E22EE9-B8A0-0641-9265-052CFE9B95A7}" type="slidenum">
               <a:rPr lang="en-GB" altLang="en-US" smtClean="0"/>
               <a:pPr/>
-              <a:t>39</a:t>
+              <a:t>40</a:t>
             </a:fld>
             <a:endParaRPr lang="en-GB" altLang="en-US" dirty="0"/>
           </a:p>
@@ -20111,762 +23271,7 @@
 </p:sld>
 </file>
 
-<file path=ppt/slides/slide4.xml><?xml version="1.0" encoding="utf-8"?>
-<p:sld xmlns:a="http://schemas.openxmlformats.org/drawingml/2006/main" xmlns:r="http://schemas.openxmlformats.org/officeDocument/2006/relationships" xmlns:p="http://schemas.openxmlformats.org/presentationml/2006/main">
-  <p:cSld>
-    <p:spTree>
-      <p:nvGrpSpPr>
-        <p:cNvPr id="1" name=""/>
-        <p:cNvGrpSpPr/>
-        <p:nvPr/>
-      </p:nvGrpSpPr>
-      <p:grpSpPr>
-        <a:xfrm>
-          <a:off x="0" y="0"/>
-          <a:ext cx="0" cy="0"/>
-          <a:chOff x="0" y="0"/>
-          <a:chExt cx="0" cy="0"/>
-        </a:xfrm>
-      </p:grpSpPr>
-      <p:sp>
-        <p:nvSpPr>
-          <p:cNvPr id="2" name="Title 1">
-            <a:extLst>
-              <a:ext uri="{FF2B5EF4-FFF2-40B4-BE49-F238E27FC236}">
-                <a16:creationId xmlns:a16="http://schemas.microsoft.com/office/drawing/2014/main" id="{A587A235-2B39-F770-1149-AF82306A9FBA}"/>
-              </a:ext>
-            </a:extLst>
-          </p:cNvPr>
-          <p:cNvSpPr>
-            <a:spLocks noGrp="1"/>
-          </p:cNvSpPr>
-          <p:nvPr>
-            <p:ph type="title"/>
-          </p:nvPr>
-        </p:nvSpPr>
-        <p:spPr/>
-        <p:txBody>
-          <a:bodyPr/>
-          <a:lstStyle/>
-          <a:p>
-            <a:r>
-              <a:rPr lang="en-GB" dirty="0"/>
-              <a:t>The Bayes rule </a:t>
-            </a:r>
-          </a:p>
-        </p:txBody>
-      </p:sp>
-      <p:sp>
-        <p:nvSpPr>
-          <p:cNvPr id="3" name="Slide Number Placeholder 2">
-            <a:extLst>
-              <a:ext uri="{FF2B5EF4-FFF2-40B4-BE49-F238E27FC236}">
-                <a16:creationId xmlns:a16="http://schemas.microsoft.com/office/drawing/2014/main" id="{42E490CA-BFBA-FC2E-491D-2FBAF857B18F}"/>
-              </a:ext>
-            </a:extLst>
-          </p:cNvPr>
-          <p:cNvSpPr>
-            <a:spLocks noGrp="1"/>
-          </p:cNvSpPr>
-          <p:nvPr>
-            <p:ph type="sldNum" sz="quarter" idx="12"/>
-          </p:nvPr>
-        </p:nvSpPr>
-        <p:spPr/>
-        <p:txBody>
-          <a:bodyPr/>
-          <a:lstStyle/>
-          <a:p>
-            <a:fld id="{BB98F552-A29D-2D4E-8192-F20670493719}" type="slidenum">
-              <a:rPr lang="en-GB" altLang="en-US" smtClean="0"/>
-              <a:pPr/>
-              <a:t>4</a:t>
-            </a:fld>
-            <a:endParaRPr lang="en-GB" altLang="en-US" dirty="0"/>
-          </a:p>
-        </p:txBody>
-      </p:sp>
-      <mc:AlternateContent xmlns:mc="http://schemas.openxmlformats.org/markup-compatibility/2006" xmlns:a14="http://schemas.microsoft.com/office/drawing/2010/main">
-        <mc:Choice Requires="a14">
-          <p:sp>
-            <p:nvSpPr>
-              <p:cNvPr id="4" name="TextBox 3">
-                <a:extLst>
-                  <a:ext uri="{FF2B5EF4-FFF2-40B4-BE49-F238E27FC236}">
-                    <a16:creationId xmlns:a16="http://schemas.microsoft.com/office/drawing/2014/main" id="{380C198F-9DC4-239A-2C29-19695128A52B}"/>
-                  </a:ext>
-                </a:extLst>
-              </p:cNvPr>
-              <p:cNvSpPr txBox="1"/>
-              <p:nvPr/>
-            </p:nvSpPr>
-            <p:spPr>
-              <a:xfrm>
-                <a:off x="3257248" y="2478495"/>
-                <a:ext cx="5152500" cy="1344086"/>
-              </a:xfrm>
-              <a:prstGeom prst="rect">
-                <a:avLst/>
-              </a:prstGeom>
-              <a:noFill/>
-            </p:spPr>
-            <p:txBody>
-              <a:bodyPr wrap="none" rtlCol="0">
-                <a:spAutoFit/>
-              </a:bodyPr>
-              <a:lstStyle/>
-              <a:p>
-                <a:pPr/>
-                <a14:m>
-                  <m:oMathPara xmlns:m="http://schemas.openxmlformats.org/officeDocument/2006/math">
-                    <m:oMathParaPr>
-                      <m:jc m:val="centerGroup"/>
-                    </m:oMathParaPr>
-                    <m:oMath xmlns:m="http://schemas.openxmlformats.org/officeDocument/2006/math">
-                      <m:r>
-                        <a:rPr lang="en-GB" sz="3840" i="1">
-                          <a:latin typeface="Cambria Math" panose="02040503050406030204" pitchFamily="18" charset="0"/>
-                        </a:rPr>
-                        <m:t>𝑝</m:t>
-                      </m:r>
-                      <m:d>
-                        <m:dPr>
-                          <m:ctrlPr>
-                            <a:rPr lang="en-GB" sz="3840" i="1">
-                              <a:latin typeface="Cambria Math" panose="02040503050406030204" pitchFamily="18" charset="0"/>
-                            </a:rPr>
-                          </m:ctrlPr>
-                        </m:dPr>
-                        <m:e>
-                          <m:r>
-                            <a:rPr lang="en-GB" sz="3840" i="1">
-                              <a:latin typeface="Cambria Math" panose="02040503050406030204" pitchFamily="18" charset="0"/>
-                            </a:rPr>
-                            <m:t>𝐴</m:t>
-                          </m:r>
-                        </m:e>
-                        <m:e>
-                          <m:r>
-                            <a:rPr lang="en-GB" sz="3840" i="1">
-                              <a:latin typeface="Cambria Math" panose="02040503050406030204" pitchFamily="18" charset="0"/>
-                            </a:rPr>
-                            <m:t>𝐵</m:t>
-                          </m:r>
-                        </m:e>
-                      </m:d>
-                      <m:r>
-                        <a:rPr lang="el-GR" sz="3840" i="1">
-                          <a:latin typeface="Cambria Math" panose="02040503050406030204" pitchFamily="18" charset="0"/>
-                        </a:rPr>
-                        <m:t>=</m:t>
-                      </m:r>
-                      <m:f>
-                        <m:fPr>
-                          <m:ctrlPr>
-                            <a:rPr lang="el-GR" sz="3840" i="1">
-                              <a:latin typeface="Cambria Math" panose="02040503050406030204" pitchFamily="18" charset="0"/>
-                            </a:rPr>
-                          </m:ctrlPr>
-                        </m:fPr>
-                        <m:num>
-                          <m:r>
-                            <a:rPr lang="en-GB" sz="3840" i="1">
-                              <a:latin typeface="Cambria Math" panose="02040503050406030204" pitchFamily="18" charset="0"/>
-                            </a:rPr>
-                            <m:t>𝑝</m:t>
-                          </m:r>
-                          <m:d>
-                            <m:dPr>
-                              <m:ctrlPr>
-                                <a:rPr lang="en-GB" sz="3840" i="1">
-                                  <a:latin typeface="Cambria Math" panose="02040503050406030204" pitchFamily="18" charset="0"/>
-                                </a:rPr>
-                              </m:ctrlPr>
-                            </m:dPr>
-                            <m:e>
-                              <m:r>
-                                <a:rPr lang="en-GB" sz="3840" i="1">
-                                  <a:latin typeface="Cambria Math" panose="02040503050406030204" pitchFamily="18" charset="0"/>
-                                </a:rPr>
-                                <m:t>𝐵</m:t>
-                              </m:r>
-                            </m:e>
-                            <m:e>
-                              <m:r>
-                                <a:rPr lang="en-GB" sz="3840" i="1">
-                                  <a:latin typeface="Cambria Math" panose="02040503050406030204" pitchFamily="18" charset="0"/>
-                                </a:rPr>
-                                <m:t>𝐴</m:t>
-                              </m:r>
-                            </m:e>
-                          </m:d>
-                          <m:r>
-                            <a:rPr lang="en-GB" sz="3840" i="1">
-                              <a:latin typeface="Cambria Math" panose="02040503050406030204" pitchFamily="18" charset="0"/>
-                            </a:rPr>
-                            <m:t>. </m:t>
-                          </m:r>
-                          <m:r>
-                            <a:rPr lang="en-GB" sz="3840" i="1">
-                              <a:latin typeface="Cambria Math" panose="02040503050406030204" pitchFamily="18" charset="0"/>
-                            </a:rPr>
-                            <m:t>𝑝</m:t>
-                          </m:r>
-                          <m:r>
-                            <a:rPr lang="en-GB" sz="3840" i="1">
-                              <a:latin typeface="Cambria Math" panose="02040503050406030204" pitchFamily="18" charset="0"/>
-                            </a:rPr>
-                            <m:t>(</m:t>
-                          </m:r>
-                          <m:r>
-                            <a:rPr lang="en-GB" sz="3840" i="1">
-                              <a:latin typeface="Cambria Math" panose="02040503050406030204" pitchFamily="18" charset="0"/>
-                            </a:rPr>
-                            <m:t>𝐴</m:t>
-                          </m:r>
-                          <m:r>
-                            <a:rPr lang="en-GB" sz="3840" i="1">
-                              <a:latin typeface="Cambria Math" panose="02040503050406030204" pitchFamily="18" charset="0"/>
-                            </a:rPr>
-                            <m:t>)</m:t>
-                          </m:r>
-                        </m:num>
-                        <m:den>
-                          <m:r>
-                            <a:rPr lang="en-GB" sz="3840" i="1">
-                              <a:latin typeface="Cambria Math" panose="02040503050406030204" pitchFamily="18" charset="0"/>
-                            </a:rPr>
-                            <m:t>𝑝</m:t>
-                          </m:r>
-                          <m:r>
-                            <a:rPr lang="en-GB" sz="3840" i="1">
-                              <a:latin typeface="Cambria Math" panose="02040503050406030204" pitchFamily="18" charset="0"/>
-                            </a:rPr>
-                            <m:t>(</m:t>
-                          </m:r>
-                          <m:r>
-                            <a:rPr lang="en-GB" sz="3840" i="1">
-                              <a:latin typeface="Cambria Math" panose="02040503050406030204" pitchFamily="18" charset="0"/>
-                            </a:rPr>
-                            <m:t>𝐵</m:t>
-                          </m:r>
-                          <m:r>
-                            <a:rPr lang="en-GB" sz="3840" i="1">
-                              <a:latin typeface="Cambria Math" panose="02040503050406030204" pitchFamily="18" charset="0"/>
-                            </a:rPr>
-                            <m:t>)</m:t>
-                          </m:r>
-                        </m:den>
-                      </m:f>
-                    </m:oMath>
-                  </m:oMathPara>
-                </a14:m>
-                <a:endParaRPr lang="en-GB" dirty="0"/>
-              </a:p>
-            </p:txBody>
-          </p:sp>
-        </mc:Choice>
-        <mc:Fallback xmlns="">
-          <p:sp>
-            <p:nvSpPr>
-              <p:cNvPr id="4" name="TextBox 3">
-                <a:extLst>
-                  <a:ext uri="{FF2B5EF4-FFF2-40B4-BE49-F238E27FC236}">
-                    <a16:creationId xmlns:a16="http://schemas.microsoft.com/office/drawing/2014/main" id="{380C198F-9DC4-239A-2C29-19695128A52B}"/>
-                  </a:ext>
-                </a:extLst>
-              </p:cNvPr>
-              <p:cNvSpPr txBox="1">
-                <a:spLocks noRot="1" noChangeAspect="1" noMove="1" noResize="1" noEditPoints="1" noAdjustHandles="1" noChangeArrowheads="1" noChangeShapeType="1" noTextEdit="1"/>
-              </p:cNvSpPr>
-              <p:nvPr/>
-            </p:nvSpPr>
-            <p:spPr>
-              <a:xfrm>
-                <a:off x="3257248" y="2478495"/>
-                <a:ext cx="5152500" cy="1344086"/>
-              </a:xfrm>
-              <a:prstGeom prst="rect">
-                <a:avLst/>
-              </a:prstGeom>
-              <a:blipFill>
-                <a:blip r:embed="rId2"/>
-                <a:stretch>
-                  <a:fillRect r="-737" b="-13208"/>
-                </a:stretch>
-              </a:blipFill>
-            </p:spPr>
-            <p:txBody>
-              <a:bodyPr/>
-              <a:lstStyle/>
-              <a:p>
-                <a:r>
-                  <a:rPr lang="en-GB">
-                    <a:noFill/>
-                  </a:rPr>
-                  <a:t> </a:t>
-                </a:r>
-              </a:p>
-            </p:txBody>
-          </p:sp>
-        </mc:Fallback>
-      </mc:AlternateContent>
-      <p:sp>
-        <p:nvSpPr>
-          <p:cNvPr id="5" name="Rounded Rectangular Callout 4">
-            <a:extLst>
-              <a:ext uri="{FF2B5EF4-FFF2-40B4-BE49-F238E27FC236}">
-                <a16:creationId xmlns:a16="http://schemas.microsoft.com/office/drawing/2014/main" id="{12B4F7C0-EB28-D84E-139A-989B8656F1D6}"/>
-              </a:ext>
-            </a:extLst>
-          </p:cNvPr>
-          <p:cNvSpPr/>
-          <p:nvPr/>
-        </p:nvSpPr>
-        <p:spPr>
-          <a:xfrm>
-            <a:off x="1689110" y="1739600"/>
-            <a:ext cx="1568137" cy="735178"/>
-          </a:xfrm>
-          <a:prstGeom prst="wedgeRoundRectCallout">
-            <a:avLst>
-              <a:gd name="adj1" fmla="val 68608"/>
-              <a:gd name="adj2" fmla="val 107623"/>
-              <a:gd name="adj3" fmla="val 16667"/>
-            </a:avLst>
-          </a:prstGeom>
-          <a:solidFill>
-            <a:srgbClr val="FFC000">
-              <a:alpha val="29125"/>
-            </a:srgbClr>
-          </a:solidFill>
-          <a:ln>
-            <a:solidFill>
-              <a:schemeClr val="bg1">
-                <a:lumMod val="75000"/>
-              </a:schemeClr>
-            </a:solidFill>
-          </a:ln>
-        </p:spPr>
-        <p:style>
-          <a:lnRef idx="2">
-            <a:schemeClr val="accent1">
-              <a:shade val="50000"/>
-            </a:schemeClr>
-          </a:lnRef>
-          <a:fillRef idx="1">
-            <a:schemeClr val="accent1"/>
-          </a:fillRef>
-          <a:effectRef idx="0">
-            <a:schemeClr val="accent1"/>
-          </a:effectRef>
-          <a:fontRef idx="minor">
-            <a:schemeClr val="lt1"/>
-          </a:fontRef>
-        </p:style>
-        <p:txBody>
-          <a:bodyPr rtlCol="0" anchor="ctr"/>
-          <a:lstStyle/>
-          <a:p>
-            <a:pPr algn="ctr"/>
-            <a:r>
-              <a:rPr lang="en-GB" dirty="0">
-                <a:solidFill>
-                  <a:schemeClr val="tx1"/>
-                </a:solidFill>
-                <a:latin typeface="Gill Sans MT" panose="020B0502020104020203" pitchFamily="34" charset="77"/>
-              </a:rPr>
-              <a:t>Posterior</a:t>
-            </a:r>
-          </a:p>
-        </p:txBody>
-      </p:sp>
-      <p:sp>
-        <p:nvSpPr>
-          <p:cNvPr id="6" name="Rounded Rectangular Callout 5">
-            <a:extLst>
-              <a:ext uri="{FF2B5EF4-FFF2-40B4-BE49-F238E27FC236}">
-                <a16:creationId xmlns:a16="http://schemas.microsoft.com/office/drawing/2014/main" id="{E1585D8D-AB70-4CBE-8ECE-18D798FA99AB}"/>
-              </a:ext>
-            </a:extLst>
-          </p:cNvPr>
-          <p:cNvSpPr/>
-          <p:nvPr/>
-        </p:nvSpPr>
-        <p:spPr>
-          <a:xfrm>
-            <a:off x="4364971" y="1268760"/>
-            <a:ext cx="1568137" cy="735178"/>
-          </a:xfrm>
-          <a:prstGeom prst="wedgeRoundRectCallout">
-            <a:avLst>
-              <a:gd name="adj1" fmla="val 68608"/>
-              <a:gd name="adj2" fmla="val 107623"/>
-              <a:gd name="adj3" fmla="val 16667"/>
-            </a:avLst>
-          </a:prstGeom>
-          <a:solidFill>
-            <a:srgbClr val="FFC000">
-              <a:alpha val="29125"/>
-            </a:srgbClr>
-          </a:solidFill>
-          <a:ln>
-            <a:solidFill>
-              <a:schemeClr val="bg1">
-                <a:lumMod val="75000"/>
-              </a:schemeClr>
-            </a:solidFill>
-          </a:ln>
-        </p:spPr>
-        <p:style>
-          <a:lnRef idx="2">
-            <a:schemeClr val="accent1">
-              <a:shade val="50000"/>
-            </a:schemeClr>
-          </a:lnRef>
-          <a:fillRef idx="1">
-            <a:schemeClr val="accent1"/>
-          </a:fillRef>
-          <a:effectRef idx="0">
-            <a:schemeClr val="accent1"/>
-          </a:effectRef>
-          <a:fontRef idx="minor">
-            <a:schemeClr val="lt1"/>
-          </a:fontRef>
-        </p:style>
-        <p:txBody>
-          <a:bodyPr rtlCol="0" anchor="ctr"/>
-          <a:lstStyle/>
-          <a:p>
-            <a:pPr algn="ctr"/>
-            <a:r>
-              <a:rPr lang="en-GB" dirty="0">
-                <a:solidFill>
-                  <a:schemeClr val="tx1"/>
-                </a:solidFill>
-                <a:latin typeface="Gill Sans MT" panose="020B0502020104020203" pitchFamily="34" charset="77"/>
-              </a:rPr>
-              <a:t>Likelihood</a:t>
-            </a:r>
-          </a:p>
-        </p:txBody>
-      </p:sp>
-      <p:sp>
-        <p:nvSpPr>
-          <p:cNvPr id="7" name="Rounded Rectangular Callout 6">
-            <a:extLst>
-              <a:ext uri="{FF2B5EF4-FFF2-40B4-BE49-F238E27FC236}">
-                <a16:creationId xmlns:a16="http://schemas.microsoft.com/office/drawing/2014/main" id="{3356BD59-FE16-1E16-0EBC-7A52589BA653}"/>
-              </a:ext>
-            </a:extLst>
-          </p:cNvPr>
-          <p:cNvSpPr/>
-          <p:nvPr/>
-        </p:nvSpPr>
-        <p:spPr>
-          <a:xfrm>
-            <a:off x="7737783" y="1268760"/>
-            <a:ext cx="1085327" cy="735178"/>
-          </a:xfrm>
-          <a:prstGeom prst="wedgeRoundRectCallout">
-            <a:avLst>
-              <a:gd name="adj1" fmla="val -52177"/>
-              <a:gd name="adj2" fmla="val 119772"/>
-              <a:gd name="adj3" fmla="val 16667"/>
-            </a:avLst>
-          </a:prstGeom>
-          <a:solidFill>
-            <a:srgbClr val="FFC000">
-              <a:alpha val="29125"/>
-            </a:srgbClr>
-          </a:solidFill>
-          <a:ln>
-            <a:solidFill>
-              <a:schemeClr val="bg1">
-                <a:lumMod val="75000"/>
-              </a:schemeClr>
-            </a:solidFill>
-          </a:ln>
-        </p:spPr>
-        <p:style>
-          <a:lnRef idx="2">
-            <a:schemeClr val="accent1">
-              <a:shade val="50000"/>
-            </a:schemeClr>
-          </a:lnRef>
-          <a:fillRef idx="1">
-            <a:schemeClr val="accent1"/>
-          </a:fillRef>
-          <a:effectRef idx="0">
-            <a:schemeClr val="accent1"/>
-          </a:effectRef>
-          <a:fontRef idx="minor">
-            <a:schemeClr val="lt1"/>
-          </a:fontRef>
-        </p:style>
-        <p:txBody>
-          <a:bodyPr rtlCol="0" anchor="ctr"/>
-          <a:lstStyle/>
-          <a:p>
-            <a:pPr algn="ctr"/>
-            <a:r>
-              <a:rPr lang="en-GB" dirty="0">
-                <a:solidFill>
-                  <a:schemeClr val="tx1"/>
-                </a:solidFill>
-                <a:latin typeface="Gill Sans MT" panose="020B0502020104020203" pitchFamily="34" charset="77"/>
-              </a:rPr>
-              <a:t>Prior</a:t>
-            </a:r>
-          </a:p>
-        </p:txBody>
-      </p:sp>
-      <p:sp>
-        <p:nvSpPr>
-          <p:cNvPr id="8" name="Rounded Rectangular Callout 7">
-            <a:extLst>
-              <a:ext uri="{FF2B5EF4-FFF2-40B4-BE49-F238E27FC236}">
-                <a16:creationId xmlns:a16="http://schemas.microsoft.com/office/drawing/2014/main" id="{DFDDF7B8-018D-D890-D2BF-F31ABC6B9E9C}"/>
-              </a:ext>
-            </a:extLst>
-          </p:cNvPr>
-          <p:cNvSpPr/>
-          <p:nvPr/>
-        </p:nvSpPr>
-        <p:spPr>
-          <a:xfrm>
-            <a:off x="5022511" y="4811554"/>
-            <a:ext cx="2146978" cy="759461"/>
-          </a:xfrm>
-          <a:prstGeom prst="wedgeRoundRectCallout">
-            <a:avLst>
-              <a:gd name="adj1" fmla="val 38952"/>
-              <a:gd name="adj2" fmla="val -163021"/>
-              <a:gd name="adj3" fmla="val 16667"/>
-            </a:avLst>
-          </a:prstGeom>
-          <a:solidFill>
-            <a:srgbClr val="FFC000">
-              <a:alpha val="29125"/>
-            </a:srgbClr>
-          </a:solidFill>
-          <a:ln>
-            <a:solidFill>
-              <a:schemeClr val="bg1">
-                <a:lumMod val="75000"/>
-              </a:schemeClr>
-            </a:solidFill>
-          </a:ln>
-        </p:spPr>
-        <p:style>
-          <a:lnRef idx="2">
-            <a:schemeClr val="accent1">
-              <a:shade val="50000"/>
-            </a:schemeClr>
-          </a:lnRef>
-          <a:fillRef idx="1">
-            <a:schemeClr val="accent1"/>
-          </a:fillRef>
-          <a:effectRef idx="0">
-            <a:schemeClr val="accent1"/>
-          </a:effectRef>
-          <a:fontRef idx="minor">
-            <a:schemeClr val="lt1"/>
-          </a:fontRef>
-        </p:style>
-        <p:txBody>
-          <a:bodyPr rtlCol="0" anchor="ctr"/>
-          <a:lstStyle/>
-          <a:p>
-            <a:pPr algn="ctr"/>
-            <a:r>
-              <a:rPr lang="en-GB" dirty="0">
-                <a:solidFill>
-                  <a:schemeClr val="tx1"/>
-                </a:solidFill>
-                <a:latin typeface="Gill Sans MT" panose="020B0502020104020203" pitchFamily="34" charset="77"/>
-              </a:rPr>
-              <a:t>Marginalisation</a:t>
-            </a:r>
-          </a:p>
-        </p:txBody>
-      </p:sp>
-    </p:spTree>
-    <p:extLst>
-      <p:ext uri="{BB962C8B-B14F-4D97-AF65-F5344CB8AC3E}">
-        <p14:creationId xmlns:p14="http://schemas.microsoft.com/office/powerpoint/2010/main" val="3962878557"/>
-      </p:ext>
-    </p:extLst>
-  </p:cSld>
-  <p:clrMapOvr>
-    <a:masterClrMapping/>
-  </p:clrMapOvr>
-  <p:timing>
-    <p:tnLst>
-      <p:par>
-        <p:cTn id="1" dur="indefinite" restart="never" nodeType="tmRoot">
-          <p:childTnLst>
-            <p:seq concurrent="1" nextAc="seek">
-              <p:cTn id="2" dur="indefinite" nodeType="mainSeq">
-                <p:childTnLst>
-                  <p:par>
-                    <p:cTn id="3" fill="hold">
-                      <p:stCondLst>
-                        <p:cond delay="indefinite"/>
-                      </p:stCondLst>
-                      <p:childTnLst>
-                        <p:par>
-                          <p:cTn id="4" fill="hold">
-                            <p:stCondLst>
-                              <p:cond delay="0"/>
-                            </p:stCondLst>
-                            <p:childTnLst>
-                              <p:par>
-                                <p:cTn id="5" presetID="1" presetClass="entr" presetSubtype="0" fill="hold" grpId="0" nodeType="clickEffect">
-                                  <p:stCondLst>
-                                    <p:cond delay="0"/>
-                                  </p:stCondLst>
-                                  <p:childTnLst>
-                                    <p:set>
-                                      <p:cBhvr>
-                                        <p:cTn id="6" dur="1" fill="hold">
-                                          <p:stCondLst>
-                                            <p:cond delay="0"/>
-                                          </p:stCondLst>
-                                        </p:cTn>
-                                        <p:tgtEl>
-                                          <p:spTgt spid="5"/>
-                                        </p:tgtEl>
-                                        <p:attrNameLst>
-                                          <p:attrName>style.visibility</p:attrName>
-                                        </p:attrNameLst>
-                                      </p:cBhvr>
-                                      <p:to>
-                                        <p:strVal val="visible"/>
-                                      </p:to>
-                                    </p:set>
-                                  </p:childTnLst>
-                                </p:cTn>
-                              </p:par>
-                              <p:par>
-                                <p:cTn id="7" presetID="1" presetClass="entr" presetSubtype="0" fill="hold" grpId="0" nodeType="withEffect">
-                                  <p:stCondLst>
-                                    <p:cond delay="0"/>
-                                  </p:stCondLst>
-                                  <p:childTnLst>
-                                    <p:set>
-                                      <p:cBhvr>
-                                        <p:cTn id="8" dur="1" fill="hold">
-                                          <p:stCondLst>
-                                            <p:cond delay="0"/>
-                                          </p:stCondLst>
-                                        </p:cTn>
-                                        <p:tgtEl>
-                                          <p:spTgt spid="6"/>
-                                        </p:tgtEl>
-                                        <p:attrNameLst>
-                                          <p:attrName>style.visibility</p:attrName>
-                                        </p:attrNameLst>
-                                      </p:cBhvr>
-                                      <p:to>
-                                        <p:strVal val="visible"/>
-                                      </p:to>
-                                    </p:set>
-                                  </p:childTnLst>
-                                </p:cTn>
-                              </p:par>
-                              <p:par>
-                                <p:cTn id="9" presetID="1" presetClass="entr" presetSubtype="0" fill="hold" grpId="0" nodeType="withEffect">
-                                  <p:stCondLst>
-                                    <p:cond delay="0"/>
-                                  </p:stCondLst>
-                                  <p:childTnLst>
-                                    <p:set>
-                                      <p:cBhvr>
-                                        <p:cTn id="10" dur="1" fill="hold">
-                                          <p:stCondLst>
-                                            <p:cond delay="0"/>
-                                          </p:stCondLst>
-                                        </p:cTn>
-                                        <p:tgtEl>
-                                          <p:spTgt spid="7"/>
-                                        </p:tgtEl>
-                                        <p:attrNameLst>
-                                          <p:attrName>style.visibility</p:attrName>
-                                        </p:attrNameLst>
-                                      </p:cBhvr>
-                                      <p:to>
-                                        <p:strVal val="visible"/>
-                                      </p:to>
-                                    </p:set>
-                                  </p:childTnLst>
-                                </p:cTn>
-                              </p:par>
-                              <p:par>
-                                <p:cTn id="11" presetID="1" presetClass="entr" presetSubtype="0" fill="hold" grpId="0" nodeType="withEffect">
-                                  <p:stCondLst>
-                                    <p:cond delay="0"/>
-                                  </p:stCondLst>
-                                  <p:childTnLst>
-                                    <p:set>
-                                      <p:cBhvr>
-                                        <p:cTn id="12" dur="1" fill="hold">
-                                          <p:stCondLst>
-                                            <p:cond delay="0"/>
-                                          </p:stCondLst>
-                                        </p:cTn>
-                                        <p:tgtEl>
-                                          <p:spTgt spid="8"/>
-                                        </p:tgtEl>
-                                        <p:attrNameLst>
-                                          <p:attrName>style.visibility</p:attrName>
-                                        </p:attrNameLst>
-                                      </p:cBhvr>
-                                      <p:to>
-                                        <p:strVal val="visible"/>
-                                      </p:to>
-                                    </p:set>
-                                  </p:childTnLst>
-                                </p:cTn>
-                              </p:par>
-                            </p:childTnLst>
-                          </p:cTn>
-                        </p:par>
-                      </p:childTnLst>
-                    </p:cTn>
-                  </p:par>
-                </p:childTnLst>
-              </p:cTn>
-              <p:prevCondLst>
-                <p:cond evt="onPrev" delay="0">
-                  <p:tgtEl>
-                    <p:sldTgt/>
-                  </p:tgtEl>
-                </p:cond>
-              </p:prevCondLst>
-              <p:nextCondLst>
-                <p:cond evt="onNext" delay="0">
-                  <p:tgtEl>
-                    <p:sldTgt/>
-                  </p:tgtEl>
-                </p:cond>
-              </p:nextCondLst>
-            </p:seq>
-          </p:childTnLst>
-        </p:cTn>
-      </p:par>
-    </p:tnLst>
-    <p:bldLst>
-      <p:bldP spid="5" grpId="0" animBg="1"/>
-      <p:bldP spid="6" grpId="0" animBg="1"/>
-      <p:bldP spid="7" grpId="0" animBg="1"/>
-      <p:bldP spid="8" grpId="0" animBg="1"/>
-    </p:bldLst>
-  </p:timing>
-</p:sld>
-</file>
-
-<file path=ppt/slides/slide40.xml><?xml version="1.0" encoding="utf-8"?>
+<file path=ppt/slides/slide41.xml><?xml version="1.0" encoding="utf-8"?>
 <p:sld xmlns:a="http://schemas.openxmlformats.org/drawingml/2006/main" xmlns:r="http://schemas.openxmlformats.org/officeDocument/2006/relationships" xmlns:p="http://schemas.openxmlformats.org/presentationml/2006/main">
   <p:cSld>
     <p:spTree>
@@ -20934,7 +23339,7 @@
           <a:p>
             <a:r>
               <a:rPr lang="en-GB" dirty="0"/>
-              <a:t>Accuracy could be a misleading metric without sufficient (other) complimentary information. </a:t>
+              <a:t>Accuracy could be a misleading metric without sufficient (other) complementary information. </a:t>
             </a:r>
           </a:p>
           <a:p>
@@ -20949,17 +23354,34 @@
                 </a:solidFill>
                 <a:effectLst/>
               </a:rPr>
-              <a:t>classified 100 tumours as malignant (the positive class) and benign (the negative class). </a:t>
-            </a:r>
-          </a:p>
-          <a:p>
+              <a:t>classified </a:t>
+            </a:r>
             <a:r>
               <a:rPr lang="en-GB" dirty="0">
                 <a:solidFill>
                   <a:srgbClr val="202124"/>
                 </a:solidFill>
               </a:rPr>
-              <a:t>If someone tells you that the accuracy of the model is 91%; is that good? </a:t>
+              <a:t>a total of </a:t>
+            </a:r>
+            <a:r>
+              <a:rPr lang="en-GB" b="0" i="0" u="none" strike="noStrike" dirty="0">
+                <a:solidFill>
+                  <a:srgbClr val="202124"/>
+                </a:solidFill>
+                <a:effectLst/>
+              </a:rPr>
+              <a:t>100 tumours as malignant (the positive class) or benign (the negative class). </a:t>
+            </a:r>
+          </a:p>
+          <a:p>
+            <a:r>
+              <a:rPr lang="en-GB" dirty="0">
+                <a:solidFill>
+                  <a:srgbClr val="202124"/>
+                </a:solidFill>
+              </a:rPr>
+              <a:t>If someone tells you that the accuracy of the model is 91%, is that good? </a:t>
             </a:r>
             <a:endParaRPr lang="en-GB" dirty="0"/>
           </a:p>
@@ -20989,7 +23411,7 @@
             <a:fld id="{44E22EE9-B8A0-0641-9265-052CFE9B95A7}" type="slidenum">
               <a:rPr lang="en-GB" altLang="en-US" smtClean="0"/>
               <a:pPr/>
-              <a:t>40</a:t>
+              <a:t>41</a:t>
             </a:fld>
             <a:endParaRPr lang="en-GB" altLang="en-US" dirty="0"/>
           </a:p>
@@ -21057,7 +23479,7 @@
 </p:sld>
 </file>
 
-<file path=ppt/slides/slide41.xml><?xml version="1.0" encoding="utf-8"?>
+<file path=ppt/slides/slide42.xml><?xml version="1.0" encoding="utf-8"?>
 <p:sld xmlns:a="http://schemas.openxmlformats.org/drawingml/2006/main" xmlns:r="http://schemas.openxmlformats.org/officeDocument/2006/relationships" xmlns:p="http://schemas.openxmlformats.org/presentationml/2006/main">
   <p:cSld>
     <p:spTree>
@@ -21123,7 +23545,6 @@
           <a:bodyPr/>
           <a:lstStyle/>
           <a:p>
-            <a:pPr algn="l"/>
             <a:r>
               <a:rPr lang="en-GB" b="0" i="0" u="none" strike="noStrike" dirty="0">
                 <a:solidFill>
@@ -21131,7 +23552,24 @@
                 </a:solidFill>
                 <a:effectLst/>
               </a:rPr>
-              <a:t>Of the 100 tumour examples, 91 are benign (90 TNs and 1 FP) and 9 are malignant (1 TP and 8 FNs).</a:t>
+              <a:t>Of the 100 tumour examples, 91 are benign (90 TNs and 1 </a:t>
+            </a:r>
+            <a:r>
+              <a:rPr lang="en-GB" dirty="0">
+                <a:solidFill>
+                  <a:srgbClr val="202124"/>
+                </a:solidFill>
+              </a:rPr>
+              <a:t>FP), </a:t>
+            </a:r>
+            <a:r>
+              <a:rPr lang="en-GB" b="0" i="0" u="none" strike="noStrike" dirty="0">
+                <a:solidFill>
+                  <a:srgbClr val="202124"/>
+                </a:solidFill>
+                <a:effectLst/>
+              </a:rPr>
+              <a:t>and 9 are malignant (1 TP and 8 FNs).</a:t>
             </a:r>
           </a:p>
           <a:p>
@@ -21155,7 +23593,7 @@
                 </a:solidFill>
                 <a:effectLst/>
               </a:rPr>
-              <a:t>However, of the 9 malignant tumours, the model only correctly identifies 1 as malignant—not a good outcome, as 8 out of 9 malignancies go undiagnosed!</a:t>
+              <a:t>However, of the 9 malignant tumours, the model only correctly identifies 1 as malignant, not a good outcome, as 8 out of 9 malignancies go undiagnosed!</a:t>
             </a:r>
           </a:p>
           <a:p>
@@ -21187,7 +23625,7 @@
             <a:fld id="{44E22EE9-B8A0-0641-9265-052CFE9B95A7}" type="slidenum">
               <a:rPr lang="en-GB" altLang="en-US" smtClean="0"/>
               <a:pPr/>
-              <a:t>41</a:t>
+              <a:t>42</a:t>
             </a:fld>
             <a:endParaRPr lang="en-GB" altLang="en-US" dirty="0"/>
           </a:p>
@@ -21255,7 +23693,7 @@
 </p:sld>
 </file>
 
-<file path=ppt/slides/slide42.xml><?xml version="1.0" encoding="utf-8"?>
+<file path=ppt/slides/slide43.xml><?xml version="1.0" encoding="utf-8"?>
 <p:sld xmlns:a="http://schemas.openxmlformats.org/drawingml/2006/main" xmlns:r="http://schemas.openxmlformats.org/officeDocument/2006/relationships" xmlns:p="http://schemas.openxmlformats.org/presentationml/2006/main">
   <p:cSld>
     <p:spTree>
@@ -21368,7 +23806,7 @@
             <a:fld id="{44E22EE9-B8A0-0641-9265-052CFE9B95A7}" type="slidenum">
               <a:rPr lang="en-GB" altLang="en-US" smtClean="0"/>
               <a:pPr/>
-              <a:t>42</a:t>
+              <a:t>43</a:t>
             </a:fld>
             <a:endParaRPr lang="en-GB" altLang="en-US" dirty="0"/>
           </a:p>
@@ -21765,7 +24203,7 @@
 </p:sld>
 </file>
 
-<file path=ppt/slides/slide43.xml><?xml version="1.0" encoding="utf-8"?>
+<file path=ppt/slides/slide44.xml><?xml version="1.0" encoding="utf-8"?>
 <p:sld xmlns:a="http://schemas.openxmlformats.org/drawingml/2006/main" xmlns:r="http://schemas.openxmlformats.org/officeDocument/2006/relationships" xmlns:p="http://schemas.openxmlformats.org/presentationml/2006/main">
   <p:cSld>
     <p:spTree>
@@ -21892,7 +24330,7 @@
             <a:fld id="{44E22EE9-B8A0-0641-9265-052CFE9B95A7}" type="slidenum">
               <a:rPr lang="en-GB" altLang="en-US" smtClean="0"/>
               <a:pPr/>
-              <a:t>43</a:t>
+              <a:t>44</a:t>
             </a:fld>
             <a:endParaRPr lang="en-GB" altLang="en-US" dirty="0"/>
           </a:p>
@@ -22171,7 +24609,7 @@
 </p:sld>
 </file>
 
-<file path=ppt/slides/slide44.xml><?xml version="1.0" encoding="utf-8"?>
+<file path=ppt/slides/slide45.xml><?xml version="1.0" encoding="utf-8"?>
 <p:sld xmlns:a="http://schemas.openxmlformats.org/drawingml/2006/main" xmlns:r="http://schemas.openxmlformats.org/officeDocument/2006/relationships" xmlns:p="http://schemas.openxmlformats.org/presentationml/2006/main">
   <p:cSld>
     <p:spTree>
@@ -22274,7 +24712,7 @@
             <a:fld id="{44E22EE9-B8A0-0641-9265-052CFE9B95A7}" type="slidenum">
               <a:rPr lang="en-GB" altLang="en-US" smtClean="0"/>
               <a:pPr/>
-              <a:t>44</a:t>
+              <a:t>45</a:t>
             </a:fld>
             <a:endParaRPr lang="en-GB" altLang="en-US" dirty="0"/>
           </a:p>
@@ -22378,7 +24816,7 @@
 </p:sld>
 </file>
 
-<file path=ppt/slides/slide45.xml><?xml version="1.0" encoding="utf-8"?>
+<file path=ppt/slides/slide46.xml><?xml version="1.0" encoding="utf-8"?>
 <p:sld xmlns:a="http://schemas.openxmlformats.org/drawingml/2006/main" xmlns:r="http://schemas.openxmlformats.org/officeDocument/2006/relationships" xmlns:p="http://schemas.openxmlformats.org/presentationml/2006/main">
   <p:cSld>
     <p:spTree>
@@ -22448,10 +24886,14 @@
           <a:p>
             <a:r>
               <a:rPr lang="en-GB" sz="2400" dirty="0"/>
-              <a:t>AUC stands for "Area under the ROC Curve." </a:t>
-            </a:r>
-          </a:p>
-          <a:p>
+              <a:t>AUC stands for "Area under the Curve." </a:t>
+            </a:r>
+          </a:p>
+          <a:p>
+            <a:r>
+              <a:rPr lang="en-GB" dirty="0"/>
+              <a:t>In this case, </a:t>
+            </a:r>
             <a:r>
               <a:rPr lang="en-GB" sz="2400" dirty="0"/>
               <a:t>AUC measures the entire two-dimensional area underneath the entire ROC curve.</a:t>
@@ -22529,7 +24971,7 @@
                   <a:spcPts val="720"/>
                 </a:spcAft>
               </a:pPr>
-              <a:t>45</a:t>
+              <a:t>46</a:t>
             </a:fld>
             <a:endParaRPr lang="en-GB" altLang="en-US"/>
           </a:p>
@@ -22563,7 +25005,7 @@
         </p:blipFill>
         <p:spPr>
           <a:xfrm>
-            <a:off x="5723194" y="2869198"/>
+            <a:off x="5807968" y="3284984"/>
             <a:ext cx="2749069" cy="2213000"/>
           </a:xfrm>
           <a:prstGeom prst="rect">
@@ -22634,7 +25076,7 @@
 </p:sld>
 </file>
 
-<file path=ppt/slides/slide46.xml><?xml version="1.0" encoding="utf-8"?>
+<file path=ppt/slides/slide47.xml><?xml version="1.0" encoding="utf-8"?>
 <p:sld xmlns:a="http://schemas.openxmlformats.org/drawingml/2006/main" xmlns:r="http://schemas.openxmlformats.org/officeDocument/2006/relationships" xmlns:p="http://schemas.openxmlformats.org/presentationml/2006/main">
   <p:cSld>
     <p:spTree>
@@ -22888,7 +25330,7 @@
             <a:fld id="{BB98F552-A29D-2D4E-8192-F20670493719}" type="slidenum">
               <a:rPr lang="en-GB" altLang="en-US" smtClean="0"/>
               <a:pPr/>
-              <a:t>46</a:t>
+              <a:t>47</a:t>
             </a:fld>
             <a:endParaRPr lang="en-GB" altLang="en-US" dirty="0"/>
           </a:p>
@@ -22907,7 +25349,7 @@
 </p:sld>
 </file>
 
-<file path=ppt/slides/slide47.xml><?xml version="1.0" encoding="utf-8"?>
+<file path=ppt/slides/slide48.xml><?xml version="1.0" encoding="utf-8"?>
 <p:sld xmlns:a="http://schemas.openxmlformats.org/drawingml/2006/main" xmlns:r="http://schemas.openxmlformats.org/officeDocument/2006/relationships" xmlns:p="http://schemas.openxmlformats.org/presentationml/2006/main">
   <p:cSld>
     <p:spTree>
@@ -23037,7 +25479,7 @@
             <a:fld id="{44E22EE9-B8A0-0641-9265-052CFE9B95A7}" type="slidenum">
               <a:rPr lang="en-GB" altLang="en-US" smtClean="0"/>
               <a:pPr/>
-              <a:t>47</a:t>
+              <a:t>48</a:t>
             </a:fld>
             <a:endParaRPr lang="en-GB" altLang="en-US" dirty="0"/>
           </a:p>
@@ -23105,7 +25547,7 @@
 </p:sld>
 </file>
 
-<file path=ppt/slides/slide48.xml><?xml version="1.0" encoding="utf-8"?>
+<file path=ppt/slides/slide49.xml><?xml version="1.0" encoding="utf-8"?>
 <p:sld xmlns:a="http://schemas.openxmlformats.org/drawingml/2006/main" xmlns:r="http://schemas.openxmlformats.org/officeDocument/2006/relationships" xmlns:p="http://schemas.openxmlformats.org/presentationml/2006/main">
   <p:cSld>
     <p:spTree>
@@ -23172,8 +25614,8 @@
           <a:lstStyle/>
           <a:p>
             <a:pPr algn="l">
-              <a:buFont typeface="Arial" panose="020B0604020202020204" pitchFamily="34" charset="0"/>
-              <a:buChar char="•"/>
+              <a:buFontTx/>
+              <a:buChar char="-"/>
             </a:pPr>
             <a:r>
               <a:rPr lang="en-GB" i="0" u="none" strike="noStrike" dirty="0">
@@ -23186,9 +25628,9 @@
             </a:r>
           </a:p>
           <a:p>
-            <a:pPr algn="l">
-              <a:buFont typeface="Arial" panose="020B0604020202020204" pitchFamily="34" charset="0"/>
-              <a:buChar char="•"/>
+            <a:pPr>
+              <a:buFontTx/>
+              <a:buChar char="-"/>
             </a:pPr>
             <a:r>
               <a:rPr lang="en-GB" i="0" u="none" strike="noStrike" dirty="0">
@@ -23197,7 +25639,24 @@
                 </a:solidFill>
                 <a:effectLst/>
               </a:rPr>
-              <a:t>Classification-threshold invariance is not always desirable. In cases where there are wide disparities in the cost of false negatives vs. false positives, it may be critical to minimise one type of classification error. For example, in a medical test that FPs and FNs do not carry equal weights. AUC isn't a useful metric for this type of optimisation.</a:t>
+              <a:t>Classification-threshold invariance is not always desirable. In cases where there are wide disparities in the cost of false negatives vs. false positives, it may be critical to minimise one type of classification error. For example, in a medical </a:t>
+            </a:r>
+            <a:r>
+              <a:rPr lang="en-GB" dirty="0">
+                <a:solidFill>
+                  <a:srgbClr val="202124"/>
+                </a:solidFill>
+              </a:rPr>
+              <a:t>test, </a:t>
+            </a:r>
+            <a:r>
+              <a:rPr lang="en-GB" i="0" u="none" strike="noStrike" dirty="0">
+                <a:solidFill>
+                  <a:srgbClr val="202124"/>
+                </a:solidFill>
+                <a:effectLst/>
+              </a:rPr>
+              <a:t>FPs and FNs do not carry equal weights. AUC may not be a useful metric for this type of optimisation.</a:t>
             </a:r>
           </a:p>
           <a:p>
@@ -23229,7 +25688,7 @@
             <a:fld id="{44E22EE9-B8A0-0641-9265-052CFE9B95A7}" type="slidenum">
               <a:rPr lang="en-GB" altLang="en-US" smtClean="0"/>
               <a:pPr/>
-              <a:t>48</a:t>
+              <a:t>49</a:t>
             </a:fld>
             <a:endParaRPr lang="en-GB" altLang="en-US" dirty="0"/>
           </a:p>
@@ -23288,297 +25747,6 @@
     <p:extLst>
       <p:ext uri="{BB962C8B-B14F-4D97-AF65-F5344CB8AC3E}">
         <p14:creationId xmlns:p14="http://schemas.microsoft.com/office/powerpoint/2010/main" val="1258545589"/>
-      </p:ext>
-    </p:extLst>
-  </p:cSld>
-  <p:clrMapOvr>
-    <a:masterClrMapping/>
-  </p:clrMapOvr>
-</p:sld>
-</file>
-
-<file path=ppt/slides/slide49.xml><?xml version="1.0" encoding="utf-8"?>
-<p:sld xmlns:a="http://schemas.openxmlformats.org/drawingml/2006/main" xmlns:r="http://schemas.openxmlformats.org/officeDocument/2006/relationships" xmlns:p="http://schemas.openxmlformats.org/presentationml/2006/main">
-  <p:cSld>
-    <p:spTree>
-      <p:nvGrpSpPr>
-        <p:cNvPr id="1" name=""/>
-        <p:cNvGrpSpPr/>
-        <p:nvPr/>
-      </p:nvGrpSpPr>
-      <p:grpSpPr>
-        <a:xfrm>
-          <a:off x="0" y="0"/>
-          <a:ext cx="0" cy="0"/>
-          <a:chOff x="0" y="0"/>
-          <a:chExt cx="0" cy="0"/>
-        </a:xfrm>
-      </p:grpSpPr>
-      <p:sp>
-        <p:nvSpPr>
-          <p:cNvPr id="2" name="Title 1">
-            <a:extLst>
-              <a:ext uri="{FF2B5EF4-FFF2-40B4-BE49-F238E27FC236}">
-                <a16:creationId xmlns:a16="http://schemas.microsoft.com/office/drawing/2014/main" id="{9F3DDDEE-FB54-50ED-C020-A8E6EC1E5366}"/>
-              </a:ext>
-            </a:extLst>
-          </p:cNvPr>
-          <p:cNvSpPr>
-            <a:spLocks noGrp="1"/>
-          </p:cNvSpPr>
-          <p:nvPr>
-            <p:ph type="title"/>
-          </p:nvPr>
-        </p:nvSpPr>
-        <p:spPr/>
-        <p:txBody>
-          <a:bodyPr/>
-          <a:lstStyle/>
-          <a:p>
-            <a:r>
-              <a:rPr lang="en-GB" dirty="0"/>
-              <a:t>Prediction bias</a:t>
-            </a:r>
-          </a:p>
-        </p:txBody>
-      </p:sp>
-      <mc:AlternateContent xmlns:mc="http://schemas.openxmlformats.org/markup-compatibility/2006" xmlns:a14="http://schemas.microsoft.com/office/drawing/2010/main">
-        <mc:Choice Requires="a14">
-          <p:sp>
-            <p:nvSpPr>
-              <p:cNvPr id="3" name="Content Placeholder 2">
-                <a:extLst>
-                  <a:ext uri="{FF2B5EF4-FFF2-40B4-BE49-F238E27FC236}">
-                    <a16:creationId xmlns:a16="http://schemas.microsoft.com/office/drawing/2014/main" id="{5499B2E9-88D2-ABE4-9297-A36AC1EC83B9}"/>
-                  </a:ext>
-                </a:extLst>
-              </p:cNvPr>
-              <p:cNvSpPr>
-                <a:spLocks noGrp="1"/>
-              </p:cNvSpPr>
-              <p:nvPr>
-                <p:ph idx="1"/>
-              </p:nvPr>
-            </p:nvSpPr>
-            <p:spPr/>
-            <p:txBody>
-              <a:bodyPr/>
-              <a:lstStyle/>
-              <a:p>
-                <a:r>
-                  <a:rPr lang="en-GB" dirty="0"/>
-                  <a:t>Some of the reasons: </a:t>
-                </a:r>
-              </a:p>
-              <a:p>
-                <a:pPr lvl="1"/>
-                <a:r>
-                  <a:rPr lang="en-GB" sz="2400" dirty="0"/>
-                  <a:t>The training set doesn't adequately represent certain subsets of the data space. </a:t>
-                </a:r>
-              </a:p>
-              <a:p>
-                <a:pPr lvl="1"/>
-                <a:r>
-                  <a:rPr lang="en-GB" sz="2400" dirty="0"/>
-                  <a:t>Some subsets of the data set are noisier than others. </a:t>
-                </a:r>
-              </a:p>
-              <a:p>
-                <a:pPr lvl="1"/>
-                <a:r>
-                  <a:rPr lang="en-GB" sz="2400" dirty="0"/>
-                  <a:t>The model is overly regularised. </a:t>
-                </a:r>
-              </a:p>
-              <a:p>
-                <a:r>
-                  <a:rPr lang="en-GB" dirty="0"/>
-                  <a:t>It can also be determined as: </a:t>
-                </a:r>
-              </a:p>
-              <a:p>
-                <a:pPr marL="457182" lvl="1" indent="0">
-                  <a:buNone/>
-                </a:pPr>
-                <a14:m>
-                  <m:oMathPara xmlns:m="http://schemas.openxmlformats.org/officeDocument/2006/math">
-                    <m:oMathParaPr>
-                      <m:jc m:val="centerGroup"/>
-                    </m:oMathParaPr>
-                    <m:oMath xmlns:m="http://schemas.openxmlformats.org/officeDocument/2006/math">
-                      <m:r>
-                        <a:rPr lang="en-GB" b="0" i="1" smtClean="0">
-                          <a:latin typeface="Cambria Math" panose="02040503050406030204" pitchFamily="18" charset="0"/>
-                        </a:rPr>
-                        <m:t>𝑃𝑟𝑒𝑑𝑖𝑐𝑡𝑖𝑜𝑛</m:t>
-                      </m:r>
-                      <m:r>
-                        <a:rPr lang="en-GB" b="0" i="1" smtClean="0">
-                          <a:latin typeface="Cambria Math" panose="02040503050406030204" pitchFamily="18" charset="0"/>
-                        </a:rPr>
-                        <m:t> </m:t>
-                      </m:r>
-                      <m:r>
-                        <a:rPr lang="en-GB" b="0" i="1" smtClean="0">
-                          <a:latin typeface="Cambria Math" panose="02040503050406030204" pitchFamily="18" charset="0"/>
-                        </a:rPr>
-                        <m:t>𝑏𝑖𝑎𝑠</m:t>
-                      </m:r>
-                      <m:r>
-                        <a:rPr lang="en-GB" b="0" i="1" smtClean="0">
-                          <a:latin typeface="Cambria Math" panose="02040503050406030204" pitchFamily="18" charset="0"/>
-                        </a:rPr>
-                        <m:t>=</m:t>
-                      </m:r>
-                      <m:r>
-                        <a:rPr lang="en-GB" b="0" i="1" smtClean="0">
-                          <a:latin typeface="Cambria Math" panose="02040503050406030204" pitchFamily="18" charset="0"/>
-                        </a:rPr>
-                        <m:t>𝑎𝑣𝑒𝑟𝑎𝑔𝑒</m:t>
-                      </m:r>
-                      <m:r>
-                        <a:rPr lang="en-GB" b="0" i="1" smtClean="0">
-                          <a:latin typeface="Cambria Math" panose="02040503050406030204" pitchFamily="18" charset="0"/>
-                        </a:rPr>
-                        <m:t> </m:t>
-                      </m:r>
-                      <m:r>
-                        <a:rPr lang="en-GB" b="0" i="1" smtClean="0">
-                          <a:latin typeface="Cambria Math" panose="02040503050406030204" pitchFamily="18" charset="0"/>
-                        </a:rPr>
-                        <m:t>𝑜𝑓</m:t>
-                      </m:r>
-                      <m:r>
-                        <a:rPr lang="en-GB" b="0" i="1" smtClean="0">
-                          <a:latin typeface="Cambria Math" panose="02040503050406030204" pitchFamily="18" charset="0"/>
-                        </a:rPr>
-                        <m:t> </m:t>
-                      </m:r>
-                      <m:r>
-                        <a:rPr lang="en-GB" b="0" i="1" smtClean="0">
-                          <a:latin typeface="Cambria Math" panose="02040503050406030204" pitchFamily="18" charset="0"/>
-                        </a:rPr>
-                        <m:t>𝑝𝑟𝑒𝑑𝑖𝑐𝑡𝑖𝑜𝑛𝑠</m:t>
-                      </m:r>
-                      <m:r>
-                        <a:rPr lang="en-GB" b="0" i="1" smtClean="0">
-                          <a:latin typeface="Cambria Math" panose="02040503050406030204" pitchFamily="18" charset="0"/>
-                        </a:rPr>
-                        <m:t> −</m:t>
-                      </m:r>
-                      <m:r>
-                        <a:rPr lang="en-GB" b="0" i="1" smtClean="0">
-                          <a:latin typeface="Cambria Math" panose="02040503050406030204" pitchFamily="18" charset="0"/>
-                        </a:rPr>
-                        <m:t>𝑎𝑣𝑒𝑟𝑎𝑔𝑒</m:t>
-                      </m:r>
-                      <m:r>
-                        <a:rPr lang="en-GB" b="0" i="1" smtClean="0">
-                          <a:latin typeface="Cambria Math" panose="02040503050406030204" pitchFamily="18" charset="0"/>
-                        </a:rPr>
-                        <m:t> </m:t>
-                      </m:r>
-                      <m:r>
-                        <a:rPr lang="en-GB" b="0" i="1" smtClean="0">
-                          <a:latin typeface="Cambria Math" panose="02040503050406030204" pitchFamily="18" charset="0"/>
-                        </a:rPr>
-                        <m:t>𝑜𝑓</m:t>
-                      </m:r>
-                      <m:r>
-                        <a:rPr lang="en-GB" b="0" i="1" smtClean="0">
-                          <a:latin typeface="Cambria Math" panose="02040503050406030204" pitchFamily="18" charset="0"/>
-                        </a:rPr>
-                        <m:t> </m:t>
-                      </m:r>
-                      <m:r>
-                        <a:rPr lang="en-GB" b="0" i="1" smtClean="0">
-                          <a:latin typeface="Cambria Math" panose="02040503050406030204" pitchFamily="18" charset="0"/>
-                        </a:rPr>
-                        <m:t>𝑙𝑎𝑏𝑒𝑙𝑠</m:t>
-                      </m:r>
-                    </m:oMath>
-                  </m:oMathPara>
-                </a14:m>
-                <a:endParaRPr lang="en-GB" dirty="0"/>
-              </a:p>
-            </p:txBody>
-          </p:sp>
-        </mc:Choice>
-        <mc:Fallback xmlns="">
-          <p:sp>
-            <p:nvSpPr>
-              <p:cNvPr id="3" name="Content Placeholder 2">
-                <a:extLst>
-                  <a:ext uri="{FF2B5EF4-FFF2-40B4-BE49-F238E27FC236}">
-                    <a16:creationId xmlns:a16="http://schemas.microsoft.com/office/drawing/2014/main" id="{5499B2E9-88D2-ABE4-9297-A36AC1EC83B9}"/>
-                  </a:ext>
-                </a:extLst>
-              </p:cNvPr>
-              <p:cNvSpPr>
-                <a:spLocks noGrp="1" noRot="1" noChangeAspect="1" noMove="1" noResize="1" noEditPoints="1" noAdjustHandles="1" noChangeArrowheads="1" noChangeShapeType="1" noTextEdit="1"/>
-              </p:cNvSpPr>
-              <p:nvPr>
-                <p:ph idx="1"/>
-              </p:nvPr>
-            </p:nvSpPr>
-            <p:spPr>
-              <a:blipFill>
-                <a:blip r:embed="rId2"/>
-                <a:stretch>
-                  <a:fillRect l="-925" t="-1018"/>
-                </a:stretch>
-              </a:blipFill>
-            </p:spPr>
-            <p:txBody>
-              <a:bodyPr/>
-              <a:lstStyle/>
-              <a:p>
-                <a:r>
-                  <a:rPr lang="en-GB">
-                    <a:noFill/>
-                  </a:rPr>
-                  <a:t> </a:t>
-                </a:r>
-              </a:p>
-            </p:txBody>
-          </p:sp>
-        </mc:Fallback>
-      </mc:AlternateContent>
-      <p:sp>
-        <p:nvSpPr>
-          <p:cNvPr id="4" name="Slide Number Placeholder 3">
-            <a:extLst>
-              <a:ext uri="{FF2B5EF4-FFF2-40B4-BE49-F238E27FC236}">
-                <a16:creationId xmlns:a16="http://schemas.microsoft.com/office/drawing/2014/main" id="{7AF55A54-2678-1984-514F-6C2705DAB09E}"/>
-              </a:ext>
-            </a:extLst>
-          </p:cNvPr>
-          <p:cNvSpPr>
-            <a:spLocks noGrp="1"/>
-          </p:cNvSpPr>
-          <p:nvPr>
-            <p:ph type="sldNum" sz="quarter" idx="12"/>
-          </p:nvPr>
-        </p:nvSpPr>
-        <p:spPr/>
-        <p:txBody>
-          <a:bodyPr/>
-          <a:lstStyle/>
-          <a:p>
-            <a:fld id="{44E22EE9-B8A0-0641-9265-052CFE9B95A7}" type="slidenum">
-              <a:rPr lang="en-GB" altLang="en-US" smtClean="0"/>
-              <a:pPr/>
-              <a:t>49</a:t>
-            </a:fld>
-            <a:endParaRPr lang="en-GB" altLang="en-US" dirty="0"/>
-          </a:p>
-        </p:txBody>
-      </p:sp>
-    </p:spTree>
-    <p:extLst>
-      <p:ext uri="{BB962C8B-B14F-4D97-AF65-F5344CB8AC3E}">
-        <p14:creationId xmlns:p14="http://schemas.microsoft.com/office/powerpoint/2010/main" val="931115835"/>
       </p:ext>
     </p:extLst>
   </p:cSld>
@@ -23630,7 +25798,7 @@
               <a:rPr lang="en-GB" dirty="0">
                 <a:effectLst/>
               </a:rPr>
-              <a:t>Bayes theorem</a:t>
+              <a:t>Bayes theorem*</a:t>
             </a:r>
             <a:endParaRPr lang="en-US" dirty="0"/>
           </a:p>
@@ -23770,6 +25938,143 @@
           <p:cNvPr id="2" name="Title 1">
             <a:extLst>
               <a:ext uri="{FF2B5EF4-FFF2-40B4-BE49-F238E27FC236}">
+                <a16:creationId xmlns:a16="http://schemas.microsoft.com/office/drawing/2014/main" id="{9F3DDDEE-FB54-50ED-C020-A8E6EC1E5366}"/>
+              </a:ext>
+            </a:extLst>
+          </p:cNvPr>
+          <p:cNvSpPr>
+            <a:spLocks noGrp="1"/>
+          </p:cNvSpPr>
+          <p:nvPr>
+            <p:ph type="title"/>
+          </p:nvPr>
+        </p:nvSpPr>
+        <p:spPr/>
+        <p:txBody>
+          <a:bodyPr/>
+          <a:lstStyle/>
+          <a:p>
+            <a:r>
+              <a:rPr lang="en-GB" dirty="0"/>
+              <a:t>Prediction bias</a:t>
+            </a:r>
+          </a:p>
+        </p:txBody>
+      </p:sp>
+      <p:sp>
+        <p:nvSpPr>
+          <p:cNvPr id="3" name="Content Placeholder 2">
+            <a:extLst>
+              <a:ext uri="{FF2B5EF4-FFF2-40B4-BE49-F238E27FC236}">
+                <a16:creationId xmlns:a16="http://schemas.microsoft.com/office/drawing/2014/main" id="{5499B2E9-88D2-ABE4-9297-A36AC1EC83B9}"/>
+              </a:ext>
+            </a:extLst>
+          </p:cNvPr>
+          <p:cNvSpPr>
+            <a:spLocks noGrp="1"/>
+          </p:cNvSpPr>
+          <p:nvPr>
+            <p:ph idx="1"/>
+          </p:nvPr>
+        </p:nvSpPr>
+        <p:spPr/>
+        <p:txBody>
+          <a:bodyPr/>
+          <a:lstStyle/>
+          <a:p>
+            <a:r>
+              <a:rPr lang="en-GB" dirty="0"/>
+              <a:t>Some of the reasons: </a:t>
+            </a:r>
+          </a:p>
+          <a:p>
+            <a:pPr lvl="1"/>
+            <a:r>
+              <a:rPr lang="en-GB" sz="2400" dirty="0"/>
+              <a:t>The training set doesn't adequately represent certain subsets of the data space. </a:t>
+            </a:r>
+          </a:p>
+          <a:p>
+            <a:pPr lvl="1"/>
+            <a:r>
+              <a:rPr lang="en-GB" sz="2400" dirty="0"/>
+              <a:t>Some subsets of the data set are noisier than others. </a:t>
+            </a:r>
+          </a:p>
+          <a:p>
+            <a:pPr lvl="1"/>
+            <a:r>
+              <a:rPr lang="en-GB" sz="2400" dirty="0"/>
+              <a:t>The model is overly regularised. </a:t>
+            </a:r>
+          </a:p>
+        </p:txBody>
+      </p:sp>
+      <p:sp>
+        <p:nvSpPr>
+          <p:cNvPr id="4" name="Slide Number Placeholder 3">
+            <a:extLst>
+              <a:ext uri="{FF2B5EF4-FFF2-40B4-BE49-F238E27FC236}">
+                <a16:creationId xmlns:a16="http://schemas.microsoft.com/office/drawing/2014/main" id="{7AF55A54-2678-1984-514F-6C2705DAB09E}"/>
+              </a:ext>
+            </a:extLst>
+          </p:cNvPr>
+          <p:cNvSpPr>
+            <a:spLocks noGrp="1"/>
+          </p:cNvSpPr>
+          <p:nvPr>
+            <p:ph type="sldNum" sz="quarter" idx="12"/>
+          </p:nvPr>
+        </p:nvSpPr>
+        <p:spPr/>
+        <p:txBody>
+          <a:bodyPr/>
+          <a:lstStyle/>
+          <a:p>
+            <a:fld id="{44E22EE9-B8A0-0641-9265-052CFE9B95A7}" type="slidenum">
+              <a:rPr lang="en-GB" altLang="en-US" smtClean="0"/>
+              <a:pPr/>
+              <a:t>50</a:t>
+            </a:fld>
+            <a:endParaRPr lang="en-GB" altLang="en-US" dirty="0"/>
+          </a:p>
+        </p:txBody>
+      </p:sp>
+    </p:spTree>
+    <p:extLst>
+      <p:ext uri="{BB962C8B-B14F-4D97-AF65-F5344CB8AC3E}">
+        <p14:creationId xmlns:p14="http://schemas.microsoft.com/office/powerpoint/2010/main" val="931115835"/>
+      </p:ext>
+    </p:extLst>
+  </p:cSld>
+  <p:clrMapOvr>
+    <a:masterClrMapping/>
+  </p:clrMapOvr>
+</p:sld>
+</file>
+
+<file path=ppt/slides/slide51.xml><?xml version="1.0" encoding="utf-8"?>
+<p:sld xmlns:a="http://schemas.openxmlformats.org/drawingml/2006/main" xmlns:r="http://schemas.openxmlformats.org/officeDocument/2006/relationships" xmlns:p="http://schemas.openxmlformats.org/presentationml/2006/main">
+  <p:cSld>
+    <p:spTree>
+      <p:nvGrpSpPr>
+        <p:cNvPr id="1" name=""/>
+        <p:cNvGrpSpPr/>
+        <p:nvPr/>
+      </p:nvGrpSpPr>
+      <p:grpSpPr>
+        <a:xfrm>
+          <a:off x="0" y="0"/>
+          <a:ext cx="0" cy="0"/>
+          <a:chOff x="0" y="0"/>
+          <a:chExt cx="0" cy="0"/>
+        </a:xfrm>
+      </p:grpSpPr>
+      <p:sp>
+        <p:nvSpPr>
+          <p:cNvPr id="2" name="Title 1">
+            <a:extLst>
+              <a:ext uri="{FF2B5EF4-FFF2-40B4-BE49-F238E27FC236}">
                 <a16:creationId xmlns:a16="http://schemas.microsoft.com/office/drawing/2014/main" id="{79F1A01E-1501-4255-7802-A0D0E6F8D939}"/>
               </a:ext>
             </a:extLst>
@@ -23893,7 +26198,7 @@
             <a:fld id="{44E22EE9-B8A0-0641-9265-052CFE9B95A7}" type="slidenum">
               <a:rPr lang="en-GB" altLang="en-US" smtClean="0"/>
               <a:pPr/>
-              <a:t>50</a:t>
+              <a:t>51</a:t>
             </a:fld>
             <a:endParaRPr lang="en-GB" altLang="en-US" dirty="0"/>
           </a:p>
@@ -24257,7 +26562,7 @@
 </p:sld>
 </file>
 
-<file path=ppt/slides/slide51.xml><?xml version="1.0" encoding="utf-8"?>
+<file path=ppt/slides/slide52.xml><?xml version="1.0" encoding="utf-8"?>
 <p:sld xmlns:a="http://schemas.openxmlformats.org/drawingml/2006/main" xmlns:r="http://schemas.openxmlformats.org/officeDocument/2006/relationships" xmlns:p="http://schemas.openxmlformats.org/presentationml/2006/main">
   <p:cSld>
     <p:spTree>
@@ -24326,7 +26631,7 @@
             <a:fld id="{44E22EE9-B8A0-0641-9265-052CFE9B95A7}" type="slidenum">
               <a:rPr lang="en-GB" altLang="en-US" smtClean="0"/>
               <a:pPr/>
-              <a:t>51</a:t>
+              <a:t>52</a:t>
             </a:fld>
             <a:endParaRPr lang="en-GB" altLang="en-US" dirty="0"/>
           </a:p>
@@ -24822,7 +27127,7 @@
 </p:sld>
 </file>
 
-<file path=ppt/slides/slide52.xml><?xml version="1.0" encoding="utf-8"?>
+<file path=ppt/slides/slide53.xml><?xml version="1.0" encoding="utf-8"?>
 <p:sld xmlns:a="http://schemas.openxmlformats.org/drawingml/2006/main" xmlns:r="http://schemas.openxmlformats.org/officeDocument/2006/relationships" xmlns:p="http://schemas.openxmlformats.org/presentationml/2006/main">
   <p:cSld>
     <p:spTree>
@@ -24891,7 +27196,7 @@
             <a:fld id="{BB98F552-A29D-2D4E-8192-F20670493719}" type="slidenum">
               <a:rPr lang="en-GB" altLang="en-US" smtClean="0"/>
               <a:pPr/>
-              <a:t>52</a:t>
+              <a:t>53</a:t>
             </a:fld>
             <a:endParaRPr lang="en-GB" altLang="en-US" dirty="0"/>
           </a:p>
@@ -25003,7 +27308,7 @@
         </p:nvSpPr>
         <p:spPr>
           <a:xfrm>
-            <a:off x="1158240" y="6524046"/>
+            <a:off x="609600" y="6471612"/>
             <a:ext cx="4212163" cy="246221"/>
           </a:xfrm>
           <a:prstGeom prst="rect">
@@ -25060,7 +27365,7 @@
 </p:sld>
 </file>
 
-<file path=ppt/slides/slide53.xml><?xml version="1.0" encoding="utf-8"?>
+<file path=ppt/slides/slide54.xml><?xml version="1.0" encoding="utf-8"?>
 <p:sld xmlns:a="http://schemas.openxmlformats.org/drawingml/2006/main" xmlns:r="http://schemas.openxmlformats.org/officeDocument/2006/relationships" xmlns:p="http://schemas.openxmlformats.org/presentationml/2006/main">
   <p:cSld>
     <p:spTree>
@@ -25129,7 +27434,7 @@
             <a:fld id="{BB98F552-A29D-2D4E-8192-F20670493719}" type="slidenum">
               <a:rPr lang="en-GB" altLang="en-US" smtClean="0"/>
               <a:pPr/>
-              <a:t>53</a:t>
+              <a:t>54</a:t>
             </a:fld>
             <a:endParaRPr lang="en-GB" altLang="en-US" dirty="0"/>
           </a:p>
@@ -25184,7 +27489,7 @@
 </p:sld>
 </file>
 
-<file path=ppt/slides/slide54.xml><?xml version="1.0" encoding="utf-8"?>
+<file path=ppt/slides/slide55.xml><?xml version="1.0" encoding="utf-8"?>
 <p:sld xmlns:a="http://schemas.openxmlformats.org/drawingml/2006/main" xmlns:r="http://schemas.openxmlformats.org/officeDocument/2006/relationships" xmlns:p="http://schemas.openxmlformats.org/presentationml/2006/main">
   <p:cSld>
     <p:spTree>
@@ -25264,7 +27569,7 @@
           <a:p>
             <a:r>
               <a:rPr lang="en-US" sz="2400" dirty="0"/>
-              <a:t>Captures the “informedness” measure..</a:t>
+              <a:t>Captures the “informed-ness” measure.</a:t>
             </a:r>
           </a:p>
           <a:p>
@@ -25410,7 +27715,7 @@
                   <a:spcPts val="720"/>
                 </a:spcAft>
               </a:pPr>
-              <a:t>54</a:t>
+              <a:t>55</a:t>
             </a:fld>
             <a:endParaRPr lang="en-GB" altLang="en-US"/>
           </a:p>
@@ -25641,7 +27946,7 @@
 </p:sld>
 </file>
 
-<file path=ppt/slides/slide55.xml><?xml version="1.0" encoding="utf-8"?>
+<file path=ppt/slides/slide56.xml><?xml version="1.0" encoding="utf-8"?>
 <p:sld xmlns:a="http://schemas.openxmlformats.org/drawingml/2006/main" xmlns:r="http://schemas.openxmlformats.org/officeDocument/2006/relationships" xmlns:p="http://schemas.openxmlformats.org/presentationml/2006/main">
   <p:cSld>
     <p:spTree>
@@ -25736,7 +28041,24 @@
                 </a:solidFill>
                 <a:effectLst/>
               </a:rPr>
-              <a:t>You need to be aware that some models can give poor estimates of the class probabilities (e.g. Naïve Bayes). </a:t>
+              <a:t>You need to be aware that some models can </a:t>
+            </a:r>
+            <a:r>
+              <a:rPr lang="en-GB" dirty="0">
+                <a:solidFill>
+                  <a:srgbClr val="212529"/>
+                </a:solidFill>
+              </a:rPr>
+              <a:t>produce poor estimates of class probabilities (e.g., </a:t>
+            </a:r>
+            <a:r>
+              <a:rPr lang="en-GB" b="0" i="0" u="none" strike="noStrike" dirty="0">
+                <a:solidFill>
+                  <a:srgbClr val="212529"/>
+                </a:solidFill>
+                <a:effectLst/>
+              </a:rPr>
+              <a:t>Naïve Bayes). </a:t>
             </a:r>
           </a:p>
           <a:p>
@@ -25871,7 +28193,7 @@
             <a:fld id="{44E22EE9-B8A0-0641-9265-052CFE9B95A7}" type="slidenum">
               <a:rPr lang="en-GB" altLang="en-US" smtClean="0"/>
               <a:pPr/>
-              <a:t>55</a:t>
+              <a:t>56</a:t>
             </a:fld>
             <a:endParaRPr lang="en-GB" altLang="en-US" dirty="0"/>
           </a:p>
@@ -25890,7 +28212,7 @@
 </p:sld>
 </file>
 
-<file path=ppt/slides/slide56.xml><?xml version="1.0" encoding="utf-8"?>
+<file path=ppt/slides/slide57.xml><?xml version="1.0" encoding="utf-8"?>
 <p:sld xmlns:a="http://schemas.openxmlformats.org/drawingml/2006/main" xmlns:r="http://schemas.openxmlformats.org/officeDocument/2006/relationships" xmlns:p="http://schemas.openxmlformats.org/presentationml/2006/main">
   <p:cSld>
     <p:spTree>
@@ -25959,7 +28281,7 @@
             <a:fld id="{44E22EE9-B8A0-0641-9265-052CFE9B95A7}" type="slidenum">
               <a:rPr lang="en-GB" altLang="en-US" smtClean="0"/>
               <a:pPr/>
-              <a:t>56</a:t>
+              <a:t>57</a:t>
             </a:fld>
             <a:endParaRPr lang="en-GB" altLang="en-US" dirty="0"/>
           </a:p>
@@ -26897,7 +29219,196 @@
 </p:sld>
 </file>
 
-<file path=ppt/slides/slide57.xml><?xml version="1.0" encoding="utf-8"?>
+<file path=ppt/slides/slide58.xml><?xml version="1.0" encoding="utf-8"?>
+<p:sld xmlns:a="http://schemas.openxmlformats.org/drawingml/2006/main" xmlns:r="http://schemas.openxmlformats.org/officeDocument/2006/relationships" xmlns:p="http://schemas.openxmlformats.org/presentationml/2006/main">
+  <p:cSld>
+    <p:spTree>
+      <p:nvGrpSpPr>
+        <p:cNvPr id="1" name=""/>
+        <p:cNvGrpSpPr/>
+        <p:nvPr/>
+      </p:nvGrpSpPr>
+      <p:grpSpPr>
+        <a:xfrm>
+          <a:off x="0" y="0"/>
+          <a:ext cx="0" cy="0"/>
+          <a:chOff x="0" y="0"/>
+          <a:chExt cx="0" cy="0"/>
+        </a:xfrm>
+      </p:grpSpPr>
+      <p:sp>
+        <p:nvSpPr>
+          <p:cNvPr id="2" name="Title 1">
+            <a:extLst>
+              <a:ext uri="{FF2B5EF4-FFF2-40B4-BE49-F238E27FC236}">
+                <a16:creationId xmlns:a16="http://schemas.microsoft.com/office/drawing/2014/main" id="{D73FEA34-7417-1316-BD7C-F1D7B1A9B7F5}"/>
+              </a:ext>
+            </a:extLst>
+          </p:cNvPr>
+          <p:cNvSpPr>
+            <a:spLocks noGrp="1"/>
+          </p:cNvSpPr>
+          <p:nvPr>
+            <p:ph type="title"/>
+          </p:nvPr>
+        </p:nvSpPr>
+        <p:spPr/>
+        <p:txBody>
+          <a:bodyPr/>
+          <a:lstStyle/>
+          <a:p>
+            <a:r>
+              <a:rPr lang="en-GB" dirty="0"/>
+              <a:t>Open discussion</a:t>
+            </a:r>
+          </a:p>
+        </p:txBody>
+      </p:sp>
+      <p:sp>
+        <p:nvSpPr>
+          <p:cNvPr id="3" name="Content Placeholder 2">
+            <a:extLst>
+              <a:ext uri="{FF2B5EF4-FFF2-40B4-BE49-F238E27FC236}">
+                <a16:creationId xmlns:a16="http://schemas.microsoft.com/office/drawing/2014/main" id="{F918FBCA-D71B-35CC-3F8C-E4F2D765B4E5}"/>
+              </a:ext>
+            </a:extLst>
+          </p:cNvPr>
+          <p:cNvSpPr>
+            <a:spLocks noGrp="1"/>
+          </p:cNvSpPr>
+          <p:nvPr>
+            <p:ph idx="1"/>
+          </p:nvPr>
+        </p:nvSpPr>
+        <p:spPr/>
+        <p:txBody>
+          <a:bodyPr/>
+          <a:lstStyle/>
+          <a:p>
+            <a:r>
+              <a:rPr lang="en-GB" sz="2000" kern="1200" dirty="0"/>
+              <a:t>Imagine a hospital deploying an AI model to predict which patients are likely to be readmitted within 30 days. The goal is to allocate extra care resources to high-risk patients.</a:t>
+            </a:r>
+          </a:p>
+          <a:p>
+            <a:r>
+              <a:rPr lang="en-GB" sz="2000" kern="1200" dirty="0"/>
+              <a:t>Initial Metric: The team optimises for overall accuracy and achieves 92%. Everyone celebrates.</a:t>
+            </a:r>
+          </a:p>
+          <a:p>
+            <a:endParaRPr lang="en-GB" sz="2000" kern="1200" dirty="0"/>
+          </a:p>
+          <a:p>
+            <a:r>
+              <a:rPr lang="en-GB" sz="2000" kern="1200" dirty="0">
+                <a:solidFill>
+                  <a:srgbClr val="7030A0"/>
+                </a:solidFill>
+              </a:rPr>
+              <a:t>Hidden Problem</a:t>
+            </a:r>
+            <a:r>
+              <a:rPr lang="en-GB" sz="2000" kern="1200" dirty="0"/>
+              <a:t>: When they break down performance by demographic groups:</a:t>
+            </a:r>
+          </a:p>
+          <a:p>
+            <a:pPr lvl="1"/>
+            <a:r>
+              <a:rPr lang="en-GB" kern="1200" dirty="0">
+                <a:ea typeface="ＭＳ Ｐゴシック" charset="0"/>
+              </a:rPr>
+              <a:t>Accuracy for younger patients: 95%</a:t>
+            </a:r>
+          </a:p>
+          <a:p>
+            <a:pPr lvl="1"/>
+            <a:r>
+              <a:rPr lang="en-GB" kern="1200" dirty="0">
+                <a:ea typeface="ＭＳ Ｐゴシック" charset="0"/>
+              </a:rPr>
+              <a:t>Accuracy for older patients: 88%</a:t>
+            </a:r>
+          </a:p>
+          <a:p>
+            <a:pPr lvl="1"/>
+            <a:r>
+              <a:rPr lang="en-GB" kern="1200" dirty="0">
+                <a:ea typeface="ＭＳ Ｐゴシック" charset="0"/>
+              </a:rPr>
+              <a:t>Accuracy for minority ethnic groups: 82%</a:t>
+            </a:r>
+          </a:p>
+          <a:p>
+            <a:pPr lvl="1"/>
+            <a:endParaRPr lang="en-GB" kern="1200" dirty="0">
+              <a:ea typeface="ＭＳ Ｐゴシック" charset="0"/>
+            </a:endParaRPr>
+          </a:p>
+          <a:p>
+            <a:r>
+              <a:rPr lang="en-GB" sz="2000" kern="1200" dirty="0"/>
+              <a:t>Was accuracy the right metric?</a:t>
+            </a:r>
+          </a:p>
+          <a:p>
+            <a:endParaRPr lang="en-GB" kern="1200" dirty="0">
+              <a:ea typeface="ＭＳ Ｐゴシック" charset="0"/>
+            </a:endParaRPr>
+          </a:p>
+          <a:p>
+            <a:endParaRPr lang="en-GB" dirty="0"/>
+          </a:p>
+          <a:p>
+            <a:endParaRPr lang="en-GB" dirty="0"/>
+          </a:p>
+        </p:txBody>
+      </p:sp>
+      <p:sp>
+        <p:nvSpPr>
+          <p:cNvPr id="4" name="Slide Number Placeholder 3">
+            <a:extLst>
+              <a:ext uri="{FF2B5EF4-FFF2-40B4-BE49-F238E27FC236}">
+                <a16:creationId xmlns:a16="http://schemas.microsoft.com/office/drawing/2014/main" id="{E3919110-D2BB-2048-D794-19BAEF9766B6}"/>
+              </a:ext>
+            </a:extLst>
+          </p:cNvPr>
+          <p:cNvSpPr>
+            <a:spLocks noGrp="1"/>
+          </p:cNvSpPr>
+          <p:nvPr>
+            <p:ph type="sldNum" sz="quarter" idx="12"/>
+          </p:nvPr>
+        </p:nvSpPr>
+        <p:spPr/>
+        <p:txBody>
+          <a:bodyPr/>
+          <a:lstStyle/>
+          <a:p>
+            <a:fld id="{44E22EE9-B8A0-0641-9265-052CFE9B95A7}" type="slidenum">
+              <a:rPr lang="en-GB" altLang="en-US" smtClean="0"/>
+              <a:pPr/>
+              <a:t>58</a:t>
+            </a:fld>
+            <a:endParaRPr lang="en-GB" altLang="en-US" dirty="0"/>
+          </a:p>
+        </p:txBody>
+      </p:sp>
+    </p:spTree>
+    <p:extLst>
+      <p:ext uri="{BB962C8B-B14F-4D97-AF65-F5344CB8AC3E}">
+        <p14:creationId xmlns:p14="http://schemas.microsoft.com/office/powerpoint/2010/main" val="2134723487"/>
+      </p:ext>
+    </p:extLst>
+  </p:cSld>
+  <p:clrMapOvr>
+    <a:masterClrMapping/>
+  </p:clrMapOvr>
+</p:sld>
+</file>
+
+<file path=ppt/slides/slide59.xml><?xml version="1.0" encoding="utf-8"?>
 <p:sld xmlns:a="http://schemas.openxmlformats.org/drawingml/2006/main" xmlns:r="http://schemas.openxmlformats.org/officeDocument/2006/relationships" xmlns:p="http://schemas.openxmlformats.org/presentationml/2006/main">
   <p:cSld>
     <p:spTree>
@@ -26976,7 +29487,7 @@
             <a:fld id="{9834D1D5-66F3-7D4D-9A3F-F24FEF0D885E}" type="slidenum">
               <a:rPr lang="en-GB" altLang="en-US" smtClean="0"/>
               <a:pPr/>
-              <a:t>57</a:t>
+              <a:t>59</a:t>
             </a:fld>
             <a:endParaRPr lang="en-GB" altLang="en-US" dirty="0"/>
           </a:p>
@@ -26986,269 +29497,6 @@
     <p:extLst>
       <p:ext uri="{BB962C8B-B14F-4D97-AF65-F5344CB8AC3E}">
         <p14:creationId xmlns:p14="http://schemas.microsoft.com/office/powerpoint/2010/main" val="3843795446"/>
-      </p:ext>
-    </p:extLst>
-  </p:cSld>
-  <p:clrMapOvr>
-    <a:masterClrMapping/>
-  </p:clrMapOvr>
-</p:sld>
-</file>
-
-<file path=ppt/slides/slide58.xml><?xml version="1.0" encoding="utf-8"?>
-<p:sld xmlns:a="http://schemas.openxmlformats.org/drawingml/2006/main" xmlns:r="http://schemas.openxmlformats.org/officeDocument/2006/relationships" xmlns:p="http://schemas.openxmlformats.org/presentationml/2006/main">
-  <p:cSld>
-    <p:spTree>
-      <p:nvGrpSpPr>
-        <p:cNvPr id="1" name=""/>
-        <p:cNvGrpSpPr/>
-        <p:nvPr/>
-      </p:nvGrpSpPr>
-      <p:grpSpPr>
-        <a:xfrm>
-          <a:off x="0" y="0"/>
-          <a:ext cx="0" cy="0"/>
-          <a:chOff x="0" y="0"/>
-          <a:chExt cx="0" cy="0"/>
-        </a:xfrm>
-      </p:grpSpPr>
-      <p:sp>
-        <p:nvSpPr>
-          <p:cNvPr id="2" name="Title 1">
-            <a:extLst>
-              <a:ext uri="{FF2B5EF4-FFF2-40B4-BE49-F238E27FC236}">
-                <a16:creationId xmlns:a16="http://schemas.microsoft.com/office/drawing/2014/main" id="{465E7E74-5244-B068-C837-02704729E7EB}"/>
-              </a:ext>
-            </a:extLst>
-          </p:cNvPr>
-          <p:cNvSpPr>
-            <a:spLocks noGrp="1"/>
-          </p:cNvSpPr>
-          <p:nvPr>
-            <p:ph type="title"/>
-          </p:nvPr>
-        </p:nvSpPr>
-        <p:spPr/>
-        <p:txBody>
-          <a:bodyPr/>
-          <a:lstStyle/>
-          <a:p>
-            <a:r>
-              <a:rPr lang="en-GB" dirty="0"/>
-              <a:t>Q1</a:t>
-            </a:r>
-          </a:p>
-        </p:txBody>
-      </p:sp>
-      <p:sp>
-        <p:nvSpPr>
-          <p:cNvPr id="3" name="Content Placeholder 2">
-            <a:extLst>
-              <a:ext uri="{FF2B5EF4-FFF2-40B4-BE49-F238E27FC236}">
-                <a16:creationId xmlns:a16="http://schemas.microsoft.com/office/drawing/2014/main" id="{286A1D42-D5E2-D29B-BD83-08E87B76C2AC}"/>
-              </a:ext>
-            </a:extLst>
-          </p:cNvPr>
-          <p:cNvSpPr>
-            <a:spLocks noGrp="1"/>
-          </p:cNvSpPr>
-          <p:nvPr>
-            <p:ph idx="1"/>
-          </p:nvPr>
-        </p:nvSpPr>
-        <p:spPr/>
-        <p:txBody>
-          <a:bodyPr/>
-          <a:lstStyle/>
-          <a:p>
-            <a:r>
-              <a:rPr lang="en-GB" dirty="0"/>
-              <a:t>Imagine you come across a model for which its accuracy is specified as 91%; is that good?</a:t>
-            </a:r>
-          </a:p>
-          <a:p>
-            <a:endParaRPr lang="en-GB" dirty="0"/>
-          </a:p>
-          <a:p>
-            <a:endParaRPr lang="en-GB" dirty="0"/>
-          </a:p>
-          <a:p>
-            <a:endParaRPr lang="en-GB" dirty="0"/>
-          </a:p>
-          <a:p>
-            <a:pPr marL="0" indent="0">
-              <a:buNone/>
-            </a:pPr>
-            <a:r>
-              <a:rPr lang="en-GB" i="1" dirty="0" err="1"/>
-              <a:t>menti</a:t>
-            </a:r>
-            <a:r>
-              <a:rPr lang="en-GB" i="1" dirty="0"/>
-              <a:t> code will be provided.  </a:t>
-            </a:r>
-          </a:p>
-        </p:txBody>
-      </p:sp>
-      <p:sp>
-        <p:nvSpPr>
-          <p:cNvPr id="4" name="Slide Number Placeholder 3">
-            <a:extLst>
-              <a:ext uri="{FF2B5EF4-FFF2-40B4-BE49-F238E27FC236}">
-                <a16:creationId xmlns:a16="http://schemas.microsoft.com/office/drawing/2014/main" id="{57FE20D2-60F5-42D5-B160-ED45F97E5BEF}"/>
-              </a:ext>
-            </a:extLst>
-          </p:cNvPr>
-          <p:cNvSpPr>
-            <a:spLocks noGrp="1"/>
-          </p:cNvSpPr>
-          <p:nvPr>
-            <p:ph type="sldNum" sz="quarter" idx="12"/>
-          </p:nvPr>
-        </p:nvSpPr>
-        <p:spPr/>
-        <p:txBody>
-          <a:bodyPr/>
-          <a:lstStyle/>
-          <a:p>
-            <a:fld id="{44E22EE9-B8A0-0641-9265-052CFE9B95A7}" type="slidenum">
-              <a:rPr lang="en-GB" altLang="en-US" smtClean="0"/>
-              <a:pPr/>
-              <a:t>58</a:t>
-            </a:fld>
-            <a:endParaRPr lang="en-GB" altLang="en-US" dirty="0"/>
-          </a:p>
-        </p:txBody>
-      </p:sp>
-    </p:spTree>
-    <p:extLst>
-      <p:ext uri="{BB962C8B-B14F-4D97-AF65-F5344CB8AC3E}">
-        <p14:creationId xmlns:p14="http://schemas.microsoft.com/office/powerpoint/2010/main" val="3617302310"/>
-      </p:ext>
-    </p:extLst>
-  </p:cSld>
-  <p:clrMapOvr>
-    <a:masterClrMapping/>
-  </p:clrMapOvr>
-</p:sld>
-</file>
-
-<file path=ppt/slides/slide59.xml><?xml version="1.0" encoding="utf-8"?>
-<p:sld xmlns:a="http://schemas.openxmlformats.org/drawingml/2006/main" xmlns:r="http://schemas.openxmlformats.org/officeDocument/2006/relationships" xmlns:p="http://schemas.openxmlformats.org/presentationml/2006/main">
-  <p:cSld>
-    <p:spTree>
-      <p:nvGrpSpPr>
-        <p:cNvPr id="1" name=""/>
-        <p:cNvGrpSpPr/>
-        <p:nvPr/>
-      </p:nvGrpSpPr>
-      <p:grpSpPr>
-        <a:xfrm>
-          <a:off x="0" y="0"/>
-          <a:ext cx="0" cy="0"/>
-          <a:chOff x="0" y="0"/>
-          <a:chExt cx="0" cy="0"/>
-        </a:xfrm>
-      </p:grpSpPr>
-      <p:sp>
-        <p:nvSpPr>
-          <p:cNvPr id="2" name="Title 1">
-            <a:extLst>
-              <a:ext uri="{FF2B5EF4-FFF2-40B4-BE49-F238E27FC236}">
-                <a16:creationId xmlns:a16="http://schemas.microsoft.com/office/drawing/2014/main" id="{32A3089C-EDCE-4482-2279-E5633638789B}"/>
-              </a:ext>
-            </a:extLst>
-          </p:cNvPr>
-          <p:cNvSpPr>
-            <a:spLocks noGrp="1"/>
-          </p:cNvSpPr>
-          <p:nvPr>
-            <p:ph type="title"/>
-          </p:nvPr>
-        </p:nvSpPr>
-        <p:spPr/>
-        <p:txBody>
-          <a:bodyPr/>
-          <a:lstStyle/>
-          <a:p>
-            <a:r>
-              <a:rPr lang="en-GB" dirty="0"/>
-              <a:t>Q2</a:t>
-            </a:r>
-          </a:p>
-        </p:txBody>
-      </p:sp>
-      <p:sp>
-        <p:nvSpPr>
-          <p:cNvPr id="3" name="Content Placeholder 2">
-            <a:extLst>
-              <a:ext uri="{FF2B5EF4-FFF2-40B4-BE49-F238E27FC236}">
-                <a16:creationId xmlns:a16="http://schemas.microsoft.com/office/drawing/2014/main" id="{87D58C6A-F1B1-6070-7BFB-7DCF3B693FDD}"/>
-              </a:ext>
-            </a:extLst>
-          </p:cNvPr>
-          <p:cNvSpPr>
-            <a:spLocks noGrp="1"/>
-          </p:cNvSpPr>
-          <p:nvPr>
-            <p:ph idx="1"/>
-          </p:nvPr>
-        </p:nvSpPr>
-        <p:spPr/>
-        <p:txBody>
-          <a:bodyPr/>
-          <a:lstStyle/>
-          <a:p>
-            <a:r>
-              <a:rPr lang="en-GB" dirty="0"/>
-              <a:t>Imagine you are developing a screening tool for the risk of Alzheimer's disease using electronic healthcare records (EHR) data. You will implement an ML model to process historical medical records. Which metric will give you a higher weight (if any)? </a:t>
-            </a:r>
-          </a:p>
-          <a:p>
-            <a:endParaRPr lang="en-GB" dirty="0"/>
-          </a:p>
-          <a:p>
-            <a:pPr marL="0" indent="0">
-              <a:buNone/>
-            </a:pPr>
-            <a:endParaRPr lang="en-GB" dirty="0"/>
-          </a:p>
-        </p:txBody>
-      </p:sp>
-      <p:sp>
-        <p:nvSpPr>
-          <p:cNvPr id="4" name="Slide Number Placeholder 3">
-            <a:extLst>
-              <a:ext uri="{FF2B5EF4-FFF2-40B4-BE49-F238E27FC236}">
-                <a16:creationId xmlns:a16="http://schemas.microsoft.com/office/drawing/2014/main" id="{614783BF-7FB0-1B5E-94B7-C097BE416AE5}"/>
-              </a:ext>
-            </a:extLst>
-          </p:cNvPr>
-          <p:cNvSpPr>
-            <a:spLocks noGrp="1"/>
-          </p:cNvSpPr>
-          <p:nvPr>
-            <p:ph type="sldNum" sz="quarter" idx="12"/>
-          </p:nvPr>
-        </p:nvSpPr>
-        <p:spPr/>
-        <p:txBody>
-          <a:bodyPr/>
-          <a:lstStyle/>
-          <a:p>
-            <a:fld id="{44E22EE9-B8A0-0641-9265-052CFE9B95A7}" type="slidenum">
-              <a:rPr lang="en-GB" altLang="en-US" smtClean="0"/>
-              <a:pPr/>
-              <a:t>59</a:t>
-            </a:fld>
-            <a:endParaRPr lang="en-GB" altLang="en-US" dirty="0"/>
-          </a:p>
-        </p:txBody>
-      </p:sp>
-    </p:spTree>
-    <p:extLst>
-      <p:ext uri="{BB962C8B-B14F-4D97-AF65-F5344CB8AC3E}">
-        <p14:creationId xmlns:p14="http://schemas.microsoft.com/office/powerpoint/2010/main" val="3665407083"/>
       </p:ext>
     </p:extLst>
   </p:cSld>
@@ -27482,8 +29730,8 @@
         </p:nvSpPr>
         <p:spPr>
           <a:xfrm>
-            <a:off x="1158240" y="6394648"/>
-            <a:ext cx="6394310" cy="246221"/>
+            <a:off x="609600" y="6379794"/>
+            <a:ext cx="4550296" cy="246221"/>
           </a:xfrm>
           <a:prstGeom prst="rect">
             <a:avLst/>
@@ -27500,20 +29748,15 @@
               <a:rPr lang="en-GB" sz="1000" dirty="0">
                 <a:latin typeface="Gill Sans MT" panose="020B0502020104020203" pitchFamily="34" charset="77"/>
               </a:rPr>
-              <a:t>Source: Python Data Science Handbook by Jake </a:t>
-            </a:r>
-            <a:r>
-              <a:rPr lang="en-GB" sz="1000" dirty="0" err="1">
-                <a:latin typeface="Gill Sans MT" panose="020B0502020104020203" pitchFamily="34" charset="77"/>
-              </a:rPr>
-              <a:t>VanderPlas</a:t>
-            </a:r>
-            <a:r>
-              <a:rPr lang="en-GB" sz="1000" dirty="0">
-                <a:latin typeface="Gill Sans MT" panose="020B0502020104020203" pitchFamily="34" charset="77"/>
-              </a:rPr>
-              <a:t>.</a:t>
-            </a:r>
+              <a:t>Source: Python Data Science Handbook by Jake VanderPlas, </a:t>
+            </a:r>
+            <a:r>
+              <a:rPr lang="en-GB" sz="1000" dirty="0"/>
+              <a:t>O'Reilly Media, 2016.</a:t>
+            </a:r>
+            <a:endParaRPr lang="en-GB" sz="1000" dirty="0">
+              <a:latin typeface="Gill Sans MT" panose="020B0502020104020203" pitchFamily="34" charset="77"/>
+            </a:endParaRPr>
           </a:p>
         </p:txBody>
       </p:sp>
@@ -27552,6 +29795,269 @@
           <p:cNvPr id="2" name="Title 1">
             <a:extLst>
               <a:ext uri="{FF2B5EF4-FFF2-40B4-BE49-F238E27FC236}">
+                <a16:creationId xmlns:a16="http://schemas.microsoft.com/office/drawing/2014/main" id="{465E7E74-5244-B068-C837-02704729E7EB}"/>
+              </a:ext>
+            </a:extLst>
+          </p:cNvPr>
+          <p:cNvSpPr>
+            <a:spLocks noGrp="1"/>
+          </p:cNvSpPr>
+          <p:nvPr>
+            <p:ph type="title"/>
+          </p:nvPr>
+        </p:nvSpPr>
+        <p:spPr/>
+        <p:txBody>
+          <a:bodyPr/>
+          <a:lstStyle/>
+          <a:p>
+            <a:r>
+              <a:rPr lang="en-GB" dirty="0"/>
+              <a:t>Q1</a:t>
+            </a:r>
+          </a:p>
+        </p:txBody>
+      </p:sp>
+      <p:sp>
+        <p:nvSpPr>
+          <p:cNvPr id="3" name="Content Placeholder 2">
+            <a:extLst>
+              <a:ext uri="{FF2B5EF4-FFF2-40B4-BE49-F238E27FC236}">
+                <a16:creationId xmlns:a16="http://schemas.microsoft.com/office/drawing/2014/main" id="{286A1D42-D5E2-D29B-BD83-08E87B76C2AC}"/>
+              </a:ext>
+            </a:extLst>
+          </p:cNvPr>
+          <p:cNvSpPr>
+            <a:spLocks noGrp="1"/>
+          </p:cNvSpPr>
+          <p:nvPr>
+            <p:ph idx="1"/>
+          </p:nvPr>
+        </p:nvSpPr>
+        <p:spPr/>
+        <p:txBody>
+          <a:bodyPr/>
+          <a:lstStyle/>
+          <a:p>
+            <a:r>
+              <a:rPr lang="en-GB" dirty="0"/>
+              <a:t>Imagine you come across a model for which its accuracy is specified as 91%; is that good?</a:t>
+            </a:r>
+          </a:p>
+          <a:p>
+            <a:endParaRPr lang="en-GB" dirty="0"/>
+          </a:p>
+          <a:p>
+            <a:endParaRPr lang="en-GB" dirty="0"/>
+          </a:p>
+          <a:p>
+            <a:endParaRPr lang="en-GB" dirty="0"/>
+          </a:p>
+          <a:p>
+            <a:pPr marL="0" indent="0">
+              <a:buNone/>
+            </a:pPr>
+            <a:r>
+              <a:rPr lang="en-GB" i="1" dirty="0" err="1"/>
+              <a:t>menti</a:t>
+            </a:r>
+            <a:r>
+              <a:rPr lang="en-GB" i="1" dirty="0"/>
+              <a:t> code will be provided.  </a:t>
+            </a:r>
+          </a:p>
+        </p:txBody>
+      </p:sp>
+      <p:sp>
+        <p:nvSpPr>
+          <p:cNvPr id="4" name="Slide Number Placeholder 3">
+            <a:extLst>
+              <a:ext uri="{FF2B5EF4-FFF2-40B4-BE49-F238E27FC236}">
+                <a16:creationId xmlns:a16="http://schemas.microsoft.com/office/drawing/2014/main" id="{57FE20D2-60F5-42D5-B160-ED45F97E5BEF}"/>
+              </a:ext>
+            </a:extLst>
+          </p:cNvPr>
+          <p:cNvSpPr>
+            <a:spLocks noGrp="1"/>
+          </p:cNvSpPr>
+          <p:nvPr>
+            <p:ph type="sldNum" sz="quarter" idx="12"/>
+          </p:nvPr>
+        </p:nvSpPr>
+        <p:spPr/>
+        <p:txBody>
+          <a:bodyPr/>
+          <a:lstStyle/>
+          <a:p>
+            <a:fld id="{44E22EE9-B8A0-0641-9265-052CFE9B95A7}" type="slidenum">
+              <a:rPr lang="en-GB" altLang="en-US" smtClean="0"/>
+              <a:pPr/>
+              <a:t>60</a:t>
+            </a:fld>
+            <a:endParaRPr lang="en-GB" altLang="en-US" dirty="0"/>
+          </a:p>
+        </p:txBody>
+      </p:sp>
+    </p:spTree>
+    <p:extLst>
+      <p:ext uri="{BB962C8B-B14F-4D97-AF65-F5344CB8AC3E}">
+        <p14:creationId xmlns:p14="http://schemas.microsoft.com/office/powerpoint/2010/main" val="3617302310"/>
+      </p:ext>
+    </p:extLst>
+  </p:cSld>
+  <p:clrMapOvr>
+    <a:masterClrMapping/>
+  </p:clrMapOvr>
+</p:sld>
+</file>
+
+<file path=ppt/slides/slide61.xml><?xml version="1.0" encoding="utf-8"?>
+<p:sld xmlns:a="http://schemas.openxmlformats.org/drawingml/2006/main" xmlns:r="http://schemas.openxmlformats.org/officeDocument/2006/relationships" xmlns:p="http://schemas.openxmlformats.org/presentationml/2006/main">
+  <p:cSld>
+    <p:spTree>
+      <p:nvGrpSpPr>
+        <p:cNvPr id="1" name=""/>
+        <p:cNvGrpSpPr/>
+        <p:nvPr/>
+      </p:nvGrpSpPr>
+      <p:grpSpPr>
+        <a:xfrm>
+          <a:off x="0" y="0"/>
+          <a:ext cx="0" cy="0"/>
+          <a:chOff x="0" y="0"/>
+          <a:chExt cx="0" cy="0"/>
+        </a:xfrm>
+      </p:grpSpPr>
+      <p:sp>
+        <p:nvSpPr>
+          <p:cNvPr id="2" name="Title 1">
+            <a:extLst>
+              <a:ext uri="{FF2B5EF4-FFF2-40B4-BE49-F238E27FC236}">
+                <a16:creationId xmlns:a16="http://schemas.microsoft.com/office/drawing/2014/main" id="{32A3089C-EDCE-4482-2279-E5633638789B}"/>
+              </a:ext>
+            </a:extLst>
+          </p:cNvPr>
+          <p:cNvSpPr>
+            <a:spLocks noGrp="1"/>
+          </p:cNvSpPr>
+          <p:nvPr>
+            <p:ph type="title"/>
+          </p:nvPr>
+        </p:nvSpPr>
+        <p:spPr/>
+        <p:txBody>
+          <a:bodyPr/>
+          <a:lstStyle/>
+          <a:p>
+            <a:r>
+              <a:rPr lang="en-GB" dirty="0"/>
+              <a:t>Q2</a:t>
+            </a:r>
+          </a:p>
+        </p:txBody>
+      </p:sp>
+      <p:sp>
+        <p:nvSpPr>
+          <p:cNvPr id="3" name="Content Placeholder 2">
+            <a:extLst>
+              <a:ext uri="{FF2B5EF4-FFF2-40B4-BE49-F238E27FC236}">
+                <a16:creationId xmlns:a16="http://schemas.microsoft.com/office/drawing/2014/main" id="{87D58C6A-F1B1-6070-7BFB-7DCF3B693FDD}"/>
+              </a:ext>
+            </a:extLst>
+          </p:cNvPr>
+          <p:cNvSpPr>
+            <a:spLocks noGrp="1"/>
+          </p:cNvSpPr>
+          <p:nvPr>
+            <p:ph idx="1"/>
+          </p:nvPr>
+        </p:nvSpPr>
+        <p:spPr/>
+        <p:txBody>
+          <a:bodyPr/>
+          <a:lstStyle/>
+          <a:p>
+            <a:r>
+              <a:rPr lang="en-GB" dirty="0"/>
+              <a:t>Imagine you are developing a screening tool for the risk of Alzheimer's disease using electronic healthcare records (EHR) data. You will implement an ML model to process historical medical records. Which metric will give you a higher weight (if any)? </a:t>
+            </a:r>
+          </a:p>
+          <a:p>
+            <a:endParaRPr lang="en-GB" dirty="0"/>
+          </a:p>
+          <a:p>
+            <a:pPr marL="0" indent="0">
+              <a:buNone/>
+            </a:pPr>
+            <a:endParaRPr lang="en-GB" dirty="0"/>
+          </a:p>
+        </p:txBody>
+      </p:sp>
+      <p:sp>
+        <p:nvSpPr>
+          <p:cNvPr id="4" name="Slide Number Placeholder 3">
+            <a:extLst>
+              <a:ext uri="{FF2B5EF4-FFF2-40B4-BE49-F238E27FC236}">
+                <a16:creationId xmlns:a16="http://schemas.microsoft.com/office/drawing/2014/main" id="{614783BF-7FB0-1B5E-94B7-C097BE416AE5}"/>
+              </a:ext>
+            </a:extLst>
+          </p:cNvPr>
+          <p:cNvSpPr>
+            <a:spLocks noGrp="1"/>
+          </p:cNvSpPr>
+          <p:nvPr>
+            <p:ph type="sldNum" sz="quarter" idx="12"/>
+          </p:nvPr>
+        </p:nvSpPr>
+        <p:spPr/>
+        <p:txBody>
+          <a:bodyPr/>
+          <a:lstStyle/>
+          <a:p>
+            <a:fld id="{44E22EE9-B8A0-0641-9265-052CFE9B95A7}" type="slidenum">
+              <a:rPr lang="en-GB" altLang="en-US" smtClean="0"/>
+              <a:pPr/>
+              <a:t>61</a:t>
+            </a:fld>
+            <a:endParaRPr lang="en-GB" altLang="en-US" dirty="0"/>
+          </a:p>
+        </p:txBody>
+      </p:sp>
+    </p:spTree>
+    <p:extLst>
+      <p:ext uri="{BB962C8B-B14F-4D97-AF65-F5344CB8AC3E}">
+        <p14:creationId xmlns:p14="http://schemas.microsoft.com/office/powerpoint/2010/main" val="3665407083"/>
+      </p:ext>
+    </p:extLst>
+  </p:cSld>
+  <p:clrMapOvr>
+    <a:masterClrMapping/>
+  </p:clrMapOvr>
+</p:sld>
+</file>
+
+<file path=ppt/slides/slide62.xml><?xml version="1.0" encoding="utf-8"?>
+<p:sld xmlns:a="http://schemas.openxmlformats.org/drawingml/2006/main" xmlns:r="http://schemas.openxmlformats.org/officeDocument/2006/relationships" xmlns:p="http://schemas.openxmlformats.org/presentationml/2006/main">
+  <p:cSld>
+    <p:spTree>
+      <p:nvGrpSpPr>
+        <p:cNvPr id="1" name=""/>
+        <p:cNvGrpSpPr/>
+        <p:nvPr/>
+      </p:nvGrpSpPr>
+      <p:grpSpPr>
+        <a:xfrm>
+          <a:off x="0" y="0"/>
+          <a:ext cx="0" cy="0"/>
+          <a:chOff x="0" y="0"/>
+          <a:chExt cx="0" cy="0"/>
+        </a:xfrm>
+      </p:grpSpPr>
+      <p:sp>
+        <p:nvSpPr>
+          <p:cNvPr id="2" name="Title 1">
+            <a:extLst>
+              <a:ext uri="{FF2B5EF4-FFF2-40B4-BE49-F238E27FC236}">
                 <a16:creationId xmlns:a16="http://schemas.microsoft.com/office/drawing/2014/main" id="{5A00DCC1-7A67-AA91-6F61-8AC6A67912A4}"/>
               </a:ext>
             </a:extLst>
@@ -27649,7 +30155,7 @@
             <a:fld id="{44E22EE9-B8A0-0641-9265-052CFE9B95A7}" type="slidenum">
               <a:rPr lang="en-GB" altLang="en-US" smtClean="0"/>
               <a:pPr/>
-              <a:t>60</a:t>
+              <a:t>62</a:t>
             </a:fld>
             <a:endParaRPr lang="en-GB" altLang="en-US" dirty="0"/>
           </a:p>
@@ -27668,7 +30174,7 @@
 </p:sld>
 </file>
 
-<file path=ppt/slides/slide61.xml><?xml version="1.0" encoding="utf-8"?>
+<file path=ppt/slides/slide63.xml><?xml version="1.0" encoding="utf-8"?>
 <p:sld xmlns:a="http://schemas.openxmlformats.org/drawingml/2006/main" xmlns:r="http://schemas.openxmlformats.org/officeDocument/2006/relationships" xmlns:p="http://schemas.openxmlformats.org/presentationml/2006/main">
   <p:cSld>
     <p:spTree>
@@ -27778,7 +30284,7 @@
             <a:fld id="{44E22EE9-B8A0-0641-9265-052CFE9B95A7}" type="slidenum">
               <a:rPr lang="en-GB" altLang="en-US" smtClean="0"/>
               <a:pPr/>
-              <a:t>61</a:t>
+              <a:t>63</a:t>
             </a:fld>
             <a:endParaRPr lang="en-GB" altLang="en-US" dirty="0"/>
           </a:p>
@@ -27797,7 +30303,7 @@
 </p:sld>
 </file>
 
-<file path=ppt/slides/slide62.xml><?xml version="1.0" encoding="utf-8"?>
+<file path=ppt/slides/slide64.xml><?xml version="1.0" encoding="utf-8"?>
 <p:sld xmlns:a="http://schemas.openxmlformats.org/drawingml/2006/main" xmlns:r="http://schemas.openxmlformats.org/officeDocument/2006/relationships" xmlns:p="http://schemas.openxmlformats.org/presentationml/2006/main">
   <p:cSld>
     <p:spTree>
@@ -27844,43 +30350,6 @@
       </p:sp>
       <p:sp>
         <p:nvSpPr>
-          <p:cNvPr id="3" name="Content Placeholder 2">
-            <a:extLst>
-              <a:ext uri="{FF2B5EF4-FFF2-40B4-BE49-F238E27FC236}">
-                <a16:creationId xmlns:a16="http://schemas.microsoft.com/office/drawing/2014/main" id="{F37C2CD0-A4E6-0FCE-E04C-C1C1CB0C3E1D}"/>
-              </a:ext>
-            </a:extLst>
-          </p:cNvPr>
-          <p:cNvSpPr>
-            <a:spLocks noGrp="1"/>
-          </p:cNvSpPr>
-          <p:nvPr>
-            <p:ph idx="1"/>
-          </p:nvPr>
-        </p:nvSpPr>
-        <p:spPr/>
-        <p:txBody>
-          <a:bodyPr/>
-          <a:lstStyle/>
-          <a:p>
-            <a:r>
-              <a:rPr lang="en-US" dirty="0"/>
-              <a:t>Please feel free to arrange a meeting or email (p.barnaghi@imperial.ac.uk). </a:t>
-            </a:r>
-          </a:p>
-          <a:p>
-            <a:r>
-              <a:rPr lang="en-US" dirty="0"/>
-              <a:t>My office: 928, Sir Michael Uren Research Hub, White City Campus.</a:t>
-            </a:r>
-          </a:p>
-          <a:p>
-            <a:endParaRPr lang="en-US" dirty="0"/>
-          </a:p>
-        </p:txBody>
-      </p:sp>
-      <p:sp>
-        <p:nvSpPr>
           <p:cNvPr id="4" name="Slide Number Placeholder 3">
             <a:extLst>
               <a:ext uri="{FF2B5EF4-FFF2-40B4-BE49-F238E27FC236}">
@@ -27903,9 +30372,66 @@
             <a:fld id="{44E22EE9-B8A0-0641-9265-052CFE9B95A7}" type="slidenum">
               <a:rPr lang="en-GB" altLang="en-US" smtClean="0"/>
               <a:pPr/>
-              <a:t>62</a:t>
+              <a:t>64</a:t>
             </a:fld>
             <a:endParaRPr lang="en-GB" altLang="en-US" dirty="0"/>
+          </a:p>
+        </p:txBody>
+      </p:sp>
+      <p:sp>
+        <p:nvSpPr>
+          <p:cNvPr id="6" name="Content Placeholder 2">
+            <a:extLst>
+              <a:ext uri="{FF2B5EF4-FFF2-40B4-BE49-F238E27FC236}">
+                <a16:creationId xmlns:a16="http://schemas.microsoft.com/office/drawing/2014/main" id="{866BB837-A965-5356-F836-FF9AC54AD69B}"/>
+              </a:ext>
+            </a:extLst>
+          </p:cNvPr>
+          <p:cNvSpPr>
+            <a:spLocks noGrp="1"/>
+          </p:cNvSpPr>
+          <p:nvPr>
+            <p:ph idx="1"/>
+          </p:nvPr>
+        </p:nvSpPr>
+        <p:spPr>
+          <a:xfrm>
+            <a:off x="609600" y="1268414"/>
+            <a:ext cx="10972800" cy="4968875"/>
+          </a:xfrm>
+        </p:spPr>
+        <p:txBody>
+          <a:bodyPr/>
+          <a:lstStyle/>
+          <a:p>
+            <a:r>
+              <a:rPr lang="en-GB" noProof="0" dirty="0"/>
+              <a:t>Please feel free to arrange a meeting or email (</a:t>
+            </a:r>
+            <a:r>
+              <a:rPr lang="en-GB" noProof="0" dirty="0" err="1"/>
+              <a:t>p.barnaghi@imperial.ac.uk</a:t>
+            </a:r>
+            <a:r>
+              <a:rPr lang="en-GB" noProof="0" dirty="0"/>
+              <a:t>). </a:t>
+            </a:r>
+          </a:p>
+          <a:p>
+            <a:r>
+              <a:rPr lang="en-GB" dirty="0"/>
+              <a:t>To arrange a meeting, please email my colleague, Ms Rhiannon Kirby.</a:t>
+            </a:r>
+            <a:endParaRPr lang="en-GB" noProof="0" dirty="0"/>
+          </a:p>
+          <a:p>
+            <a:r>
+              <a:rPr lang="en-GB" noProof="0" dirty="0"/>
+              <a:t>My office: 928, Sir Michael Uren Research Hub, White City Campus.</a:t>
+            </a:r>
+          </a:p>
+          <a:p>
+            <a:endParaRPr lang="en-GB" noProof="0" dirty="0"/>
           </a:p>
         </p:txBody>
       </p:sp>
@@ -27990,7 +30516,7 @@
           <a:p>
             <a:r>
               <a:rPr lang="en-GB" dirty="0"/>
-              <a:t>We call it Naïve because it assumes that all the features are independent. In practice, this is not always true – but this assumption allows us to apply the Bayesian theorem: </a:t>
+              <a:t>We call it Naïve because it assumes that all the features are independent. In practice, this is not always true, but this assumption allows us to apply the Bayesian theorem: </a:t>
             </a:r>
           </a:p>
         </p:txBody>
@@ -28151,13 +30677,13 @@
               <a:rPr lang="en-GB" sz="2400" dirty="0">
                 <a:ea typeface="ＭＳ Ｐゴシック" charset="0"/>
               </a:rPr>
-              <a:t>Independent given the outcome</a:t>
+              <a:t>Independent, given the outcome</a:t>
             </a:r>
           </a:p>
           <a:p>
             <a:r>
               <a:rPr lang="en-GB" dirty="0"/>
-              <a:t>The assumption is not correct in the real world, but the models we can build can often be useful in real-world practice (obviously with caution).  </a:t>
+              <a:t>The assumption is not correct in the real world, but the models we can build are often useful in practice (with caution).  </a:t>
             </a:r>
           </a:p>
         </p:txBody>
@@ -28250,8 +30776,8 @@
           </a:p>
         </p:txBody>
       </p:sp>
-      <mc:AlternateContent xmlns:mc="http://schemas.openxmlformats.org/markup-compatibility/2006" xmlns:a14="http://schemas.microsoft.com/office/drawing/2010/main">
-        <mc:Choice Requires="a14">
+      <mc:AlternateContent xmlns:mc="http://schemas.openxmlformats.org/markup-compatibility/2006">
+        <mc:Choice xmlns:a14="http://schemas.microsoft.com/office/drawing/2010/main" Requires="a14">
           <p:sp>
             <p:nvSpPr>
               <p:cNvPr id="3" name="Content Placeholder 2">
@@ -28439,7 +30965,7 @@
                 </a14:m>
                 <a:r>
                   <a:rPr lang="en-GB" dirty="0"/>
-                  <a:t> is our outcome/targe (e.g. if someone has a type of disease) </a:t>
+                  <a:t> is our outcome/targe (e.g. if someone has a type of disease), </a:t>
                 </a:r>
               </a:p>
               <a:p>
@@ -28486,7 +31012,10 @@
                     </m:sSub>
                   </m:oMath>
                 </a14:m>
-                <a:endParaRPr lang="en-GB" dirty="0"/>
+                <a:r>
+                  <a:rPr lang="en-GB" dirty="0"/>
+                  <a:t>,</a:t>
+                </a:r>
               </a:p>
               <a:p>
                 <a14:m>
@@ -28656,7 +31185,7 @@
             </p:txBody>
           </p:sp>
         </mc:Choice>
-        <mc:Fallback xmlns="">
+        <mc:Fallback>
           <p:sp>
             <p:nvSpPr>
               <p:cNvPr id="3" name="Content Placeholder 2">

--- a/slides/04- Bayesian models/ML4NuerScience_BayesianModels.pptx
+++ b/slides/04- Bayesian models/ML4NuerScience_BayesianModels.pptx
@@ -362,7 +362,7 @@
               <a:pPr>
                 <a:defRPr/>
               </a:pPr>
-              <a:t>29/12/2025</a:t>
+              <a:t>14/01/2026</a:t>
             </a:fld>
             <a:endParaRPr lang="en-GB" altLang="en-US" dirty="0"/>
           </a:p>
@@ -596,7 +596,7 @@
               <a:pPr>
                 <a:defRPr/>
               </a:pPr>
-              <a:t>29/12/2025</a:t>
+              <a:t>14/01/2026</a:t>
             </a:fld>
             <a:endParaRPr lang="en-GB" altLang="en-US" dirty="0"/>
           </a:p>
@@ -1255,8 +1255,8 @@
         </p:nvSpPr>
         <p:spPr/>
       </p:sp>
-      <mc:AlternateContent xmlns:mc="http://schemas.openxmlformats.org/markup-compatibility/2006">
-        <mc:Choice xmlns:a14="http://schemas.microsoft.com/office/drawing/2010/main" Requires="a14">
+      <mc:AlternateContent xmlns:mc="http://schemas.openxmlformats.org/markup-compatibility/2006" xmlns:a14="http://schemas.microsoft.com/office/drawing/2010/main">
+        <mc:Choice Requires="a14">
           <p:sp>
             <p:nvSpPr>
               <p:cNvPr id="3" name="Notes Placeholder 2"/>
@@ -1332,7 +1332,7 @@
                         <a:solidFill>
                           <a:schemeClr val="tx1"/>
                         </a:solidFill>
-                        <a:latin typeface="+mn-lt"/>
+                        <a:latin typeface="Cambria Math" panose="02040503050406030204" pitchFamily="18" charset="0"/>
                         <a:ea typeface="ＭＳ Ｐゴシック" charset="0"/>
                         <a:cs typeface="+mn-cs"/>
                       </a:rPr>
@@ -1359,7 +1359,7 @@
                         <a:solidFill>
                           <a:schemeClr val="tx1"/>
                         </a:solidFill>
-                        <a:latin typeface="+mn-lt"/>
+                        <a:latin typeface="Cambria Math" panose="02040503050406030204" pitchFamily="18" charset="0"/>
                         <a:ea typeface="ＭＳ Ｐゴシック" charset="0"/>
                         <a:cs typeface="+mn-cs"/>
                       </a:rPr>
@@ -1386,7 +1386,7 @@
                         <a:solidFill>
                           <a:schemeClr val="tx1"/>
                         </a:solidFill>
-                        <a:latin typeface="+mn-lt"/>
+                        <a:latin typeface="Cambria Math" panose="02040503050406030204" pitchFamily="18" charset="0"/>
                         <a:ea typeface="ＭＳ Ｐゴシック" charset="0"/>
                         <a:cs typeface="+mn-cs"/>
                       </a:rPr>
@@ -1399,7 +1399,7 @@
                             <a:solidFill>
                               <a:schemeClr val="tx1"/>
                             </a:solidFill>
-                            <a:latin typeface="+mn-lt"/>
+                            <a:latin typeface="Cambria Math" panose="02040503050406030204" pitchFamily="18" charset="0"/>
                             <a:ea typeface="ＭＳ Ｐゴシック" charset="0"/>
                             <a:cs typeface="+mn-cs"/>
                           </a:rPr>
@@ -1411,7 +1411,7 @@
                             <a:solidFill>
                               <a:schemeClr val="tx1"/>
                             </a:solidFill>
-                            <a:latin typeface="+mn-lt"/>
+                            <a:latin typeface="Cambria Math" panose="02040503050406030204" pitchFamily="18" charset="0"/>
                             <a:ea typeface="ＭＳ Ｐゴシック" charset="0"/>
                             <a:cs typeface="+mn-cs"/>
                           </a:rPr>
@@ -1452,7 +1452,7 @@
                         <a:solidFill>
                           <a:schemeClr val="tx1"/>
                         </a:solidFill>
-                        <a:latin typeface="+mn-lt"/>
+                        <a:latin typeface="Cambria Math" panose="02040503050406030204" pitchFamily="18" charset="0"/>
                         <a:ea typeface="ＭＳ Ｐゴシック" charset="0"/>
                         <a:cs typeface="+mn-cs"/>
                       </a:rPr>
@@ -1480,11 +1480,11 @@
                         <m:limLoc m:val="subSup"/>
                         <m:grow m:val="on"/>
                         <m:ctrlPr>
-                          <a:rPr lang="ar-AE" sz="1538" kern="1200">
+                          <a:rPr lang="ar-AE" sz="1538" i="1" kern="1200">
                             <a:solidFill>
                               <a:schemeClr val="tx1"/>
                             </a:solidFill>
-                            <a:latin typeface="+mn-lt"/>
+                            <a:latin typeface="Cambria Math" panose="02040503050406030204" pitchFamily="18" charset="0"/>
                             <a:ea typeface="ＭＳ Ｐゴシック" charset="0"/>
                             <a:cs typeface="+mn-cs"/>
                           </a:rPr>
@@ -1496,7 +1496,7 @@
                             <a:solidFill>
                               <a:schemeClr val="tx1"/>
                             </a:solidFill>
-                            <a:latin typeface="+mn-lt"/>
+                            <a:latin typeface="Cambria Math" panose="02040503050406030204" pitchFamily="18" charset="0"/>
                             <a:ea typeface="ＭＳ Ｐゴシック" charset="0"/>
                             <a:cs typeface="+mn-cs"/>
                           </a:rPr>
@@ -1507,7 +1507,7 @@
                             <a:solidFill>
                               <a:schemeClr val="tx1"/>
                             </a:solidFill>
-                            <a:latin typeface="+mn-lt"/>
+                            <a:latin typeface="Cambria Math" panose="02040503050406030204" pitchFamily="18" charset="0"/>
                             <a:ea typeface="ＭＳ Ｐゴシック" charset="0"/>
                             <a:cs typeface="+mn-cs"/>
                           </a:rPr>
@@ -1520,7 +1520,7 @@
                             <a:solidFill>
                               <a:schemeClr val="tx1"/>
                             </a:solidFill>
-                            <a:latin typeface="+mn-lt"/>
+                            <a:latin typeface="Cambria Math" panose="02040503050406030204" pitchFamily="18" charset="0"/>
                             <a:ea typeface="ＭＳ Ｐゴシック" charset="0"/>
                             <a:cs typeface="+mn-cs"/>
                           </a:rPr>
@@ -1533,7 +1533,7 @@
                             <a:solidFill>
                               <a:schemeClr val="tx1"/>
                             </a:solidFill>
-                            <a:latin typeface="+mn-lt"/>
+                            <a:latin typeface="Cambria Math" panose="02040503050406030204" pitchFamily="18" charset="0"/>
                             <a:ea typeface="ＭＳ Ｐゴシック" charset="0"/>
                             <a:cs typeface="+mn-cs"/>
                           </a:rPr>
@@ -1548,7 +1548,7 @@
                             <a:solidFill>
                               <a:schemeClr val="tx1"/>
                             </a:solidFill>
-                            <a:latin typeface="+mn-lt"/>
+                            <a:latin typeface="Cambria Math" panose="02040503050406030204" pitchFamily="18" charset="0"/>
                             <a:ea typeface="ＭＳ Ｐゴシック" charset="0"/>
                             <a:cs typeface="+mn-cs"/>
                           </a:rPr>
@@ -1562,7 +1562,7 @@
                                 <a:solidFill>
                                   <a:schemeClr val="tx1"/>
                                 </a:solidFill>
-                                <a:latin typeface="+mn-lt"/>
+                                <a:latin typeface="Cambria Math" panose="02040503050406030204" pitchFamily="18" charset="0"/>
                                 <a:ea typeface="ＭＳ Ｐゴシック" charset="0"/>
                                 <a:cs typeface="+mn-cs"/>
                               </a:rPr>
@@ -1574,7 +1574,7 @@
                                 <a:solidFill>
                                   <a:schemeClr val="tx1"/>
                                 </a:solidFill>
-                                <a:latin typeface="+mn-lt"/>
+                                <a:latin typeface="Cambria Math" panose="02040503050406030204" pitchFamily="18" charset="0"/>
                                 <a:ea typeface="ＭＳ Ｐゴシック" charset="0"/>
                                 <a:cs typeface="+mn-cs"/>
                               </a:rPr>
@@ -1587,7 +1587,7 @@
                                 <a:solidFill>
                                   <a:schemeClr val="tx1"/>
                                 </a:solidFill>
-                                <a:latin typeface="+mn-lt"/>
+                                <a:latin typeface="Cambria Math" panose="02040503050406030204" pitchFamily="18" charset="0"/>
                                 <a:ea typeface="ＭＳ Ｐゴシック" charset="0"/>
                                 <a:cs typeface="+mn-cs"/>
                               </a:rPr>
@@ -1600,7 +1600,7 @@
                             <a:solidFill>
                               <a:schemeClr val="tx1"/>
                             </a:solidFill>
-                            <a:latin typeface="+mn-lt"/>
+                            <a:latin typeface="Cambria Math" panose="02040503050406030204" pitchFamily="18" charset="0"/>
                             <a:ea typeface="ＭＳ Ｐゴシック" charset="0"/>
                             <a:cs typeface="+mn-cs"/>
                           </a:rPr>
@@ -1611,7 +1611,7 @@
                             <a:solidFill>
                               <a:schemeClr val="tx1"/>
                             </a:solidFill>
-                            <a:latin typeface="+mn-lt"/>
+                            <a:latin typeface="Cambria Math" panose="02040503050406030204" pitchFamily="18" charset="0"/>
                             <a:ea typeface="ＭＳ Ｐゴシック" charset="0"/>
                             <a:cs typeface="+mn-cs"/>
                           </a:rPr>
@@ -1677,7 +1677,7 @@
             </p:txBody>
           </p:sp>
         </mc:Choice>
-        <mc:Fallback>
+        <mc:Fallback xmlns="">
           <p:sp>
             <p:nvSpPr>
               <p:cNvPr id="3" name="Notes Placeholder 2"/>
@@ -1995,8 +1995,8 @@
         </p:nvSpPr>
         <p:spPr/>
       </p:sp>
-      <mc:AlternateContent xmlns:mc="http://schemas.openxmlformats.org/markup-compatibility/2006">
-        <mc:Choice xmlns:a14="http://schemas.microsoft.com/office/drawing/2010/main" Requires="a14">
+      <mc:AlternateContent xmlns:mc="http://schemas.openxmlformats.org/markup-compatibility/2006" xmlns:a14="http://schemas.microsoft.com/office/drawing/2010/main">
+        <mc:Choice Requires="a14">
           <p:sp>
             <p:nvSpPr>
               <p:cNvPr id="3" name="Notes Placeholder 2"/>
@@ -2048,7 +2048,7 @@
                         <a:solidFill>
                           <a:schemeClr val="tx1"/>
                         </a:solidFill>
-                        <a:latin typeface="+mn-lt"/>
+                        <a:latin typeface="Cambria Math" panose="02040503050406030204" pitchFamily="18" charset="0"/>
                         <a:ea typeface="ＭＳ Ｐゴシック" charset="0"/>
                         <a:cs typeface="+mn-cs"/>
                       </a:rPr>
@@ -2075,7 +2075,7 @@
             </p:txBody>
           </p:sp>
         </mc:Choice>
-        <mc:Fallback>
+        <mc:Fallback xmlns="">
           <p:sp>
             <p:nvSpPr>
               <p:cNvPr id="3" name="Notes Placeholder 2"/>
@@ -2503,7 +2503,7 @@
               <a:pPr>
                 <a:defRPr/>
               </a:pPr>
-              <a:t>29/12/2025</a:t>
+              <a:t>14/01/2026</a:t>
             </a:fld>
             <a:endParaRPr lang="en-GB" altLang="en-US" dirty="0"/>
           </a:p>
@@ -2766,7 +2766,7 @@
               <a:pPr>
                 <a:defRPr/>
               </a:pPr>
-              <a:t>29/12/2025</a:t>
+              <a:t>14/01/2026</a:t>
             </a:fld>
             <a:endParaRPr lang="en-GB" altLang="en-US" dirty="0"/>
           </a:p>
@@ -3004,7 +3004,7 @@
               <a:pPr>
                 <a:defRPr/>
               </a:pPr>
-              <a:t>29/12/2025</a:t>
+              <a:t>14/01/2026</a:t>
             </a:fld>
             <a:endParaRPr lang="en-GB" altLang="en-US" dirty="0"/>
           </a:p>
@@ -3338,7 +3338,7 @@
               <a:pPr>
                 <a:defRPr/>
               </a:pPr>
-              <a:t>29/12/2025</a:t>
+              <a:t>14/01/2026</a:t>
             </a:fld>
             <a:endParaRPr lang="en-GB" altLang="en-US" dirty="0"/>
           </a:p>
@@ -3811,7 +3811,7 @@
               <a:pPr>
                 <a:defRPr/>
               </a:pPr>
-              <a:t>29/12/2025</a:t>
+              <a:t>14/01/2026</a:t>
             </a:fld>
             <a:endParaRPr lang="en-GB" altLang="en-US" dirty="0"/>
           </a:p>
@@ -3975,7 +3975,7 @@
               <a:pPr>
                 <a:defRPr/>
               </a:pPr>
-              <a:t>29/12/2025</a:t>
+              <a:t>14/01/2026</a:t>
             </a:fld>
             <a:endParaRPr lang="en-GB" altLang="en-US" dirty="0"/>
           </a:p>
@@ -4116,7 +4116,7 @@
               <a:pPr>
                 <a:defRPr/>
               </a:pPr>
-              <a:t>29/12/2025</a:t>
+              <a:t>14/01/2026</a:t>
             </a:fld>
             <a:endParaRPr lang="en-GB" altLang="en-US" dirty="0"/>
           </a:p>
@@ -4416,7 +4416,7 @@
               <a:pPr>
                 <a:defRPr/>
               </a:pPr>
-              <a:t>29/12/2025</a:t>
+              <a:t>14/01/2026</a:t>
             </a:fld>
             <a:endParaRPr lang="en-GB" altLang="en-US" dirty="0"/>
           </a:p>
@@ -4742,7 +4742,7 @@
               <a:pPr>
                 <a:defRPr/>
               </a:pPr>
-              <a:t>29/12/2025</a:t>
+              <a:t>14/01/2026</a:t>
             </a:fld>
             <a:endParaRPr lang="en-GB" altLang="en-US" dirty="0"/>
           </a:p>
@@ -7697,8 +7697,8 @@
           </a:p>
         </p:txBody>
       </p:sp>
-      <mc:AlternateContent xmlns:mc="http://schemas.openxmlformats.org/markup-compatibility/2006">
-        <mc:Choice xmlns:a14="http://schemas.microsoft.com/office/drawing/2010/main" Requires="a14">
+      <mc:AlternateContent xmlns:mc="http://schemas.openxmlformats.org/markup-compatibility/2006" xmlns:a14="http://schemas.microsoft.com/office/drawing/2010/main">
+        <mc:Choice Requires="a14">
           <p:sp>
             <p:nvSpPr>
               <p:cNvPr id="8" name="TextBox 7">
@@ -8352,7 +8352,7 @@
             </p:txBody>
           </p:sp>
         </mc:Choice>
-        <mc:Fallback>
+        <mc:Fallback xmlns="">
           <p:sp>
             <p:nvSpPr>
               <p:cNvPr id="8" name="TextBox 7">
@@ -8455,8 +8455,8 @@
           </a:p>
         </p:txBody>
       </p:sp>
-      <mc:AlternateContent xmlns:mc="http://schemas.openxmlformats.org/markup-compatibility/2006">
-        <mc:Choice xmlns:a14="http://schemas.microsoft.com/office/drawing/2010/main" Requires="a14">
+      <mc:AlternateContent xmlns:mc="http://schemas.openxmlformats.org/markup-compatibility/2006" xmlns:a14="http://schemas.microsoft.com/office/drawing/2010/main">
+        <mc:Choice Requires="a14">
           <p:sp>
             <p:nvSpPr>
               <p:cNvPr id="3" name="Content Placeholder 2">
@@ -8909,7 +8909,9 @@
                 <a14:m>
                   <m:oMath xmlns:m="http://schemas.openxmlformats.org/officeDocument/2006/math">
                     <m:r>
-                      <a:rPr lang="en-GB" kern="1200"/>
+                      <a:rPr lang="en-GB" kern="1200">
+                        <a:latin typeface="Cambria Math" panose="02040503050406030204" pitchFamily="18" charset="0"/>
+                      </a:rPr>
                       <m:t>𝑦</m:t>
                     </m:r>
                   </m:oMath>
@@ -8932,7 +8934,7 @@
             </p:txBody>
           </p:sp>
         </mc:Choice>
-        <mc:Fallback>
+        <mc:Fallback xmlns="">
           <p:sp>
             <p:nvSpPr>
               <p:cNvPr id="3" name="Content Placeholder 2">
@@ -14469,8 +14471,8 @@
           </a:p>
         </p:txBody>
       </p:sp>
-      <mc:AlternateContent xmlns:mc="http://schemas.openxmlformats.org/markup-compatibility/2006">
-        <mc:Choice xmlns:a14="http://schemas.microsoft.com/office/drawing/2010/main" Requires="a14">
+      <mc:AlternateContent xmlns:mc="http://schemas.openxmlformats.org/markup-compatibility/2006" xmlns:a14="http://schemas.microsoft.com/office/drawing/2010/main">
+        <mc:Choice Requires="a14">
           <p:sp>
             <p:nvSpPr>
               <p:cNvPr id="3" name="Content Placeholder 2">
@@ -14573,7 +14575,7 @@
             </p:txBody>
           </p:sp>
         </mc:Choice>
-        <mc:Fallback>
+        <mc:Fallback xmlns="">
           <p:sp>
             <p:nvSpPr>
               <p:cNvPr id="3" name="Content Placeholder 2">
@@ -14862,8 +14864,8 @@
           </a:p>
         </p:txBody>
       </p:sp>
-      <mc:AlternateContent xmlns:mc="http://schemas.openxmlformats.org/markup-compatibility/2006">
-        <mc:Choice xmlns:a14="http://schemas.microsoft.com/office/drawing/2010/main" Requires="a14">
+      <mc:AlternateContent xmlns:mc="http://schemas.openxmlformats.org/markup-compatibility/2006" xmlns:a14="http://schemas.microsoft.com/office/drawing/2010/main">
+        <mc:Choice Requires="a14">
           <p:sp>
             <p:nvSpPr>
               <p:cNvPr id="3" name="Content Placeholder 2">
@@ -15140,7 +15142,7 @@
             </p:txBody>
           </p:sp>
         </mc:Choice>
-        <mc:Fallback>
+        <mc:Fallback xmlns="">
           <p:sp>
             <p:nvSpPr>
               <p:cNvPr id="3" name="Content Placeholder 2">
@@ -15268,8 +15270,8 @@
           </a:p>
         </p:txBody>
       </p:sp>
-      <mc:AlternateContent xmlns:mc="http://schemas.openxmlformats.org/markup-compatibility/2006">
-        <mc:Choice xmlns:a14="http://schemas.microsoft.com/office/drawing/2010/main" Requires="a14">
+      <mc:AlternateContent xmlns:mc="http://schemas.openxmlformats.org/markup-compatibility/2006" xmlns:a14="http://schemas.microsoft.com/office/drawing/2010/main">
+        <mc:Choice Requires="a14">
           <p:sp>
             <p:nvSpPr>
               <p:cNvPr id="3" name="Content Placeholder 2">
@@ -15591,7 +15593,7 @@
             </p:txBody>
           </p:sp>
         </mc:Choice>
-        <mc:Fallback>
+        <mc:Fallback xmlns="">
           <p:sp>
             <p:nvSpPr>
               <p:cNvPr id="3" name="Content Placeholder 2">
@@ -15719,8 +15721,8 @@
           </a:p>
         </p:txBody>
       </p:sp>
-      <mc:AlternateContent xmlns:mc="http://schemas.openxmlformats.org/markup-compatibility/2006">
-        <mc:Choice xmlns:a14="http://schemas.microsoft.com/office/drawing/2010/main" Requires="a14">
+      <mc:AlternateContent xmlns:mc="http://schemas.openxmlformats.org/markup-compatibility/2006" xmlns:a14="http://schemas.microsoft.com/office/drawing/2010/main">
+        <mc:Choice Requires="a14">
           <p:sp>
             <p:nvSpPr>
               <p:cNvPr id="3" name="Content Placeholder 2">
@@ -15990,7 +15992,7 @@
             </p:txBody>
           </p:sp>
         </mc:Choice>
-        <mc:Fallback>
+        <mc:Fallback xmlns="">
           <p:sp>
             <p:nvSpPr>
               <p:cNvPr id="3" name="Content Placeholder 2">
@@ -17222,8 +17224,8 @@
           </a:p>
         </p:txBody>
       </p:sp>
-      <mc:AlternateContent xmlns:mc="http://schemas.openxmlformats.org/markup-compatibility/2006">
-        <mc:Choice xmlns:a14="http://schemas.microsoft.com/office/drawing/2010/main" Requires="a14">
+      <mc:AlternateContent xmlns:mc="http://schemas.openxmlformats.org/markup-compatibility/2006" xmlns:a14="http://schemas.microsoft.com/office/drawing/2010/main">
+        <mc:Choice Requires="a14">
           <p:sp>
             <p:nvSpPr>
               <p:cNvPr id="3" name="Content Placeholder 2">
@@ -17355,7 +17357,7 @@
             </p:txBody>
           </p:sp>
         </mc:Choice>
-        <mc:Fallback>
+        <mc:Fallback xmlns="">
           <p:sp>
             <p:nvSpPr>
               <p:cNvPr id="3" name="Content Placeholder 2">
@@ -29332,16 +29334,9 @@
             </a:r>
           </a:p>
           <a:p>
-            <a:pPr lvl="1"/>
-            <a:r>
-              <a:rPr lang="en-GB" kern="1200" dirty="0">
-                <a:ea typeface="ＭＳ Ｐゴシック" charset="0"/>
-              </a:rPr>
-              <a:t>Accuracy for minority ethnic groups: 82%</a:t>
-            </a:r>
-          </a:p>
-          <a:p>
-            <a:pPr lvl="1"/>
+            <a:pPr marL="457182" lvl="1" indent="0">
+              <a:buNone/>
+            </a:pPr>
             <a:endParaRPr lang="en-GB" kern="1200" dirty="0">
               <a:ea typeface="ＭＳ Ｐゴシック" charset="0"/>
             </a:endParaRPr>
@@ -30776,8 +30771,8 @@
           </a:p>
         </p:txBody>
       </p:sp>
-      <mc:AlternateContent xmlns:mc="http://schemas.openxmlformats.org/markup-compatibility/2006">
-        <mc:Choice xmlns:a14="http://schemas.microsoft.com/office/drawing/2010/main" Requires="a14">
+      <mc:AlternateContent xmlns:mc="http://schemas.openxmlformats.org/markup-compatibility/2006" xmlns:a14="http://schemas.microsoft.com/office/drawing/2010/main">
+        <mc:Choice Requires="a14">
           <p:sp>
             <p:nvSpPr>
               <p:cNvPr id="3" name="Content Placeholder 2">
@@ -31185,7 +31180,7 @@
             </p:txBody>
           </p:sp>
         </mc:Choice>
-        <mc:Fallback>
+        <mc:Fallback xmlns="">
           <p:sp>
             <p:nvSpPr>
               <p:cNvPr id="3" name="Content Placeholder 2">
